--- a/Presentation.pptx
+++ b/Presentation.pptx
@@ -8,6 +8,8 @@
     <p:sldId id="256" r:id="rId2"/>
     <p:sldId id="257" r:id="rId3"/>
     <p:sldId id="258" r:id="rId4"/>
+    <p:sldId id="259" r:id="rId5"/>
+    <p:sldId id="260" r:id="rId6"/>
   </p:sldIdLst>
   <p:sldSz cx="12192000" cy="6858000"/>
   <p:notesSz cx="6858000" cy="9144000"/>
@@ -106,6 +108,11 @@
       </a:defRPr>
     </a:lvl9pPr>
   </p:defaultTextStyle>
+  <p:extLst>
+    <p:ext uri="{EFAFB233-063F-42B5-8137-9DF3F51BA10A}">
+      <p15:sldGuideLst xmlns:p15="http://schemas.microsoft.com/office/powerpoint/2012/main"/>
+    </p:ext>
+  </p:extLst>
 </p:presentation>
 </file>
 
@@ -3576,7 +3583,10 @@
           <a:bodyPr/>
           <a:lstStyle/>
           <a:p>
-            <a:endParaRPr lang="en-US"/>
+            <a:r>
+              <a:rPr lang="en-US" dirty="0"/>
+              <a:t>What we used	</a:t>
+            </a:r>
           </a:p>
         </p:txBody>
       </p:sp>
@@ -3601,7 +3611,20 @@
           <a:bodyPr/>
           <a:lstStyle/>
           <a:p>
-            <a:endParaRPr lang="en-US"/>
+            <a:r>
+              <a:rPr lang="en-US" dirty="0"/>
+              <a:t>Boston crime dataset that is released by the government here. </a:t>
+            </a:r>
+            <a:r>
+              <a:rPr lang="en-US" dirty="0">
+                <a:hlinkClick r:id="rId2"/>
+              </a:rPr>
+              <a:t>https://data.boston.gov/dataset/crime-incident-reports-august-2015-to-date-source-new-system</a:t>
+            </a:r>
+            <a:endParaRPr lang="en-US" dirty="0"/>
+          </a:p>
+          <a:p>
+            <a:endParaRPr lang="en-US" dirty="0"/>
           </a:p>
         </p:txBody>
       </p:sp>
@@ -3609,6 +3632,162 @@
     <p:extLst>
       <p:ext uri="{BB962C8B-B14F-4D97-AF65-F5344CB8AC3E}">
         <p14:creationId xmlns:p14="http://schemas.microsoft.com/office/powerpoint/2010/main" val="3821859980"/>
+      </p:ext>
+    </p:extLst>
+  </p:cSld>
+  <p:clrMapOvr>
+    <a:masterClrMapping/>
+  </p:clrMapOvr>
+</p:sld>
+</file>
+
+<file path=ppt/slides/slide4.xml><?xml version="1.0" encoding="utf-8"?>
+<p:sld xmlns:a="http://schemas.openxmlformats.org/drawingml/2006/main" xmlns:r="http://schemas.openxmlformats.org/officeDocument/2006/relationships" xmlns:p="http://schemas.openxmlformats.org/presentationml/2006/main">
+  <p:cSld>
+    <p:spTree>
+      <p:nvGrpSpPr>
+        <p:cNvPr id="1" name=""/>
+        <p:cNvGrpSpPr/>
+        <p:nvPr/>
+      </p:nvGrpSpPr>
+      <p:grpSpPr>
+        <a:xfrm>
+          <a:off x="0" y="0"/>
+          <a:ext cx="0" cy="0"/>
+          <a:chOff x="0" y="0"/>
+          <a:chExt cx="0" cy="0"/>
+        </a:xfrm>
+      </p:grpSpPr>
+      <p:sp>
+        <p:nvSpPr>
+          <p:cNvPr id="2" name="Title 1">
+            <a:extLst>
+              <a:ext uri="{FF2B5EF4-FFF2-40B4-BE49-F238E27FC236}">
+                <a16:creationId xmlns:a16="http://schemas.microsoft.com/office/drawing/2014/main" id="{A64E4922-E7B7-4BA0-8AA6-69C936697140}"/>
+              </a:ext>
+            </a:extLst>
+          </p:cNvPr>
+          <p:cNvSpPr>
+            <a:spLocks noGrp="1"/>
+          </p:cNvSpPr>
+          <p:nvPr>
+            <p:ph type="title"/>
+          </p:nvPr>
+        </p:nvSpPr>
+        <p:spPr/>
+        <p:txBody>
+          <a:bodyPr/>
+          <a:lstStyle/>
+          <a:p>
+            <a:r>
+              <a:rPr lang="en-US" dirty="0"/>
+              <a:t>Crime data	</a:t>
+            </a:r>
+          </a:p>
+        </p:txBody>
+      </p:sp>
+      <p:sp>
+        <p:nvSpPr>
+          <p:cNvPr id="3" name="Content Placeholder 2">
+            <a:extLst>
+              <a:ext uri="{FF2B5EF4-FFF2-40B4-BE49-F238E27FC236}">
+                <a16:creationId xmlns:a16="http://schemas.microsoft.com/office/drawing/2014/main" id="{C0827257-DBC3-4050-81AD-F8062D9ADB8E}"/>
+              </a:ext>
+            </a:extLst>
+          </p:cNvPr>
+          <p:cNvSpPr>
+            <a:spLocks noGrp="1"/>
+          </p:cNvSpPr>
+          <p:nvPr>
+            <p:ph idx="1"/>
+          </p:nvPr>
+        </p:nvSpPr>
+        <p:spPr/>
+        <p:txBody>
+          <a:bodyPr/>
+          <a:lstStyle/>
+          <a:p>
+            <a:r>
+              <a:rPr lang="en-US" dirty="0"/>
+              <a:t>Why we chose this dataset?</a:t>
+            </a:r>
+          </a:p>
+          <a:p>
+            <a:r>
+              <a:rPr lang="en-US" dirty="0"/>
+              <a:t>Dataset description</a:t>
+            </a:r>
+          </a:p>
+          <a:p>
+            <a:endParaRPr lang="en-US" dirty="0"/>
+          </a:p>
+          <a:p>
+            <a:endParaRPr lang="en-US" dirty="0"/>
+          </a:p>
+        </p:txBody>
+      </p:sp>
+    </p:spTree>
+    <p:extLst>
+      <p:ext uri="{BB962C8B-B14F-4D97-AF65-F5344CB8AC3E}">
+        <p14:creationId xmlns:p14="http://schemas.microsoft.com/office/powerpoint/2010/main" val="1263831316"/>
+      </p:ext>
+    </p:extLst>
+  </p:cSld>
+  <p:clrMapOvr>
+    <a:masterClrMapping/>
+  </p:clrMapOvr>
+</p:sld>
+</file>
+
+<file path=ppt/slides/slide5.xml><?xml version="1.0" encoding="utf-8"?>
+<p:sld xmlns:a="http://schemas.openxmlformats.org/drawingml/2006/main" xmlns:r="http://schemas.openxmlformats.org/officeDocument/2006/relationships" xmlns:p="http://schemas.openxmlformats.org/presentationml/2006/main">
+  <p:cSld>
+    <p:spTree>
+      <p:nvGrpSpPr>
+        <p:cNvPr id="1" name=""/>
+        <p:cNvGrpSpPr/>
+        <p:nvPr/>
+      </p:nvGrpSpPr>
+      <p:grpSpPr>
+        <a:xfrm>
+          <a:off x="0" y="0"/>
+          <a:ext cx="0" cy="0"/>
+          <a:chOff x="0" y="0"/>
+          <a:chExt cx="0" cy="0"/>
+        </a:xfrm>
+      </p:grpSpPr>
+      <p:sp>
+        <p:nvSpPr>
+          <p:cNvPr id="2" name="Title 1">
+            <a:extLst>
+              <a:ext uri="{FF2B5EF4-FFF2-40B4-BE49-F238E27FC236}">
+                <a16:creationId xmlns:a16="http://schemas.microsoft.com/office/drawing/2014/main" id="{04B3C669-23D8-454D-B095-27B45BA8EE8C}"/>
+              </a:ext>
+            </a:extLst>
+          </p:cNvPr>
+          <p:cNvSpPr>
+            <a:spLocks noGrp="1"/>
+          </p:cNvSpPr>
+          <p:nvPr>
+            <p:ph type="ctrTitle"/>
+          </p:nvPr>
+        </p:nvSpPr>
+        <p:spPr/>
+        <p:txBody>
+          <a:bodyPr/>
+          <a:lstStyle/>
+          <a:p>
+            <a:r>
+              <a:rPr lang="en-US" dirty="0"/>
+              <a:t>Solution/Method</a:t>
+            </a:r>
+          </a:p>
+        </p:txBody>
+      </p:sp>
+    </p:spTree>
+    <p:extLst>
+      <p:ext uri="{BB962C8B-B14F-4D97-AF65-F5344CB8AC3E}">
+        <p14:creationId xmlns:p14="http://schemas.microsoft.com/office/powerpoint/2010/main" val="4076487023"/>
       </p:ext>
     </p:extLst>
   </p:cSld>

--- a/Presentation.pptx
+++ b/Presentation.pptx
@@ -10,6 +10,17 @@
     <p:sldId id="258" r:id="rId4"/>
     <p:sldId id="259" r:id="rId5"/>
     <p:sldId id="260" r:id="rId6"/>
+    <p:sldId id="261" r:id="rId7"/>
+    <p:sldId id="262" r:id="rId8"/>
+    <p:sldId id="263" r:id="rId9"/>
+    <p:sldId id="264" r:id="rId10"/>
+    <p:sldId id="267" r:id="rId11"/>
+    <p:sldId id="268" r:id="rId12"/>
+    <p:sldId id="265" r:id="rId13"/>
+    <p:sldId id="266" r:id="rId14"/>
+    <p:sldId id="269" r:id="rId15"/>
+    <p:sldId id="270" r:id="rId16"/>
+    <p:sldId id="271" r:id="rId17"/>
   </p:sldIdLst>
   <p:sldSz cx="12192000" cy="6858000"/>
   <p:notesSz cx="6858000" cy="9144000"/>
@@ -292,7 +303,7 @@
           <a:p>
             <a:fld id="{E8889CCE-19B0-40A4-98A2-DDC4046C21DE}" type="datetimeFigureOut">
               <a:rPr lang="en-US" smtClean="0"/>
-              <a:t>7/31/2019</a:t>
+              <a:t>8/2/2019</a:t>
             </a:fld>
             <a:endParaRPr lang="en-US"/>
           </a:p>
@@ -462,7 +473,7 @@
           <a:p>
             <a:fld id="{E8889CCE-19B0-40A4-98A2-DDC4046C21DE}" type="datetimeFigureOut">
               <a:rPr lang="en-US" smtClean="0"/>
-              <a:t>7/31/2019</a:t>
+              <a:t>8/2/2019</a:t>
             </a:fld>
             <a:endParaRPr lang="en-US"/>
           </a:p>
@@ -685,7 +696,7 @@
           <a:p>
             <a:fld id="{E8889CCE-19B0-40A4-98A2-DDC4046C21DE}" type="datetimeFigureOut">
               <a:rPr lang="en-US" smtClean="0"/>
-              <a:t>7/31/2019</a:t>
+              <a:t>8/2/2019</a:t>
             </a:fld>
             <a:endParaRPr lang="en-US"/>
           </a:p>
@@ -865,7 +876,7 @@
           <a:p>
             <a:fld id="{E8889CCE-19B0-40A4-98A2-DDC4046C21DE}" type="datetimeFigureOut">
               <a:rPr lang="en-US" smtClean="0"/>
-              <a:t>7/31/2019</a:t>
+              <a:t>8/2/2019</a:t>
             </a:fld>
             <a:endParaRPr lang="en-US"/>
           </a:p>
@@ -1171,7 +1182,7 @@
           <a:p>
             <a:fld id="{E8889CCE-19B0-40A4-98A2-DDC4046C21DE}" type="datetimeFigureOut">
               <a:rPr lang="en-US" smtClean="0"/>
-              <a:t>7/31/2019</a:t>
+              <a:t>8/2/2019</a:t>
             </a:fld>
             <a:endParaRPr lang="en-US"/>
           </a:p>
@@ -1475,7 +1486,7 @@
           <a:p>
             <a:fld id="{E8889CCE-19B0-40A4-98A2-DDC4046C21DE}" type="datetimeFigureOut">
               <a:rPr lang="en-US" smtClean="0"/>
-              <a:t>7/31/2019</a:t>
+              <a:t>8/2/2019</a:t>
             </a:fld>
             <a:endParaRPr lang="en-US"/>
           </a:p>
@@ -1897,7 +1908,7 @@
           <a:p>
             <a:fld id="{E8889CCE-19B0-40A4-98A2-DDC4046C21DE}" type="datetimeFigureOut">
               <a:rPr lang="en-US" smtClean="0"/>
-              <a:t>7/31/2019</a:t>
+              <a:t>8/2/2019</a:t>
             </a:fld>
             <a:endParaRPr lang="en-US"/>
           </a:p>
@@ -2015,7 +2026,7 @@
           <a:p>
             <a:fld id="{E8889CCE-19B0-40A4-98A2-DDC4046C21DE}" type="datetimeFigureOut">
               <a:rPr lang="en-US" smtClean="0"/>
-              <a:t>7/31/2019</a:t>
+              <a:t>8/2/2019</a:t>
             </a:fld>
             <a:endParaRPr lang="en-US"/>
           </a:p>
@@ -2110,7 +2121,7 @@
           <a:p>
             <a:fld id="{E8889CCE-19B0-40A4-98A2-DDC4046C21DE}" type="datetimeFigureOut">
               <a:rPr lang="en-US" smtClean="0"/>
-              <a:t>7/31/2019</a:t>
+              <a:t>8/2/2019</a:t>
             </a:fld>
             <a:endParaRPr lang="en-US"/>
           </a:p>
@@ -2383,7 +2394,7 @@
           <a:p>
             <a:fld id="{E8889CCE-19B0-40A4-98A2-DDC4046C21DE}" type="datetimeFigureOut">
               <a:rPr lang="en-US" smtClean="0"/>
-              <a:t>7/31/2019</a:t>
+              <a:t>8/2/2019</a:t>
             </a:fld>
             <a:endParaRPr lang="en-US"/>
           </a:p>
@@ -2648,7 +2659,7 @@
           <a:p>
             <a:fld id="{E8889CCE-19B0-40A4-98A2-DDC4046C21DE}" type="datetimeFigureOut">
               <a:rPr lang="en-US" smtClean="0"/>
-              <a:t>7/31/2019</a:t>
+              <a:t>8/2/2019</a:t>
             </a:fld>
             <a:endParaRPr lang="en-US"/>
           </a:p>
@@ -2897,7 +2908,7 @@
           <a:p>
             <a:fld id="{E8889CCE-19B0-40A4-98A2-DDC4046C21DE}" type="datetimeFigureOut">
               <a:rPr lang="en-US" smtClean="0"/>
-              <a:t>7/31/2019</a:t>
+              <a:t>8/2/2019</a:t>
             </a:fld>
             <a:endParaRPr lang="en-US"/>
           </a:p>
@@ -3441,6 +3452,1153 @@
 </p:sld>
 </file>
 
+<file path=ppt/slides/slide10.xml><?xml version="1.0" encoding="utf-8"?>
+<p:sld xmlns:a="http://schemas.openxmlformats.org/drawingml/2006/main" xmlns:r="http://schemas.openxmlformats.org/officeDocument/2006/relationships" xmlns:p="http://schemas.openxmlformats.org/presentationml/2006/main">
+  <p:cSld>
+    <p:bg>
+      <p:bgPr>
+        <a:solidFill>
+          <a:schemeClr val="bg2"/>
+        </a:solidFill>
+        <a:effectLst/>
+      </p:bgPr>
+    </p:bg>
+    <p:spTree>
+      <p:nvGrpSpPr>
+        <p:cNvPr id="1" name=""/>
+        <p:cNvGrpSpPr/>
+        <p:nvPr/>
+      </p:nvGrpSpPr>
+      <p:grpSpPr>
+        <a:xfrm>
+          <a:off x="0" y="0"/>
+          <a:ext cx="0" cy="0"/>
+          <a:chOff x="0" y="0"/>
+          <a:chExt cx="0" cy="0"/>
+        </a:xfrm>
+      </p:grpSpPr>
+      <p:sp>
+        <p:nvSpPr>
+          <p:cNvPr id="12" name="Rectangle 11">
+            <a:extLst>
+              <a:ext uri="{FF2B5EF4-FFF2-40B4-BE49-F238E27FC236}">
+                <a16:creationId xmlns:a16="http://schemas.microsoft.com/office/drawing/2014/main" id="{918D53E2-5279-4AF5-A32F-3615A67D2C2E}"/>
+              </a:ext>
+              <a:ext uri="{C183D7F6-B498-43B3-948B-1728B52AA6E4}">
+                <adec:decorative xmlns:adec="http://schemas.microsoft.com/office/drawing/2017/decorative" val="1"/>
+              </a:ext>
+            </a:extLst>
+          </p:cNvPr>
+          <p:cNvSpPr>
+            <a:spLocks noGrp="1" noRot="1" noChangeAspect="1" noMove="1" noResize="1" noEditPoints="1" noAdjustHandles="1" noChangeArrowheads="1" noChangeShapeType="1" noTextEdit="1"/>
+          </p:cNvSpPr>
+          <p:nvPr>
+            <p:extLst>
+              <p:ext uri="{386F3935-93C4-4BCD-93E2-E3B085C9AB24}">
+                <p16:designElem xmlns:p16="http://schemas.microsoft.com/office/powerpoint/2015/main" val="1"/>
+              </p:ext>
+            </p:extLst>
+          </p:nvPr>
+        </p:nvSpPr>
+        <p:spPr>
+          <a:xfrm>
+            <a:off x="3048" y="0"/>
+            <a:ext cx="12188952" cy="6858000"/>
+          </a:xfrm>
+          <a:prstGeom prst="rect">
+            <a:avLst/>
+          </a:prstGeom>
+          <a:solidFill>
+            <a:schemeClr val="bg2"/>
+          </a:solidFill>
+          <a:ln>
+            <a:noFill/>
+          </a:ln>
+        </p:spPr>
+        <p:style>
+          <a:lnRef idx="0">
+            <a:scrgbClr r="0" g="0" b="0"/>
+          </a:lnRef>
+          <a:fillRef idx="1001">
+            <a:schemeClr val="dk2"/>
+          </a:fillRef>
+          <a:effectRef idx="0">
+            <a:scrgbClr r="0" g="0" b="0"/>
+          </a:effectRef>
+          <a:fontRef idx="minor">
+            <a:schemeClr val="lt1"/>
+          </a:fontRef>
+        </p:style>
+        <p:txBody>
+          <a:bodyPr rtlCol="0" anchor="ctr"/>
+          <a:lstStyle/>
+          <a:p>
+            <a:pPr algn="ctr"/>
+            <a:endParaRPr lang="en-US" dirty="0"/>
+          </a:p>
+        </p:txBody>
+      </p:sp>
+      <p:sp>
+        <p:nvSpPr>
+          <p:cNvPr id="14" name="Rectangle 13">
+            <a:extLst>
+              <a:ext uri="{FF2B5EF4-FFF2-40B4-BE49-F238E27FC236}">
+                <a16:creationId xmlns:a16="http://schemas.microsoft.com/office/drawing/2014/main" id="{22432818-1B2C-408D-93F1-667C5008A24D}"/>
+              </a:ext>
+              <a:ext uri="{C183D7F6-B498-43B3-948B-1728B52AA6E4}">
+                <adec:decorative xmlns:adec="http://schemas.microsoft.com/office/drawing/2017/decorative" val="1"/>
+              </a:ext>
+            </a:extLst>
+          </p:cNvPr>
+          <p:cNvSpPr>
+            <a:spLocks noGrp="1" noRot="1" noChangeAspect="1" noMove="1" noResize="1" noEditPoints="1" noAdjustHandles="1" noChangeArrowheads="1" noChangeShapeType="1" noTextEdit="1"/>
+          </p:cNvSpPr>
+          <p:nvPr>
+            <p:extLst>
+              <p:ext uri="{386F3935-93C4-4BCD-93E2-E3B085C9AB24}">
+                <p16:designElem xmlns:p16="http://schemas.microsoft.com/office/powerpoint/2015/main" val="1"/>
+              </p:ext>
+            </p:extLst>
+          </p:nvPr>
+        </p:nvSpPr>
+        <p:spPr>
+          <a:xfrm>
+            <a:off x="640080" y="639097"/>
+            <a:ext cx="3410810" cy="5578823"/>
+          </a:xfrm>
+          <a:prstGeom prst="rect">
+            <a:avLst/>
+          </a:prstGeom>
+          <a:ln>
+            <a:noFill/>
+          </a:ln>
+        </p:spPr>
+        <p:style>
+          <a:lnRef idx="2">
+            <a:schemeClr val="accent1">
+              <a:shade val="50000"/>
+            </a:schemeClr>
+          </a:lnRef>
+          <a:fillRef idx="1001">
+            <a:schemeClr val="lt1"/>
+          </a:fillRef>
+          <a:effectRef idx="0">
+            <a:schemeClr val="accent1"/>
+          </a:effectRef>
+          <a:fontRef idx="minor">
+            <a:schemeClr val="lt1"/>
+          </a:fontRef>
+        </p:style>
+        <p:txBody>
+          <a:bodyPr rtlCol="0" anchor="ctr"/>
+          <a:lstStyle/>
+          <a:p>
+            <a:pPr algn="ctr"/>
+            <a:endParaRPr lang="en-US" dirty="0"/>
+          </a:p>
+        </p:txBody>
+      </p:sp>
+      <p:sp>
+        <p:nvSpPr>
+          <p:cNvPr id="2" name="Title 1">
+            <a:extLst>
+              <a:ext uri="{FF2B5EF4-FFF2-40B4-BE49-F238E27FC236}">
+                <a16:creationId xmlns:a16="http://schemas.microsoft.com/office/drawing/2014/main" id="{92DC92BA-82F8-4B9D-A97F-E2D5417EE81B}"/>
+              </a:ext>
+            </a:extLst>
+          </p:cNvPr>
+          <p:cNvSpPr>
+            <a:spLocks noGrp="1"/>
+          </p:cNvSpPr>
+          <p:nvPr>
+            <p:ph type="title"/>
+          </p:nvPr>
+        </p:nvSpPr>
+        <p:spPr>
+          <a:xfrm>
+            <a:off x="973393" y="1042219"/>
+            <a:ext cx="2713703" cy="4827638"/>
+          </a:xfrm>
+        </p:spPr>
+        <p:txBody>
+          <a:bodyPr>
+            <a:normAutofit/>
+          </a:bodyPr>
+          <a:lstStyle/>
+          <a:p>
+            <a:r>
+              <a:rPr lang="en-US" dirty="0">
+                <a:solidFill>
+                  <a:srgbClr val="099BDD"/>
+                </a:solidFill>
+              </a:rPr>
+              <a:t>Adding range column</a:t>
+            </a:r>
+          </a:p>
+        </p:txBody>
+      </p:sp>
+      <p:sp>
+        <p:nvSpPr>
+          <p:cNvPr id="9" name="Content Placeholder 8">
+            <a:extLst>
+              <a:ext uri="{FF2B5EF4-FFF2-40B4-BE49-F238E27FC236}">
+                <a16:creationId xmlns:a16="http://schemas.microsoft.com/office/drawing/2014/main" id="{75B96EB5-1F75-4BBA-9DB5-CA3979C83390}"/>
+              </a:ext>
+            </a:extLst>
+          </p:cNvPr>
+          <p:cNvSpPr>
+            <a:spLocks noGrp="1"/>
+          </p:cNvSpPr>
+          <p:nvPr>
+            <p:ph idx="1"/>
+          </p:nvPr>
+        </p:nvSpPr>
+        <p:spPr>
+          <a:xfrm>
+            <a:off x="4729315" y="639098"/>
+            <a:ext cx="6822605" cy="3593946"/>
+          </a:xfrm>
+        </p:spPr>
+        <p:txBody>
+          <a:bodyPr>
+            <a:normAutofit/>
+          </a:bodyPr>
+          <a:lstStyle/>
+          <a:p>
+            <a:r>
+              <a:rPr lang="en-US" dirty="0"/>
+              <a:t>Data was from June instead of January in 2015. Same goes for 2019. </a:t>
+            </a:r>
+          </a:p>
+          <a:p>
+            <a:r>
+              <a:rPr lang="en-US" dirty="0"/>
+              <a:t>Need of keeping the range for more accurate results.</a:t>
+            </a:r>
+          </a:p>
+          <a:p>
+            <a:r>
+              <a:rPr lang="en-US" dirty="0"/>
+              <a:t>Hence, made a range for entire dataset starting from June 2015 and so on. </a:t>
+            </a:r>
+          </a:p>
+          <a:p>
+            <a:r>
+              <a:rPr lang="en-US" dirty="0"/>
+              <a:t>Later on exported it in a CSV and used it rather than running this code snippet every time. </a:t>
+            </a:r>
+          </a:p>
+        </p:txBody>
+      </p:sp>
+      <p:pic>
+        <p:nvPicPr>
+          <p:cNvPr id="7" name="Content Placeholder 3">
+            <a:extLst>
+              <a:ext uri="{FF2B5EF4-FFF2-40B4-BE49-F238E27FC236}">
+                <a16:creationId xmlns:a16="http://schemas.microsoft.com/office/drawing/2014/main" id="{39778E1C-A37D-4813-B603-7DF1FEE5FAB9}"/>
+              </a:ext>
+            </a:extLst>
+          </p:cNvPr>
+          <p:cNvPicPr>
+            <a:picLocks noChangeAspect="1"/>
+          </p:cNvPicPr>
+          <p:nvPr/>
+        </p:nvPicPr>
+        <p:blipFill>
+          <a:blip r:embed="rId2"/>
+          <a:stretch>
+            <a:fillRect/>
+          </a:stretch>
+        </p:blipFill>
+        <p:spPr>
+          <a:xfrm>
+            <a:off x="4707827" y="4553084"/>
+            <a:ext cx="6812025" cy="1685977"/>
+          </a:xfrm>
+          <a:prstGeom prst="rect">
+            <a:avLst/>
+          </a:prstGeom>
+        </p:spPr>
+      </p:pic>
+    </p:spTree>
+    <p:extLst>
+      <p:ext uri="{BB962C8B-B14F-4D97-AF65-F5344CB8AC3E}">
+        <p14:creationId xmlns:p14="http://schemas.microsoft.com/office/powerpoint/2010/main" val="3242482899"/>
+      </p:ext>
+    </p:extLst>
+  </p:cSld>
+  <p:clrMapOvr>
+    <a:masterClrMapping/>
+  </p:clrMapOvr>
+</p:sld>
+</file>
+
+<file path=ppt/slides/slide11.xml><?xml version="1.0" encoding="utf-8"?>
+<p:sld xmlns:a="http://schemas.openxmlformats.org/drawingml/2006/main" xmlns:r="http://schemas.openxmlformats.org/officeDocument/2006/relationships" xmlns:p="http://schemas.openxmlformats.org/presentationml/2006/main">
+  <p:cSld>
+    <p:bg>
+      <p:bgPr>
+        <a:solidFill>
+          <a:schemeClr val="bg2"/>
+        </a:solidFill>
+        <a:effectLst/>
+      </p:bgPr>
+    </p:bg>
+    <p:spTree>
+      <p:nvGrpSpPr>
+        <p:cNvPr id="1" name=""/>
+        <p:cNvGrpSpPr/>
+        <p:nvPr/>
+      </p:nvGrpSpPr>
+      <p:grpSpPr>
+        <a:xfrm>
+          <a:off x="0" y="0"/>
+          <a:ext cx="0" cy="0"/>
+          <a:chOff x="0" y="0"/>
+          <a:chExt cx="0" cy="0"/>
+        </a:xfrm>
+      </p:grpSpPr>
+      <p:sp>
+        <p:nvSpPr>
+          <p:cNvPr id="7" name="Rectangle 6">
+            <a:extLst>
+              <a:ext uri="{FF2B5EF4-FFF2-40B4-BE49-F238E27FC236}">
+                <a16:creationId xmlns:a16="http://schemas.microsoft.com/office/drawing/2014/main" id="{13E75778-8865-451E-A418-58B337FE5B33}"/>
+              </a:ext>
+              <a:ext uri="{C183D7F6-B498-43B3-948B-1728B52AA6E4}">
+                <adec:decorative xmlns:adec="http://schemas.microsoft.com/office/drawing/2017/decorative" val="1"/>
+              </a:ext>
+            </a:extLst>
+          </p:cNvPr>
+          <p:cNvSpPr>
+            <a:spLocks noGrp="1" noRot="1" noChangeAspect="1" noMove="1" noResize="1" noEditPoints="1" noAdjustHandles="1" noChangeArrowheads="1" noChangeShapeType="1" noTextEdit="1"/>
+          </p:cNvSpPr>
+          <p:nvPr>
+            <p:extLst>
+              <p:ext uri="{386F3935-93C4-4BCD-93E2-E3B085C9AB24}">
+                <p16:designElem xmlns:p16="http://schemas.microsoft.com/office/powerpoint/2015/main" val="1"/>
+              </p:ext>
+            </p:extLst>
+          </p:nvPr>
+        </p:nvSpPr>
+        <p:spPr>
+          <a:xfrm>
+            <a:off x="-6843" y="2059012"/>
+            <a:ext cx="12195668" cy="1828800"/>
+          </a:xfrm>
+          <a:prstGeom prst="rect">
+            <a:avLst/>
+          </a:prstGeom>
+          <a:solidFill>
+            <a:schemeClr val="tx1"/>
+          </a:solidFill>
+          <a:ln>
+            <a:noFill/>
+          </a:ln>
+        </p:spPr>
+        <p:style>
+          <a:lnRef idx="2">
+            <a:schemeClr val="accent1">
+              <a:shade val="50000"/>
+            </a:schemeClr>
+          </a:lnRef>
+          <a:fillRef idx="1">
+            <a:schemeClr val="accent1"/>
+          </a:fillRef>
+          <a:effectRef idx="0">
+            <a:schemeClr val="accent1"/>
+          </a:effectRef>
+          <a:fontRef idx="minor">
+            <a:schemeClr val="lt1"/>
+          </a:fontRef>
+        </p:style>
+      </p:sp>
+      <p:sp useBgFill="1">
+        <p:nvSpPr>
+          <p:cNvPr id="9" name="Rectangle 8">
+            <a:extLst>
+              <a:ext uri="{FF2B5EF4-FFF2-40B4-BE49-F238E27FC236}">
+                <a16:creationId xmlns:a16="http://schemas.microsoft.com/office/drawing/2014/main" id="{C6D1D399-BF36-47E7-B5BF-5362EEE20A5B}"/>
+              </a:ext>
+              <a:ext uri="{C183D7F6-B498-43B3-948B-1728B52AA6E4}">
+                <adec:decorative xmlns:adec="http://schemas.microsoft.com/office/drawing/2017/decorative" val="1"/>
+              </a:ext>
+            </a:extLst>
+          </p:cNvPr>
+          <p:cNvSpPr>
+            <a:spLocks noGrp="1" noRot="1" noChangeAspect="1" noMove="1" noResize="1" noEditPoints="1" noAdjustHandles="1" noChangeArrowheads="1" noChangeShapeType="1" noTextEdit="1"/>
+          </p:cNvSpPr>
+          <p:nvPr>
+            <p:extLst>
+              <p:ext uri="{386F3935-93C4-4BCD-93E2-E3B085C9AB24}">
+                <p16:designElem xmlns:p16="http://schemas.microsoft.com/office/powerpoint/2015/main" val="1"/>
+              </p:ext>
+            </p:extLst>
+          </p:nvPr>
+        </p:nvSpPr>
+        <p:spPr>
+          <a:xfrm>
+            <a:off x="0" y="0"/>
+            <a:ext cx="12192000" cy="6858000"/>
+          </a:xfrm>
+          <a:prstGeom prst="rect">
+            <a:avLst/>
+          </a:prstGeom>
+          <a:ln>
+            <a:noFill/>
+          </a:ln>
+        </p:spPr>
+        <p:style>
+          <a:lnRef idx="2">
+            <a:schemeClr val="accent1">
+              <a:shade val="50000"/>
+            </a:schemeClr>
+          </a:lnRef>
+          <a:fillRef idx="1">
+            <a:schemeClr val="accent1"/>
+          </a:fillRef>
+          <a:effectRef idx="0">
+            <a:schemeClr val="accent1"/>
+          </a:effectRef>
+          <a:fontRef idx="minor">
+            <a:schemeClr val="lt1"/>
+          </a:fontRef>
+        </p:style>
+        <p:txBody>
+          <a:bodyPr rtlCol="0" anchor="ctr"/>
+          <a:lstStyle/>
+          <a:p>
+            <a:pPr algn="ctr"/>
+            <a:endParaRPr lang="en-US"/>
+          </a:p>
+        </p:txBody>
+      </p:sp>
+      <p:sp>
+        <p:nvSpPr>
+          <p:cNvPr id="11" name="Rectangle 10">
+            <a:extLst>
+              <a:ext uri="{FF2B5EF4-FFF2-40B4-BE49-F238E27FC236}">
+                <a16:creationId xmlns:a16="http://schemas.microsoft.com/office/drawing/2014/main" id="{5531F876-DD64-45F5-9D2F-5B0329068DA7}"/>
+              </a:ext>
+              <a:ext uri="{C183D7F6-B498-43B3-948B-1728B52AA6E4}">
+                <adec:decorative xmlns:adec="http://schemas.microsoft.com/office/drawing/2017/decorative" val="1"/>
+              </a:ext>
+            </a:extLst>
+          </p:cNvPr>
+          <p:cNvSpPr>
+            <a:spLocks noGrp="1" noRot="1" noChangeAspect="1" noMove="1" noResize="1" noEditPoints="1" noAdjustHandles="1" noChangeArrowheads="1" noChangeShapeType="1" noTextEdit="1"/>
+          </p:cNvSpPr>
+          <p:nvPr>
+            <p:extLst>
+              <p:ext uri="{386F3935-93C4-4BCD-93E2-E3B085C9AB24}">
+                <p16:designElem xmlns:p16="http://schemas.microsoft.com/office/powerpoint/2015/main" val="1"/>
+              </p:ext>
+            </p:extLst>
+          </p:nvPr>
+        </p:nvSpPr>
+        <p:spPr>
+          <a:xfrm>
+            <a:off x="0" y="3021879"/>
+            <a:ext cx="12192000" cy="814243"/>
+          </a:xfrm>
+          <a:prstGeom prst="rect">
+            <a:avLst/>
+          </a:prstGeom>
+          <a:solidFill>
+            <a:schemeClr val="tx1"/>
+          </a:solidFill>
+          <a:ln>
+            <a:noFill/>
+          </a:ln>
+        </p:spPr>
+        <p:style>
+          <a:lnRef idx="2">
+            <a:schemeClr val="accent1">
+              <a:shade val="50000"/>
+            </a:schemeClr>
+          </a:lnRef>
+          <a:fillRef idx="1">
+            <a:schemeClr val="accent1"/>
+          </a:fillRef>
+          <a:effectRef idx="0">
+            <a:schemeClr val="accent1"/>
+          </a:effectRef>
+          <a:fontRef idx="minor">
+            <a:schemeClr val="lt1"/>
+          </a:fontRef>
+        </p:style>
+        <p:txBody>
+          <a:bodyPr rtlCol="0" anchor="ctr"/>
+          <a:lstStyle/>
+          <a:p>
+            <a:pPr algn="ctr"/>
+            <a:endParaRPr lang="en-US"/>
+          </a:p>
+        </p:txBody>
+      </p:sp>
+      <p:sp>
+        <p:nvSpPr>
+          <p:cNvPr id="2" name="Title 1">
+            <a:extLst>
+              <a:ext uri="{FF2B5EF4-FFF2-40B4-BE49-F238E27FC236}">
+                <a16:creationId xmlns:a16="http://schemas.microsoft.com/office/drawing/2014/main" id="{88FB2B4B-8D04-4460-BCC6-DD6CD32AEBAD}"/>
+              </a:ext>
+            </a:extLst>
+          </p:cNvPr>
+          <p:cNvSpPr>
+            <a:spLocks noGrp="1"/>
+          </p:cNvSpPr>
+          <p:nvPr>
+            <p:ph type="title"/>
+          </p:nvPr>
+        </p:nvSpPr>
+        <p:spPr>
+          <a:xfrm>
+            <a:off x="360218" y="3182748"/>
+            <a:ext cx="11471565" cy="492505"/>
+          </a:xfrm>
+        </p:spPr>
+        <p:txBody>
+          <a:bodyPr vert="horz" lIns="91440" tIns="45720" rIns="91440" bIns="45720" rtlCol="0" anchor="ctr">
+            <a:normAutofit/>
+          </a:bodyPr>
+          <a:lstStyle/>
+          <a:p>
+            <a:pPr algn="ctr">
+              <a:lnSpc>
+                <a:spcPct val="80000"/>
+              </a:lnSpc>
+            </a:pPr>
+            <a:r>
+              <a:rPr lang="en-US" sz="2800" spc="150"/>
+              <a:t>Data and experiment</a:t>
+            </a:r>
+          </a:p>
+        </p:txBody>
+      </p:sp>
+    </p:spTree>
+    <p:extLst>
+      <p:ext uri="{BB962C8B-B14F-4D97-AF65-F5344CB8AC3E}">
+        <p14:creationId xmlns:p14="http://schemas.microsoft.com/office/powerpoint/2010/main" val="200875162"/>
+      </p:ext>
+    </p:extLst>
+  </p:cSld>
+  <p:clrMapOvr>
+    <a:masterClrMapping/>
+  </p:clrMapOvr>
+</p:sld>
+</file>
+
+<file path=ppt/slides/slide12.xml><?xml version="1.0" encoding="utf-8"?>
+<p:sld xmlns:a="http://schemas.openxmlformats.org/drawingml/2006/main" xmlns:r="http://schemas.openxmlformats.org/officeDocument/2006/relationships" xmlns:p="http://schemas.openxmlformats.org/presentationml/2006/main">
+  <p:cSld>
+    <p:spTree>
+      <p:nvGrpSpPr>
+        <p:cNvPr id="1" name=""/>
+        <p:cNvGrpSpPr/>
+        <p:nvPr/>
+      </p:nvGrpSpPr>
+      <p:grpSpPr>
+        <a:xfrm>
+          <a:off x="0" y="0"/>
+          <a:ext cx="0" cy="0"/>
+          <a:chOff x="0" y="0"/>
+          <a:chExt cx="0" cy="0"/>
+        </a:xfrm>
+      </p:grpSpPr>
+      <p:sp>
+        <p:nvSpPr>
+          <p:cNvPr id="2" name="Title 1">
+            <a:extLst>
+              <a:ext uri="{FF2B5EF4-FFF2-40B4-BE49-F238E27FC236}">
+                <a16:creationId xmlns:a16="http://schemas.microsoft.com/office/drawing/2014/main" id="{F8F03A39-8F5A-4339-9651-0F7AE9CB893A}"/>
+              </a:ext>
+            </a:extLst>
+          </p:cNvPr>
+          <p:cNvSpPr>
+            <a:spLocks noGrp="1"/>
+          </p:cNvSpPr>
+          <p:nvPr>
+            <p:ph type="title"/>
+          </p:nvPr>
+        </p:nvSpPr>
+        <p:spPr/>
+        <p:txBody>
+          <a:bodyPr/>
+          <a:lstStyle/>
+          <a:p>
+            <a:r>
+              <a:rPr lang="en-US" dirty="0"/>
+              <a:t>Crimes we mainly focused on</a:t>
+            </a:r>
+          </a:p>
+        </p:txBody>
+      </p:sp>
+      <p:pic>
+        <p:nvPicPr>
+          <p:cNvPr id="12" name="Content Placeholder 11">
+            <a:extLst>
+              <a:ext uri="{FF2B5EF4-FFF2-40B4-BE49-F238E27FC236}">
+                <a16:creationId xmlns:a16="http://schemas.microsoft.com/office/drawing/2014/main" id="{70AFC34F-CDF2-4E73-9055-423F30B78E5D}"/>
+              </a:ext>
+            </a:extLst>
+          </p:cNvPr>
+          <p:cNvPicPr>
+            <a:picLocks noGrp="1" noChangeAspect="1"/>
+          </p:cNvPicPr>
+          <p:nvPr>
+            <p:ph idx="1"/>
+          </p:nvPr>
+        </p:nvPicPr>
+        <p:blipFill>
+          <a:blip r:embed="rId2"/>
+          <a:stretch>
+            <a:fillRect/>
+          </a:stretch>
+        </p:blipFill>
+        <p:spPr>
+          <a:xfrm>
+            <a:off x="1202918" y="1988971"/>
+            <a:ext cx="7315439" cy="1147261"/>
+          </a:xfrm>
+          <a:prstGeom prst="rect">
+            <a:avLst/>
+          </a:prstGeom>
+        </p:spPr>
+      </p:pic>
+    </p:spTree>
+    <p:extLst>
+      <p:ext uri="{BB962C8B-B14F-4D97-AF65-F5344CB8AC3E}">
+        <p14:creationId xmlns:p14="http://schemas.microsoft.com/office/powerpoint/2010/main" val="3578772080"/>
+      </p:ext>
+    </p:extLst>
+  </p:cSld>
+  <p:clrMapOvr>
+    <a:masterClrMapping/>
+  </p:clrMapOvr>
+</p:sld>
+</file>
+
+<file path=ppt/slides/slide13.xml><?xml version="1.0" encoding="utf-8"?>
+<p:sld xmlns:a="http://schemas.openxmlformats.org/drawingml/2006/main" xmlns:r="http://schemas.openxmlformats.org/officeDocument/2006/relationships" xmlns:p="http://schemas.openxmlformats.org/presentationml/2006/main">
+  <p:cSld>
+    <p:spTree>
+      <p:nvGrpSpPr>
+        <p:cNvPr id="1" name=""/>
+        <p:cNvGrpSpPr/>
+        <p:nvPr/>
+      </p:nvGrpSpPr>
+      <p:grpSpPr>
+        <a:xfrm>
+          <a:off x="0" y="0"/>
+          <a:ext cx="0" cy="0"/>
+          <a:chOff x="0" y="0"/>
+          <a:chExt cx="0" cy="0"/>
+        </a:xfrm>
+      </p:grpSpPr>
+      <p:sp>
+        <p:nvSpPr>
+          <p:cNvPr id="2" name="Title 1">
+            <a:extLst>
+              <a:ext uri="{FF2B5EF4-FFF2-40B4-BE49-F238E27FC236}">
+                <a16:creationId xmlns:a16="http://schemas.microsoft.com/office/drawing/2014/main" id="{3F43C38F-B0C1-4B8A-A4B4-FAED3CFB95F5}"/>
+              </a:ext>
+            </a:extLst>
+          </p:cNvPr>
+          <p:cNvSpPr>
+            <a:spLocks noGrp="1"/>
+          </p:cNvSpPr>
+          <p:nvPr>
+            <p:ph type="title"/>
+          </p:nvPr>
+        </p:nvSpPr>
+        <p:spPr/>
+        <p:txBody>
+          <a:bodyPr/>
+          <a:lstStyle/>
+          <a:p>
+            <a:r>
+              <a:rPr lang="en-US" dirty="0"/>
+              <a:t>Why only part one?</a:t>
+            </a:r>
+          </a:p>
+        </p:txBody>
+      </p:sp>
+      <p:sp>
+        <p:nvSpPr>
+          <p:cNvPr id="3" name="Content Placeholder 2">
+            <a:extLst>
+              <a:ext uri="{FF2B5EF4-FFF2-40B4-BE49-F238E27FC236}">
+                <a16:creationId xmlns:a16="http://schemas.microsoft.com/office/drawing/2014/main" id="{4A610F23-E649-4CB7-B8D5-78E699161753}"/>
+              </a:ext>
+            </a:extLst>
+          </p:cNvPr>
+          <p:cNvSpPr>
+            <a:spLocks noGrp="1"/>
+          </p:cNvSpPr>
+          <p:nvPr>
+            <p:ph idx="1"/>
+          </p:nvPr>
+        </p:nvSpPr>
+        <p:spPr/>
+        <p:txBody>
+          <a:bodyPr/>
+          <a:lstStyle/>
+          <a:p>
+            <a:r>
+              <a:rPr lang="en-US" dirty="0"/>
+              <a:t>What is part one anyways?</a:t>
+            </a:r>
+          </a:p>
+          <a:p>
+            <a:r>
+              <a:rPr lang="en-US" dirty="0"/>
+              <a:t>Why did we choose to focus only on part one type crimes?</a:t>
+            </a:r>
+          </a:p>
+          <a:p>
+            <a:r>
+              <a:rPr lang="en-US" dirty="0"/>
+              <a:t>What is the importance of that?</a:t>
+            </a:r>
+          </a:p>
+        </p:txBody>
+      </p:sp>
+    </p:spTree>
+    <p:extLst>
+      <p:ext uri="{BB962C8B-B14F-4D97-AF65-F5344CB8AC3E}">
+        <p14:creationId xmlns:p14="http://schemas.microsoft.com/office/powerpoint/2010/main" val="3113861823"/>
+      </p:ext>
+    </p:extLst>
+  </p:cSld>
+  <p:clrMapOvr>
+    <a:masterClrMapping/>
+  </p:clrMapOvr>
+</p:sld>
+</file>
+
+<file path=ppt/slides/slide14.xml><?xml version="1.0" encoding="utf-8"?>
+<p:sld xmlns:a="http://schemas.openxmlformats.org/drawingml/2006/main" xmlns:r="http://schemas.openxmlformats.org/officeDocument/2006/relationships" xmlns:p="http://schemas.openxmlformats.org/presentationml/2006/main">
+  <p:cSld>
+    <p:spTree>
+      <p:nvGrpSpPr>
+        <p:cNvPr id="1" name=""/>
+        <p:cNvGrpSpPr/>
+        <p:nvPr/>
+      </p:nvGrpSpPr>
+      <p:grpSpPr>
+        <a:xfrm>
+          <a:off x="0" y="0"/>
+          <a:ext cx="0" cy="0"/>
+          <a:chOff x="0" y="0"/>
+          <a:chExt cx="0" cy="0"/>
+        </a:xfrm>
+      </p:grpSpPr>
+      <p:sp>
+        <p:nvSpPr>
+          <p:cNvPr id="2" name="Title 1">
+            <a:extLst>
+              <a:ext uri="{FF2B5EF4-FFF2-40B4-BE49-F238E27FC236}">
+                <a16:creationId xmlns:a16="http://schemas.microsoft.com/office/drawing/2014/main" id="{11588856-BD90-4412-8F41-673028F2914A}"/>
+              </a:ext>
+            </a:extLst>
+          </p:cNvPr>
+          <p:cNvSpPr>
+            <a:spLocks noGrp="1"/>
+          </p:cNvSpPr>
+          <p:nvPr>
+            <p:ph type="title"/>
+          </p:nvPr>
+        </p:nvSpPr>
+        <p:spPr/>
+        <p:txBody>
+          <a:bodyPr/>
+          <a:lstStyle/>
+          <a:p>
+            <a:r>
+              <a:rPr lang="en-US" dirty="0"/>
+              <a:t>Arima model</a:t>
+            </a:r>
+          </a:p>
+        </p:txBody>
+      </p:sp>
+      <p:sp>
+        <p:nvSpPr>
+          <p:cNvPr id="3" name="Content Placeholder 2">
+            <a:extLst>
+              <a:ext uri="{FF2B5EF4-FFF2-40B4-BE49-F238E27FC236}">
+                <a16:creationId xmlns:a16="http://schemas.microsoft.com/office/drawing/2014/main" id="{877F13F2-87DE-48DC-BAF1-7589C6A98320}"/>
+              </a:ext>
+            </a:extLst>
+          </p:cNvPr>
+          <p:cNvSpPr>
+            <a:spLocks noGrp="1"/>
+          </p:cNvSpPr>
+          <p:nvPr>
+            <p:ph idx="1"/>
+          </p:nvPr>
+        </p:nvSpPr>
+        <p:spPr/>
+        <p:txBody>
+          <a:bodyPr/>
+          <a:lstStyle/>
+          <a:p>
+            <a:endParaRPr lang="en-US" dirty="0"/>
+          </a:p>
+        </p:txBody>
+      </p:sp>
+    </p:spTree>
+    <p:extLst>
+      <p:ext uri="{BB962C8B-B14F-4D97-AF65-F5344CB8AC3E}">
+        <p14:creationId xmlns:p14="http://schemas.microsoft.com/office/powerpoint/2010/main" val="1429009813"/>
+      </p:ext>
+    </p:extLst>
+  </p:cSld>
+  <p:clrMapOvr>
+    <a:masterClrMapping/>
+  </p:clrMapOvr>
+</p:sld>
+</file>
+
+<file path=ppt/slides/slide15.xml><?xml version="1.0" encoding="utf-8"?>
+<p:sld xmlns:a="http://schemas.openxmlformats.org/drawingml/2006/main" xmlns:r="http://schemas.openxmlformats.org/officeDocument/2006/relationships" xmlns:p="http://schemas.openxmlformats.org/presentationml/2006/main">
+  <p:cSld>
+    <p:bg>
+      <p:bgPr>
+        <a:solidFill>
+          <a:schemeClr val="bg2"/>
+        </a:solidFill>
+        <a:effectLst/>
+      </p:bgPr>
+    </p:bg>
+    <p:spTree>
+      <p:nvGrpSpPr>
+        <p:cNvPr id="1" name=""/>
+        <p:cNvGrpSpPr/>
+        <p:nvPr/>
+      </p:nvGrpSpPr>
+      <p:grpSpPr>
+        <a:xfrm>
+          <a:off x="0" y="0"/>
+          <a:ext cx="0" cy="0"/>
+          <a:chOff x="0" y="0"/>
+          <a:chExt cx="0" cy="0"/>
+        </a:xfrm>
+      </p:grpSpPr>
+      <p:sp>
+        <p:nvSpPr>
+          <p:cNvPr id="7" name="Rectangle 6">
+            <a:extLst>
+              <a:ext uri="{FF2B5EF4-FFF2-40B4-BE49-F238E27FC236}">
+                <a16:creationId xmlns:a16="http://schemas.microsoft.com/office/drawing/2014/main" id="{13E75778-8865-451E-A418-58B337FE5B33}"/>
+              </a:ext>
+              <a:ext uri="{C183D7F6-B498-43B3-948B-1728B52AA6E4}">
+                <adec:decorative xmlns:adec="http://schemas.microsoft.com/office/drawing/2017/decorative" val="1"/>
+              </a:ext>
+            </a:extLst>
+          </p:cNvPr>
+          <p:cNvSpPr>
+            <a:spLocks noGrp="1" noRot="1" noChangeAspect="1" noMove="1" noResize="1" noEditPoints="1" noAdjustHandles="1" noChangeArrowheads="1" noChangeShapeType="1" noTextEdit="1"/>
+          </p:cNvSpPr>
+          <p:nvPr>
+            <p:extLst>
+              <p:ext uri="{386F3935-93C4-4BCD-93E2-E3B085C9AB24}">
+                <p16:designElem xmlns:p16="http://schemas.microsoft.com/office/powerpoint/2015/main" val="1"/>
+              </p:ext>
+            </p:extLst>
+          </p:nvPr>
+        </p:nvSpPr>
+        <p:spPr>
+          <a:xfrm>
+            <a:off x="-6843" y="2059012"/>
+            <a:ext cx="12195668" cy="1828800"/>
+          </a:xfrm>
+          <a:prstGeom prst="rect">
+            <a:avLst/>
+          </a:prstGeom>
+          <a:solidFill>
+            <a:schemeClr val="tx1"/>
+          </a:solidFill>
+          <a:ln>
+            <a:noFill/>
+          </a:ln>
+        </p:spPr>
+        <p:style>
+          <a:lnRef idx="2">
+            <a:schemeClr val="accent1">
+              <a:shade val="50000"/>
+            </a:schemeClr>
+          </a:lnRef>
+          <a:fillRef idx="1">
+            <a:schemeClr val="accent1"/>
+          </a:fillRef>
+          <a:effectRef idx="0">
+            <a:schemeClr val="accent1"/>
+          </a:effectRef>
+          <a:fontRef idx="minor">
+            <a:schemeClr val="lt1"/>
+          </a:fontRef>
+        </p:style>
+      </p:sp>
+      <p:sp useBgFill="1">
+        <p:nvSpPr>
+          <p:cNvPr id="9" name="Rectangle 8">
+            <a:extLst>
+              <a:ext uri="{FF2B5EF4-FFF2-40B4-BE49-F238E27FC236}">
+                <a16:creationId xmlns:a16="http://schemas.microsoft.com/office/drawing/2014/main" id="{C6D1D399-BF36-47E7-B5BF-5362EEE20A5B}"/>
+              </a:ext>
+              <a:ext uri="{C183D7F6-B498-43B3-948B-1728B52AA6E4}">
+                <adec:decorative xmlns:adec="http://schemas.microsoft.com/office/drawing/2017/decorative" val="1"/>
+              </a:ext>
+            </a:extLst>
+          </p:cNvPr>
+          <p:cNvSpPr>
+            <a:spLocks noGrp="1" noRot="1" noChangeAspect="1" noMove="1" noResize="1" noEditPoints="1" noAdjustHandles="1" noChangeArrowheads="1" noChangeShapeType="1" noTextEdit="1"/>
+          </p:cNvSpPr>
+          <p:nvPr>
+            <p:extLst>
+              <p:ext uri="{386F3935-93C4-4BCD-93E2-E3B085C9AB24}">
+                <p16:designElem xmlns:p16="http://schemas.microsoft.com/office/powerpoint/2015/main" val="1"/>
+              </p:ext>
+            </p:extLst>
+          </p:nvPr>
+        </p:nvSpPr>
+        <p:spPr>
+          <a:xfrm>
+            <a:off x="0" y="0"/>
+            <a:ext cx="12192000" cy="6858000"/>
+          </a:xfrm>
+          <a:prstGeom prst="rect">
+            <a:avLst/>
+          </a:prstGeom>
+          <a:ln>
+            <a:noFill/>
+          </a:ln>
+        </p:spPr>
+        <p:style>
+          <a:lnRef idx="2">
+            <a:schemeClr val="accent1">
+              <a:shade val="50000"/>
+            </a:schemeClr>
+          </a:lnRef>
+          <a:fillRef idx="1">
+            <a:schemeClr val="accent1"/>
+          </a:fillRef>
+          <a:effectRef idx="0">
+            <a:schemeClr val="accent1"/>
+          </a:effectRef>
+          <a:fontRef idx="minor">
+            <a:schemeClr val="lt1"/>
+          </a:fontRef>
+        </p:style>
+        <p:txBody>
+          <a:bodyPr rtlCol="0" anchor="ctr"/>
+          <a:lstStyle/>
+          <a:p>
+            <a:pPr algn="ctr"/>
+            <a:endParaRPr lang="en-US"/>
+          </a:p>
+        </p:txBody>
+      </p:sp>
+      <p:sp>
+        <p:nvSpPr>
+          <p:cNvPr id="11" name="Rectangle 10">
+            <a:extLst>
+              <a:ext uri="{FF2B5EF4-FFF2-40B4-BE49-F238E27FC236}">
+                <a16:creationId xmlns:a16="http://schemas.microsoft.com/office/drawing/2014/main" id="{5531F876-DD64-45F5-9D2F-5B0329068DA7}"/>
+              </a:ext>
+              <a:ext uri="{C183D7F6-B498-43B3-948B-1728B52AA6E4}">
+                <adec:decorative xmlns:adec="http://schemas.microsoft.com/office/drawing/2017/decorative" val="1"/>
+              </a:ext>
+            </a:extLst>
+          </p:cNvPr>
+          <p:cNvSpPr>
+            <a:spLocks noGrp="1" noRot="1" noChangeAspect="1" noMove="1" noResize="1" noEditPoints="1" noAdjustHandles="1" noChangeArrowheads="1" noChangeShapeType="1" noTextEdit="1"/>
+          </p:cNvSpPr>
+          <p:nvPr>
+            <p:extLst>
+              <p:ext uri="{386F3935-93C4-4BCD-93E2-E3B085C9AB24}">
+                <p16:designElem xmlns:p16="http://schemas.microsoft.com/office/powerpoint/2015/main" val="1"/>
+              </p:ext>
+            </p:extLst>
+          </p:nvPr>
+        </p:nvSpPr>
+        <p:spPr>
+          <a:xfrm>
+            <a:off x="0" y="3021879"/>
+            <a:ext cx="12192000" cy="814243"/>
+          </a:xfrm>
+          <a:prstGeom prst="rect">
+            <a:avLst/>
+          </a:prstGeom>
+          <a:solidFill>
+            <a:schemeClr val="tx1"/>
+          </a:solidFill>
+          <a:ln>
+            <a:noFill/>
+          </a:ln>
+        </p:spPr>
+        <p:style>
+          <a:lnRef idx="2">
+            <a:schemeClr val="accent1">
+              <a:shade val="50000"/>
+            </a:schemeClr>
+          </a:lnRef>
+          <a:fillRef idx="1">
+            <a:schemeClr val="accent1"/>
+          </a:fillRef>
+          <a:effectRef idx="0">
+            <a:schemeClr val="accent1"/>
+          </a:effectRef>
+          <a:fontRef idx="minor">
+            <a:schemeClr val="lt1"/>
+          </a:fontRef>
+        </p:style>
+        <p:txBody>
+          <a:bodyPr rtlCol="0" anchor="ctr"/>
+          <a:lstStyle/>
+          <a:p>
+            <a:pPr algn="ctr"/>
+            <a:endParaRPr lang="en-US"/>
+          </a:p>
+        </p:txBody>
+      </p:sp>
+      <p:sp>
+        <p:nvSpPr>
+          <p:cNvPr id="2" name="Title 1">
+            <a:extLst>
+              <a:ext uri="{FF2B5EF4-FFF2-40B4-BE49-F238E27FC236}">
+                <a16:creationId xmlns:a16="http://schemas.microsoft.com/office/drawing/2014/main" id="{FAF3C8A2-1F6B-4A22-B03B-923EC861E8CB}"/>
+              </a:ext>
+            </a:extLst>
+          </p:cNvPr>
+          <p:cNvSpPr>
+            <a:spLocks noGrp="1"/>
+          </p:cNvSpPr>
+          <p:nvPr>
+            <p:ph type="title"/>
+          </p:nvPr>
+        </p:nvSpPr>
+        <p:spPr>
+          <a:xfrm>
+            <a:off x="360218" y="3182748"/>
+            <a:ext cx="11471565" cy="492505"/>
+          </a:xfrm>
+        </p:spPr>
+        <p:txBody>
+          <a:bodyPr vert="horz" lIns="91440" tIns="45720" rIns="91440" bIns="45720" rtlCol="0" anchor="ctr">
+            <a:normAutofit/>
+          </a:bodyPr>
+          <a:lstStyle/>
+          <a:p>
+            <a:pPr algn="ctr">
+              <a:lnSpc>
+                <a:spcPct val="80000"/>
+              </a:lnSpc>
+            </a:pPr>
+            <a:r>
+              <a:rPr lang="en-US" sz="2800" spc="150" dirty="0"/>
+              <a:t>Evaluation and results</a:t>
+            </a:r>
+          </a:p>
+        </p:txBody>
+      </p:sp>
+    </p:spTree>
+    <p:extLst>
+      <p:ext uri="{BB962C8B-B14F-4D97-AF65-F5344CB8AC3E}">
+        <p14:creationId xmlns:p14="http://schemas.microsoft.com/office/powerpoint/2010/main" val="1226457336"/>
+      </p:ext>
+    </p:extLst>
+  </p:cSld>
+  <p:clrMapOvr>
+    <a:masterClrMapping/>
+  </p:clrMapOvr>
+</p:sld>
+</file>
+
+<file path=ppt/slides/slide16.xml><?xml version="1.0" encoding="utf-8"?>
+<p:sld xmlns:a="http://schemas.openxmlformats.org/drawingml/2006/main" xmlns:r="http://schemas.openxmlformats.org/officeDocument/2006/relationships" xmlns:p="http://schemas.openxmlformats.org/presentationml/2006/main">
+  <p:cSld>
+    <p:spTree>
+      <p:nvGrpSpPr>
+        <p:cNvPr id="1" name=""/>
+        <p:cNvGrpSpPr/>
+        <p:nvPr/>
+      </p:nvGrpSpPr>
+      <p:grpSpPr>
+        <a:xfrm>
+          <a:off x="0" y="0"/>
+          <a:ext cx="0" cy="0"/>
+          <a:chOff x="0" y="0"/>
+          <a:chExt cx="0" cy="0"/>
+        </a:xfrm>
+      </p:grpSpPr>
+      <p:sp>
+        <p:nvSpPr>
+          <p:cNvPr id="2" name="Title 1">
+            <a:extLst>
+              <a:ext uri="{FF2B5EF4-FFF2-40B4-BE49-F238E27FC236}">
+                <a16:creationId xmlns:a16="http://schemas.microsoft.com/office/drawing/2014/main" id="{85B93D91-B256-46DC-89FD-2E4216D8499C}"/>
+              </a:ext>
+            </a:extLst>
+          </p:cNvPr>
+          <p:cNvSpPr>
+            <a:spLocks noGrp="1"/>
+          </p:cNvSpPr>
+          <p:nvPr>
+            <p:ph type="title"/>
+          </p:nvPr>
+        </p:nvSpPr>
+        <p:spPr/>
+        <p:txBody>
+          <a:bodyPr/>
+          <a:lstStyle/>
+          <a:p>
+            <a:r>
+              <a:rPr lang="en-US" dirty="0"/>
+              <a:t>Interesting statistics of crime data</a:t>
+            </a:r>
+          </a:p>
+        </p:txBody>
+      </p:sp>
+      <p:sp>
+        <p:nvSpPr>
+          <p:cNvPr id="3" name="Content Placeholder 2">
+            <a:extLst>
+              <a:ext uri="{FF2B5EF4-FFF2-40B4-BE49-F238E27FC236}">
+                <a16:creationId xmlns:a16="http://schemas.microsoft.com/office/drawing/2014/main" id="{4C9164DE-884A-4CD0-B45B-5DBCC0BBA993}"/>
+              </a:ext>
+            </a:extLst>
+          </p:cNvPr>
+          <p:cNvSpPr>
+            <a:spLocks noGrp="1"/>
+          </p:cNvSpPr>
+          <p:nvPr>
+            <p:ph idx="1"/>
+          </p:nvPr>
+        </p:nvSpPr>
+        <p:spPr/>
+        <p:txBody>
+          <a:bodyPr/>
+          <a:lstStyle/>
+          <a:p>
+            <a:endParaRPr lang="en-US" dirty="0"/>
+          </a:p>
+        </p:txBody>
+      </p:sp>
+    </p:spTree>
+    <p:extLst>
+      <p:ext uri="{BB962C8B-B14F-4D97-AF65-F5344CB8AC3E}">
+        <p14:creationId xmlns:p14="http://schemas.microsoft.com/office/powerpoint/2010/main" val="2035697183"/>
+      </p:ext>
+    </p:extLst>
+  </p:cSld>
+  <p:clrMapOvr>
+    <a:masterClrMapping/>
+  </p:clrMapOvr>
+</p:sld>
+</file>
+
 <file path=ppt/slides/slide2.xml><?xml version="1.0" encoding="utf-8"?>
 <p:sld xmlns:a="http://schemas.openxmlformats.org/drawingml/2006/main" xmlns:r="http://schemas.openxmlformats.org/officeDocument/2006/relationships" xmlns:p="http://schemas.openxmlformats.org/presentationml/2006/main">
   <p:cSld>
@@ -3788,6 +4946,470 @@
     <p:extLst>
       <p:ext uri="{BB962C8B-B14F-4D97-AF65-F5344CB8AC3E}">
         <p14:creationId xmlns:p14="http://schemas.microsoft.com/office/powerpoint/2010/main" val="4076487023"/>
+      </p:ext>
+    </p:extLst>
+  </p:cSld>
+  <p:clrMapOvr>
+    <a:masterClrMapping/>
+  </p:clrMapOvr>
+</p:sld>
+</file>
+
+<file path=ppt/slides/slide6.xml><?xml version="1.0" encoding="utf-8"?>
+<p:sld xmlns:a="http://schemas.openxmlformats.org/drawingml/2006/main" xmlns:r="http://schemas.openxmlformats.org/officeDocument/2006/relationships" xmlns:p="http://schemas.openxmlformats.org/presentationml/2006/main">
+  <p:cSld>
+    <p:spTree>
+      <p:nvGrpSpPr>
+        <p:cNvPr id="1" name=""/>
+        <p:cNvGrpSpPr/>
+        <p:nvPr/>
+      </p:nvGrpSpPr>
+      <p:grpSpPr>
+        <a:xfrm>
+          <a:off x="0" y="0"/>
+          <a:ext cx="0" cy="0"/>
+          <a:chOff x="0" y="0"/>
+          <a:chExt cx="0" cy="0"/>
+        </a:xfrm>
+      </p:grpSpPr>
+      <p:sp>
+        <p:nvSpPr>
+          <p:cNvPr id="2" name="Title 1">
+            <a:extLst>
+              <a:ext uri="{FF2B5EF4-FFF2-40B4-BE49-F238E27FC236}">
+                <a16:creationId xmlns:a16="http://schemas.microsoft.com/office/drawing/2014/main" id="{45A27EE0-4D5B-402B-A5A5-EB5A1D172413}"/>
+              </a:ext>
+            </a:extLst>
+          </p:cNvPr>
+          <p:cNvSpPr>
+            <a:spLocks noGrp="1"/>
+          </p:cNvSpPr>
+          <p:nvPr>
+            <p:ph type="title"/>
+          </p:nvPr>
+        </p:nvSpPr>
+        <p:spPr/>
+        <p:txBody>
+          <a:bodyPr/>
+          <a:lstStyle/>
+          <a:p>
+            <a:r>
+              <a:rPr lang="en-US" dirty="0"/>
+              <a:t>techniques applied to crime data</a:t>
+            </a:r>
+          </a:p>
+        </p:txBody>
+      </p:sp>
+      <p:sp>
+        <p:nvSpPr>
+          <p:cNvPr id="3" name="Content Placeholder 2">
+            <a:extLst>
+              <a:ext uri="{FF2B5EF4-FFF2-40B4-BE49-F238E27FC236}">
+                <a16:creationId xmlns:a16="http://schemas.microsoft.com/office/drawing/2014/main" id="{FC02422C-59B3-4D32-8DD2-E57ADF2118A0}"/>
+              </a:ext>
+            </a:extLst>
+          </p:cNvPr>
+          <p:cNvSpPr>
+            <a:spLocks noGrp="1"/>
+          </p:cNvSpPr>
+          <p:nvPr>
+            <p:ph idx="1"/>
+          </p:nvPr>
+        </p:nvSpPr>
+        <p:spPr/>
+        <p:txBody>
+          <a:bodyPr/>
+          <a:lstStyle/>
+          <a:p>
+            <a:r>
+              <a:rPr lang="en-US" dirty="0"/>
+              <a:t>There are various pre-processing techniques that we have applied to the crime dataset in order for us to make it usable according to our needs. </a:t>
+            </a:r>
+          </a:p>
+        </p:txBody>
+      </p:sp>
+    </p:spTree>
+    <p:extLst>
+      <p:ext uri="{BB962C8B-B14F-4D97-AF65-F5344CB8AC3E}">
+        <p14:creationId xmlns:p14="http://schemas.microsoft.com/office/powerpoint/2010/main" val="3890058217"/>
+      </p:ext>
+    </p:extLst>
+  </p:cSld>
+  <p:clrMapOvr>
+    <a:masterClrMapping/>
+  </p:clrMapOvr>
+</p:sld>
+</file>
+
+<file path=ppt/slides/slide7.xml><?xml version="1.0" encoding="utf-8"?>
+<p:sld xmlns:a="http://schemas.openxmlformats.org/drawingml/2006/main" xmlns:r="http://schemas.openxmlformats.org/officeDocument/2006/relationships" xmlns:p="http://schemas.openxmlformats.org/presentationml/2006/main">
+  <p:cSld>
+    <p:bg>
+      <p:bgPr>
+        <a:solidFill>
+          <a:schemeClr val="bg2"/>
+        </a:solidFill>
+        <a:effectLst/>
+      </p:bgPr>
+    </p:bg>
+    <p:spTree>
+      <p:nvGrpSpPr>
+        <p:cNvPr id="1" name=""/>
+        <p:cNvGrpSpPr/>
+        <p:nvPr/>
+      </p:nvGrpSpPr>
+      <p:grpSpPr>
+        <a:xfrm>
+          <a:off x="0" y="0"/>
+          <a:ext cx="0" cy="0"/>
+          <a:chOff x="0" y="0"/>
+          <a:chExt cx="0" cy="0"/>
+        </a:xfrm>
+      </p:grpSpPr>
+      <p:sp>
+        <p:nvSpPr>
+          <p:cNvPr id="2" name="Title 1">
+            <a:extLst>
+              <a:ext uri="{FF2B5EF4-FFF2-40B4-BE49-F238E27FC236}">
+                <a16:creationId xmlns:a16="http://schemas.microsoft.com/office/drawing/2014/main" id="{569CF7A8-2F0B-4206-A030-E09965E63416}"/>
+              </a:ext>
+            </a:extLst>
+          </p:cNvPr>
+          <p:cNvSpPr>
+            <a:spLocks noGrp="1"/>
+          </p:cNvSpPr>
+          <p:nvPr>
+            <p:ph type="title"/>
+          </p:nvPr>
+        </p:nvSpPr>
+        <p:spPr>
+          <a:xfrm>
+            <a:off x="1202919" y="284176"/>
+            <a:ext cx="9784080" cy="1508760"/>
+          </a:xfrm>
+        </p:spPr>
+        <p:txBody>
+          <a:bodyPr>
+            <a:normAutofit/>
+          </a:bodyPr>
+          <a:lstStyle/>
+          <a:p>
+            <a:r>
+              <a:rPr lang="en-US" dirty="0"/>
+              <a:t>Removing data with no importance	</a:t>
+            </a:r>
+          </a:p>
+        </p:txBody>
+      </p:sp>
+      <p:pic>
+        <p:nvPicPr>
+          <p:cNvPr id="8" name="Content Placeholder 4">
+            <a:extLst>
+              <a:ext uri="{FF2B5EF4-FFF2-40B4-BE49-F238E27FC236}">
+                <a16:creationId xmlns:a16="http://schemas.microsoft.com/office/drawing/2014/main" id="{08C1889A-F41B-45C0-8A0E-5D00CCF52F08}"/>
+              </a:ext>
+            </a:extLst>
+          </p:cNvPr>
+          <p:cNvPicPr>
+            <a:picLocks noChangeAspect="1"/>
+          </p:cNvPicPr>
+          <p:nvPr/>
+        </p:nvPicPr>
+        <p:blipFill>
+          <a:blip r:embed="rId2"/>
+          <a:stretch>
+            <a:fillRect/>
+          </a:stretch>
+        </p:blipFill>
+        <p:spPr>
+          <a:xfrm>
+            <a:off x="1202918" y="2120054"/>
+            <a:ext cx="6130569" cy="1689359"/>
+          </a:xfrm>
+          <a:prstGeom prst="rect">
+            <a:avLst/>
+          </a:prstGeom>
+        </p:spPr>
+      </p:pic>
+      <p:sp>
+        <p:nvSpPr>
+          <p:cNvPr id="10" name="Content Placeholder 9">
+            <a:extLst>
+              <a:ext uri="{FF2B5EF4-FFF2-40B4-BE49-F238E27FC236}">
+                <a16:creationId xmlns:a16="http://schemas.microsoft.com/office/drawing/2014/main" id="{246F2DAC-5472-4ECC-B505-F7E580445579}"/>
+              </a:ext>
+            </a:extLst>
+          </p:cNvPr>
+          <p:cNvSpPr>
+            <a:spLocks noGrp="1"/>
+          </p:cNvSpPr>
+          <p:nvPr>
+            <p:ph idx="1"/>
+          </p:nvPr>
+        </p:nvSpPr>
+        <p:spPr>
+          <a:xfrm>
+            <a:off x="7619999" y="2045110"/>
+            <a:ext cx="3366999" cy="4172810"/>
+          </a:xfrm>
+        </p:spPr>
+        <p:txBody>
+          <a:bodyPr>
+            <a:normAutofit/>
+          </a:bodyPr>
+          <a:lstStyle/>
+          <a:p>
+            <a:r>
+              <a:rPr lang="en-US" sz="1800" dirty="0"/>
+              <a:t>There are several rows in the dataset which contains no street, no district, no location etc. </a:t>
+            </a:r>
+          </a:p>
+          <a:p>
+            <a:r>
+              <a:rPr lang="en-US" sz="1800" dirty="0"/>
+              <a:t>This step is taken to take care of that. </a:t>
+            </a:r>
+          </a:p>
+        </p:txBody>
+      </p:sp>
+    </p:spTree>
+    <p:extLst>
+      <p:ext uri="{BB962C8B-B14F-4D97-AF65-F5344CB8AC3E}">
+        <p14:creationId xmlns:p14="http://schemas.microsoft.com/office/powerpoint/2010/main" val="886545867"/>
+      </p:ext>
+    </p:extLst>
+  </p:cSld>
+  <p:clrMapOvr>
+    <a:masterClrMapping/>
+  </p:clrMapOvr>
+</p:sld>
+</file>
+
+<file path=ppt/slides/slide8.xml><?xml version="1.0" encoding="utf-8"?>
+<p:sld xmlns:a="http://schemas.openxmlformats.org/drawingml/2006/main" xmlns:r="http://schemas.openxmlformats.org/officeDocument/2006/relationships" xmlns:p="http://schemas.openxmlformats.org/presentationml/2006/main">
+  <p:cSld>
+    <p:bg>
+      <p:bgPr>
+        <a:solidFill>
+          <a:schemeClr val="bg2"/>
+        </a:solidFill>
+        <a:effectLst/>
+      </p:bgPr>
+    </p:bg>
+    <p:spTree>
+      <p:nvGrpSpPr>
+        <p:cNvPr id="1" name=""/>
+        <p:cNvGrpSpPr/>
+        <p:nvPr/>
+      </p:nvGrpSpPr>
+      <p:grpSpPr>
+        <a:xfrm>
+          <a:off x="0" y="0"/>
+          <a:ext cx="0" cy="0"/>
+          <a:chOff x="0" y="0"/>
+          <a:chExt cx="0" cy="0"/>
+        </a:xfrm>
+      </p:grpSpPr>
+      <p:sp>
+        <p:nvSpPr>
+          <p:cNvPr id="2" name="Title 1">
+            <a:extLst>
+              <a:ext uri="{FF2B5EF4-FFF2-40B4-BE49-F238E27FC236}">
+                <a16:creationId xmlns:a16="http://schemas.microsoft.com/office/drawing/2014/main" id="{A999D7FF-C3FD-4B7A-83BB-ACB27D10A419}"/>
+              </a:ext>
+            </a:extLst>
+          </p:cNvPr>
+          <p:cNvSpPr>
+            <a:spLocks noGrp="1"/>
+          </p:cNvSpPr>
+          <p:nvPr>
+            <p:ph type="title"/>
+          </p:nvPr>
+        </p:nvSpPr>
+        <p:spPr>
+          <a:xfrm>
+            <a:off x="1202919" y="284176"/>
+            <a:ext cx="9784080" cy="1508760"/>
+          </a:xfrm>
+        </p:spPr>
+        <p:txBody>
+          <a:bodyPr>
+            <a:normAutofit/>
+          </a:bodyPr>
+          <a:lstStyle/>
+          <a:p>
+            <a:r>
+              <a:rPr lang="en-US"/>
+              <a:t>Format the Occurrence dates	</a:t>
+            </a:r>
+          </a:p>
+        </p:txBody>
+      </p:sp>
+      <p:sp>
+        <p:nvSpPr>
+          <p:cNvPr id="9" name="Content Placeholder 8">
+            <a:extLst>
+              <a:ext uri="{FF2B5EF4-FFF2-40B4-BE49-F238E27FC236}">
+                <a16:creationId xmlns:a16="http://schemas.microsoft.com/office/drawing/2014/main" id="{63B7A130-1488-49D0-AB4F-5E52372C2C6F}"/>
+              </a:ext>
+            </a:extLst>
+          </p:cNvPr>
+          <p:cNvSpPr>
+            <a:spLocks noGrp="1"/>
+          </p:cNvSpPr>
+          <p:nvPr>
+            <p:ph idx="1"/>
+          </p:nvPr>
+        </p:nvSpPr>
+        <p:spPr>
+          <a:xfrm>
+            <a:off x="7619999" y="2045110"/>
+            <a:ext cx="3366999" cy="4172810"/>
+          </a:xfrm>
+        </p:spPr>
+        <p:txBody>
+          <a:bodyPr>
+            <a:normAutofit/>
+          </a:bodyPr>
+          <a:lstStyle/>
+          <a:p>
+            <a:r>
+              <a:rPr lang="en-US" sz="1800" dirty="0"/>
+              <a:t>The occurrence dates were in the format of “MM-DD-YYYY HH:MM”. But for the model to work well it was needed for the dates to be in the format of “YYYY-MM-DD”. </a:t>
+            </a:r>
+          </a:p>
+          <a:p>
+            <a:r>
+              <a:rPr lang="en-US" sz="1800" dirty="0"/>
+              <a:t>The code snippet shown here does that. </a:t>
+            </a:r>
+          </a:p>
+        </p:txBody>
+      </p:sp>
+      <p:pic>
+        <p:nvPicPr>
+          <p:cNvPr id="6" name="Picture 5">
+            <a:extLst>
+              <a:ext uri="{FF2B5EF4-FFF2-40B4-BE49-F238E27FC236}">
+                <a16:creationId xmlns:a16="http://schemas.microsoft.com/office/drawing/2014/main" id="{84053B56-1678-4EB4-8AFA-EC27FEA6FDF7}"/>
+              </a:ext>
+            </a:extLst>
+          </p:cNvPr>
+          <p:cNvPicPr>
+            <a:picLocks noChangeAspect="1"/>
+          </p:cNvPicPr>
+          <p:nvPr/>
+        </p:nvPicPr>
+        <p:blipFill>
+          <a:blip r:embed="rId2"/>
+          <a:stretch>
+            <a:fillRect/>
+          </a:stretch>
+        </p:blipFill>
+        <p:spPr>
+          <a:xfrm>
+            <a:off x="0" y="2045110"/>
+            <a:ext cx="7572375" cy="733425"/>
+          </a:xfrm>
+          <a:prstGeom prst="rect">
+            <a:avLst/>
+          </a:prstGeom>
+        </p:spPr>
+      </p:pic>
+    </p:spTree>
+    <p:extLst>
+      <p:ext uri="{BB962C8B-B14F-4D97-AF65-F5344CB8AC3E}">
+        <p14:creationId xmlns:p14="http://schemas.microsoft.com/office/powerpoint/2010/main" val="3139787051"/>
+      </p:ext>
+    </p:extLst>
+  </p:cSld>
+  <p:clrMapOvr>
+    <a:masterClrMapping/>
+  </p:clrMapOvr>
+</p:sld>
+</file>
+
+<file path=ppt/slides/slide9.xml><?xml version="1.0" encoding="utf-8"?>
+<p:sld xmlns:a="http://schemas.openxmlformats.org/drawingml/2006/main" xmlns:r="http://schemas.openxmlformats.org/officeDocument/2006/relationships" xmlns:p="http://schemas.openxmlformats.org/presentationml/2006/main">
+  <p:cSld>
+    <p:spTree>
+      <p:nvGrpSpPr>
+        <p:cNvPr id="1" name=""/>
+        <p:cNvGrpSpPr/>
+        <p:nvPr/>
+      </p:nvGrpSpPr>
+      <p:grpSpPr>
+        <a:xfrm>
+          <a:off x="0" y="0"/>
+          <a:ext cx="0" cy="0"/>
+          <a:chOff x="0" y="0"/>
+          <a:chExt cx="0" cy="0"/>
+        </a:xfrm>
+      </p:grpSpPr>
+      <p:sp>
+        <p:nvSpPr>
+          <p:cNvPr id="2" name="Title 1">
+            <a:extLst>
+              <a:ext uri="{FF2B5EF4-FFF2-40B4-BE49-F238E27FC236}">
+                <a16:creationId xmlns:a16="http://schemas.microsoft.com/office/drawing/2014/main" id="{58AA6C4E-E109-453E-9205-2B95B603B58B}"/>
+              </a:ext>
+            </a:extLst>
+          </p:cNvPr>
+          <p:cNvSpPr>
+            <a:spLocks noGrp="1"/>
+          </p:cNvSpPr>
+          <p:nvPr>
+            <p:ph type="title"/>
+          </p:nvPr>
+        </p:nvSpPr>
+        <p:spPr/>
+        <p:txBody>
+          <a:bodyPr/>
+          <a:lstStyle/>
+          <a:p>
+            <a:r>
+              <a:rPr lang="en-US" dirty="0"/>
+              <a:t>FIND THE zip codes</a:t>
+            </a:r>
+          </a:p>
+        </p:txBody>
+      </p:sp>
+      <p:pic>
+        <p:nvPicPr>
+          <p:cNvPr id="4" name="Content Placeholder 3">
+            <a:extLst>
+              <a:ext uri="{FF2B5EF4-FFF2-40B4-BE49-F238E27FC236}">
+                <a16:creationId xmlns:a16="http://schemas.microsoft.com/office/drawing/2014/main" id="{6DC4B1C3-3E89-47D8-975C-C005FB83341A}"/>
+              </a:ext>
+            </a:extLst>
+          </p:cNvPr>
+          <p:cNvPicPr>
+            <a:picLocks noGrp="1" noChangeAspect="1"/>
+          </p:cNvPicPr>
+          <p:nvPr>
+            <p:ph idx="1"/>
+          </p:nvPr>
+        </p:nvPicPr>
+        <p:blipFill>
+          <a:blip r:embed="rId2"/>
+          <a:stretch>
+            <a:fillRect/>
+          </a:stretch>
+        </p:blipFill>
+        <p:spPr>
+          <a:xfrm>
+            <a:off x="1421425" y="2011363"/>
+            <a:ext cx="9347563" cy="4206875"/>
+          </a:xfrm>
+          <a:prstGeom prst="rect">
+            <a:avLst/>
+          </a:prstGeom>
+        </p:spPr>
+      </p:pic>
+    </p:spTree>
+    <p:extLst>
+      <p:ext uri="{BB962C8B-B14F-4D97-AF65-F5344CB8AC3E}">
+        <p14:creationId xmlns:p14="http://schemas.microsoft.com/office/powerpoint/2010/main" val="547425640"/>
       </p:ext>
     </p:extLst>
   </p:cSld>

--- a/Presentation.pptx
+++ b/Presentation.pptx
@@ -2,7 +2,7 @@
 <file path=ppt/presentation.xml><?xml version="1.0" encoding="utf-8"?>
 <p:presentation xmlns:a="http://schemas.openxmlformats.org/drawingml/2006/main" xmlns:r="http://schemas.openxmlformats.org/officeDocument/2006/relationships" xmlns:p="http://schemas.openxmlformats.org/presentationml/2006/main" saveSubsetFonts="1">
   <p:sldMasterIdLst>
-    <p:sldMasterId id="2147483678" r:id="rId1"/>
+    <p:sldMasterId id="2147483690" r:id="rId1"/>
   </p:sldMasterIdLst>
   <p:sldIdLst>
     <p:sldId id="256" r:id="rId2"/>
@@ -128,7 +128,7 @@
 </file>
 
 <file path=ppt/slideLayouts/slideLayout1.xml><?xml version="1.0" encoding="utf-8"?>
-<p:sldLayout xmlns:a="http://schemas.openxmlformats.org/drawingml/2006/main" xmlns:r="http://schemas.openxmlformats.org/officeDocument/2006/relationships" xmlns:p="http://schemas.openxmlformats.org/presentationml/2006/main" showMasterSp="0" type="title" preserve="1">
+<p:sldLayout xmlns:a="http://schemas.openxmlformats.org/drawingml/2006/main" xmlns:r="http://schemas.openxmlformats.org/officeDocument/2006/relationships" xmlns:p="http://schemas.openxmlformats.org/presentationml/2006/main" type="title" preserve="1">
   <p:cSld name="Title Slide">
     <p:spTree>
       <p:nvGrpSpPr>
@@ -146,199 +146,298 @@
       </p:grpSpPr>
       <p:sp>
         <p:nvSpPr>
-          <p:cNvPr id="7" name="Rectangle 6"/>
+          <p:cNvPr id="2" name="Title 1"/>
+          <p:cNvSpPr>
+            <a:spLocks noGrp="1"/>
+          </p:cNvSpPr>
+          <p:nvPr>
+            <p:ph type="ctrTitle"/>
+          </p:nvPr>
+        </p:nvSpPr>
+        <p:spPr>
+          <a:xfrm>
+            <a:off x="2589213" y="2514600"/>
+            <a:ext cx="8915399" cy="2262781"/>
+          </a:xfrm>
+        </p:spPr>
+        <p:txBody>
+          <a:bodyPr anchor="b">
+            <a:normAutofit/>
+          </a:bodyPr>
+          <a:lstStyle>
+            <a:lvl1pPr>
+              <a:defRPr sz="5400"/>
+            </a:lvl1pPr>
+          </a:lstStyle>
+          <a:p>
+            <a:r>
+              <a:rPr lang="en-US"/>
+              <a:t>Click to edit Master title style</a:t>
+            </a:r>
+            <a:endParaRPr lang="en-US" dirty="0"/>
+          </a:p>
+        </p:txBody>
+      </p:sp>
+      <p:sp>
+        <p:nvSpPr>
+          <p:cNvPr id="3" name="Subtitle 2"/>
+          <p:cNvSpPr>
+            <a:spLocks noGrp="1"/>
+          </p:cNvSpPr>
+          <p:nvPr>
+            <p:ph type="subTitle" idx="1"/>
+          </p:nvPr>
+        </p:nvSpPr>
+        <p:spPr>
+          <a:xfrm>
+            <a:off x="2589213" y="4777379"/>
+            <a:ext cx="8915399" cy="1126283"/>
+          </a:xfrm>
+        </p:spPr>
+        <p:txBody>
+          <a:bodyPr anchor="t"/>
+          <a:lstStyle>
+            <a:lvl1pPr marL="0" indent="0" algn="l">
+              <a:buNone/>
+              <a:defRPr>
+                <a:solidFill>
+                  <a:schemeClr val="tx1">
+                    <a:lumMod val="65000"/>
+                    <a:lumOff val="35000"/>
+                  </a:schemeClr>
+                </a:solidFill>
+              </a:defRPr>
+            </a:lvl1pPr>
+            <a:lvl2pPr marL="457200" indent="0" algn="ctr">
+              <a:buNone/>
+              <a:defRPr>
+                <a:solidFill>
+                  <a:schemeClr val="tx1">
+                    <a:tint val="75000"/>
+                  </a:schemeClr>
+                </a:solidFill>
+              </a:defRPr>
+            </a:lvl2pPr>
+            <a:lvl3pPr marL="914400" indent="0" algn="ctr">
+              <a:buNone/>
+              <a:defRPr>
+                <a:solidFill>
+                  <a:schemeClr val="tx1">
+                    <a:tint val="75000"/>
+                  </a:schemeClr>
+                </a:solidFill>
+              </a:defRPr>
+            </a:lvl3pPr>
+            <a:lvl4pPr marL="1371600" indent="0" algn="ctr">
+              <a:buNone/>
+              <a:defRPr>
+                <a:solidFill>
+                  <a:schemeClr val="tx1">
+                    <a:tint val="75000"/>
+                  </a:schemeClr>
+                </a:solidFill>
+              </a:defRPr>
+            </a:lvl4pPr>
+            <a:lvl5pPr marL="1828800" indent="0" algn="ctr">
+              <a:buNone/>
+              <a:defRPr>
+                <a:solidFill>
+                  <a:schemeClr val="tx1">
+                    <a:tint val="75000"/>
+                  </a:schemeClr>
+                </a:solidFill>
+              </a:defRPr>
+            </a:lvl5pPr>
+            <a:lvl6pPr marL="2286000" indent="0" algn="ctr">
+              <a:buNone/>
+              <a:defRPr>
+                <a:solidFill>
+                  <a:schemeClr val="tx1">
+                    <a:tint val="75000"/>
+                  </a:schemeClr>
+                </a:solidFill>
+              </a:defRPr>
+            </a:lvl6pPr>
+            <a:lvl7pPr marL="2743200" indent="0" algn="ctr">
+              <a:buNone/>
+              <a:defRPr>
+                <a:solidFill>
+                  <a:schemeClr val="tx1">
+                    <a:tint val="75000"/>
+                  </a:schemeClr>
+                </a:solidFill>
+              </a:defRPr>
+            </a:lvl7pPr>
+            <a:lvl8pPr marL="3200400" indent="0" algn="ctr">
+              <a:buNone/>
+              <a:defRPr>
+                <a:solidFill>
+                  <a:schemeClr val="tx1">
+                    <a:tint val="75000"/>
+                  </a:schemeClr>
+                </a:solidFill>
+              </a:defRPr>
+            </a:lvl8pPr>
+            <a:lvl9pPr marL="3657600" indent="0" algn="ctr">
+              <a:buNone/>
+              <a:defRPr>
+                <a:solidFill>
+                  <a:schemeClr val="tx1">
+                    <a:tint val="75000"/>
+                  </a:schemeClr>
+                </a:solidFill>
+              </a:defRPr>
+            </a:lvl9pPr>
+          </a:lstStyle>
+          <a:p>
+            <a:r>
+              <a:rPr lang="en-US"/>
+              <a:t>Click to edit Master subtitle style</a:t>
+            </a:r>
+            <a:endParaRPr lang="en-US" dirty="0"/>
+          </a:p>
+        </p:txBody>
+      </p:sp>
+      <p:sp>
+        <p:nvSpPr>
+          <p:cNvPr id="4" name="Date Placeholder 3"/>
+          <p:cNvSpPr>
+            <a:spLocks noGrp="1"/>
+          </p:cNvSpPr>
+          <p:nvPr>
+            <p:ph type="dt" sz="half" idx="10"/>
+          </p:nvPr>
+        </p:nvSpPr>
+        <p:spPr/>
+        <p:txBody>
+          <a:bodyPr/>
+          <a:lstStyle/>
+          <a:p>
+            <a:fld id="{E8889CCE-19B0-40A4-98A2-DDC4046C21DE}" type="datetimeFigureOut">
+              <a:rPr lang="en-US" smtClean="0"/>
+              <a:t>8/3/2019</a:t>
+            </a:fld>
+            <a:endParaRPr lang="en-US"/>
+          </a:p>
+        </p:txBody>
+      </p:sp>
+      <p:sp>
+        <p:nvSpPr>
+          <p:cNvPr id="5" name="Footer Placeholder 4"/>
+          <p:cNvSpPr>
+            <a:spLocks noGrp="1"/>
+          </p:cNvSpPr>
+          <p:nvPr>
+            <p:ph type="ftr" sz="quarter" idx="11"/>
+          </p:nvPr>
+        </p:nvSpPr>
+        <p:spPr/>
+        <p:txBody>
+          <a:bodyPr/>
+          <a:lstStyle/>
+          <a:p>
+            <a:endParaRPr lang="en-US"/>
+          </a:p>
+        </p:txBody>
+      </p:sp>
+      <p:sp>
+        <p:nvSpPr>
+          <p:cNvPr id="7" name="Freeform 6"/>
           <p:cNvSpPr/>
           <p:nvPr/>
         </p:nvSpPr>
-        <p:spPr>
+        <p:spPr bwMode="auto">
           <a:xfrm>
-            <a:off x="-6843" y="2059012"/>
-            <a:ext cx="12195668" cy="1828800"/>
+            <a:off x="0" y="4323810"/>
+            <a:ext cx="1744652" cy="778589"/>
           </a:xfrm>
-          <a:prstGeom prst="rect">
+          <a:custGeom>
             <a:avLst/>
-          </a:prstGeom>
+            <a:gdLst/>
+            <a:ahLst/>
+            <a:cxnLst/>
+            <a:rect l="0" t="0" r="r" b="b"/>
+            <a:pathLst>
+              <a:path w="372" h="166">
+                <a:moveTo>
+                  <a:pt x="287" y="166"/>
+                </a:moveTo>
+                <a:cubicBezTo>
+                  <a:pt x="290" y="166"/>
+                  <a:pt x="292" y="165"/>
+                  <a:pt x="293" y="164"/>
+                </a:cubicBezTo>
+                <a:cubicBezTo>
+                  <a:pt x="293" y="163"/>
+                  <a:pt x="294" y="163"/>
+                  <a:pt x="294" y="163"/>
+                </a:cubicBezTo>
+                <a:cubicBezTo>
+                  <a:pt x="370" y="87"/>
+                  <a:pt x="370" y="87"/>
+                  <a:pt x="370" y="87"/>
+                </a:cubicBezTo>
+                <a:cubicBezTo>
+                  <a:pt x="372" y="85"/>
+                  <a:pt x="372" y="81"/>
+                  <a:pt x="370" y="78"/>
+                </a:cubicBezTo>
+                <a:cubicBezTo>
+                  <a:pt x="294" y="3"/>
+                  <a:pt x="294" y="3"/>
+                  <a:pt x="294" y="3"/>
+                </a:cubicBezTo>
+                <a:cubicBezTo>
+                  <a:pt x="294" y="2"/>
+                  <a:pt x="293" y="2"/>
+                  <a:pt x="293" y="2"/>
+                </a:cubicBezTo>
+                <a:cubicBezTo>
+                  <a:pt x="292" y="1"/>
+                  <a:pt x="290" y="0"/>
+                  <a:pt x="287" y="0"/>
+                </a:cubicBezTo>
+                <a:cubicBezTo>
+                  <a:pt x="0" y="0"/>
+                  <a:pt x="0" y="0"/>
+                  <a:pt x="0" y="0"/>
+                </a:cubicBezTo>
+                <a:cubicBezTo>
+                  <a:pt x="0" y="166"/>
+                  <a:pt x="0" y="166"/>
+                  <a:pt x="0" y="166"/>
+                </a:cubicBezTo>
+                <a:lnTo>
+                  <a:pt x="287" y="166"/>
+                </a:lnTo>
+                <a:close/>
+              </a:path>
+            </a:pathLst>
+          </a:custGeom>
           <a:solidFill>
-            <a:schemeClr val="tx1"/>
+            <a:schemeClr val="accent1"/>
           </a:solidFill>
           <a:ln>
             <a:noFill/>
           </a:ln>
         </p:spPr>
-        <p:style>
-          <a:lnRef idx="2">
-            <a:schemeClr val="accent1">
-              <a:shade val="50000"/>
-            </a:schemeClr>
-          </a:lnRef>
-          <a:fillRef idx="1">
-            <a:schemeClr val="accent1"/>
-          </a:fillRef>
-          <a:effectRef idx="0">
-            <a:schemeClr val="accent1"/>
-          </a:effectRef>
-          <a:fontRef idx="minor">
-            <a:schemeClr val="lt1"/>
-          </a:fontRef>
-        </p:style>
-      </p:sp>
-      <p:sp>
-        <p:nvSpPr>
-          <p:cNvPr id="2" name="Title 1"/>
-          <p:cNvSpPr>
-            <a:spLocks noGrp="1"/>
-          </p:cNvSpPr>
-          <p:nvPr>
-            <p:ph type="ctrTitle"/>
+      </p:sp>
+      <p:sp>
+        <p:nvSpPr>
+          <p:cNvPr id="6" name="Slide Number Placeholder 5"/>
+          <p:cNvSpPr>
+            <a:spLocks noGrp="1"/>
+          </p:cNvSpPr>
+          <p:nvPr>
+            <p:ph type="sldNum" sz="quarter" idx="12"/>
           </p:nvPr>
         </p:nvSpPr>
         <p:spPr>
           <a:xfrm>
-            <a:off x="365759" y="2166364"/>
-            <a:ext cx="11471565" cy="1739347"/>
+            <a:off x="531812" y="4529540"/>
+            <a:ext cx="779767" cy="365125"/>
           </a:xfrm>
         </p:spPr>
-        <p:txBody>
-          <a:bodyPr tIns="45720" bIns="45720" anchor="ctr">
-            <a:normAutofit/>
-          </a:bodyPr>
-          <a:lstStyle>
-            <a:lvl1pPr algn="ctr">
-              <a:lnSpc>
-                <a:spcPct val="80000"/>
-              </a:lnSpc>
-              <a:defRPr sz="6000" spc="150" baseline="0"/>
-            </a:lvl1pPr>
-          </a:lstStyle>
-          <a:p>
-            <a:r>
-              <a:rPr lang="en-US"/>
-              <a:t>Click to edit Master title style</a:t>
-            </a:r>
-            <a:endParaRPr lang="en-US" dirty="0"/>
-          </a:p>
-        </p:txBody>
-      </p:sp>
-      <p:sp>
-        <p:nvSpPr>
-          <p:cNvPr id="3" name="Subtitle 2"/>
-          <p:cNvSpPr>
-            <a:spLocks noGrp="1"/>
-          </p:cNvSpPr>
-          <p:nvPr>
-            <p:ph type="subTitle" idx="1"/>
-          </p:nvPr>
-        </p:nvSpPr>
-        <p:spPr>
-          <a:xfrm>
-            <a:off x="1524000" y="3996250"/>
-            <a:ext cx="9144000" cy="1309255"/>
-          </a:xfrm>
-        </p:spPr>
-        <p:txBody>
-          <a:bodyPr>
-            <a:normAutofit/>
-          </a:bodyPr>
-          <a:lstStyle>
-            <a:lvl1pPr marL="0" indent="0" algn="ctr">
-              <a:buNone/>
-              <a:defRPr sz="2000"/>
-            </a:lvl1pPr>
-            <a:lvl2pPr marL="457200" indent="0" algn="ctr">
-              <a:buNone/>
-              <a:defRPr sz="2000"/>
-            </a:lvl2pPr>
-            <a:lvl3pPr marL="914400" indent="0" algn="ctr">
-              <a:buNone/>
-              <a:defRPr sz="2000"/>
-            </a:lvl3pPr>
-            <a:lvl4pPr marL="1371600" indent="0" algn="ctr">
-              <a:buNone/>
-              <a:defRPr sz="2000"/>
-            </a:lvl4pPr>
-            <a:lvl5pPr marL="1828800" indent="0" algn="ctr">
-              <a:buNone/>
-              <a:defRPr sz="2000"/>
-            </a:lvl5pPr>
-            <a:lvl6pPr marL="2286000" indent="0" algn="ctr">
-              <a:buNone/>
-              <a:defRPr sz="2000"/>
-            </a:lvl6pPr>
-            <a:lvl7pPr marL="2743200" indent="0" algn="ctr">
-              <a:buNone/>
-              <a:defRPr sz="2000"/>
-            </a:lvl7pPr>
-            <a:lvl8pPr marL="3200400" indent="0" algn="ctr">
-              <a:buNone/>
-              <a:defRPr sz="2000"/>
-            </a:lvl8pPr>
-            <a:lvl9pPr marL="3657600" indent="0" algn="ctr">
-              <a:buNone/>
-              <a:defRPr sz="2000"/>
-            </a:lvl9pPr>
-          </a:lstStyle>
-          <a:p>
-            <a:r>
-              <a:rPr lang="en-US"/>
-              <a:t>Click to edit Master subtitle style</a:t>
-            </a:r>
-            <a:endParaRPr lang="en-US" dirty="0"/>
-          </a:p>
-        </p:txBody>
-      </p:sp>
-      <p:sp>
-        <p:nvSpPr>
-          <p:cNvPr id="4" name="Date Placeholder 3"/>
-          <p:cNvSpPr>
-            <a:spLocks noGrp="1"/>
-          </p:cNvSpPr>
-          <p:nvPr>
-            <p:ph type="dt" sz="half" idx="10"/>
-          </p:nvPr>
-        </p:nvSpPr>
-        <p:spPr/>
-        <p:txBody>
-          <a:bodyPr/>
-          <a:lstStyle/>
-          <a:p>
-            <a:fld id="{E8889CCE-19B0-40A4-98A2-DDC4046C21DE}" type="datetimeFigureOut">
-              <a:rPr lang="en-US" smtClean="0"/>
-              <a:t>8/2/2019</a:t>
-            </a:fld>
-            <a:endParaRPr lang="en-US"/>
-          </a:p>
-        </p:txBody>
-      </p:sp>
-      <p:sp>
-        <p:nvSpPr>
-          <p:cNvPr id="5" name="Footer Placeholder 4"/>
-          <p:cNvSpPr>
-            <a:spLocks noGrp="1"/>
-          </p:cNvSpPr>
-          <p:nvPr>
-            <p:ph type="ftr" sz="quarter" idx="11"/>
-          </p:nvPr>
-        </p:nvSpPr>
-        <p:spPr/>
-        <p:txBody>
-          <a:bodyPr/>
-          <a:lstStyle/>
-          <a:p>
-            <a:endParaRPr lang="en-US"/>
-          </a:p>
-        </p:txBody>
-      </p:sp>
-      <p:sp>
-        <p:nvSpPr>
-          <p:cNvPr id="6" name="Slide Number Placeholder 5"/>
-          <p:cNvSpPr>
-            <a:spLocks noGrp="1"/>
-          </p:cNvSpPr>
-          <p:nvPr>
-            <p:ph type="sldNum" sz="quarter" idx="12"/>
-          </p:nvPr>
-        </p:nvSpPr>
-        <p:spPr/>
         <p:txBody>
           <a:bodyPr/>
           <a:lstStyle/>
@@ -354,7 +453,7 @@
     </p:spTree>
     <p:extLst>
       <p:ext uri="{BB962C8B-B14F-4D97-AF65-F5344CB8AC3E}">
-        <p14:creationId xmlns:p14="http://schemas.microsoft.com/office/powerpoint/2010/main" val="2704450735"/>
+        <p14:creationId xmlns:p14="http://schemas.microsoft.com/office/powerpoint/2010/main" val="3489782381"/>
       </p:ext>
     </p:extLst>
   </p:cSld>
@@ -365,6 +464,1797 @@
 </file>
 
 <file path=ppt/slideLayouts/slideLayout10.xml><?xml version="1.0" encoding="utf-8"?>
+<p:sldLayout xmlns:a="http://schemas.openxmlformats.org/drawingml/2006/main" xmlns:r="http://schemas.openxmlformats.org/officeDocument/2006/relationships" xmlns:p="http://schemas.openxmlformats.org/presentationml/2006/main" preserve="1">
+  <p:cSld name="Title and Caption">
+    <p:spTree>
+      <p:nvGrpSpPr>
+        <p:cNvPr id="1" name=""/>
+        <p:cNvGrpSpPr/>
+        <p:nvPr/>
+      </p:nvGrpSpPr>
+      <p:grpSpPr>
+        <a:xfrm>
+          <a:off x="0" y="0"/>
+          <a:ext cx="0" cy="0"/>
+          <a:chOff x="0" y="0"/>
+          <a:chExt cx="0" cy="0"/>
+        </a:xfrm>
+      </p:grpSpPr>
+      <p:sp>
+        <p:nvSpPr>
+          <p:cNvPr id="2" name="Title 1"/>
+          <p:cNvSpPr>
+            <a:spLocks noGrp="1"/>
+          </p:cNvSpPr>
+          <p:nvPr>
+            <p:ph type="title"/>
+          </p:nvPr>
+        </p:nvSpPr>
+        <p:spPr>
+          <a:xfrm>
+            <a:off x="2589212" y="609600"/>
+            <a:ext cx="8915399" cy="3117040"/>
+          </a:xfrm>
+        </p:spPr>
+        <p:txBody>
+          <a:bodyPr anchor="ctr">
+            <a:normAutofit/>
+          </a:bodyPr>
+          <a:lstStyle>
+            <a:lvl1pPr algn="l">
+              <a:defRPr sz="4800" b="0" cap="none"/>
+            </a:lvl1pPr>
+          </a:lstStyle>
+          <a:p>
+            <a:r>
+              <a:rPr lang="en-US"/>
+              <a:t>Click to edit Master title style</a:t>
+            </a:r>
+            <a:endParaRPr lang="en-US" dirty="0"/>
+          </a:p>
+        </p:txBody>
+      </p:sp>
+      <p:sp>
+        <p:nvSpPr>
+          <p:cNvPr id="3" name="Text Placeholder 2"/>
+          <p:cNvSpPr>
+            <a:spLocks noGrp="1"/>
+          </p:cNvSpPr>
+          <p:nvPr>
+            <p:ph type="body" idx="1"/>
+          </p:nvPr>
+        </p:nvSpPr>
+        <p:spPr>
+          <a:xfrm>
+            <a:off x="2589212" y="4354046"/>
+            <a:ext cx="8915399" cy="1555864"/>
+          </a:xfrm>
+        </p:spPr>
+        <p:txBody>
+          <a:bodyPr anchor="ctr">
+            <a:normAutofit/>
+          </a:bodyPr>
+          <a:lstStyle>
+            <a:lvl1pPr marL="0" indent="0" algn="l">
+              <a:buNone/>
+              <a:defRPr sz="1800">
+                <a:solidFill>
+                  <a:schemeClr val="tx1">
+                    <a:lumMod val="65000"/>
+                    <a:lumOff val="35000"/>
+                  </a:schemeClr>
+                </a:solidFill>
+              </a:defRPr>
+            </a:lvl1pPr>
+            <a:lvl2pPr marL="457200" indent="0">
+              <a:buNone/>
+              <a:defRPr sz="1800">
+                <a:solidFill>
+                  <a:schemeClr val="tx1">
+                    <a:tint val="75000"/>
+                  </a:schemeClr>
+                </a:solidFill>
+              </a:defRPr>
+            </a:lvl2pPr>
+            <a:lvl3pPr marL="914400" indent="0">
+              <a:buNone/>
+              <a:defRPr sz="1600">
+                <a:solidFill>
+                  <a:schemeClr val="tx1">
+                    <a:tint val="75000"/>
+                  </a:schemeClr>
+                </a:solidFill>
+              </a:defRPr>
+            </a:lvl3pPr>
+            <a:lvl4pPr marL="1371600" indent="0">
+              <a:buNone/>
+              <a:defRPr sz="1400">
+                <a:solidFill>
+                  <a:schemeClr val="tx1">
+                    <a:tint val="75000"/>
+                  </a:schemeClr>
+                </a:solidFill>
+              </a:defRPr>
+            </a:lvl4pPr>
+            <a:lvl5pPr marL="1828800" indent="0">
+              <a:buNone/>
+              <a:defRPr sz="1400">
+                <a:solidFill>
+                  <a:schemeClr val="tx1">
+                    <a:tint val="75000"/>
+                  </a:schemeClr>
+                </a:solidFill>
+              </a:defRPr>
+            </a:lvl5pPr>
+            <a:lvl6pPr marL="2286000" indent="0">
+              <a:buNone/>
+              <a:defRPr sz="1400">
+                <a:solidFill>
+                  <a:schemeClr val="tx1">
+                    <a:tint val="75000"/>
+                  </a:schemeClr>
+                </a:solidFill>
+              </a:defRPr>
+            </a:lvl6pPr>
+            <a:lvl7pPr marL="2743200" indent="0">
+              <a:buNone/>
+              <a:defRPr sz="1400">
+                <a:solidFill>
+                  <a:schemeClr val="tx1">
+                    <a:tint val="75000"/>
+                  </a:schemeClr>
+                </a:solidFill>
+              </a:defRPr>
+            </a:lvl7pPr>
+            <a:lvl8pPr marL="3200400" indent="0">
+              <a:buNone/>
+              <a:defRPr sz="1400">
+                <a:solidFill>
+                  <a:schemeClr val="tx1">
+                    <a:tint val="75000"/>
+                  </a:schemeClr>
+                </a:solidFill>
+              </a:defRPr>
+            </a:lvl8pPr>
+            <a:lvl9pPr marL="3657600" indent="0">
+              <a:buNone/>
+              <a:defRPr sz="1400">
+                <a:solidFill>
+                  <a:schemeClr val="tx1">
+                    <a:tint val="75000"/>
+                  </a:schemeClr>
+                </a:solidFill>
+              </a:defRPr>
+            </a:lvl9pPr>
+          </a:lstStyle>
+          <a:p>
+            <a:pPr lvl="0"/>
+            <a:r>
+              <a:rPr lang="en-US"/>
+              <a:t>Click to edit Master text styles</a:t>
+            </a:r>
+          </a:p>
+        </p:txBody>
+      </p:sp>
+      <p:sp>
+        <p:nvSpPr>
+          <p:cNvPr id="4" name="Date Placeholder 3"/>
+          <p:cNvSpPr>
+            <a:spLocks noGrp="1"/>
+          </p:cNvSpPr>
+          <p:nvPr>
+            <p:ph type="dt" sz="half" idx="10"/>
+          </p:nvPr>
+        </p:nvSpPr>
+        <p:spPr/>
+        <p:txBody>
+          <a:bodyPr/>
+          <a:lstStyle/>
+          <a:p>
+            <a:fld id="{E8889CCE-19B0-40A4-98A2-DDC4046C21DE}" type="datetimeFigureOut">
+              <a:rPr lang="en-US" smtClean="0"/>
+              <a:t>8/3/2019</a:t>
+            </a:fld>
+            <a:endParaRPr lang="en-US"/>
+          </a:p>
+        </p:txBody>
+      </p:sp>
+      <p:sp>
+        <p:nvSpPr>
+          <p:cNvPr id="5" name="Footer Placeholder 4"/>
+          <p:cNvSpPr>
+            <a:spLocks noGrp="1"/>
+          </p:cNvSpPr>
+          <p:nvPr>
+            <p:ph type="ftr" sz="quarter" idx="11"/>
+          </p:nvPr>
+        </p:nvSpPr>
+        <p:spPr/>
+        <p:txBody>
+          <a:bodyPr/>
+          <a:lstStyle/>
+          <a:p>
+            <a:endParaRPr lang="en-US"/>
+          </a:p>
+        </p:txBody>
+      </p:sp>
+      <p:sp>
+        <p:nvSpPr>
+          <p:cNvPr id="9" name="Freeform 11"/>
+          <p:cNvSpPr/>
+          <p:nvPr/>
+        </p:nvSpPr>
+        <p:spPr bwMode="auto">
+          <a:xfrm flipV="1">
+            <a:off x="-4189" y="3178175"/>
+            <a:ext cx="1588527" cy="507297"/>
+          </a:xfrm>
+          <a:custGeom>
+            <a:avLst/>
+            <a:gdLst/>
+            <a:ahLst/>
+            <a:cxnLst/>
+            <a:rect l="l" t="t" r="r" b="b"/>
+            <a:pathLst>
+              <a:path w="9248" h="10000">
+                <a:moveTo>
+                  <a:pt x="9248" y="4701"/>
+                </a:moveTo>
+                <a:lnTo>
+                  <a:pt x="7915" y="188"/>
+                </a:lnTo>
+                <a:cubicBezTo>
+                  <a:pt x="7906" y="156"/>
+                  <a:pt x="7895" y="126"/>
+                  <a:pt x="7886" y="94"/>
+                </a:cubicBezTo>
+                <a:cubicBezTo>
+                  <a:pt x="7859" y="0"/>
+                  <a:pt x="7831" y="0"/>
+                  <a:pt x="7803" y="0"/>
+                </a:cubicBezTo>
+                <a:lnTo>
+                  <a:pt x="7275" y="0"/>
+                </a:lnTo>
+                <a:lnTo>
+                  <a:pt x="0" y="70"/>
+                </a:lnTo>
+                <a:cubicBezTo>
+                  <a:pt x="8" y="3380"/>
+                  <a:pt x="17" y="6690"/>
+                  <a:pt x="25" y="10000"/>
+                </a:cubicBezTo>
+                <a:lnTo>
+                  <a:pt x="7275" y="9966"/>
+                </a:lnTo>
+                <a:lnTo>
+                  <a:pt x="7803" y="9966"/>
+                </a:lnTo>
+                <a:cubicBezTo>
+                  <a:pt x="7831" y="9966"/>
+                  <a:pt x="7859" y="9872"/>
+                  <a:pt x="7886" y="9872"/>
+                </a:cubicBezTo>
+                <a:cubicBezTo>
+                  <a:pt x="7886" y="9778"/>
+                  <a:pt x="7915" y="9778"/>
+                  <a:pt x="7915" y="9778"/>
+                </a:cubicBezTo>
+                <a:lnTo>
+                  <a:pt x="9248" y="5265"/>
+                </a:lnTo>
+                <a:cubicBezTo>
+                  <a:pt x="9303" y="5077"/>
+                  <a:pt x="9303" y="4889"/>
+                  <a:pt x="9248" y="4701"/>
+                </a:cubicBezTo>
+                <a:close/>
+              </a:path>
+            </a:pathLst>
+          </a:custGeom>
+          <a:solidFill>
+            <a:schemeClr val="accent1"/>
+          </a:solidFill>
+          <a:ln>
+            <a:noFill/>
+          </a:ln>
+        </p:spPr>
+      </p:sp>
+      <p:sp>
+        <p:nvSpPr>
+          <p:cNvPr id="6" name="Slide Number Placeholder 5"/>
+          <p:cNvSpPr>
+            <a:spLocks noGrp="1"/>
+          </p:cNvSpPr>
+          <p:nvPr>
+            <p:ph type="sldNum" sz="quarter" idx="12"/>
+          </p:nvPr>
+        </p:nvSpPr>
+        <p:spPr>
+          <a:xfrm>
+            <a:off x="531812" y="3244139"/>
+            <a:ext cx="779767" cy="365125"/>
+          </a:xfrm>
+        </p:spPr>
+        <p:txBody>
+          <a:bodyPr/>
+          <a:lstStyle/>
+          <a:p>
+            <a:fld id="{CEA0DD38-18CB-4471-94A8-61D9754A7653}" type="slidenum">
+              <a:rPr lang="en-US" smtClean="0"/>
+              <a:t>‹#›</a:t>
+            </a:fld>
+            <a:endParaRPr lang="en-US"/>
+          </a:p>
+        </p:txBody>
+      </p:sp>
+    </p:spTree>
+    <p:extLst>
+      <p:ext uri="{BB962C8B-B14F-4D97-AF65-F5344CB8AC3E}">
+        <p14:creationId xmlns:p14="http://schemas.microsoft.com/office/powerpoint/2010/main" val="4229049190"/>
+      </p:ext>
+    </p:extLst>
+  </p:cSld>
+  <p:clrMapOvr>
+    <a:masterClrMapping/>
+  </p:clrMapOvr>
+</p:sldLayout>
+</file>
+
+<file path=ppt/slideLayouts/slideLayout11.xml><?xml version="1.0" encoding="utf-8"?>
+<p:sldLayout xmlns:a="http://schemas.openxmlformats.org/drawingml/2006/main" xmlns:r="http://schemas.openxmlformats.org/officeDocument/2006/relationships" xmlns:p="http://schemas.openxmlformats.org/presentationml/2006/main" preserve="1">
+  <p:cSld name="Quote with Caption">
+    <p:spTree>
+      <p:nvGrpSpPr>
+        <p:cNvPr id="1" name=""/>
+        <p:cNvGrpSpPr/>
+        <p:nvPr/>
+      </p:nvGrpSpPr>
+      <p:grpSpPr>
+        <a:xfrm>
+          <a:off x="0" y="0"/>
+          <a:ext cx="0" cy="0"/>
+          <a:chOff x="0" y="0"/>
+          <a:chExt cx="0" cy="0"/>
+        </a:xfrm>
+      </p:grpSpPr>
+      <p:sp>
+        <p:nvSpPr>
+          <p:cNvPr id="2" name="Title 1"/>
+          <p:cNvSpPr>
+            <a:spLocks noGrp="1"/>
+          </p:cNvSpPr>
+          <p:nvPr>
+            <p:ph type="title"/>
+          </p:nvPr>
+        </p:nvSpPr>
+        <p:spPr>
+          <a:xfrm>
+            <a:off x="2849949" y="609600"/>
+            <a:ext cx="8393926" cy="2895600"/>
+          </a:xfrm>
+        </p:spPr>
+        <p:txBody>
+          <a:bodyPr anchor="ctr">
+            <a:normAutofit/>
+          </a:bodyPr>
+          <a:lstStyle>
+            <a:lvl1pPr algn="l">
+              <a:defRPr sz="4800" b="0" cap="none"/>
+            </a:lvl1pPr>
+          </a:lstStyle>
+          <a:p>
+            <a:r>
+              <a:rPr lang="en-US"/>
+              <a:t>Click to edit Master title style</a:t>
+            </a:r>
+            <a:endParaRPr lang="en-US" dirty="0"/>
+          </a:p>
+        </p:txBody>
+      </p:sp>
+      <p:sp>
+        <p:nvSpPr>
+          <p:cNvPr id="13" name="Text Placeholder 9"/>
+          <p:cNvSpPr>
+            <a:spLocks noGrp="1"/>
+          </p:cNvSpPr>
+          <p:nvPr>
+            <p:ph type="body" sz="quarter" idx="13"/>
+          </p:nvPr>
+        </p:nvSpPr>
+        <p:spPr>
+          <a:xfrm>
+            <a:off x="3275012" y="3505200"/>
+            <a:ext cx="7536554" cy="381000"/>
+          </a:xfrm>
+        </p:spPr>
+        <p:txBody>
+          <a:bodyPr anchor="ctr">
+            <a:noAutofit/>
+          </a:bodyPr>
+          <a:lstStyle>
+            <a:lvl1pPr marL="0" indent="0">
+              <a:buFontTx/>
+              <a:buNone/>
+              <a:defRPr sz="1600">
+                <a:solidFill>
+                  <a:schemeClr val="tx1">
+                    <a:lumMod val="50000"/>
+                    <a:lumOff val="50000"/>
+                  </a:schemeClr>
+                </a:solidFill>
+              </a:defRPr>
+            </a:lvl1pPr>
+            <a:lvl2pPr marL="457200" indent="0">
+              <a:buFontTx/>
+              <a:buNone/>
+              <a:defRPr/>
+            </a:lvl2pPr>
+            <a:lvl3pPr marL="914400" indent="0">
+              <a:buFontTx/>
+              <a:buNone/>
+              <a:defRPr/>
+            </a:lvl3pPr>
+            <a:lvl4pPr marL="1371600" indent="0">
+              <a:buFontTx/>
+              <a:buNone/>
+              <a:defRPr/>
+            </a:lvl4pPr>
+            <a:lvl5pPr marL="1828800" indent="0">
+              <a:buFontTx/>
+              <a:buNone/>
+              <a:defRPr/>
+            </a:lvl5pPr>
+          </a:lstStyle>
+          <a:p>
+            <a:pPr lvl="0"/>
+            <a:r>
+              <a:rPr lang="en-US"/>
+              <a:t>Click to edit Master text styles</a:t>
+            </a:r>
+          </a:p>
+        </p:txBody>
+      </p:sp>
+      <p:sp>
+        <p:nvSpPr>
+          <p:cNvPr id="3" name="Text Placeholder 2"/>
+          <p:cNvSpPr>
+            <a:spLocks noGrp="1"/>
+          </p:cNvSpPr>
+          <p:nvPr>
+            <p:ph type="body" idx="1"/>
+          </p:nvPr>
+        </p:nvSpPr>
+        <p:spPr>
+          <a:xfrm>
+            <a:off x="2589212" y="4354046"/>
+            <a:ext cx="8915399" cy="1555864"/>
+          </a:xfrm>
+        </p:spPr>
+        <p:txBody>
+          <a:bodyPr anchor="ctr">
+            <a:normAutofit/>
+          </a:bodyPr>
+          <a:lstStyle>
+            <a:lvl1pPr marL="0" indent="0" algn="l">
+              <a:buNone/>
+              <a:defRPr sz="1800">
+                <a:solidFill>
+                  <a:schemeClr val="tx1">
+                    <a:lumMod val="65000"/>
+                    <a:lumOff val="35000"/>
+                  </a:schemeClr>
+                </a:solidFill>
+              </a:defRPr>
+            </a:lvl1pPr>
+            <a:lvl2pPr marL="457200" indent="0">
+              <a:buNone/>
+              <a:defRPr sz="1800">
+                <a:solidFill>
+                  <a:schemeClr val="tx1">
+                    <a:tint val="75000"/>
+                  </a:schemeClr>
+                </a:solidFill>
+              </a:defRPr>
+            </a:lvl2pPr>
+            <a:lvl3pPr marL="914400" indent="0">
+              <a:buNone/>
+              <a:defRPr sz="1600">
+                <a:solidFill>
+                  <a:schemeClr val="tx1">
+                    <a:tint val="75000"/>
+                  </a:schemeClr>
+                </a:solidFill>
+              </a:defRPr>
+            </a:lvl3pPr>
+            <a:lvl4pPr marL="1371600" indent="0">
+              <a:buNone/>
+              <a:defRPr sz="1400">
+                <a:solidFill>
+                  <a:schemeClr val="tx1">
+                    <a:tint val="75000"/>
+                  </a:schemeClr>
+                </a:solidFill>
+              </a:defRPr>
+            </a:lvl4pPr>
+            <a:lvl5pPr marL="1828800" indent="0">
+              <a:buNone/>
+              <a:defRPr sz="1400">
+                <a:solidFill>
+                  <a:schemeClr val="tx1">
+                    <a:tint val="75000"/>
+                  </a:schemeClr>
+                </a:solidFill>
+              </a:defRPr>
+            </a:lvl5pPr>
+            <a:lvl6pPr marL="2286000" indent="0">
+              <a:buNone/>
+              <a:defRPr sz="1400">
+                <a:solidFill>
+                  <a:schemeClr val="tx1">
+                    <a:tint val="75000"/>
+                  </a:schemeClr>
+                </a:solidFill>
+              </a:defRPr>
+            </a:lvl6pPr>
+            <a:lvl7pPr marL="2743200" indent="0">
+              <a:buNone/>
+              <a:defRPr sz="1400">
+                <a:solidFill>
+                  <a:schemeClr val="tx1">
+                    <a:tint val="75000"/>
+                  </a:schemeClr>
+                </a:solidFill>
+              </a:defRPr>
+            </a:lvl7pPr>
+            <a:lvl8pPr marL="3200400" indent="0">
+              <a:buNone/>
+              <a:defRPr sz="1400">
+                <a:solidFill>
+                  <a:schemeClr val="tx1">
+                    <a:tint val="75000"/>
+                  </a:schemeClr>
+                </a:solidFill>
+              </a:defRPr>
+            </a:lvl8pPr>
+            <a:lvl9pPr marL="3657600" indent="0">
+              <a:buNone/>
+              <a:defRPr sz="1400">
+                <a:solidFill>
+                  <a:schemeClr val="tx1">
+                    <a:tint val="75000"/>
+                  </a:schemeClr>
+                </a:solidFill>
+              </a:defRPr>
+            </a:lvl9pPr>
+          </a:lstStyle>
+          <a:p>
+            <a:pPr lvl="0"/>
+            <a:r>
+              <a:rPr lang="en-US"/>
+              <a:t>Click to edit Master text styles</a:t>
+            </a:r>
+          </a:p>
+        </p:txBody>
+      </p:sp>
+      <p:sp>
+        <p:nvSpPr>
+          <p:cNvPr id="4" name="Date Placeholder 3"/>
+          <p:cNvSpPr>
+            <a:spLocks noGrp="1"/>
+          </p:cNvSpPr>
+          <p:nvPr>
+            <p:ph type="dt" sz="half" idx="10"/>
+          </p:nvPr>
+        </p:nvSpPr>
+        <p:spPr/>
+        <p:txBody>
+          <a:bodyPr/>
+          <a:lstStyle/>
+          <a:p>
+            <a:fld id="{E8889CCE-19B0-40A4-98A2-DDC4046C21DE}" type="datetimeFigureOut">
+              <a:rPr lang="en-US" smtClean="0"/>
+              <a:t>8/3/2019</a:t>
+            </a:fld>
+            <a:endParaRPr lang="en-US"/>
+          </a:p>
+        </p:txBody>
+      </p:sp>
+      <p:sp>
+        <p:nvSpPr>
+          <p:cNvPr id="5" name="Footer Placeholder 4"/>
+          <p:cNvSpPr>
+            <a:spLocks noGrp="1"/>
+          </p:cNvSpPr>
+          <p:nvPr>
+            <p:ph type="ftr" sz="quarter" idx="11"/>
+          </p:nvPr>
+        </p:nvSpPr>
+        <p:spPr/>
+        <p:txBody>
+          <a:bodyPr/>
+          <a:lstStyle/>
+          <a:p>
+            <a:endParaRPr lang="en-US"/>
+          </a:p>
+        </p:txBody>
+      </p:sp>
+      <p:sp>
+        <p:nvSpPr>
+          <p:cNvPr id="11" name="Freeform 11"/>
+          <p:cNvSpPr/>
+          <p:nvPr/>
+        </p:nvSpPr>
+        <p:spPr bwMode="auto">
+          <a:xfrm flipV="1">
+            <a:off x="-4189" y="3178175"/>
+            <a:ext cx="1588527" cy="507297"/>
+          </a:xfrm>
+          <a:custGeom>
+            <a:avLst/>
+            <a:gdLst/>
+            <a:ahLst/>
+            <a:cxnLst/>
+            <a:rect l="l" t="t" r="r" b="b"/>
+            <a:pathLst>
+              <a:path w="9248" h="10000">
+                <a:moveTo>
+                  <a:pt x="9248" y="4701"/>
+                </a:moveTo>
+                <a:lnTo>
+                  <a:pt x="7915" y="188"/>
+                </a:lnTo>
+                <a:cubicBezTo>
+                  <a:pt x="7906" y="156"/>
+                  <a:pt x="7895" y="126"/>
+                  <a:pt x="7886" y="94"/>
+                </a:cubicBezTo>
+                <a:cubicBezTo>
+                  <a:pt x="7859" y="0"/>
+                  <a:pt x="7831" y="0"/>
+                  <a:pt x="7803" y="0"/>
+                </a:cubicBezTo>
+                <a:lnTo>
+                  <a:pt x="7275" y="0"/>
+                </a:lnTo>
+                <a:lnTo>
+                  <a:pt x="0" y="70"/>
+                </a:lnTo>
+                <a:cubicBezTo>
+                  <a:pt x="8" y="3380"/>
+                  <a:pt x="17" y="6690"/>
+                  <a:pt x="25" y="10000"/>
+                </a:cubicBezTo>
+                <a:lnTo>
+                  <a:pt x="7275" y="9966"/>
+                </a:lnTo>
+                <a:lnTo>
+                  <a:pt x="7803" y="9966"/>
+                </a:lnTo>
+                <a:cubicBezTo>
+                  <a:pt x="7831" y="9966"/>
+                  <a:pt x="7859" y="9872"/>
+                  <a:pt x="7886" y="9872"/>
+                </a:cubicBezTo>
+                <a:cubicBezTo>
+                  <a:pt x="7886" y="9778"/>
+                  <a:pt x="7915" y="9778"/>
+                  <a:pt x="7915" y="9778"/>
+                </a:cubicBezTo>
+                <a:lnTo>
+                  <a:pt x="9248" y="5265"/>
+                </a:lnTo>
+                <a:cubicBezTo>
+                  <a:pt x="9303" y="5077"/>
+                  <a:pt x="9303" y="4889"/>
+                  <a:pt x="9248" y="4701"/>
+                </a:cubicBezTo>
+                <a:close/>
+              </a:path>
+            </a:pathLst>
+          </a:custGeom>
+          <a:solidFill>
+            <a:schemeClr val="accent1"/>
+          </a:solidFill>
+          <a:ln>
+            <a:noFill/>
+          </a:ln>
+        </p:spPr>
+      </p:sp>
+      <p:sp>
+        <p:nvSpPr>
+          <p:cNvPr id="6" name="Slide Number Placeholder 5"/>
+          <p:cNvSpPr>
+            <a:spLocks noGrp="1"/>
+          </p:cNvSpPr>
+          <p:nvPr>
+            <p:ph type="sldNum" sz="quarter" idx="12"/>
+          </p:nvPr>
+        </p:nvSpPr>
+        <p:spPr>
+          <a:xfrm>
+            <a:off x="531812" y="3244139"/>
+            <a:ext cx="779767" cy="365125"/>
+          </a:xfrm>
+        </p:spPr>
+        <p:txBody>
+          <a:bodyPr/>
+          <a:lstStyle/>
+          <a:p>
+            <a:fld id="{CEA0DD38-18CB-4471-94A8-61D9754A7653}" type="slidenum">
+              <a:rPr lang="en-US" smtClean="0"/>
+              <a:t>‹#›</a:t>
+            </a:fld>
+            <a:endParaRPr lang="en-US"/>
+          </a:p>
+        </p:txBody>
+      </p:sp>
+      <p:sp>
+        <p:nvSpPr>
+          <p:cNvPr id="14" name="TextBox 13"/>
+          <p:cNvSpPr txBox="1"/>
+          <p:nvPr/>
+        </p:nvSpPr>
+        <p:spPr>
+          <a:xfrm>
+            <a:off x="2467652" y="648005"/>
+            <a:ext cx="609600" cy="584776"/>
+          </a:xfrm>
+          <a:prstGeom prst="rect">
+            <a:avLst/>
+          </a:prstGeom>
+        </p:spPr>
+        <p:txBody>
+          <a:bodyPr vert="horz" lIns="91440" tIns="45720" rIns="91440" bIns="45720" rtlCol="0" anchor="ctr">
+            <a:noAutofit/>
+          </a:bodyPr>
+          <a:lstStyle/>
+          <a:p>
+            <a:pPr lvl="0"/>
+            <a:r>
+              <a:rPr lang="en-US" sz="8000" baseline="0" dirty="0">
+                <a:ln w="3175" cmpd="sng">
+                  <a:noFill/>
+                </a:ln>
+                <a:solidFill>
+                  <a:schemeClr val="accent1"/>
+                </a:solidFill>
+                <a:effectLst/>
+                <a:latin typeface="Arial"/>
+              </a:rPr>
+              <a:t>“</a:t>
+            </a:r>
+          </a:p>
+        </p:txBody>
+      </p:sp>
+      <p:sp>
+        <p:nvSpPr>
+          <p:cNvPr id="15" name="TextBox 14"/>
+          <p:cNvSpPr txBox="1"/>
+          <p:nvPr/>
+        </p:nvSpPr>
+        <p:spPr>
+          <a:xfrm>
+            <a:off x="11114852" y="2905306"/>
+            <a:ext cx="609600" cy="584776"/>
+          </a:xfrm>
+          <a:prstGeom prst="rect">
+            <a:avLst/>
+          </a:prstGeom>
+        </p:spPr>
+        <p:txBody>
+          <a:bodyPr vert="horz" lIns="91440" tIns="45720" rIns="91440" bIns="45720" rtlCol="0" anchor="ctr">
+            <a:noAutofit/>
+          </a:bodyPr>
+          <a:lstStyle/>
+          <a:p>
+            <a:pPr lvl="0"/>
+            <a:r>
+              <a:rPr lang="en-US" sz="8000" baseline="0" dirty="0">
+                <a:ln w="3175" cmpd="sng">
+                  <a:noFill/>
+                </a:ln>
+                <a:solidFill>
+                  <a:schemeClr val="accent1"/>
+                </a:solidFill>
+                <a:effectLst/>
+                <a:latin typeface="Arial"/>
+              </a:rPr>
+              <a:t>”</a:t>
+            </a:r>
+          </a:p>
+        </p:txBody>
+      </p:sp>
+    </p:spTree>
+    <p:extLst>
+      <p:ext uri="{BB962C8B-B14F-4D97-AF65-F5344CB8AC3E}">
+        <p14:creationId xmlns:p14="http://schemas.microsoft.com/office/powerpoint/2010/main" val="3555097052"/>
+      </p:ext>
+    </p:extLst>
+  </p:cSld>
+  <p:clrMapOvr>
+    <a:masterClrMapping/>
+  </p:clrMapOvr>
+</p:sldLayout>
+</file>
+
+<file path=ppt/slideLayouts/slideLayout12.xml><?xml version="1.0" encoding="utf-8"?>
+<p:sldLayout xmlns:a="http://schemas.openxmlformats.org/drawingml/2006/main" xmlns:r="http://schemas.openxmlformats.org/officeDocument/2006/relationships" xmlns:p="http://schemas.openxmlformats.org/presentationml/2006/main" preserve="1">
+  <p:cSld name="Name Card">
+    <p:spTree>
+      <p:nvGrpSpPr>
+        <p:cNvPr id="1" name=""/>
+        <p:cNvGrpSpPr/>
+        <p:nvPr/>
+      </p:nvGrpSpPr>
+      <p:grpSpPr>
+        <a:xfrm>
+          <a:off x="0" y="0"/>
+          <a:ext cx="0" cy="0"/>
+          <a:chOff x="0" y="0"/>
+          <a:chExt cx="0" cy="0"/>
+        </a:xfrm>
+      </p:grpSpPr>
+      <p:sp>
+        <p:nvSpPr>
+          <p:cNvPr id="2" name="Title 1"/>
+          <p:cNvSpPr>
+            <a:spLocks noGrp="1"/>
+          </p:cNvSpPr>
+          <p:nvPr>
+            <p:ph type="title"/>
+          </p:nvPr>
+        </p:nvSpPr>
+        <p:spPr>
+          <a:xfrm>
+            <a:off x="2589213" y="2438400"/>
+            <a:ext cx="8915400" cy="2724845"/>
+          </a:xfrm>
+        </p:spPr>
+        <p:txBody>
+          <a:bodyPr anchor="b">
+            <a:normAutofit/>
+          </a:bodyPr>
+          <a:lstStyle>
+            <a:lvl1pPr algn="l">
+              <a:defRPr sz="4800" b="0"/>
+            </a:lvl1pPr>
+          </a:lstStyle>
+          <a:p>
+            <a:r>
+              <a:rPr lang="en-US"/>
+              <a:t>Click to edit Master title style</a:t>
+            </a:r>
+            <a:endParaRPr lang="en-US" dirty="0"/>
+          </a:p>
+        </p:txBody>
+      </p:sp>
+      <p:sp>
+        <p:nvSpPr>
+          <p:cNvPr id="4" name="Text Placeholder 3"/>
+          <p:cNvSpPr>
+            <a:spLocks noGrp="1"/>
+          </p:cNvSpPr>
+          <p:nvPr>
+            <p:ph type="body" sz="half" idx="2"/>
+          </p:nvPr>
+        </p:nvSpPr>
+        <p:spPr>
+          <a:xfrm>
+            <a:off x="2589213" y="5181600"/>
+            <a:ext cx="8915400" cy="729622"/>
+          </a:xfrm>
+        </p:spPr>
+        <p:txBody>
+          <a:bodyPr vert="horz" lIns="91440" tIns="45720" rIns="91440" bIns="45720" rtlCol="0" anchor="t">
+            <a:normAutofit/>
+          </a:bodyPr>
+          <a:lstStyle>
+            <a:lvl1pPr>
+              <a:buNone/>
+              <a:defRPr lang="en-US">
+                <a:solidFill>
+                  <a:schemeClr val="tx1">
+                    <a:lumMod val="65000"/>
+                    <a:lumOff val="35000"/>
+                  </a:schemeClr>
+                </a:solidFill>
+              </a:defRPr>
+            </a:lvl1pPr>
+          </a:lstStyle>
+          <a:p>
+            <a:pPr marL="0" lvl="0" indent="0">
+              <a:buNone/>
+            </a:pPr>
+            <a:r>
+              <a:rPr lang="en-US"/>
+              <a:t>Click to edit Master text styles</a:t>
+            </a:r>
+          </a:p>
+        </p:txBody>
+      </p:sp>
+      <p:sp>
+        <p:nvSpPr>
+          <p:cNvPr id="5" name="Date Placeholder 4"/>
+          <p:cNvSpPr>
+            <a:spLocks noGrp="1"/>
+          </p:cNvSpPr>
+          <p:nvPr>
+            <p:ph type="dt" sz="half" idx="10"/>
+          </p:nvPr>
+        </p:nvSpPr>
+        <p:spPr/>
+        <p:txBody>
+          <a:bodyPr/>
+          <a:lstStyle/>
+          <a:p>
+            <a:fld id="{E8889CCE-19B0-40A4-98A2-DDC4046C21DE}" type="datetimeFigureOut">
+              <a:rPr lang="en-US" smtClean="0"/>
+              <a:t>8/3/2019</a:t>
+            </a:fld>
+            <a:endParaRPr lang="en-US"/>
+          </a:p>
+        </p:txBody>
+      </p:sp>
+      <p:sp>
+        <p:nvSpPr>
+          <p:cNvPr id="6" name="Footer Placeholder 5"/>
+          <p:cNvSpPr>
+            <a:spLocks noGrp="1"/>
+          </p:cNvSpPr>
+          <p:nvPr>
+            <p:ph type="ftr" sz="quarter" idx="11"/>
+          </p:nvPr>
+        </p:nvSpPr>
+        <p:spPr/>
+        <p:txBody>
+          <a:bodyPr/>
+          <a:lstStyle/>
+          <a:p>
+            <a:endParaRPr lang="en-US"/>
+          </a:p>
+        </p:txBody>
+      </p:sp>
+      <p:sp>
+        <p:nvSpPr>
+          <p:cNvPr id="9" name="Freeform 11"/>
+          <p:cNvSpPr/>
+          <p:nvPr/>
+        </p:nvSpPr>
+        <p:spPr bwMode="auto">
+          <a:xfrm flipV="1">
+            <a:off x="-4189" y="4911725"/>
+            <a:ext cx="1588527" cy="507297"/>
+          </a:xfrm>
+          <a:custGeom>
+            <a:avLst/>
+            <a:gdLst/>
+            <a:ahLst/>
+            <a:cxnLst/>
+            <a:rect l="l" t="t" r="r" b="b"/>
+            <a:pathLst>
+              <a:path w="9248" h="10000">
+                <a:moveTo>
+                  <a:pt x="9248" y="4701"/>
+                </a:moveTo>
+                <a:lnTo>
+                  <a:pt x="7915" y="188"/>
+                </a:lnTo>
+                <a:cubicBezTo>
+                  <a:pt x="7906" y="156"/>
+                  <a:pt x="7895" y="126"/>
+                  <a:pt x="7886" y="94"/>
+                </a:cubicBezTo>
+                <a:cubicBezTo>
+                  <a:pt x="7859" y="0"/>
+                  <a:pt x="7831" y="0"/>
+                  <a:pt x="7803" y="0"/>
+                </a:cubicBezTo>
+                <a:lnTo>
+                  <a:pt x="7275" y="0"/>
+                </a:lnTo>
+                <a:lnTo>
+                  <a:pt x="0" y="70"/>
+                </a:lnTo>
+                <a:cubicBezTo>
+                  <a:pt x="8" y="3380"/>
+                  <a:pt x="17" y="6690"/>
+                  <a:pt x="25" y="10000"/>
+                </a:cubicBezTo>
+                <a:lnTo>
+                  <a:pt x="7275" y="9966"/>
+                </a:lnTo>
+                <a:lnTo>
+                  <a:pt x="7803" y="9966"/>
+                </a:lnTo>
+                <a:cubicBezTo>
+                  <a:pt x="7831" y="9966"/>
+                  <a:pt x="7859" y="9872"/>
+                  <a:pt x="7886" y="9872"/>
+                </a:cubicBezTo>
+                <a:cubicBezTo>
+                  <a:pt x="7886" y="9778"/>
+                  <a:pt x="7915" y="9778"/>
+                  <a:pt x="7915" y="9778"/>
+                </a:cubicBezTo>
+                <a:lnTo>
+                  <a:pt x="9248" y="5265"/>
+                </a:lnTo>
+                <a:cubicBezTo>
+                  <a:pt x="9303" y="5077"/>
+                  <a:pt x="9303" y="4889"/>
+                  <a:pt x="9248" y="4701"/>
+                </a:cubicBezTo>
+                <a:close/>
+              </a:path>
+            </a:pathLst>
+          </a:custGeom>
+          <a:solidFill>
+            <a:schemeClr val="accent1"/>
+          </a:solidFill>
+          <a:ln>
+            <a:noFill/>
+          </a:ln>
+        </p:spPr>
+      </p:sp>
+      <p:sp>
+        <p:nvSpPr>
+          <p:cNvPr id="7" name="Slide Number Placeholder 6"/>
+          <p:cNvSpPr>
+            <a:spLocks noGrp="1"/>
+          </p:cNvSpPr>
+          <p:nvPr>
+            <p:ph type="sldNum" sz="quarter" idx="12"/>
+          </p:nvPr>
+        </p:nvSpPr>
+        <p:spPr>
+          <a:xfrm>
+            <a:off x="531812" y="4983087"/>
+            <a:ext cx="779767" cy="365125"/>
+          </a:xfrm>
+        </p:spPr>
+        <p:txBody>
+          <a:bodyPr/>
+          <a:lstStyle/>
+          <a:p>
+            <a:fld id="{CEA0DD38-18CB-4471-94A8-61D9754A7653}" type="slidenum">
+              <a:rPr lang="en-US" smtClean="0"/>
+              <a:t>‹#›</a:t>
+            </a:fld>
+            <a:endParaRPr lang="en-US"/>
+          </a:p>
+        </p:txBody>
+      </p:sp>
+    </p:spTree>
+    <p:extLst>
+      <p:ext uri="{BB962C8B-B14F-4D97-AF65-F5344CB8AC3E}">
+        <p14:creationId xmlns:p14="http://schemas.microsoft.com/office/powerpoint/2010/main" val="9321358"/>
+      </p:ext>
+    </p:extLst>
+  </p:cSld>
+  <p:clrMapOvr>
+    <a:masterClrMapping/>
+  </p:clrMapOvr>
+</p:sldLayout>
+</file>
+
+<file path=ppt/slideLayouts/slideLayout13.xml><?xml version="1.0" encoding="utf-8"?>
+<p:sldLayout xmlns:a="http://schemas.openxmlformats.org/drawingml/2006/main" xmlns:r="http://schemas.openxmlformats.org/officeDocument/2006/relationships" xmlns:p="http://schemas.openxmlformats.org/presentationml/2006/main" preserve="1">
+  <p:cSld name="Quote Name Card">
+    <p:spTree>
+      <p:nvGrpSpPr>
+        <p:cNvPr id="1" name=""/>
+        <p:cNvGrpSpPr/>
+        <p:nvPr/>
+      </p:nvGrpSpPr>
+      <p:grpSpPr>
+        <a:xfrm>
+          <a:off x="0" y="0"/>
+          <a:ext cx="0" cy="0"/>
+          <a:chOff x="0" y="0"/>
+          <a:chExt cx="0" cy="0"/>
+        </a:xfrm>
+      </p:grpSpPr>
+      <p:sp>
+        <p:nvSpPr>
+          <p:cNvPr id="12" name="Title 1"/>
+          <p:cNvSpPr>
+            <a:spLocks noGrp="1"/>
+          </p:cNvSpPr>
+          <p:nvPr>
+            <p:ph type="title"/>
+          </p:nvPr>
+        </p:nvSpPr>
+        <p:spPr>
+          <a:xfrm>
+            <a:off x="2849949" y="609600"/>
+            <a:ext cx="8393926" cy="2895600"/>
+          </a:xfrm>
+        </p:spPr>
+        <p:txBody>
+          <a:bodyPr anchor="ctr">
+            <a:normAutofit/>
+          </a:bodyPr>
+          <a:lstStyle>
+            <a:lvl1pPr algn="l">
+              <a:defRPr sz="4800" b="0" cap="none"/>
+            </a:lvl1pPr>
+          </a:lstStyle>
+          <a:p>
+            <a:r>
+              <a:rPr lang="en-US"/>
+              <a:t>Click to edit Master title style</a:t>
+            </a:r>
+            <a:endParaRPr lang="en-US" dirty="0"/>
+          </a:p>
+        </p:txBody>
+      </p:sp>
+      <p:sp>
+        <p:nvSpPr>
+          <p:cNvPr id="21" name="Text Placeholder 9"/>
+          <p:cNvSpPr>
+            <a:spLocks noGrp="1"/>
+          </p:cNvSpPr>
+          <p:nvPr>
+            <p:ph type="body" sz="quarter" idx="13"/>
+          </p:nvPr>
+        </p:nvSpPr>
+        <p:spPr>
+          <a:xfrm>
+            <a:off x="2589212" y="4343400"/>
+            <a:ext cx="8915400" cy="838200"/>
+          </a:xfrm>
+        </p:spPr>
+        <p:txBody>
+          <a:bodyPr anchor="b">
+            <a:noAutofit/>
+          </a:bodyPr>
+          <a:lstStyle>
+            <a:lvl1pPr marL="0" indent="0">
+              <a:buFontTx/>
+              <a:buNone/>
+              <a:defRPr sz="2400">
+                <a:solidFill>
+                  <a:schemeClr val="accent1"/>
+                </a:solidFill>
+              </a:defRPr>
+            </a:lvl1pPr>
+            <a:lvl2pPr marL="457200" indent="0">
+              <a:buFontTx/>
+              <a:buNone/>
+              <a:defRPr/>
+            </a:lvl2pPr>
+            <a:lvl3pPr marL="914400" indent="0">
+              <a:buFontTx/>
+              <a:buNone/>
+              <a:defRPr/>
+            </a:lvl3pPr>
+            <a:lvl4pPr marL="1371600" indent="0">
+              <a:buFontTx/>
+              <a:buNone/>
+              <a:defRPr/>
+            </a:lvl4pPr>
+            <a:lvl5pPr marL="1828800" indent="0">
+              <a:buFontTx/>
+              <a:buNone/>
+              <a:defRPr/>
+            </a:lvl5pPr>
+          </a:lstStyle>
+          <a:p>
+            <a:pPr lvl="0"/>
+            <a:r>
+              <a:rPr lang="en-US"/>
+              <a:t>Click to edit Master text styles</a:t>
+            </a:r>
+          </a:p>
+        </p:txBody>
+      </p:sp>
+      <p:sp>
+        <p:nvSpPr>
+          <p:cNvPr id="4" name="Text Placeholder 3"/>
+          <p:cNvSpPr>
+            <a:spLocks noGrp="1"/>
+          </p:cNvSpPr>
+          <p:nvPr>
+            <p:ph type="body" sz="half" idx="2"/>
+          </p:nvPr>
+        </p:nvSpPr>
+        <p:spPr>
+          <a:xfrm>
+            <a:off x="2589213" y="5181600"/>
+            <a:ext cx="8915400" cy="729622"/>
+          </a:xfrm>
+        </p:spPr>
+        <p:txBody>
+          <a:bodyPr vert="horz" lIns="91440" tIns="45720" rIns="91440" bIns="45720" rtlCol="0" anchor="t">
+            <a:normAutofit/>
+          </a:bodyPr>
+          <a:lstStyle>
+            <a:lvl1pPr>
+              <a:buNone/>
+              <a:defRPr lang="en-US">
+                <a:solidFill>
+                  <a:schemeClr val="tx1">
+                    <a:lumMod val="65000"/>
+                    <a:lumOff val="35000"/>
+                  </a:schemeClr>
+                </a:solidFill>
+              </a:defRPr>
+            </a:lvl1pPr>
+          </a:lstStyle>
+          <a:p>
+            <a:pPr marL="0" lvl="0" indent="0">
+              <a:buNone/>
+            </a:pPr>
+            <a:r>
+              <a:rPr lang="en-US"/>
+              <a:t>Click to edit Master text styles</a:t>
+            </a:r>
+          </a:p>
+        </p:txBody>
+      </p:sp>
+      <p:sp>
+        <p:nvSpPr>
+          <p:cNvPr id="5" name="Date Placeholder 4"/>
+          <p:cNvSpPr>
+            <a:spLocks noGrp="1"/>
+          </p:cNvSpPr>
+          <p:nvPr>
+            <p:ph type="dt" sz="half" idx="10"/>
+          </p:nvPr>
+        </p:nvSpPr>
+        <p:spPr/>
+        <p:txBody>
+          <a:bodyPr/>
+          <a:lstStyle/>
+          <a:p>
+            <a:fld id="{E8889CCE-19B0-40A4-98A2-DDC4046C21DE}" type="datetimeFigureOut">
+              <a:rPr lang="en-US" smtClean="0"/>
+              <a:t>8/3/2019</a:t>
+            </a:fld>
+            <a:endParaRPr lang="en-US"/>
+          </a:p>
+        </p:txBody>
+      </p:sp>
+      <p:sp>
+        <p:nvSpPr>
+          <p:cNvPr id="6" name="Footer Placeholder 5"/>
+          <p:cNvSpPr>
+            <a:spLocks noGrp="1"/>
+          </p:cNvSpPr>
+          <p:nvPr>
+            <p:ph type="ftr" sz="quarter" idx="11"/>
+          </p:nvPr>
+        </p:nvSpPr>
+        <p:spPr/>
+        <p:txBody>
+          <a:bodyPr/>
+          <a:lstStyle/>
+          <a:p>
+            <a:endParaRPr lang="en-US"/>
+          </a:p>
+        </p:txBody>
+      </p:sp>
+      <p:sp>
+        <p:nvSpPr>
+          <p:cNvPr id="11" name="Freeform 11"/>
+          <p:cNvSpPr/>
+          <p:nvPr/>
+        </p:nvSpPr>
+        <p:spPr bwMode="auto">
+          <a:xfrm flipV="1">
+            <a:off x="-4189" y="4911725"/>
+            <a:ext cx="1588527" cy="507297"/>
+          </a:xfrm>
+          <a:custGeom>
+            <a:avLst/>
+            <a:gdLst/>
+            <a:ahLst/>
+            <a:cxnLst/>
+            <a:rect l="l" t="t" r="r" b="b"/>
+            <a:pathLst>
+              <a:path w="9248" h="10000">
+                <a:moveTo>
+                  <a:pt x="9248" y="4701"/>
+                </a:moveTo>
+                <a:lnTo>
+                  <a:pt x="7915" y="188"/>
+                </a:lnTo>
+                <a:cubicBezTo>
+                  <a:pt x="7906" y="156"/>
+                  <a:pt x="7895" y="126"/>
+                  <a:pt x="7886" y="94"/>
+                </a:cubicBezTo>
+                <a:cubicBezTo>
+                  <a:pt x="7859" y="0"/>
+                  <a:pt x="7831" y="0"/>
+                  <a:pt x="7803" y="0"/>
+                </a:cubicBezTo>
+                <a:lnTo>
+                  <a:pt x="7275" y="0"/>
+                </a:lnTo>
+                <a:lnTo>
+                  <a:pt x="0" y="70"/>
+                </a:lnTo>
+                <a:cubicBezTo>
+                  <a:pt x="8" y="3380"/>
+                  <a:pt x="17" y="6690"/>
+                  <a:pt x="25" y="10000"/>
+                </a:cubicBezTo>
+                <a:lnTo>
+                  <a:pt x="7275" y="9966"/>
+                </a:lnTo>
+                <a:lnTo>
+                  <a:pt x="7803" y="9966"/>
+                </a:lnTo>
+                <a:cubicBezTo>
+                  <a:pt x="7831" y="9966"/>
+                  <a:pt x="7859" y="9872"/>
+                  <a:pt x="7886" y="9872"/>
+                </a:cubicBezTo>
+                <a:cubicBezTo>
+                  <a:pt x="7886" y="9778"/>
+                  <a:pt x="7915" y="9778"/>
+                  <a:pt x="7915" y="9778"/>
+                </a:cubicBezTo>
+                <a:lnTo>
+                  <a:pt x="9248" y="5265"/>
+                </a:lnTo>
+                <a:cubicBezTo>
+                  <a:pt x="9303" y="5077"/>
+                  <a:pt x="9303" y="4889"/>
+                  <a:pt x="9248" y="4701"/>
+                </a:cubicBezTo>
+                <a:close/>
+              </a:path>
+            </a:pathLst>
+          </a:custGeom>
+          <a:solidFill>
+            <a:schemeClr val="accent1"/>
+          </a:solidFill>
+          <a:ln>
+            <a:noFill/>
+          </a:ln>
+        </p:spPr>
+      </p:sp>
+      <p:sp>
+        <p:nvSpPr>
+          <p:cNvPr id="7" name="Slide Number Placeholder 6"/>
+          <p:cNvSpPr>
+            <a:spLocks noGrp="1"/>
+          </p:cNvSpPr>
+          <p:nvPr>
+            <p:ph type="sldNum" sz="quarter" idx="12"/>
+          </p:nvPr>
+        </p:nvSpPr>
+        <p:spPr>
+          <a:xfrm>
+            <a:off x="531812" y="4983087"/>
+            <a:ext cx="779767" cy="365125"/>
+          </a:xfrm>
+        </p:spPr>
+        <p:txBody>
+          <a:bodyPr/>
+          <a:lstStyle/>
+          <a:p>
+            <a:fld id="{CEA0DD38-18CB-4471-94A8-61D9754A7653}" type="slidenum">
+              <a:rPr lang="en-US" smtClean="0"/>
+              <a:t>‹#›</a:t>
+            </a:fld>
+            <a:endParaRPr lang="en-US"/>
+          </a:p>
+        </p:txBody>
+      </p:sp>
+      <p:sp>
+        <p:nvSpPr>
+          <p:cNvPr id="17" name="TextBox 16"/>
+          <p:cNvSpPr txBox="1"/>
+          <p:nvPr/>
+        </p:nvSpPr>
+        <p:spPr>
+          <a:xfrm>
+            <a:off x="2467652" y="648005"/>
+            <a:ext cx="609600" cy="584776"/>
+          </a:xfrm>
+          <a:prstGeom prst="rect">
+            <a:avLst/>
+          </a:prstGeom>
+        </p:spPr>
+        <p:txBody>
+          <a:bodyPr vert="horz" lIns="91440" tIns="45720" rIns="91440" bIns="45720" rtlCol="0" anchor="ctr">
+            <a:noAutofit/>
+          </a:bodyPr>
+          <a:lstStyle/>
+          <a:p>
+            <a:pPr lvl="0"/>
+            <a:r>
+              <a:rPr lang="en-US" sz="8000" baseline="0" dirty="0">
+                <a:ln w="3175" cmpd="sng">
+                  <a:noFill/>
+                </a:ln>
+                <a:solidFill>
+                  <a:schemeClr val="accent1"/>
+                </a:solidFill>
+                <a:effectLst/>
+                <a:latin typeface="Arial"/>
+              </a:rPr>
+              <a:t>“</a:t>
+            </a:r>
+          </a:p>
+        </p:txBody>
+      </p:sp>
+      <p:sp>
+        <p:nvSpPr>
+          <p:cNvPr id="18" name="TextBox 17"/>
+          <p:cNvSpPr txBox="1"/>
+          <p:nvPr/>
+        </p:nvSpPr>
+        <p:spPr>
+          <a:xfrm>
+            <a:off x="11114852" y="2905306"/>
+            <a:ext cx="609600" cy="584776"/>
+          </a:xfrm>
+          <a:prstGeom prst="rect">
+            <a:avLst/>
+          </a:prstGeom>
+        </p:spPr>
+        <p:txBody>
+          <a:bodyPr vert="horz" lIns="91440" tIns="45720" rIns="91440" bIns="45720" rtlCol="0" anchor="ctr">
+            <a:noAutofit/>
+          </a:bodyPr>
+          <a:lstStyle/>
+          <a:p>
+            <a:pPr lvl="0"/>
+            <a:r>
+              <a:rPr lang="en-US" sz="8000" baseline="0" dirty="0">
+                <a:ln w="3175" cmpd="sng">
+                  <a:noFill/>
+                </a:ln>
+                <a:solidFill>
+                  <a:schemeClr val="accent1"/>
+                </a:solidFill>
+                <a:effectLst/>
+                <a:latin typeface="Arial"/>
+              </a:rPr>
+              <a:t>”</a:t>
+            </a:r>
+          </a:p>
+        </p:txBody>
+      </p:sp>
+    </p:spTree>
+    <p:extLst>
+      <p:ext uri="{BB962C8B-B14F-4D97-AF65-F5344CB8AC3E}">
+        <p14:creationId xmlns:p14="http://schemas.microsoft.com/office/powerpoint/2010/main" val="3867939097"/>
+      </p:ext>
+    </p:extLst>
+  </p:cSld>
+  <p:clrMapOvr>
+    <a:masterClrMapping/>
+  </p:clrMapOvr>
+</p:sldLayout>
+</file>
+
+<file path=ppt/slideLayouts/slideLayout14.xml><?xml version="1.0" encoding="utf-8"?>
+<p:sldLayout xmlns:a="http://schemas.openxmlformats.org/drawingml/2006/main" xmlns:r="http://schemas.openxmlformats.org/officeDocument/2006/relationships" xmlns:p="http://schemas.openxmlformats.org/presentationml/2006/main" preserve="1">
+  <p:cSld name="True or False">
+    <p:spTree>
+      <p:nvGrpSpPr>
+        <p:cNvPr id="1" name=""/>
+        <p:cNvGrpSpPr/>
+        <p:nvPr/>
+      </p:nvGrpSpPr>
+      <p:grpSpPr>
+        <a:xfrm>
+          <a:off x="0" y="0"/>
+          <a:ext cx="0" cy="0"/>
+          <a:chOff x="0" y="0"/>
+          <a:chExt cx="0" cy="0"/>
+        </a:xfrm>
+      </p:grpSpPr>
+      <p:sp>
+        <p:nvSpPr>
+          <p:cNvPr id="2" name="Title 1"/>
+          <p:cNvSpPr>
+            <a:spLocks noGrp="1"/>
+          </p:cNvSpPr>
+          <p:nvPr>
+            <p:ph type="title"/>
+          </p:nvPr>
+        </p:nvSpPr>
+        <p:spPr>
+          <a:xfrm>
+            <a:off x="2589212" y="627407"/>
+            <a:ext cx="8915399" cy="2880020"/>
+          </a:xfrm>
+        </p:spPr>
+        <p:txBody>
+          <a:bodyPr anchor="ctr">
+            <a:normAutofit/>
+          </a:bodyPr>
+          <a:lstStyle>
+            <a:lvl1pPr algn="l">
+              <a:defRPr sz="4800" b="0"/>
+            </a:lvl1pPr>
+          </a:lstStyle>
+          <a:p>
+            <a:r>
+              <a:rPr lang="en-US"/>
+              <a:t>Click to edit Master title style</a:t>
+            </a:r>
+            <a:endParaRPr lang="en-US" dirty="0"/>
+          </a:p>
+        </p:txBody>
+      </p:sp>
+      <p:sp>
+        <p:nvSpPr>
+          <p:cNvPr id="21" name="Text Placeholder 9"/>
+          <p:cNvSpPr>
+            <a:spLocks noGrp="1"/>
+          </p:cNvSpPr>
+          <p:nvPr>
+            <p:ph type="body" sz="quarter" idx="13"/>
+          </p:nvPr>
+        </p:nvSpPr>
+        <p:spPr>
+          <a:xfrm>
+            <a:off x="2589212" y="4343400"/>
+            <a:ext cx="8915400" cy="838200"/>
+          </a:xfrm>
+        </p:spPr>
+        <p:txBody>
+          <a:bodyPr anchor="b">
+            <a:noAutofit/>
+          </a:bodyPr>
+          <a:lstStyle>
+            <a:lvl1pPr marL="0" indent="0">
+              <a:buFontTx/>
+              <a:buNone/>
+              <a:defRPr sz="2400">
+                <a:solidFill>
+                  <a:schemeClr val="accent1"/>
+                </a:solidFill>
+              </a:defRPr>
+            </a:lvl1pPr>
+            <a:lvl2pPr marL="457200" indent="0">
+              <a:buFontTx/>
+              <a:buNone/>
+              <a:defRPr/>
+            </a:lvl2pPr>
+            <a:lvl3pPr marL="914400" indent="0">
+              <a:buFontTx/>
+              <a:buNone/>
+              <a:defRPr/>
+            </a:lvl3pPr>
+            <a:lvl4pPr marL="1371600" indent="0">
+              <a:buFontTx/>
+              <a:buNone/>
+              <a:defRPr/>
+            </a:lvl4pPr>
+            <a:lvl5pPr marL="1828800" indent="0">
+              <a:buFontTx/>
+              <a:buNone/>
+              <a:defRPr/>
+            </a:lvl5pPr>
+          </a:lstStyle>
+          <a:p>
+            <a:pPr lvl="0"/>
+            <a:r>
+              <a:rPr lang="en-US"/>
+              <a:t>Click to edit Master text styles</a:t>
+            </a:r>
+          </a:p>
+        </p:txBody>
+      </p:sp>
+      <p:sp>
+        <p:nvSpPr>
+          <p:cNvPr id="4" name="Text Placeholder 3"/>
+          <p:cNvSpPr>
+            <a:spLocks noGrp="1"/>
+          </p:cNvSpPr>
+          <p:nvPr>
+            <p:ph type="body" sz="half" idx="2"/>
+          </p:nvPr>
+        </p:nvSpPr>
+        <p:spPr>
+          <a:xfrm>
+            <a:off x="2589213" y="5181600"/>
+            <a:ext cx="8915400" cy="729622"/>
+          </a:xfrm>
+        </p:spPr>
+        <p:txBody>
+          <a:bodyPr vert="horz" lIns="91440" tIns="45720" rIns="91440" bIns="45720" rtlCol="0" anchor="t">
+            <a:normAutofit/>
+          </a:bodyPr>
+          <a:lstStyle>
+            <a:lvl1pPr>
+              <a:buNone/>
+              <a:defRPr lang="en-US">
+                <a:solidFill>
+                  <a:schemeClr val="tx1">
+                    <a:lumMod val="65000"/>
+                    <a:lumOff val="35000"/>
+                  </a:schemeClr>
+                </a:solidFill>
+              </a:defRPr>
+            </a:lvl1pPr>
+          </a:lstStyle>
+          <a:p>
+            <a:pPr marL="0" lvl="0" indent="0">
+              <a:buNone/>
+            </a:pPr>
+            <a:r>
+              <a:rPr lang="en-US"/>
+              <a:t>Click to edit Master text styles</a:t>
+            </a:r>
+          </a:p>
+        </p:txBody>
+      </p:sp>
+      <p:sp>
+        <p:nvSpPr>
+          <p:cNvPr id="5" name="Date Placeholder 4"/>
+          <p:cNvSpPr>
+            <a:spLocks noGrp="1"/>
+          </p:cNvSpPr>
+          <p:nvPr>
+            <p:ph type="dt" sz="half" idx="10"/>
+          </p:nvPr>
+        </p:nvSpPr>
+        <p:spPr/>
+        <p:txBody>
+          <a:bodyPr/>
+          <a:lstStyle/>
+          <a:p>
+            <a:fld id="{E8889CCE-19B0-40A4-98A2-DDC4046C21DE}" type="datetimeFigureOut">
+              <a:rPr lang="en-US" smtClean="0"/>
+              <a:t>8/3/2019</a:t>
+            </a:fld>
+            <a:endParaRPr lang="en-US"/>
+          </a:p>
+        </p:txBody>
+      </p:sp>
+      <p:sp>
+        <p:nvSpPr>
+          <p:cNvPr id="6" name="Footer Placeholder 5"/>
+          <p:cNvSpPr>
+            <a:spLocks noGrp="1"/>
+          </p:cNvSpPr>
+          <p:nvPr>
+            <p:ph type="ftr" sz="quarter" idx="11"/>
+          </p:nvPr>
+        </p:nvSpPr>
+        <p:spPr/>
+        <p:txBody>
+          <a:bodyPr/>
+          <a:lstStyle/>
+          <a:p>
+            <a:endParaRPr lang="en-US"/>
+          </a:p>
+        </p:txBody>
+      </p:sp>
+      <p:sp>
+        <p:nvSpPr>
+          <p:cNvPr id="9" name="Freeform 11"/>
+          <p:cNvSpPr/>
+          <p:nvPr/>
+        </p:nvSpPr>
+        <p:spPr bwMode="auto">
+          <a:xfrm flipV="1">
+            <a:off x="-4189" y="4911725"/>
+            <a:ext cx="1588527" cy="507297"/>
+          </a:xfrm>
+          <a:custGeom>
+            <a:avLst/>
+            <a:gdLst/>
+            <a:ahLst/>
+            <a:cxnLst/>
+            <a:rect l="l" t="t" r="r" b="b"/>
+            <a:pathLst>
+              <a:path w="9248" h="10000">
+                <a:moveTo>
+                  <a:pt x="9248" y="4701"/>
+                </a:moveTo>
+                <a:lnTo>
+                  <a:pt x="7915" y="188"/>
+                </a:lnTo>
+                <a:cubicBezTo>
+                  <a:pt x="7906" y="156"/>
+                  <a:pt x="7895" y="126"/>
+                  <a:pt x="7886" y="94"/>
+                </a:cubicBezTo>
+                <a:cubicBezTo>
+                  <a:pt x="7859" y="0"/>
+                  <a:pt x="7831" y="0"/>
+                  <a:pt x="7803" y="0"/>
+                </a:cubicBezTo>
+                <a:lnTo>
+                  <a:pt x="7275" y="0"/>
+                </a:lnTo>
+                <a:lnTo>
+                  <a:pt x="0" y="70"/>
+                </a:lnTo>
+                <a:cubicBezTo>
+                  <a:pt x="8" y="3380"/>
+                  <a:pt x="17" y="6690"/>
+                  <a:pt x="25" y="10000"/>
+                </a:cubicBezTo>
+                <a:lnTo>
+                  <a:pt x="7275" y="9966"/>
+                </a:lnTo>
+                <a:lnTo>
+                  <a:pt x="7803" y="9966"/>
+                </a:lnTo>
+                <a:cubicBezTo>
+                  <a:pt x="7831" y="9966"/>
+                  <a:pt x="7859" y="9872"/>
+                  <a:pt x="7886" y="9872"/>
+                </a:cubicBezTo>
+                <a:cubicBezTo>
+                  <a:pt x="7886" y="9778"/>
+                  <a:pt x="7915" y="9778"/>
+                  <a:pt x="7915" y="9778"/>
+                </a:cubicBezTo>
+                <a:lnTo>
+                  <a:pt x="9248" y="5265"/>
+                </a:lnTo>
+                <a:cubicBezTo>
+                  <a:pt x="9303" y="5077"/>
+                  <a:pt x="9303" y="4889"/>
+                  <a:pt x="9248" y="4701"/>
+                </a:cubicBezTo>
+                <a:close/>
+              </a:path>
+            </a:pathLst>
+          </a:custGeom>
+          <a:solidFill>
+            <a:schemeClr val="accent1"/>
+          </a:solidFill>
+          <a:ln>
+            <a:noFill/>
+          </a:ln>
+        </p:spPr>
+      </p:sp>
+      <p:sp>
+        <p:nvSpPr>
+          <p:cNvPr id="7" name="Slide Number Placeholder 6"/>
+          <p:cNvSpPr>
+            <a:spLocks noGrp="1"/>
+          </p:cNvSpPr>
+          <p:nvPr>
+            <p:ph type="sldNum" sz="quarter" idx="12"/>
+          </p:nvPr>
+        </p:nvSpPr>
+        <p:spPr>
+          <a:xfrm>
+            <a:off x="531812" y="4983087"/>
+            <a:ext cx="779767" cy="365125"/>
+          </a:xfrm>
+        </p:spPr>
+        <p:txBody>
+          <a:bodyPr/>
+          <a:lstStyle/>
+          <a:p>
+            <a:fld id="{CEA0DD38-18CB-4471-94A8-61D9754A7653}" type="slidenum">
+              <a:rPr lang="en-US" smtClean="0"/>
+              <a:t>‹#›</a:t>
+            </a:fld>
+            <a:endParaRPr lang="en-US"/>
+          </a:p>
+        </p:txBody>
+      </p:sp>
+    </p:spTree>
+    <p:extLst>
+      <p:ext uri="{BB962C8B-B14F-4D97-AF65-F5344CB8AC3E}">
+        <p14:creationId xmlns:p14="http://schemas.microsoft.com/office/powerpoint/2010/main" val="2313118963"/>
+      </p:ext>
+    </p:extLst>
+  </p:cSld>
+  <p:clrMapOvr>
+    <a:masterClrMapping/>
+  </p:clrMapOvr>
+</p:sldLayout>
+</file>
+
+<file path=ppt/slideLayouts/slideLayout15.xml><?xml version="1.0" encoding="utf-8"?>
 <p:sldLayout xmlns:a="http://schemas.openxmlformats.org/drawingml/2006/main" xmlns:r="http://schemas.openxmlformats.org/officeDocument/2006/relationships" xmlns:p="http://schemas.openxmlformats.org/presentationml/2006/main" type="vertTx" preserve="1">
   <p:cSld name="Title and Vertical Text">
     <p:spTree>
@@ -416,7 +2306,7 @@
         </p:nvSpPr>
         <p:spPr/>
         <p:txBody>
-          <a:bodyPr vert="eaVert"/>
+          <a:bodyPr vert="eaVert" anchor="t"/>
           <a:lstStyle/>
           <a:p>
             <a:pPr lvl="0"/>
@@ -473,7 +2363,7 @@
           <a:p>
             <a:fld id="{E8889CCE-19B0-40A4-98A2-DDC4046C21DE}" type="datetimeFigureOut">
               <a:rPr lang="en-US" smtClean="0"/>
-              <a:t>8/2/2019</a:t>
+              <a:t>8/3/2019</a:t>
             </a:fld>
             <a:endParaRPr lang="en-US"/>
           </a:p>
@@ -497,6 +2387,88 @@
             <a:endParaRPr lang="en-US"/>
           </a:p>
         </p:txBody>
+      </p:sp>
+      <p:sp>
+        <p:nvSpPr>
+          <p:cNvPr id="8" name="Freeform 11"/>
+          <p:cNvSpPr/>
+          <p:nvPr/>
+        </p:nvSpPr>
+        <p:spPr bwMode="auto">
+          <a:xfrm flipV="1">
+            <a:off x="-4189" y="714375"/>
+            <a:ext cx="1588527" cy="507297"/>
+          </a:xfrm>
+          <a:custGeom>
+            <a:avLst/>
+            <a:gdLst/>
+            <a:ahLst/>
+            <a:cxnLst/>
+            <a:rect l="l" t="t" r="r" b="b"/>
+            <a:pathLst>
+              <a:path w="9248" h="10000">
+                <a:moveTo>
+                  <a:pt x="9248" y="4701"/>
+                </a:moveTo>
+                <a:lnTo>
+                  <a:pt x="7915" y="188"/>
+                </a:lnTo>
+                <a:cubicBezTo>
+                  <a:pt x="7906" y="156"/>
+                  <a:pt x="7895" y="126"/>
+                  <a:pt x="7886" y="94"/>
+                </a:cubicBezTo>
+                <a:cubicBezTo>
+                  <a:pt x="7859" y="0"/>
+                  <a:pt x="7831" y="0"/>
+                  <a:pt x="7803" y="0"/>
+                </a:cubicBezTo>
+                <a:lnTo>
+                  <a:pt x="7275" y="0"/>
+                </a:lnTo>
+                <a:lnTo>
+                  <a:pt x="0" y="70"/>
+                </a:lnTo>
+                <a:cubicBezTo>
+                  <a:pt x="8" y="3380"/>
+                  <a:pt x="17" y="6690"/>
+                  <a:pt x="25" y="10000"/>
+                </a:cubicBezTo>
+                <a:lnTo>
+                  <a:pt x="7275" y="9966"/>
+                </a:lnTo>
+                <a:lnTo>
+                  <a:pt x="7803" y="9966"/>
+                </a:lnTo>
+                <a:cubicBezTo>
+                  <a:pt x="7831" y="9966"/>
+                  <a:pt x="7859" y="9872"/>
+                  <a:pt x="7886" y="9872"/>
+                </a:cubicBezTo>
+                <a:cubicBezTo>
+                  <a:pt x="7886" y="9778"/>
+                  <a:pt x="7915" y="9778"/>
+                  <a:pt x="7915" y="9778"/>
+                </a:cubicBezTo>
+                <a:lnTo>
+                  <a:pt x="9248" y="5265"/>
+                </a:lnTo>
+                <a:cubicBezTo>
+                  <a:pt x="9303" y="5077"/>
+                  <a:pt x="9303" y="4889"/>
+                  <a:pt x="9248" y="4701"/>
+                </a:cubicBezTo>
+                <a:close/>
+              </a:path>
+            </a:pathLst>
+          </a:custGeom>
+          <a:solidFill>
+            <a:schemeClr val="accent1"/>
+          </a:solidFill>
+          <a:ln>
+            <a:noFill/>
+          </a:ln>
+        </p:spPr>
       </p:sp>
       <p:sp>
         <p:nvSpPr>
@@ -524,7 +2496,7 @@
     </p:spTree>
     <p:extLst>
       <p:ext uri="{BB962C8B-B14F-4D97-AF65-F5344CB8AC3E}">
-        <p14:creationId xmlns:p14="http://schemas.microsoft.com/office/powerpoint/2010/main" val="2880412260"/>
+        <p14:creationId xmlns:p14="http://schemas.microsoft.com/office/powerpoint/2010/main" val="1318821044"/>
       </p:ext>
     </p:extLst>
   </p:cSld>
@@ -534,8 +2506,8 @@
 </p:sldLayout>
 </file>
 
-<file path=ppt/slideLayouts/slideLayout11.xml><?xml version="1.0" encoding="utf-8"?>
-<p:sldLayout xmlns:a="http://schemas.openxmlformats.org/drawingml/2006/main" xmlns:r="http://schemas.openxmlformats.org/officeDocument/2006/relationships" xmlns:p="http://schemas.openxmlformats.org/presentationml/2006/main" showMasterSp="0" type="vertTitleAndTx" preserve="1">
+<file path=ppt/slideLayouts/slideLayout16.xml><?xml version="1.0" encoding="utf-8"?>
+<p:sldLayout xmlns:a="http://schemas.openxmlformats.org/drawingml/2006/main" xmlns:r="http://schemas.openxmlformats.org/officeDocument/2006/relationships" xmlns:p="http://schemas.openxmlformats.org/presentationml/2006/main" type="vertTitleAndTx" preserve="1">
   <p:cSld name="Vertical Title and Text">
     <p:spTree>
       <p:nvGrpSpPr>
@@ -553,178 +2525,212 @@
       </p:grpSpPr>
       <p:sp>
         <p:nvSpPr>
-          <p:cNvPr id="7" name="Rectangle 6"/>
+          <p:cNvPr id="2" name="Vertical Title 1"/>
+          <p:cNvSpPr>
+            <a:spLocks noGrp="1"/>
+          </p:cNvSpPr>
+          <p:nvPr>
+            <p:ph type="title" orient="vert"/>
+          </p:nvPr>
+        </p:nvSpPr>
+        <p:spPr>
+          <a:xfrm>
+            <a:off x="9294812" y="627405"/>
+            <a:ext cx="2207601" cy="5283817"/>
+          </a:xfrm>
+        </p:spPr>
+        <p:txBody>
+          <a:bodyPr vert="eaVert" anchor="ctr"/>
+          <a:lstStyle/>
+          <a:p>
+            <a:r>
+              <a:rPr lang="en-US"/>
+              <a:t>Click to edit Master title style</a:t>
+            </a:r>
+            <a:endParaRPr lang="en-US" dirty="0"/>
+          </a:p>
+        </p:txBody>
+      </p:sp>
+      <p:sp>
+        <p:nvSpPr>
+          <p:cNvPr id="3" name="Vertical Text Placeholder 2"/>
+          <p:cNvSpPr>
+            <a:spLocks noGrp="1"/>
+          </p:cNvSpPr>
+          <p:nvPr>
+            <p:ph type="body" orient="vert" idx="1"/>
+          </p:nvPr>
+        </p:nvSpPr>
+        <p:spPr>
+          <a:xfrm>
+            <a:off x="2589212" y="627405"/>
+            <a:ext cx="6477000" cy="5283817"/>
+          </a:xfrm>
+        </p:spPr>
+        <p:txBody>
+          <a:bodyPr vert="eaVert"/>
+          <a:lstStyle/>
+          <a:p>
+            <a:pPr lvl="0"/>
+            <a:r>
+              <a:rPr lang="en-US"/>
+              <a:t>Click to edit Master text styles</a:t>
+            </a:r>
+          </a:p>
+          <a:p>
+            <a:pPr lvl="1"/>
+            <a:r>
+              <a:rPr lang="en-US"/>
+              <a:t>Second level</a:t>
+            </a:r>
+          </a:p>
+          <a:p>
+            <a:pPr lvl="2"/>
+            <a:r>
+              <a:rPr lang="en-US"/>
+              <a:t>Third level</a:t>
+            </a:r>
+          </a:p>
+          <a:p>
+            <a:pPr lvl="3"/>
+            <a:r>
+              <a:rPr lang="en-US"/>
+              <a:t>Fourth level</a:t>
+            </a:r>
+          </a:p>
+          <a:p>
+            <a:pPr lvl="4"/>
+            <a:r>
+              <a:rPr lang="en-US"/>
+              <a:t>Fifth level</a:t>
+            </a:r>
+            <a:endParaRPr lang="en-US" dirty="0"/>
+          </a:p>
+        </p:txBody>
+      </p:sp>
+      <p:sp>
+        <p:nvSpPr>
+          <p:cNvPr id="4" name="Date Placeholder 3"/>
+          <p:cNvSpPr>
+            <a:spLocks noGrp="1"/>
+          </p:cNvSpPr>
+          <p:nvPr>
+            <p:ph type="dt" sz="half" idx="10"/>
+          </p:nvPr>
+        </p:nvSpPr>
+        <p:spPr/>
+        <p:txBody>
+          <a:bodyPr/>
+          <a:lstStyle/>
+          <a:p>
+            <a:fld id="{E8889CCE-19B0-40A4-98A2-DDC4046C21DE}" type="datetimeFigureOut">
+              <a:rPr lang="en-US" smtClean="0"/>
+              <a:t>8/3/2019</a:t>
+            </a:fld>
+            <a:endParaRPr lang="en-US"/>
+          </a:p>
+        </p:txBody>
+      </p:sp>
+      <p:sp>
+        <p:nvSpPr>
+          <p:cNvPr id="5" name="Footer Placeholder 4"/>
+          <p:cNvSpPr>
+            <a:spLocks noGrp="1"/>
+          </p:cNvSpPr>
+          <p:nvPr>
+            <p:ph type="ftr" sz="quarter" idx="11"/>
+          </p:nvPr>
+        </p:nvSpPr>
+        <p:spPr/>
+        <p:txBody>
+          <a:bodyPr/>
+          <a:lstStyle/>
+          <a:p>
+            <a:endParaRPr lang="en-US"/>
+          </a:p>
+        </p:txBody>
+      </p:sp>
+      <p:sp>
+        <p:nvSpPr>
+          <p:cNvPr id="8" name="Freeform 11"/>
           <p:cNvSpPr/>
           <p:nvPr/>
         </p:nvSpPr>
-        <p:spPr>
-          <a:xfrm>
-            <a:off x="9019312" y="0"/>
-            <a:ext cx="2743200" cy="6858000"/>
+        <p:spPr bwMode="auto">
+          <a:xfrm flipV="1">
+            <a:off x="-4189" y="714375"/>
+            <a:ext cx="1588527" cy="507297"/>
           </a:xfrm>
-          <a:prstGeom prst="rect">
+          <a:custGeom>
             <a:avLst/>
-          </a:prstGeom>
+            <a:gdLst/>
+            <a:ahLst/>
+            <a:cxnLst/>
+            <a:rect l="l" t="t" r="r" b="b"/>
+            <a:pathLst>
+              <a:path w="9248" h="10000">
+                <a:moveTo>
+                  <a:pt x="9248" y="4701"/>
+                </a:moveTo>
+                <a:lnTo>
+                  <a:pt x="7915" y="188"/>
+                </a:lnTo>
+                <a:cubicBezTo>
+                  <a:pt x="7906" y="156"/>
+                  <a:pt x="7895" y="126"/>
+                  <a:pt x="7886" y="94"/>
+                </a:cubicBezTo>
+                <a:cubicBezTo>
+                  <a:pt x="7859" y="0"/>
+                  <a:pt x="7831" y="0"/>
+                  <a:pt x="7803" y="0"/>
+                </a:cubicBezTo>
+                <a:lnTo>
+                  <a:pt x="7275" y="0"/>
+                </a:lnTo>
+                <a:lnTo>
+                  <a:pt x="0" y="70"/>
+                </a:lnTo>
+                <a:cubicBezTo>
+                  <a:pt x="8" y="3380"/>
+                  <a:pt x="17" y="6690"/>
+                  <a:pt x="25" y="10000"/>
+                </a:cubicBezTo>
+                <a:lnTo>
+                  <a:pt x="7275" y="9966"/>
+                </a:lnTo>
+                <a:lnTo>
+                  <a:pt x="7803" y="9966"/>
+                </a:lnTo>
+                <a:cubicBezTo>
+                  <a:pt x="7831" y="9966"/>
+                  <a:pt x="7859" y="9872"/>
+                  <a:pt x="7886" y="9872"/>
+                </a:cubicBezTo>
+                <a:cubicBezTo>
+                  <a:pt x="7886" y="9778"/>
+                  <a:pt x="7915" y="9778"/>
+                  <a:pt x="7915" y="9778"/>
+                </a:cubicBezTo>
+                <a:lnTo>
+                  <a:pt x="9248" y="5265"/>
+                </a:lnTo>
+                <a:cubicBezTo>
+                  <a:pt x="9303" y="5077"/>
+                  <a:pt x="9303" y="4889"/>
+                  <a:pt x="9248" y="4701"/>
+                </a:cubicBezTo>
+                <a:close/>
+              </a:path>
+            </a:pathLst>
+          </a:custGeom>
           <a:solidFill>
-            <a:schemeClr val="tx1"/>
+            <a:schemeClr val="accent1"/>
           </a:solidFill>
           <a:ln>
             <a:noFill/>
           </a:ln>
         </p:spPr>
-        <p:style>
-          <a:lnRef idx="2">
-            <a:schemeClr val="accent1">
-              <a:shade val="50000"/>
-            </a:schemeClr>
-          </a:lnRef>
-          <a:fillRef idx="1">
-            <a:schemeClr val="accent1"/>
-          </a:fillRef>
-          <a:effectRef idx="0">
-            <a:schemeClr val="accent1"/>
-          </a:effectRef>
-          <a:fontRef idx="minor">
-            <a:schemeClr val="lt1"/>
-          </a:fontRef>
-        </p:style>
-      </p:sp>
-      <p:sp>
-        <p:nvSpPr>
-          <p:cNvPr id="2" name="Vertical Title 1"/>
-          <p:cNvSpPr>
-            <a:spLocks noGrp="1"/>
-          </p:cNvSpPr>
-          <p:nvPr>
-            <p:ph type="title" orient="vert"/>
-          </p:nvPr>
-        </p:nvSpPr>
-        <p:spPr>
-          <a:xfrm>
-            <a:off x="9160624" y="274638"/>
-            <a:ext cx="2402380" cy="5897562"/>
-          </a:xfrm>
-        </p:spPr>
-        <p:txBody>
-          <a:bodyPr vert="eaVert"/>
-          <a:lstStyle/>
-          <a:p>
-            <a:r>
-              <a:rPr lang="en-US"/>
-              <a:t>Click to edit Master title style</a:t>
-            </a:r>
-            <a:endParaRPr lang="en-US" dirty="0"/>
-          </a:p>
-        </p:txBody>
-      </p:sp>
-      <p:sp>
-        <p:nvSpPr>
-          <p:cNvPr id="3" name="Vertical Text Placeholder 2"/>
-          <p:cNvSpPr>
-            <a:spLocks noGrp="1"/>
-          </p:cNvSpPr>
-          <p:nvPr>
-            <p:ph type="body" orient="vert" idx="1"/>
-          </p:nvPr>
-        </p:nvSpPr>
-        <p:spPr>
-          <a:xfrm>
-            <a:off x="838199" y="274638"/>
-            <a:ext cx="7973291" cy="5897562"/>
-          </a:xfrm>
-        </p:spPr>
-        <p:txBody>
-          <a:bodyPr vert="eaVert"/>
-          <a:lstStyle/>
-          <a:p>
-            <a:pPr lvl="0"/>
-            <a:r>
-              <a:rPr lang="en-US"/>
-              <a:t>Click to edit Master text styles</a:t>
-            </a:r>
-          </a:p>
-          <a:p>
-            <a:pPr lvl="1"/>
-            <a:r>
-              <a:rPr lang="en-US"/>
-              <a:t>Second level</a:t>
-            </a:r>
-          </a:p>
-          <a:p>
-            <a:pPr lvl="2"/>
-            <a:r>
-              <a:rPr lang="en-US"/>
-              <a:t>Third level</a:t>
-            </a:r>
-          </a:p>
-          <a:p>
-            <a:pPr lvl="3"/>
-            <a:r>
-              <a:rPr lang="en-US"/>
-              <a:t>Fourth level</a:t>
-            </a:r>
-          </a:p>
-          <a:p>
-            <a:pPr lvl="4"/>
-            <a:r>
-              <a:rPr lang="en-US"/>
-              <a:t>Fifth level</a:t>
-            </a:r>
-            <a:endParaRPr lang="en-US" dirty="0"/>
-          </a:p>
-        </p:txBody>
-      </p:sp>
-      <p:sp>
-        <p:nvSpPr>
-          <p:cNvPr id="4" name="Date Placeholder 3"/>
-          <p:cNvSpPr>
-            <a:spLocks noGrp="1"/>
-          </p:cNvSpPr>
-          <p:nvPr>
-            <p:ph type="dt" sz="half" idx="10"/>
-          </p:nvPr>
-        </p:nvSpPr>
-        <p:spPr>
-          <a:xfrm>
-            <a:off x="838200" y="6422854"/>
-            <a:ext cx="2743196" cy="365125"/>
-          </a:xfrm>
-        </p:spPr>
-        <p:txBody>
-          <a:bodyPr/>
-          <a:lstStyle/>
-          <a:p>
-            <a:fld id="{E8889CCE-19B0-40A4-98A2-DDC4046C21DE}" type="datetimeFigureOut">
-              <a:rPr lang="en-US" smtClean="0"/>
-              <a:t>8/2/2019</a:t>
-            </a:fld>
-            <a:endParaRPr lang="en-US"/>
-          </a:p>
-        </p:txBody>
-      </p:sp>
-      <p:sp>
-        <p:nvSpPr>
-          <p:cNvPr id="5" name="Footer Placeholder 4"/>
-          <p:cNvSpPr>
-            <a:spLocks noGrp="1"/>
-          </p:cNvSpPr>
-          <p:nvPr>
-            <p:ph type="ftr" sz="quarter" idx="11"/>
-          </p:nvPr>
-        </p:nvSpPr>
-        <p:spPr>
-          <a:xfrm>
-            <a:off x="3776135" y="6422854"/>
-            <a:ext cx="4279669" cy="365125"/>
-          </a:xfrm>
-        </p:spPr>
-        <p:txBody>
-          <a:bodyPr/>
-          <a:lstStyle/>
-          <a:p>
-            <a:endParaRPr lang="en-US"/>
-          </a:p>
-        </p:txBody>
       </p:sp>
       <p:sp>
         <p:nvSpPr>
@@ -736,12 +2742,7 @@
             <p:ph type="sldNum" sz="quarter" idx="12"/>
           </p:nvPr>
         </p:nvSpPr>
-        <p:spPr>
-          <a:xfrm>
-            <a:off x="8073048" y="6422854"/>
-            <a:ext cx="879759" cy="365125"/>
-          </a:xfrm>
-        </p:spPr>
+        <p:spPr/>
         <p:txBody>
           <a:bodyPr/>
           <a:lstStyle/>
@@ -757,7 +2758,7 @@
     </p:spTree>
     <p:extLst>
       <p:ext uri="{BB962C8B-B14F-4D97-AF65-F5344CB8AC3E}">
-        <p14:creationId xmlns:p14="http://schemas.microsoft.com/office/powerpoint/2010/main" val="3917622089"/>
+        <p14:creationId xmlns:p14="http://schemas.microsoft.com/office/powerpoint/2010/main" val="891281111"/>
       </p:ext>
     </p:extLst>
   </p:cSld>
@@ -794,7 +2795,12 @@
             <p:ph type="title"/>
           </p:nvPr>
         </p:nvSpPr>
-        <p:spPr/>
+        <p:spPr>
+          <a:xfrm>
+            <a:off x="2592925" y="624110"/>
+            <a:ext cx="8911687" cy="1280890"/>
+          </a:xfrm>
+        </p:spPr>
         <p:txBody>
           <a:bodyPr/>
           <a:lstStyle/>
@@ -817,7 +2823,12 @@
             <p:ph idx="1"/>
           </p:nvPr>
         </p:nvSpPr>
-        <p:spPr/>
+        <p:spPr>
+          <a:xfrm>
+            <a:off x="2589212" y="2133600"/>
+            <a:ext cx="8915400" cy="3777622"/>
+          </a:xfrm>
+        </p:spPr>
         <p:txBody>
           <a:bodyPr/>
           <a:lstStyle/>
@@ -876,7 +2887,7 @@
           <a:p>
             <a:fld id="{E8889CCE-19B0-40A4-98A2-DDC4046C21DE}" type="datetimeFigureOut">
               <a:rPr lang="en-US" smtClean="0"/>
-              <a:t>8/2/2019</a:t>
+              <a:t>8/3/2019</a:t>
             </a:fld>
             <a:endParaRPr lang="en-US"/>
           </a:p>
@@ -900,6 +2911,88 @@
             <a:endParaRPr lang="en-US"/>
           </a:p>
         </p:txBody>
+      </p:sp>
+      <p:sp>
+        <p:nvSpPr>
+          <p:cNvPr id="8" name="Freeform 11"/>
+          <p:cNvSpPr/>
+          <p:nvPr/>
+        </p:nvSpPr>
+        <p:spPr bwMode="auto">
+          <a:xfrm flipV="1">
+            <a:off x="-4189" y="714375"/>
+            <a:ext cx="1588527" cy="507297"/>
+          </a:xfrm>
+          <a:custGeom>
+            <a:avLst/>
+            <a:gdLst/>
+            <a:ahLst/>
+            <a:cxnLst/>
+            <a:rect l="l" t="t" r="r" b="b"/>
+            <a:pathLst>
+              <a:path w="9248" h="10000">
+                <a:moveTo>
+                  <a:pt x="9248" y="4701"/>
+                </a:moveTo>
+                <a:lnTo>
+                  <a:pt x="7915" y="188"/>
+                </a:lnTo>
+                <a:cubicBezTo>
+                  <a:pt x="7906" y="156"/>
+                  <a:pt x="7895" y="126"/>
+                  <a:pt x="7886" y="94"/>
+                </a:cubicBezTo>
+                <a:cubicBezTo>
+                  <a:pt x="7859" y="0"/>
+                  <a:pt x="7831" y="0"/>
+                  <a:pt x="7803" y="0"/>
+                </a:cubicBezTo>
+                <a:lnTo>
+                  <a:pt x="7275" y="0"/>
+                </a:lnTo>
+                <a:lnTo>
+                  <a:pt x="0" y="70"/>
+                </a:lnTo>
+                <a:cubicBezTo>
+                  <a:pt x="8" y="3380"/>
+                  <a:pt x="17" y="6690"/>
+                  <a:pt x="25" y="10000"/>
+                </a:cubicBezTo>
+                <a:lnTo>
+                  <a:pt x="7275" y="9966"/>
+                </a:lnTo>
+                <a:lnTo>
+                  <a:pt x="7803" y="9966"/>
+                </a:lnTo>
+                <a:cubicBezTo>
+                  <a:pt x="7831" y="9966"/>
+                  <a:pt x="7859" y="9872"/>
+                  <a:pt x="7886" y="9872"/>
+                </a:cubicBezTo>
+                <a:cubicBezTo>
+                  <a:pt x="7886" y="9778"/>
+                  <a:pt x="7915" y="9778"/>
+                  <a:pt x="7915" y="9778"/>
+                </a:cubicBezTo>
+                <a:lnTo>
+                  <a:pt x="9248" y="5265"/>
+                </a:lnTo>
+                <a:cubicBezTo>
+                  <a:pt x="9303" y="5077"/>
+                  <a:pt x="9303" y="4889"/>
+                  <a:pt x="9248" y="4701"/>
+                </a:cubicBezTo>
+                <a:close/>
+              </a:path>
+            </a:pathLst>
+          </a:custGeom>
+          <a:solidFill>
+            <a:schemeClr val="accent1"/>
+          </a:solidFill>
+          <a:ln>
+            <a:noFill/>
+          </a:ln>
+        </p:spPr>
       </p:sp>
       <p:sp>
         <p:nvSpPr>
@@ -927,7 +3020,7 @@
     </p:spTree>
     <p:extLst>
       <p:ext uri="{BB962C8B-B14F-4D97-AF65-F5344CB8AC3E}">
-        <p14:creationId xmlns:p14="http://schemas.microsoft.com/office/powerpoint/2010/main" val="2390028570"/>
+        <p14:creationId xmlns:p14="http://schemas.microsoft.com/office/powerpoint/2010/main" val="2447379421"/>
       </p:ext>
     </p:extLst>
   </p:cSld>
@@ -938,13 +3031,8 @@
 </file>
 
 <file path=ppt/slideLayouts/slideLayout3.xml><?xml version="1.0" encoding="utf-8"?>
-<p:sldLayout xmlns:a="http://schemas.openxmlformats.org/drawingml/2006/main" xmlns:r="http://schemas.openxmlformats.org/officeDocument/2006/relationships" xmlns:p="http://schemas.openxmlformats.org/presentationml/2006/main" showMasterSp="0" type="secHead" preserve="1">
+<p:sldLayout xmlns:a="http://schemas.openxmlformats.org/drawingml/2006/main" xmlns:r="http://schemas.openxmlformats.org/officeDocument/2006/relationships" xmlns:p="http://schemas.openxmlformats.org/presentationml/2006/main" type="secHead" preserve="1">
   <p:cSld name="Section Header">
-    <p:bg>
-      <p:bgRef idx="1001">
-        <a:schemeClr val="bg1"/>
-      </p:bgRef>
-    </p:bg>
     <p:spTree>
       <p:nvGrpSpPr>
         <p:cNvPr id="1" name=""/>
@@ -961,109 +3049,63 @@
       </p:grpSpPr>
       <p:sp>
         <p:nvSpPr>
-          <p:cNvPr id="7" name="Rectangle 6"/>
-          <p:cNvSpPr/>
-          <p:nvPr/>
+          <p:cNvPr id="2" name="Title 1"/>
+          <p:cNvSpPr>
+            <a:spLocks noGrp="1"/>
+          </p:cNvSpPr>
+          <p:nvPr>
+            <p:ph type="title"/>
+          </p:nvPr>
         </p:nvSpPr>
         <p:spPr>
           <a:xfrm>
-            <a:off x="-6843" y="2059012"/>
-            <a:ext cx="12195668" cy="1828800"/>
+            <a:off x="2589212" y="2058750"/>
+            <a:ext cx="8915399" cy="1468800"/>
           </a:xfrm>
-          <a:prstGeom prst="rect">
-            <a:avLst/>
-          </a:prstGeom>
-          <a:solidFill>
-            <a:schemeClr val="tx2"/>
-          </a:solidFill>
-          <a:ln>
-            <a:noFill/>
-          </a:ln>
         </p:spPr>
-        <p:style>
-          <a:lnRef idx="2">
-            <a:schemeClr val="accent1">
-              <a:shade val="50000"/>
-            </a:schemeClr>
-          </a:lnRef>
-          <a:fillRef idx="1">
-            <a:schemeClr val="accent1"/>
-          </a:fillRef>
-          <a:effectRef idx="0">
-            <a:schemeClr val="accent1"/>
-          </a:effectRef>
-          <a:fontRef idx="minor">
-            <a:schemeClr val="lt1"/>
-          </a:fontRef>
-        </p:style>
-      </p:sp>
-      <p:sp>
-        <p:nvSpPr>
-          <p:cNvPr id="2" name="Title 1"/>
-          <p:cNvSpPr>
-            <a:spLocks noGrp="1"/>
-          </p:cNvSpPr>
-          <p:nvPr>
-            <p:ph type="title"/>
+        <p:txBody>
+          <a:bodyPr anchor="b"/>
+          <a:lstStyle>
+            <a:lvl1pPr algn="l">
+              <a:defRPr sz="4000" b="0" cap="none"/>
+            </a:lvl1pPr>
+          </a:lstStyle>
+          <a:p>
+            <a:r>
+              <a:rPr lang="en-US"/>
+              <a:t>Click to edit Master title style</a:t>
+            </a:r>
+            <a:endParaRPr lang="en-US" dirty="0"/>
+          </a:p>
+        </p:txBody>
+      </p:sp>
+      <p:sp>
+        <p:nvSpPr>
+          <p:cNvPr id="3" name="Text Placeholder 2"/>
+          <p:cNvSpPr>
+            <a:spLocks noGrp="1"/>
+          </p:cNvSpPr>
+          <p:nvPr>
+            <p:ph type="body" idx="1"/>
           </p:nvPr>
         </p:nvSpPr>
         <p:spPr>
           <a:xfrm>
-            <a:off x="833191" y="2208879"/>
-            <a:ext cx="10515600" cy="1676400"/>
+            <a:off x="2589212" y="3530129"/>
+            <a:ext cx="8915399" cy="860400"/>
           </a:xfrm>
         </p:spPr>
         <p:txBody>
-          <a:bodyPr anchor="ctr">
-            <a:noAutofit/>
-          </a:bodyPr>
+          <a:bodyPr anchor="t"/>
           <a:lstStyle>
-            <a:lvl1pPr algn="ctr">
-              <a:lnSpc>
-                <a:spcPct val="80000"/>
-              </a:lnSpc>
-              <a:defRPr sz="6000" b="0" spc="150" baseline="0">
-                <a:solidFill>
-                  <a:schemeClr val="bg1"/>
-                </a:solidFill>
-              </a:defRPr>
-            </a:lvl1pPr>
-          </a:lstStyle>
-          <a:p>
-            <a:r>
-              <a:rPr lang="en-US"/>
-              <a:t>Click to edit Master title style</a:t>
-            </a:r>
-            <a:endParaRPr lang="en-US" dirty="0"/>
-          </a:p>
-        </p:txBody>
-      </p:sp>
-      <p:sp>
-        <p:nvSpPr>
-          <p:cNvPr id="3" name="Text Placeholder 2"/>
-          <p:cNvSpPr>
-            <a:spLocks noGrp="1"/>
-          </p:cNvSpPr>
-          <p:nvPr>
-            <p:ph type="body" idx="1"/>
-          </p:nvPr>
-        </p:nvSpPr>
-        <p:spPr>
-          <a:xfrm>
-            <a:off x="833191" y="4010334"/>
-            <a:ext cx="10515600" cy="1174639"/>
-          </a:xfrm>
-        </p:spPr>
-        <p:txBody>
-          <a:bodyPr anchor="t">
-            <a:normAutofit/>
-          </a:bodyPr>
-          <a:lstStyle>
-            <a:lvl1pPr marL="0" indent="0" algn="ctr">
+            <a:lvl1pPr marL="0" indent="0" algn="l">
               <a:buNone/>
               <a:defRPr sz="2000">
                 <a:solidFill>
-                  <a:schemeClr val="tx2"/>
+                  <a:schemeClr val="tx1">
+                    <a:lumMod val="65000"/>
+                    <a:lumOff val="35000"/>
+                  </a:schemeClr>
                 </a:solidFill>
               </a:defRPr>
             </a:lvl1pPr>
@@ -1170,19 +3212,11 @@
         <p:spPr/>
         <p:txBody>
           <a:bodyPr/>
-          <a:lstStyle>
-            <a:lvl1pPr>
-              <a:defRPr>
-                <a:solidFill>
-                  <a:schemeClr val="tx2"/>
-                </a:solidFill>
-              </a:defRPr>
-            </a:lvl1pPr>
-          </a:lstStyle>
+          <a:lstStyle/>
           <a:p>
             <a:fld id="{E8889CCE-19B0-40A4-98A2-DDC4046C21DE}" type="datetimeFigureOut">
               <a:rPr lang="en-US" smtClean="0"/>
-              <a:t>8/2/2019</a:t>
+              <a:t>8/3/2019</a:t>
             </a:fld>
             <a:endParaRPr lang="en-US"/>
           </a:p>
@@ -1201,15 +3235,7 @@
         <p:spPr/>
         <p:txBody>
           <a:bodyPr/>
-          <a:lstStyle>
-            <a:lvl1pPr>
-              <a:defRPr>
-                <a:solidFill>
-                  <a:schemeClr val="tx2"/>
-                </a:solidFill>
-              </a:defRPr>
-            </a:lvl1pPr>
-          </a:lstStyle>
+          <a:lstStyle/>
           <a:p>
             <a:endParaRPr lang="en-US"/>
           </a:p>
@@ -1217,6 +3243,88 @@
       </p:sp>
       <p:sp>
         <p:nvSpPr>
+          <p:cNvPr id="9" name="Freeform 11"/>
+          <p:cNvSpPr/>
+          <p:nvPr/>
+        </p:nvSpPr>
+        <p:spPr bwMode="auto">
+          <a:xfrm flipV="1">
+            <a:off x="-4189" y="3178175"/>
+            <a:ext cx="1588527" cy="507297"/>
+          </a:xfrm>
+          <a:custGeom>
+            <a:avLst/>
+            <a:gdLst/>
+            <a:ahLst/>
+            <a:cxnLst/>
+            <a:rect l="l" t="t" r="r" b="b"/>
+            <a:pathLst>
+              <a:path w="9248" h="10000">
+                <a:moveTo>
+                  <a:pt x="9248" y="4701"/>
+                </a:moveTo>
+                <a:lnTo>
+                  <a:pt x="7915" y="188"/>
+                </a:lnTo>
+                <a:cubicBezTo>
+                  <a:pt x="7906" y="156"/>
+                  <a:pt x="7895" y="126"/>
+                  <a:pt x="7886" y="94"/>
+                </a:cubicBezTo>
+                <a:cubicBezTo>
+                  <a:pt x="7859" y="0"/>
+                  <a:pt x="7831" y="0"/>
+                  <a:pt x="7803" y="0"/>
+                </a:cubicBezTo>
+                <a:lnTo>
+                  <a:pt x="7275" y="0"/>
+                </a:lnTo>
+                <a:lnTo>
+                  <a:pt x="0" y="70"/>
+                </a:lnTo>
+                <a:cubicBezTo>
+                  <a:pt x="8" y="3380"/>
+                  <a:pt x="17" y="6690"/>
+                  <a:pt x="25" y="10000"/>
+                </a:cubicBezTo>
+                <a:lnTo>
+                  <a:pt x="7275" y="9966"/>
+                </a:lnTo>
+                <a:lnTo>
+                  <a:pt x="7803" y="9966"/>
+                </a:lnTo>
+                <a:cubicBezTo>
+                  <a:pt x="7831" y="9966"/>
+                  <a:pt x="7859" y="9872"/>
+                  <a:pt x="7886" y="9872"/>
+                </a:cubicBezTo>
+                <a:cubicBezTo>
+                  <a:pt x="7886" y="9778"/>
+                  <a:pt x="7915" y="9778"/>
+                  <a:pt x="7915" y="9778"/>
+                </a:cubicBezTo>
+                <a:lnTo>
+                  <a:pt x="9248" y="5265"/>
+                </a:lnTo>
+                <a:cubicBezTo>
+                  <a:pt x="9303" y="5077"/>
+                  <a:pt x="9303" y="4889"/>
+                  <a:pt x="9248" y="4701"/>
+                </a:cubicBezTo>
+                <a:close/>
+              </a:path>
+            </a:pathLst>
+          </a:custGeom>
+          <a:solidFill>
+            <a:schemeClr val="accent1"/>
+          </a:solidFill>
+          <a:ln>
+            <a:noFill/>
+          </a:ln>
+        </p:spPr>
+      </p:sp>
+      <p:sp>
+        <p:nvSpPr>
           <p:cNvPr id="6" name="Slide Number Placeholder 5"/>
           <p:cNvSpPr>
             <a:spLocks noGrp="1"/>
@@ -1225,18 +3333,15 @@
             <p:ph type="sldNum" sz="quarter" idx="12"/>
           </p:nvPr>
         </p:nvSpPr>
-        <p:spPr/>
+        <p:spPr>
+          <a:xfrm>
+            <a:off x="531812" y="3244139"/>
+            <a:ext cx="779767" cy="365125"/>
+          </a:xfrm>
+        </p:spPr>
         <p:txBody>
           <a:bodyPr/>
-          <a:lstStyle>
-            <a:lvl1pPr>
-              <a:defRPr>
-                <a:solidFill>
-                  <a:schemeClr val="tx2"/>
-                </a:solidFill>
-              </a:defRPr>
-            </a:lvl1pPr>
-          </a:lstStyle>
+          <a:lstStyle/>
           <a:p>
             <a:fld id="{CEA0DD38-18CB-4471-94A8-61D9754A7653}" type="slidenum">
               <a:rPr lang="en-US" smtClean="0"/>
@@ -1249,12 +3354,12 @@
     </p:spTree>
     <p:extLst>
       <p:ext uri="{BB962C8B-B14F-4D97-AF65-F5344CB8AC3E}">
-        <p14:creationId xmlns:p14="http://schemas.microsoft.com/office/powerpoint/2010/main" val="3371198108"/>
+        <p14:creationId xmlns:p14="http://schemas.microsoft.com/office/powerpoint/2010/main" val="1142310335"/>
       </p:ext>
     </p:extLst>
   </p:cSld>
   <p:clrMapOvr>
-    <a:overrideClrMapping bg1="lt1" tx1="dk1" bg2="lt2" tx2="dk2" accent1="accent1" accent2="accent2" accent3="accent3" accent4="accent4" accent5="accent5" accent6="accent6" hlink="hlink" folHlink="folHlink"/>
+    <a:masterClrMapping/>
   </p:clrMapOvr>
 </p:sldLayout>
 </file>
@@ -1311,41 +3416,15 @@
         </p:nvSpPr>
         <p:spPr>
           <a:xfrm>
-            <a:off x="1205344" y="2011680"/>
-            <a:ext cx="4754880" cy="4206240"/>
+            <a:off x="2589212" y="2133600"/>
+            <a:ext cx="4313864" cy="3777622"/>
           </a:xfrm>
         </p:spPr>
         <p:txBody>
-          <a:bodyPr/>
-          <a:lstStyle>
-            <a:lvl1pPr>
-              <a:defRPr sz="2200"/>
-            </a:lvl1pPr>
-            <a:lvl2pPr>
-              <a:defRPr sz="2000"/>
-            </a:lvl2pPr>
-            <a:lvl3pPr>
-              <a:defRPr sz="1800"/>
-            </a:lvl3pPr>
-            <a:lvl4pPr>
-              <a:defRPr sz="1600"/>
-            </a:lvl4pPr>
-            <a:lvl5pPr>
-              <a:defRPr sz="1600"/>
-            </a:lvl5pPr>
-            <a:lvl6pPr>
-              <a:defRPr sz="1600"/>
-            </a:lvl6pPr>
-            <a:lvl7pPr>
-              <a:defRPr sz="1600"/>
-            </a:lvl7pPr>
-            <a:lvl8pPr>
-              <a:defRPr sz="1600"/>
-            </a:lvl8pPr>
-            <a:lvl9pPr>
-              <a:defRPr sz="1600"/>
-            </a:lvl9pPr>
-          </a:lstStyle>
+          <a:bodyPr>
+            <a:normAutofit/>
+          </a:bodyPr>
+          <a:lstStyle/>
           <a:p>
             <a:pPr lvl="0"/>
             <a:r>
@@ -1396,41 +3475,15 @@
         </p:nvSpPr>
         <p:spPr>
           <a:xfrm>
-            <a:off x="6230391" y="2011680"/>
-            <a:ext cx="4754880" cy="4206240"/>
+            <a:off x="7190747" y="2126222"/>
+            <a:ext cx="4313864" cy="3777622"/>
           </a:xfrm>
         </p:spPr>
         <p:txBody>
-          <a:bodyPr/>
-          <a:lstStyle>
-            <a:lvl1pPr>
-              <a:defRPr sz="2200"/>
-            </a:lvl1pPr>
-            <a:lvl2pPr>
-              <a:defRPr sz="2000"/>
-            </a:lvl2pPr>
-            <a:lvl3pPr>
-              <a:defRPr sz="1800"/>
-            </a:lvl3pPr>
-            <a:lvl4pPr>
-              <a:defRPr sz="1600"/>
-            </a:lvl4pPr>
-            <a:lvl5pPr>
-              <a:defRPr sz="1600"/>
-            </a:lvl5pPr>
-            <a:lvl6pPr>
-              <a:defRPr sz="1600"/>
-            </a:lvl6pPr>
-            <a:lvl7pPr>
-              <a:defRPr sz="1600"/>
-            </a:lvl7pPr>
-            <a:lvl8pPr>
-              <a:defRPr sz="1600"/>
-            </a:lvl8pPr>
-            <a:lvl9pPr>
-              <a:defRPr sz="1600"/>
-            </a:lvl9pPr>
-          </a:lstStyle>
+          <a:bodyPr>
+            <a:normAutofit/>
+          </a:bodyPr>
+          <a:lstStyle/>
           <a:p>
             <a:pPr lvl="0"/>
             <a:r>
@@ -1486,7 +3539,7 @@
           <a:p>
             <a:fld id="{E8889CCE-19B0-40A4-98A2-DDC4046C21DE}" type="datetimeFigureOut">
               <a:rPr lang="en-US" smtClean="0"/>
-              <a:t>8/2/2019</a:t>
+              <a:t>8/3/2019</a:t>
             </a:fld>
             <a:endParaRPr lang="en-US"/>
           </a:p>
@@ -1513,7 +3566,89 @@
       </p:sp>
       <p:sp>
         <p:nvSpPr>
-          <p:cNvPr id="7" name="Slide Number Placeholder 6"/>
+          <p:cNvPr id="10" name="Freeform 11"/>
+          <p:cNvSpPr/>
+          <p:nvPr/>
+        </p:nvSpPr>
+        <p:spPr bwMode="auto">
+          <a:xfrm flipV="1">
+            <a:off x="-4189" y="714375"/>
+            <a:ext cx="1588527" cy="507297"/>
+          </a:xfrm>
+          <a:custGeom>
+            <a:avLst/>
+            <a:gdLst/>
+            <a:ahLst/>
+            <a:cxnLst/>
+            <a:rect l="l" t="t" r="r" b="b"/>
+            <a:pathLst>
+              <a:path w="9248" h="10000">
+                <a:moveTo>
+                  <a:pt x="9248" y="4701"/>
+                </a:moveTo>
+                <a:lnTo>
+                  <a:pt x="7915" y="188"/>
+                </a:lnTo>
+                <a:cubicBezTo>
+                  <a:pt x="7906" y="156"/>
+                  <a:pt x="7895" y="126"/>
+                  <a:pt x="7886" y="94"/>
+                </a:cubicBezTo>
+                <a:cubicBezTo>
+                  <a:pt x="7859" y="0"/>
+                  <a:pt x="7831" y="0"/>
+                  <a:pt x="7803" y="0"/>
+                </a:cubicBezTo>
+                <a:lnTo>
+                  <a:pt x="7275" y="0"/>
+                </a:lnTo>
+                <a:lnTo>
+                  <a:pt x="0" y="70"/>
+                </a:lnTo>
+                <a:cubicBezTo>
+                  <a:pt x="8" y="3380"/>
+                  <a:pt x="17" y="6690"/>
+                  <a:pt x="25" y="10000"/>
+                </a:cubicBezTo>
+                <a:lnTo>
+                  <a:pt x="7275" y="9966"/>
+                </a:lnTo>
+                <a:lnTo>
+                  <a:pt x="7803" y="9966"/>
+                </a:lnTo>
+                <a:cubicBezTo>
+                  <a:pt x="7831" y="9966"/>
+                  <a:pt x="7859" y="9872"/>
+                  <a:pt x="7886" y="9872"/>
+                </a:cubicBezTo>
+                <a:cubicBezTo>
+                  <a:pt x="7886" y="9778"/>
+                  <a:pt x="7915" y="9778"/>
+                  <a:pt x="7915" y="9778"/>
+                </a:cubicBezTo>
+                <a:lnTo>
+                  <a:pt x="9248" y="5265"/>
+                </a:lnTo>
+                <a:cubicBezTo>
+                  <a:pt x="9303" y="5077"/>
+                  <a:pt x="9303" y="4889"/>
+                  <a:pt x="9248" y="4701"/>
+                </a:cubicBezTo>
+                <a:close/>
+              </a:path>
+            </a:pathLst>
+          </a:custGeom>
+          <a:solidFill>
+            <a:schemeClr val="accent1"/>
+          </a:solidFill>
+          <a:ln>
+            <a:noFill/>
+          </a:ln>
+        </p:spPr>
+      </p:sp>
+      <p:sp>
+        <p:nvSpPr>
+          <p:cNvPr id="11" name="Slide Number Placeholder 5"/>
           <p:cNvSpPr>
             <a:spLocks noGrp="1"/>
           </p:cNvSpPr>
@@ -1521,7 +3656,12 @@
             <p:ph type="sldNum" sz="quarter" idx="12"/>
           </p:nvPr>
         </p:nvSpPr>
-        <p:spPr/>
+        <p:spPr>
+          <a:xfrm>
+            <a:off x="531812" y="787782"/>
+            <a:ext cx="779767" cy="365125"/>
+          </a:xfrm>
+        </p:spPr>
         <p:txBody>
           <a:bodyPr/>
           <a:lstStyle/>
@@ -1537,7 +3677,7 @@
     </p:spTree>
     <p:extLst>
       <p:ext uri="{BB962C8B-B14F-4D97-AF65-F5344CB8AC3E}">
-        <p14:creationId xmlns:p14="http://schemas.microsoft.com/office/powerpoint/2010/main" val="1917905061"/>
+        <p14:creationId xmlns:p14="http://schemas.microsoft.com/office/powerpoint/2010/main" val="1477623792"/>
       </p:ext>
     </p:extLst>
   </p:cSld>
@@ -1599,18 +3739,18 @@
         </p:nvSpPr>
         <p:spPr>
           <a:xfrm>
-            <a:off x="1207008" y="1913470"/>
-            <a:ext cx="4754880" cy="743094"/>
+            <a:off x="2939373" y="1972703"/>
+            <a:ext cx="3992732" cy="576262"/>
           </a:xfrm>
         </p:spPr>
         <p:txBody>
-          <a:bodyPr anchor="ctr">
-            <a:normAutofit/>
+          <a:bodyPr anchor="b">
+            <a:noAutofit/>
           </a:bodyPr>
           <a:lstStyle>
             <a:lvl1pPr marL="0" indent="0">
               <a:buNone/>
-              <a:defRPr sz="2100" b="1"/>
+              <a:defRPr sz="2400" b="0"/>
             </a:lvl1pPr>
             <a:lvl2pPr marL="457200" indent="0">
               <a:buNone/>
@@ -1666,41 +3806,15 @@
         </p:nvSpPr>
         <p:spPr>
           <a:xfrm>
-            <a:off x="1207008" y="2656566"/>
-            <a:ext cx="4754880" cy="3566160"/>
+            <a:off x="2589212" y="2548966"/>
+            <a:ext cx="4342893" cy="3354060"/>
           </a:xfrm>
         </p:spPr>
         <p:txBody>
-          <a:bodyPr/>
-          <a:lstStyle>
-            <a:lvl1pPr>
-              <a:defRPr sz="2200"/>
-            </a:lvl1pPr>
-            <a:lvl2pPr>
-              <a:defRPr sz="2000"/>
-            </a:lvl2pPr>
-            <a:lvl3pPr>
-              <a:defRPr sz="1800"/>
-            </a:lvl3pPr>
-            <a:lvl4pPr>
-              <a:defRPr sz="1600"/>
-            </a:lvl4pPr>
-            <a:lvl5pPr>
-              <a:defRPr sz="1600"/>
-            </a:lvl5pPr>
-            <a:lvl6pPr>
-              <a:defRPr sz="1600"/>
-            </a:lvl6pPr>
-            <a:lvl7pPr>
-              <a:defRPr sz="1600"/>
-            </a:lvl7pPr>
-            <a:lvl8pPr>
-              <a:defRPr sz="1600"/>
-            </a:lvl8pPr>
-            <a:lvl9pPr>
-              <a:defRPr sz="1600"/>
-            </a:lvl9pPr>
-          </a:lstStyle>
+          <a:bodyPr>
+            <a:normAutofit/>
+          </a:bodyPr>
+          <a:lstStyle/>
           <a:p>
             <a:pPr lvl="0"/>
             <a:r>
@@ -1751,18 +3865,18 @@
         </p:nvSpPr>
         <p:spPr>
           <a:xfrm>
-            <a:off x="6231230" y="1913470"/>
-            <a:ext cx="4754880" cy="743094"/>
+            <a:off x="7506629" y="1969475"/>
+            <a:ext cx="3999001" cy="576262"/>
           </a:xfrm>
         </p:spPr>
         <p:txBody>
-          <a:bodyPr anchor="ctr">
-            <a:normAutofit/>
+          <a:bodyPr anchor="b">
+            <a:noAutofit/>
           </a:bodyPr>
           <a:lstStyle>
             <a:lvl1pPr marL="0" indent="0">
               <a:buNone/>
-              <a:defRPr sz="2100" b="1"/>
+              <a:defRPr sz="2400" b="0"/>
             </a:lvl1pPr>
             <a:lvl2pPr marL="457200" indent="0">
               <a:buNone/>
@@ -1818,41 +3932,15 @@
         </p:nvSpPr>
         <p:spPr>
           <a:xfrm>
-            <a:off x="6231230" y="2656564"/>
-            <a:ext cx="4754880" cy="3566160"/>
+            <a:off x="7166957" y="2545738"/>
+            <a:ext cx="4338674" cy="3354060"/>
           </a:xfrm>
         </p:spPr>
         <p:txBody>
-          <a:bodyPr/>
-          <a:lstStyle>
-            <a:lvl1pPr>
-              <a:defRPr sz="2200"/>
-            </a:lvl1pPr>
-            <a:lvl2pPr>
-              <a:defRPr sz="2000"/>
-            </a:lvl2pPr>
-            <a:lvl3pPr>
-              <a:defRPr sz="1800"/>
-            </a:lvl3pPr>
-            <a:lvl4pPr>
-              <a:defRPr sz="1600"/>
-            </a:lvl4pPr>
-            <a:lvl5pPr>
-              <a:defRPr sz="1600"/>
-            </a:lvl5pPr>
-            <a:lvl6pPr>
-              <a:defRPr sz="1600"/>
-            </a:lvl6pPr>
-            <a:lvl7pPr>
-              <a:defRPr sz="1600"/>
-            </a:lvl7pPr>
-            <a:lvl8pPr>
-              <a:defRPr sz="1600"/>
-            </a:lvl8pPr>
-            <a:lvl9pPr>
-              <a:defRPr sz="1600"/>
-            </a:lvl9pPr>
-          </a:lstStyle>
+          <a:bodyPr>
+            <a:normAutofit/>
+          </a:bodyPr>
+          <a:lstStyle/>
           <a:p>
             <a:pPr lvl="0"/>
             <a:r>
@@ -1908,7 +3996,7 @@
           <a:p>
             <a:fld id="{E8889CCE-19B0-40A4-98A2-DDC4046C21DE}" type="datetimeFigureOut">
               <a:rPr lang="en-US" smtClean="0"/>
-              <a:t>8/2/2019</a:t>
+              <a:t>8/3/2019</a:t>
             </a:fld>
             <a:endParaRPr lang="en-US"/>
           </a:p>
@@ -1935,7 +4023,89 @@
       </p:sp>
       <p:sp>
         <p:nvSpPr>
-          <p:cNvPr id="9" name="Slide Number Placeholder 8"/>
+          <p:cNvPr id="12" name="Freeform 11"/>
+          <p:cNvSpPr/>
+          <p:nvPr/>
+        </p:nvSpPr>
+        <p:spPr bwMode="auto">
+          <a:xfrm flipV="1">
+            <a:off x="-4189" y="714375"/>
+            <a:ext cx="1588527" cy="507297"/>
+          </a:xfrm>
+          <a:custGeom>
+            <a:avLst/>
+            <a:gdLst/>
+            <a:ahLst/>
+            <a:cxnLst/>
+            <a:rect l="l" t="t" r="r" b="b"/>
+            <a:pathLst>
+              <a:path w="9248" h="10000">
+                <a:moveTo>
+                  <a:pt x="9248" y="4701"/>
+                </a:moveTo>
+                <a:lnTo>
+                  <a:pt x="7915" y="188"/>
+                </a:lnTo>
+                <a:cubicBezTo>
+                  <a:pt x="7906" y="156"/>
+                  <a:pt x="7895" y="126"/>
+                  <a:pt x="7886" y="94"/>
+                </a:cubicBezTo>
+                <a:cubicBezTo>
+                  <a:pt x="7859" y="0"/>
+                  <a:pt x="7831" y="0"/>
+                  <a:pt x="7803" y="0"/>
+                </a:cubicBezTo>
+                <a:lnTo>
+                  <a:pt x="7275" y="0"/>
+                </a:lnTo>
+                <a:lnTo>
+                  <a:pt x="0" y="70"/>
+                </a:lnTo>
+                <a:cubicBezTo>
+                  <a:pt x="8" y="3380"/>
+                  <a:pt x="17" y="6690"/>
+                  <a:pt x="25" y="10000"/>
+                </a:cubicBezTo>
+                <a:lnTo>
+                  <a:pt x="7275" y="9966"/>
+                </a:lnTo>
+                <a:lnTo>
+                  <a:pt x="7803" y="9966"/>
+                </a:lnTo>
+                <a:cubicBezTo>
+                  <a:pt x="7831" y="9966"/>
+                  <a:pt x="7859" y="9872"/>
+                  <a:pt x="7886" y="9872"/>
+                </a:cubicBezTo>
+                <a:cubicBezTo>
+                  <a:pt x="7886" y="9778"/>
+                  <a:pt x="7915" y="9778"/>
+                  <a:pt x="7915" y="9778"/>
+                </a:cubicBezTo>
+                <a:lnTo>
+                  <a:pt x="9248" y="5265"/>
+                </a:lnTo>
+                <a:cubicBezTo>
+                  <a:pt x="9303" y="5077"/>
+                  <a:pt x="9303" y="4889"/>
+                  <a:pt x="9248" y="4701"/>
+                </a:cubicBezTo>
+                <a:close/>
+              </a:path>
+            </a:pathLst>
+          </a:custGeom>
+          <a:solidFill>
+            <a:schemeClr val="accent1"/>
+          </a:solidFill>
+          <a:ln>
+            <a:noFill/>
+          </a:ln>
+        </p:spPr>
+      </p:sp>
+      <p:sp>
+        <p:nvSpPr>
+          <p:cNvPr id="13" name="Slide Number Placeholder 5"/>
           <p:cNvSpPr>
             <a:spLocks noGrp="1"/>
           </p:cNvSpPr>
@@ -1943,7 +4113,12 @@
             <p:ph type="sldNum" sz="quarter" idx="12"/>
           </p:nvPr>
         </p:nvSpPr>
-        <p:spPr/>
+        <p:spPr>
+          <a:xfrm>
+            <a:off x="531812" y="787782"/>
+            <a:ext cx="779767" cy="365125"/>
+          </a:xfrm>
+        </p:spPr>
         <p:txBody>
           <a:bodyPr/>
           <a:lstStyle/>
@@ -1959,7 +4134,7 @@
     </p:spTree>
     <p:extLst>
       <p:ext uri="{BB962C8B-B14F-4D97-AF65-F5344CB8AC3E}">
-        <p14:creationId xmlns:p14="http://schemas.microsoft.com/office/powerpoint/2010/main" val="3288248006"/>
+        <p14:creationId xmlns:p14="http://schemas.microsoft.com/office/powerpoint/2010/main" val="1886784789"/>
       </p:ext>
     </p:extLst>
   </p:cSld>
@@ -2026,7 +4201,7 @@
           <a:p>
             <a:fld id="{E8889CCE-19B0-40A4-98A2-DDC4046C21DE}" type="datetimeFigureOut">
               <a:rPr lang="en-US" smtClean="0"/>
-              <a:t>8/2/2019</a:t>
+              <a:t>8/3/2019</a:t>
             </a:fld>
             <a:endParaRPr lang="en-US"/>
           </a:p>
@@ -2050,6 +4225,88 @@
             <a:endParaRPr lang="en-US"/>
           </a:p>
         </p:txBody>
+      </p:sp>
+      <p:sp>
+        <p:nvSpPr>
+          <p:cNvPr id="7" name="Freeform 11"/>
+          <p:cNvSpPr/>
+          <p:nvPr/>
+        </p:nvSpPr>
+        <p:spPr bwMode="auto">
+          <a:xfrm flipV="1">
+            <a:off x="-4189" y="714375"/>
+            <a:ext cx="1588527" cy="507297"/>
+          </a:xfrm>
+          <a:custGeom>
+            <a:avLst/>
+            <a:gdLst/>
+            <a:ahLst/>
+            <a:cxnLst/>
+            <a:rect l="l" t="t" r="r" b="b"/>
+            <a:pathLst>
+              <a:path w="9248" h="10000">
+                <a:moveTo>
+                  <a:pt x="9248" y="4701"/>
+                </a:moveTo>
+                <a:lnTo>
+                  <a:pt x="7915" y="188"/>
+                </a:lnTo>
+                <a:cubicBezTo>
+                  <a:pt x="7906" y="156"/>
+                  <a:pt x="7895" y="126"/>
+                  <a:pt x="7886" y="94"/>
+                </a:cubicBezTo>
+                <a:cubicBezTo>
+                  <a:pt x="7859" y="0"/>
+                  <a:pt x="7831" y="0"/>
+                  <a:pt x="7803" y="0"/>
+                </a:cubicBezTo>
+                <a:lnTo>
+                  <a:pt x="7275" y="0"/>
+                </a:lnTo>
+                <a:lnTo>
+                  <a:pt x="0" y="70"/>
+                </a:lnTo>
+                <a:cubicBezTo>
+                  <a:pt x="8" y="3380"/>
+                  <a:pt x="17" y="6690"/>
+                  <a:pt x="25" y="10000"/>
+                </a:cubicBezTo>
+                <a:lnTo>
+                  <a:pt x="7275" y="9966"/>
+                </a:lnTo>
+                <a:lnTo>
+                  <a:pt x="7803" y="9966"/>
+                </a:lnTo>
+                <a:cubicBezTo>
+                  <a:pt x="7831" y="9966"/>
+                  <a:pt x="7859" y="9872"/>
+                  <a:pt x="7886" y="9872"/>
+                </a:cubicBezTo>
+                <a:cubicBezTo>
+                  <a:pt x="7886" y="9778"/>
+                  <a:pt x="7915" y="9778"/>
+                  <a:pt x="7915" y="9778"/>
+                </a:cubicBezTo>
+                <a:lnTo>
+                  <a:pt x="9248" y="5265"/>
+                </a:lnTo>
+                <a:cubicBezTo>
+                  <a:pt x="9303" y="5077"/>
+                  <a:pt x="9303" y="4889"/>
+                  <a:pt x="9248" y="4701"/>
+                </a:cubicBezTo>
+                <a:close/>
+              </a:path>
+            </a:pathLst>
+          </a:custGeom>
+          <a:solidFill>
+            <a:schemeClr val="accent1"/>
+          </a:solidFill>
+          <a:ln>
+            <a:noFill/>
+          </a:ln>
+        </p:spPr>
       </p:sp>
       <p:sp>
         <p:nvSpPr>
@@ -2077,7 +4334,7 @@
     </p:spTree>
     <p:extLst>
       <p:ext uri="{BB962C8B-B14F-4D97-AF65-F5344CB8AC3E}">
-        <p14:creationId xmlns:p14="http://schemas.microsoft.com/office/powerpoint/2010/main" val="3851197757"/>
+        <p14:creationId xmlns:p14="http://schemas.microsoft.com/office/powerpoint/2010/main" val="128867240"/>
       </p:ext>
     </p:extLst>
   </p:cSld>
@@ -2088,7 +4345,7 @@
 </file>
 
 <file path=ppt/slideLayouts/slideLayout7.xml><?xml version="1.0" encoding="utf-8"?>
-<p:sldLayout xmlns:a="http://schemas.openxmlformats.org/drawingml/2006/main" xmlns:r="http://schemas.openxmlformats.org/officeDocument/2006/relationships" xmlns:p="http://schemas.openxmlformats.org/presentationml/2006/main" showMasterSp="0" type="blank" preserve="1">
+<p:sldLayout xmlns:a="http://schemas.openxmlformats.org/drawingml/2006/main" xmlns:r="http://schemas.openxmlformats.org/officeDocument/2006/relationships" xmlns:p="http://schemas.openxmlformats.org/presentationml/2006/main" type="blank" preserve="1">
   <p:cSld name="Blank">
     <p:spTree>
       <p:nvGrpSpPr>
@@ -2121,7 +4378,7 @@
           <a:p>
             <a:fld id="{E8889CCE-19B0-40A4-98A2-DDC4046C21DE}" type="datetimeFigureOut">
               <a:rPr lang="en-US" smtClean="0"/>
-              <a:t>8/2/2019</a:t>
+              <a:t>8/3/2019</a:t>
             </a:fld>
             <a:endParaRPr lang="en-US"/>
           </a:p>
@@ -2145,6 +4402,88 @@
             <a:endParaRPr lang="en-US"/>
           </a:p>
         </p:txBody>
+      </p:sp>
+      <p:sp>
+        <p:nvSpPr>
+          <p:cNvPr id="6" name="Freeform 11"/>
+          <p:cNvSpPr/>
+          <p:nvPr/>
+        </p:nvSpPr>
+        <p:spPr bwMode="auto">
+          <a:xfrm flipV="1">
+            <a:off x="-4189" y="714375"/>
+            <a:ext cx="1588527" cy="507297"/>
+          </a:xfrm>
+          <a:custGeom>
+            <a:avLst/>
+            <a:gdLst/>
+            <a:ahLst/>
+            <a:cxnLst/>
+            <a:rect l="l" t="t" r="r" b="b"/>
+            <a:pathLst>
+              <a:path w="9248" h="10000">
+                <a:moveTo>
+                  <a:pt x="9248" y="4701"/>
+                </a:moveTo>
+                <a:lnTo>
+                  <a:pt x="7915" y="188"/>
+                </a:lnTo>
+                <a:cubicBezTo>
+                  <a:pt x="7906" y="156"/>
+                  <a:pt x="7895" y="126"/>
+                  <a:pt x="7886" y="94"/>
+                </a:cubicBezTo>
+                <a:cubicBezTo>
+                  <a:pt x="7859" y="0"/>
+                  <a:pt x="7831" y="0"/>
+                  <a:pt x="7803" y="0"/>
+                </a:cubicBezTo>
+                <a:lnTo>
+                  <a:pt x="7275" y="0"/>
+                </a:lnTo>
+                <a:lnTo>
+                  <a:pt x="0" y="70"/>
+                </a:lnTo>
+                <a:cubicBezTo>
+                  <a:pt x="8" y="3380"/>
+                  <a:pt x="17" y="6690"/>
+                  <a:pt x="25" y="10000"/>
+                </a:cubicBezTo>
+                <a:lnTo>
+                  <a:pt x="7275" y="9966"/>
+                </a:lnTo>
+                <a:lnTo>
+                  <a:pt x="7803" y="9966"/>
+                </a:lnTo>
+                <a:cubicBezTo>
+                  <a:pt x="7831" y="9966"/>
+                  <a:pt x="7859" y="9872"/>
+                  <a:pt x="7886" y="9872"/>
+                </a:cubicBezTo>
+                <a:cubicBezTo>
+                  <a:pt x="7886" y="9778"/>
+                  <a:pt x="7915" y="9778"/>
+                  <a:pt x="7915" y="9778"/>
+                </a:cubicBezTo>
+                <a:lnTo>
+                  <a:pt x="9248" y="5265"/>
+                </a:lnTo>
+                <a:cubicBezTo>
+                  <a:pt x="9303" y="5077"/>
+                  <a:pt x="9303" y="4889"/>
+                  <a:pt x="9248" y="4701"/>
+                </a:cubicBezTo>
+                <a:close/>
+              </a:path>
+            </a:pathLst>
+          </a:custGeom>
+          <a:solidFill>
+            <a:schemeClr val="accent1"/>
+          </a:solidFill>
+          <a:ln>
+            <a:noFill/>
+          </a:ln>
+        </p:spPr>
       </p:sp>
       <p:sp>
         <p:nvSpPr>
@@ -2172,7 +4511,7 @@
     </p:spTree>
     <p:extLst>
       <p:ext uri="{BB962C8B-B14F-4D97-AF65-F5344CB8AC3E}">
-        <p14:creationId xmlns:p14="http://schemas.microsoft.com/office/powerpoint/2010/main" val="391753320"/>
+        <p14:creationId xmlns:p14="http://schemas.microsoft.com/office/powerpoint/2010/main" val="559563105"/>
       </p:ext>
     </p:extLst>
   </p:cSld>
@@ -2201,7 +4540,7 @@
       </p:grpSpPr>
       <p:sp>
         <p:nvSpPr>
-          <p:cNvPr id="8" name="Title 7"/>
+          <p:cNvPr id="2" name="Title 1"/>
           <p:cNvSpPr>
             <a:spLocks noGrp="1"/>
           </p:cNvSpPr>
@@ -2209,10 +4548,19 @@
             <p:ph type="title"/>
           </p:nvPr>
         </p:nvSpPr>
-        <p:spPr/>
-        <p:txBody>
-          <a:bodyPr/>
-          <a:lstStyle/>
+        <p:spPr>
+          <a:xfrm>
+            <a:off x="2589212" y="446088"/>
+            <a:ext cx="3505199" cy="976312"/>
+          </a:xfrm>
+        </p:spPr>
+        <p:txBody>
+          <a:bodyPr anchor="b"/>
+          <a:lstStyle>
+            <a:lvl1pPr algn="l">
+              <a:defRPr sz="2000" b="0"/>
+            </a:lvl1pPr>
+          </a:lstStyle>
           <a:p>
             <a:r>
               <a:rPr lang="en-US"/>
@@ -2234,106 +4582,75 @@
         </p:nvSpPr>
         <p:spPr>
           <a:xfrm>
-            <a:off x="1207008" y="2120054"/>
-            <a:ext cx="6126480" cy="4114800"/>
+            <a:off x="6323012" y="446088"/>
+            <a:ext cx="5181600" cy="5414963"/>
           </a:xfrm>
         </p:spPr>
         <p:txBody>
+          <a:bodyPr anchor="ctr">
+            <a:normAutofit/>
+          </a:bodyPr>
+          <a:lstStyle/>
+          <a:p>
+            <a:pPr lvl="0"/>
+            <a:r>
+              <a:rPr lang="en-US"/>
+              <a:t>Click to edit Master text styles</a:t>
+            </a:r>
+          </a:p>
+          <a:p>
+            <a:pPr lvl="1"/>
+            <a:r>
+              <a:rPr lang="en-US"/>
+              <a:t>Second level</a:t>
+            </a:r>
+          </a:p>
+          <a:p>
+            <a:pPr lvl="2"/>
+            <a:r>
+              <a:rPr lang="en-US"/>
+              <a:t>Third level</a:t>
+            </a:r>
+          </a:p>
+          <a:p>
+            <a:pPr lvl="3"/>
+            <a:r>
+              <a:rPr lang="en-US"/>
+              <a:t>Fourth level</a:t>
+            </a:r>
+          </a:p>
+          <a:p>
+            <a:pPr lvl="4"/>
+            <a:r>
+              <a:rPr lang="en-US"/>
+              <a:t>Fifth level</a:t>
+            </a:r>
+            <a:endParaRPr lang="en-US" dirty="0"/>
+          </a:p>
+        </p:txBody>
+      </p:sp>
+      <p:sp>
+        <p:nvSpPr>
+          <p:cNvPr id="4" name="Text Placeholder 3"/>
+          <p:cNvSpPr>
+            <a:spLocks noGrp="1"/>
+          </p:cNvSpPr>
+          <p:nvPr>
+            <p:ph type="body" sz="half" idx="2"/>
+          </p:nvPr>
+        </p:nvSpPr>
+        <p:spPr>
+          <a:xfrm>
+            <a:off x="2589212" y="1598613"/>
+            <a:ext cx="3505199" cy="4262436"/>
+          </a:xfrm>
+        </p:spPr>
+        <p:txBody>
           <a:bodyPr/>
           <a:lstStyle>
-            <a:lvl1pPr>
-              <a:defRPr sz="3200"/>
-            </a:lvl1pPr>
-            <a:lvl2pPr>
-              <a:defRPr sz="2800"/>
-            </a:lvl2pPr>
-            <a:lvl3pPr>
-              <a:defRPr sz="2400"/>
-            </a:lvl3pPr>
-            <a:lvl4pPr>
-              <a:defRPr sz="2000"/>
-            </a:lvl4pPr>
-            <a:lvl5pPr>
-              <a:defRPr sz="2000"/>
-            </a:lvl5pPr>
-            <a:lvl6pPr>
-              <a:defRPr sz="2000"/>
-            </a:lvl6pPr>
-            <a:lvl7pPr>
-              <a:defRPr sz="2000"/>
-            </a:lvl7pPr>
-            <a:lvl8pPr>
-              <a:defRPr sz="2000"/>
-            </a:lvl8pPr>
-            <a:lvl9pPr>
-              <a:defRPr sz="2000"/>
-            </a:lvl9pPr>
-          </a:lstStyle>
-          <a:p>
-            <a:pPr lvl="0"/>
-            <a:r>
-              <a:rPr lang="en-US"/>
-              <a:t>Click to edit Master text styles</a:t>
-            </a:r>
-          </a:p>
-          <a:p>
-            <a:pPr lvl="1"/>
-            <a:r>
-              <a:rPr lang="en-US"/>
-              <a:t>Second level</a:t>
-            </a:r>
-          </a:p>
-          <a:p>
-            <a:pPr lvl="2"/>
-            <a:r>
-              <a:rPr lang="en-US"/>
-              <a:t>Third level</a:t>
-            </a:r>
-          </a:p>
-          <a:p>
-            <a:pPr lvl="3"/>
-            <a:r>
-              <a:rPr lang="en-US"/>
-              <a:t>Fourth level</a:t>
-            </a:r>
-          </a:p>
-          <a:p>
-            <a:pPr lvl="4"/>
-            <a:r>
-              <a:rPr lang="en-US"/>
-              <a:t>Fifth level</a:t>
-            </a:r>
-            <a:endParaRPr lang="en-US" dirty="0"/>
-          </a:p>
-        </p:txBody>
-      </p:sp>
-      <p:sp>
-        <p:nvSpPr>
-          <p:cNvPr id="4" name="Text Placeholder 3"/>
-          <p:cNvSpPr>
-            <a:spLocks noGrp="1"/>
-          </p:cNvSpPr>
-          <p:nvPr>
-            <p:ph type="body" sz="half" idx="2"/>
-          </p:nvPr>
-        </p:nvSpPr>
-        <p:spPr>
-          <a:xfrm>
-            <a:off x="7789023" y="2147486"/>
-            <a:ext cx="3200400" cy="3432319"/>
-          </a:xfrm>
-        </p:spPr>
-        <p:txBody>
-          <a:bodyPr>
-            <a:normAutofit/>
-          </a:bodyPr>
-          <a:lstStyle>
             <a:lvl1pPr marL="0" indent="0">
-              <a:lnSpc>
-                <a:spcPct val="95000"/>
-              </a:lnSpc>
-              <a:buNone/>
-              <a:defRPr sz="1800"/>
+              <a:buNone/>
+              <a:defRPr sz="1400"/>
             </a:lvl1pPr>
             <a:lvl2pPr marL="457200" indent="0">
               <a:buNone/>
@@ -2394,7 +4711,7 @@
           <a:p>
             <a:fld id="{E8889CCE-19B0-40A4-98A2-DDC4046C21DE}" type="datetimeFigureOut">
               <a:rPr lang="en-US" smtClean="0"/>
-              <a:t>8/2/2019</a:t>
+              <a:t>8/3/2019</a:t>
             </a:fld>
             <a:endParaRPr lang="en-US"/>
           </a:p>
@@ -2418,6 +4735,88 @@
             <a:endParaRPr lang="en-US"/>
           </a:p>
         </p:txBody>
+      </p:sp>
+      <p:sp>
+        <p:nvSpPr>
+          <p:cNvPr id="9" name="Freeform 11"/>
+          <p:cNvSpPr/>
+          <p:nvPr/>
+        </p:nvSpPr>
+        <p:spPr bwMode="auto">
+          <a:xfrm flipV="1">
+            <a:off x="-4189" y="714375"/>
+            <a:ext cx="1588527" cy="507297"/>
+          </a:xfrm>
+          <a:custGeom>
+            <a:avLst/>
+            <a:gdLst/>
+            <a:ahLst/>
+            <a:cxnLst/>
+            <a:rect l="l" t="t" r="r" b="b"/>
+            <a:pathLst>
+              <a:path w="9248" h="10000">
+                <a:moveTo>
+                  <a:pt x="9248" y="4701"/>
+                </a:moveTo>
+                <a:lnTo>
+                  <a:pt x="7915" y="188"/>
+                </a:lnTo>
+                <a:cubicBezTo>
+                  <a:pt x="7906" y="156"/>
+                  <a:pt x="7895" y="126"/>
+                  <a:pt x="7886" y="94"/>
+                </a:cubicBezTo>
+                <a:cubicBezTo>
+                  <a:pt x="7859" y="0"/>
+                  <a:pt x="7831" y="0"/>
+                  <a:pt x="7803" y="0"/>
+                </a:cubicBezTo>
+                <a:lnTo>
+                  <a:pt x="7275" y="0"/>
+                </a:lnTo>
+                <a:lnTo>
+                  <a:pt x="0" y="70"/>
+                </a:lnTo>
+                <a:cubicBezTo>
+                  <a:pt x="8" y="3380"/>
+                  <a:pt x="17" y="6690"/>
+                  <a:pt x="25" y="10000"/>
+                </a:cubicBezTo>
+                <a:lnTo>
+                  <a:pt x="7275" y="9966"/>
+                </a:lnTo>
+                <a:lnTo>
+                  <a:pt x="7803" y="9966"/>
+                </a:lnTo>
+                <a:cubicBezTo>
+                  <a:pt x="7831" y="9966"/>
+                  <a:pt x="7859" y="9872"/>
+                  <a:pt x="7886" y="9872"/>
+                </a:cubicBezTo>
+                <a:cubicBezTo>
+                  <a:pt x="7886" y="9778"/>
+                  <a:pt x="7915" y="9778"/>
+                  <a:pt x="7915" y="9778"/>
+                </a:cubicBezTo>
+                <a:lnTo>
+                  <a:pt x="9248" y="5265"/>
+                </a:lnTo>
+                <a:cubicBezTo>
+                  <a:pt x="9303" y="5077"/>
+                  <a:pt x="9303" y="4889"/>
+                  <a:pt x="9248" y="4701"/>
+                </a:cubicBezTo>
+                <a:close/>
+              </a:path>
+            </a:pathLst>
+          </a:custGeom>
+          <a:solidFill>
+            <a:schemeClr val="accent1"/>
+          </a:solidFill>
+          <a:ln>
+            <a:noFill/>
+          </a:ln>
+        </p:spPr>
       </p:sp>
       <p:sp>
         <p:nvSpPr>
@@ -2445,7 +4844,7 @@
     </p:spTree>
     <p:extLst>
       <p:ext uri="{BB962C8B-B14F-4D97-AF65-F5344CB8AC3E}">
-        <p14:creationId xmlns:p14="http://schemas.microsoft.com/office/powerpoint/2010/main" val="533429561"/>
+        <p14:creationId xmlns:p14="http://schemas.microsoft.com/office/powerpoint/2010/main" val="3540976214"/>
       </p:ext>
     </p:extLst>
   </p:cSld>
@@ -2474,7 +4873,7 @@
       </p:grpSpPr>
       <p:sp>
         <p:nvSpPr>
-          <p:cNvPr id="8" name="Title 7"/>
+          <p:cNvPr id="2" name="Title 1"/>
           <p:cNvSpPr>
             <a:spLocks noGrp="1"/>
           </p:cNvSpPr>
@@ -2482,10 +4881,21 @@
             <p:ph type="title"/>
           </p:nvPr>
         </p:nvSpPr>
-        <p:spPr/>
-        <p:txBody>
-          <a:bodyPr/>
-          <a:lstStyle/>
+        <p:spPr>
+          <a:xfrm>
+            <a:off x="2589213" y="4800600"/>
+            <a:ext cx="8915400" cy="566738"/>
+          </a:xfrm>
+        </p:spPr>
+        <p:txBody>
+          <a:bodyPr anchor="b">
+            <a:normAutofit/>
+          </a:bodyPr>
+          <a:lstStyle>
+            <a:lvl1pPr algn="l">
+              <a:defRPr sz="2400" b="0"/>
+            </a:lvl1pPr>
+          </a:lstStyle>
           <a:p>
             <a:r>
               <a:rPr lang="en-US"/>
@@ -2507,60 +4917,50 @@
         </p:nvSpPr>
         <p:spPr>
           <a:xfrm>
-            <a:off x="1280160" y="2211494"/>
-            <a:ext cx="6126480" cy="3931920"/>
+            <a:off x="2589212" y="634965"/>
+            <a:ext cx="8915400" cy="3854970"/>
           </a:xfrm>
-          <a:solidFill>
-            <a:schemeClr val="tx2">
-              <a:lumMod val="60000"/>
-              <a:lumOff val="40000"/>
-            </a:schemeClr>
-          </a:solidFill>
         </p:spPr>
         <p:txBody>
-          <a:bodyPr tIns="365760" anchor="t"/>
+          <a:bodyPr anchor="t">
+            <a:normAutofit/>
+          </a:bodyPr>
           <a:lstStyle>
             <a:lvl1pPr marL="0" indent="0" algn="ctr">
               <a:buNone/>
-              <a:defRPr sz="3200">
-                <a:solidFill>
-                  <a:schemeClr val="tx1">
-                    <a:lumMod val="50000"/>
-                  </a:schemeClr>
-                </a:solidFill>
-              </a:defRPr>
+              <a:defRPr sz="1600"/>
             </a:lvl1pPr>
             <a:lvl2pPr marL="457200" indent="0">
               <a:buNone/>
-              <a:defRPr sz="2800"/>
+              <a:defRPr sz="1600"/>
             </a:lvl2pPr>
             <a:lvl3pPr marL="914400" indent="0">
               <a:buNone/>
-              <a:defRPr sz="2400"/>
+              <a:defRPr sz="1600"/>
             </a:lvl3pPr>
             <a:lvl4pPr marL="1371600" indent="0">
               <a:buNone/>
-              <a:defRPr sz="2000"/>
+              <a:defRPr sz="1600"/>
             </a:lvl4pPr>
             <a:lvl5pPr marL="1828800" indent="0">
               <a:buNone/>
-              <a:defRPr sz="2000"/>
+              <a:defRPr sz="1600"/>
             </a:lvl5pPr>
             <a:lvl6pPr marL="2286000" indent="0">
               <a:buNone/>
-              <a:defRPr sz="2000"/>
+              <a:defRPr sz="1600"/>
             </a:lvl6pPr>
             <a:lvl7pPr marL="2743200" indent="0">
               <a:buNone/>
-              <a:defRPr sz="2000"/>
+              <a:defRPr sz="1600"/>
             </a:lvl7pPr>
             <a:lvl8pPr marL="3200400" indent="0">
               <a:buNone/>
-              <a:defRPr sz="2000"/>
+              <a:defRPr sz="1600"/>
             </a:lvl8pPr>
             <a:lvl9pPr marL="3657600" indent="0">
               <a:buNone/>
-              <a:defRPr sz="2000"/>
+              <a:defRPr sz="1600"/>
             </a:lvl9pPr>
           </a:lstStyle>
           <a:p>
@@ -2584,8 +4984,8 @@
         </p:nvSpPr>
         <p:spPr>
           <a:xfrm>
-            <a:off x="7790688" y="2150621"/>
-            <a:ext cx="3200400" cy="3429000"/>
+            <a:off x="2589213" y="5367338"/>
+            <a:ext cx="8915400" cy="493712"/>
           </a:xfrm>
         </p:spPr>
         <p:txBody>
@@ -2594,11 +4994,8 @@
           </a:bodyPr>
           <a:lstStyle>
             <a:lvl1pPr marL="0" indent="0">
-              <a:lnSpc>
-                <a:spcPct val="95000"/>
-              </a:lnSpc>
-              <a:buNone/>
-              <a:defRPr sz="1800"/>
+              <a:buNone/>
+              <a:defRPr sz="1200"/>
             </a:lvl1pPr>
             <a:lvl2pPr marL="457200" indent="0">
               <a:buNone/>
@@ -2659,7 +5056,7 @@
           <a:p>
             <a:fld id="{E8889CCE-19B0-40A4-98A2-DDC4046C21DE}" type="datetimeFigureOut">
               <a:rPr lang="en-US" smtClean="0"/>
-              <a:t>8/2/2019</a:t>
+              <a:t>8/3/2019</a:t>
             </a:fld>
             <a:endParaRPr lang="en-US"/>
           </a:p>
@@ -2686,6 +5083,88 @@
       </p:sp>
       <p:sp>
         <p:nvSpPr>
+          <p:cNvPr id="9" name="Freeform 11"/>
+          <p:cNvSpPr/>
+          <p:nvPr/>
+        </p:nvSpPr>
+        <p:spPr bwMode="auto">
+          <a:xfrm flipV="1">
+            <a:off x="-4189" y="4911725"/>
+            <a:ext cx="1588527" cy="507297"/>
+          </a:xfrm>
+          <a:custGeom>
+            <a:avLst/>
+            <a:gdLst/>
+            <a:ahLst/>
+            <a:cxnLst/>
+            <a:rect l="l" t="t" r="r" b="b"/>
+            <a:pathLst>
+              <a:path w="9248" h="10000">
+                <a:moveTo>
+                  <a:pt x="9248" y="4701"/>
+                </a:moveTo>
+                <a:lnTo>
+                  <a:pt x="7915" y="188"/>
+                </a:lnTo>
+                <a:cubicBezTo>
+                  <a:pt x="7906" y="156"/>
+                  <a:pt x="7895" y="126"/>
+                  <a:pt x="7886" y="94"/>
+                </a:cubicBezTo>
+                <a:cubicBezTo>
+                  <a:pt x="7859" y="0"/>
+                  <a:pt x="7831" y="0"/>
+                  <a:pt x="7803" y="0"/>
+                </a:cubicBezTo>
+                <a:lnTo>
+                  <a:pt x="7275" y="0"/>
+                </a:lnTo>
+                <a:lnTo>
+                  <a:pt x="0" y="70"/>
+                </a:lnTo>
+                <a:cubicBezTo>
+                  <a:pt x="8" y="3380"/>
+                  <a:pt x="17" y="6690"/>
+                  <a:pt x="25" y="10000"/>
+                </a:cubicBezTo>
+                <a:lnTo>
+                  <a:pt x="7275" y="9966"/>
+                </a:lnTo>
+                <a:lnTo>
+                  <a:pt x="7803" y="9966"/>
+                </a:lnTo>
+                <a:cubicBezTo>
+                  <a:pt x="7831" y="9966"/>
+                  <a:pt x="7859" y="9872"/>
+                  <a:pt x="7886" y="9872"/>
+                </a:cubicBezTo>
+                <a:cubicBezTo>
+                  <a:pt x="7886" y="9778"/>
+                  <a:pt x="7915" y="9778"/>
+                  <a:pt x="7915" y="9778"/>
+                </a:cubicBezTo>
+                <a:lnTo>
+                  <a:pt x="9248" y="5265"/>
+                </a:lnTo>
+                <a:cubicBezTo>
+                  <a:pt x="9303" y="5077"/>
+                  <a:pt x="9303" y="4889"/>
+                  <a:pt x="9248" y="4701"/>
+                </a:cubicBezTo>
+                <a:close/>
+              </a:path>
+            </a:pathLst>
+          </a:custGeom>
+          <a:solidFill>
+            <a:schemeClr val="accent1"/>
+          </a:solidFill>
+          <a:ln>
+            <a:noFill/>
+          </a:ln>
+        </p:spPr>
+      </p:sp>
+      <p:sp>
+        <p:nvSpPr>
           <p:cNvPr id="7" name="Slide Number Placeholder 6"/>
           <p:cNvSpPr>
             <a:spLocks noGrp="1"/>
@@ -2694,7 +5173,12 @@
             <p:ph type="sldNum" sz="quarter" idx="12"/>
           </p:nvPr>
         </p:nvSpPr>
-        <p:spPr/>
+        <p:spPr>
+          <a:xfrm>
+            <a:off x="531812" y="4983087"/>
+            <a:ext cx="779767" cy="365125"/>
+          </a:xfrm>
+        </p:spPr>
         <p:txBody>
           <a:bodyPr/>
           <a:lstStyle/>
@@ -2710,7 +5194,7 @@
     </p:spTree>
     <p:extLst>
       <p:ext uri="{BB962C8B-B14F-4D97-AF65-F5344CB8AC3E}">
-        <p14:creationId xmlns:p14="http://schemas.microsoft.com/office/powerpoint/2010/main" val="2267403857"/>
+        <p14:creationId xmlns:p14="http://schemas.microsoft.com/office/powerpoint/2010/main" val="2564478295"/>
       </p:ext>
     </p:extLst>
   </p:cSld>
@@ -2724,7 +5208,7 @@
 <p:sldMaster xmlns:a="http://schemas.openxmlformats.org/drawingml/2006/main" xmlns:r="http://schemas.openxmlformats.org/officeDocument/2006/relationships" xmlns:p="http://schemas.openxmlformats.org/presentationml/2006/main">
   <p:cSld>
     <p:bg>
-      <p:bgRef idx="1001">
+      <p:bgRef idx="1003">
         <a:schemeClr val="bg2"/>
       </p:bgRef>
     </p:bg>
@@ -2742,6 +5226,1786 @@
           <a:chExt cx="0" cy="0"/>
         </a:xfrm>
       </p:grpSpPr>
+      <p:grpSp>
+        <p:nvGrpSpPr>
+          <p:cNvPr id="23" name="Group 22"/>
+          <p:cNvGrpSpPr/>
+          <p:nvPr/>
+        </p:nvGrpSpPr>
+        <p:grpSpPr>
+          <a:xfrm>
+            <a:off x="1" y="228600"/>
+            <a:ext cx="2851516" cy="6638628"/>
+            <a:chOff x="2487613" y="285750"/>
+            <a:chExt cx="2428875" cy="5654676"/>
+          </a:xfrm>
+        </p:grpSpPr>
+        <p:sp>
+          <p:nvSpPr>
+            <p:cNvPr id="24" name="Freeform 11"/>
+            <p:cNvSpPr/>
+            <p:nvPr/>
+          </p:nvSpPr>
+          <p:spPr bwMode="auto">
+            <a:xfrm>
+              <a:off x="2487613" y="2284413"/>
+              <a:ext cx="85725" cy="533400"/>
+            </a:xfrm>
+            <a:custGeom>
+              <a:avLst/>
+              <a:gdLst/>
+              <a:ahLst/>
+              <a:cxnLst/>
+              <a:rect l="0" t="0" r="r" b="b"/>
+              <a:pathLst>
+                <a:path w="22" h="136">
+                  <a:moveTo>
+                    <a:pt x="22" y="136"/>
+                  </a:moveTo>
+                  <a:cubicBezTo>
+                    <a:pt x="20" y="117"/>
+                    <a:pt x="19" y="99"/>
+                    <a:pt x="17" y="80"/>
+                  </a:cubicBezTo>
+                  <a:cubicBezTo>
+                    <a:pt x="11" y="54"/>
+                    <a:pt x="6" y="27"/>
+                    <a:pt x="0" y="0"/>
+                  </a:cubicBezTo>
+                  <a:cubicBezTo>
+                    <a:pt x="0" y="35"/>
+                    <a:pt x="0" y="35"/>
+                    <a:pt x="0" y="35"/>
+                  </a:cubicBezTo>
+                  <a:cubicBezTo>
+                    <a:pt x="6" y="64"/>
+                    <a:pt x="13" y="94"/>
+                    <a:pt x="20" y="124"/>
+                  </a:cubicBezTo>
+                  <a:cubicBezTo>
+                    <a:pt x="20" y="128"/>
+                    <a:pt x="21" y="132"/>
+                    <a:pt x="22" y="136"/>
+                  </a:cubicBezTo>
+                  <a:close/>
+                </a:path>
+              </a:pathLst>
+            </a:custGeom>
+            <a:solidFill>
+              <a:schemeClr val="tx2">
+                <a:alpha val="20000"/>
+              </a:schemeClr>
+            </a:solidFill>
+            <a:ln>
+              <a:noFill/>
+            </a:ln>
+          </p:spPr>
+        </p:sp>
+        <p:sp>
+          <p:nvSpPr>
+            <p:cNvPr id="25" name="Freeform 12"/>
+            <p:cNvSpPr/>
+            <p:nvPr/>
+          </p:nvSpPr>
+          <p:spPr bwMode="auto">
+            <a:xfrm>
+              <a:off x="2597151" y="2779713"/>
+              <a:ext cx="550863" cy="1978025"/>
+            </a:xfrm>
+            <a:custGeom>
+              <a:avLst/>
+              <a:gdLst/>
+              <a:ahLst/>
+              <a:cxnLst/>
+              <a:rect l="0" t="0" r="r" b="b"/>
+              <a:pathLst>
+                <a:path w="140" h="504">
+                  <a:moveTo>
+                    <a:pt x="86" y="350"/>
+                  </a:moveTo>
+                  <a:cubicBezTo>
+                    <a:pt x="103" y="402"/>
+                    <a:pt x="120" y="453"/>
+                    <a:pt x="139" y="504"/>
+                  </a:cubicBezTo>
+                  <a:cubicBezTo>
+                    <a:pt x="139" y="495"/>
+                    <a:pt x="139" y="487"/>
+                    <a:pt x="140" y="478"/>
+                  </a:cubicBezTo>
+                  <a:cubicBezTo>
+                    <a:pt x="124" y="435"/>
+                    <a:pt x="109" y="391"/>
+                    <a:pt x="95" y="347"/>
+                  </a:cubicBezTo>
+                  <a:cubicBezTo>
+                    <a:pt x="58" y="233"/>
+                    <a:pt x="27" y="117"/>
+                    <a:pt x="0" y="0"/>
+                  </a:cubicBezTo>
+                  <a:cubicBezTo>
+                    <a:pt x="2" y="20"/>
+                    <a:pt x="4" y="41"/>
+                    <a:pt x="6" y="61"/>
+                  </a:cubicBezTo>
+                  <a:cubicBezTo>
+                    <a:pt x="30" y="158"/>
+                    <a:pt x="56" y="255"/>
+                    <a:pt x="86" y="350"/>
+                  </a:cubicBezTo>
+                  <a:close/>
+                </a:path>
+              </a:pathLst>
+            </a:custGeom>
+            <a:solidFill>
+              <a:schemeClr val="tx2">
+                <a:alpha val="20000"/>
+              </a:schemeClr>
+            </a:solidFill>
+            <a:ln>
+              <a:noFill/>
+            </a:ln>
+          </p:spPr>
+        </p:sp>
+        <p:sp>
+          <p:nvSpPr>
+            <p:cNvPr id="26" name="Freeform 13"/>
+            <p:cNvSpPr/>
+            <p:nvPr/>
+          </p:nvSpPr>
+          <p:spPr bwMode="auto">
+            <a:xfrm>
+              <a:off x="3175001" y="4730750"/>
+              <a:ext cx="519113" cy="1209675"/>
+            </a:xfrm>
+            <a:custGeom>
+              <a:avLst/>
+              <a:gdLst/>
+              <a:ahLst/>
+              <a:cxnLst/>
+              <a:rect l="0" t="0" r="r" b="b"/>
+              <a:pathLst>
+                <a:path w="132" h="308">
+                  <a:moveTo>
+                    <a:pt x="8" y="22"/>
+                  </a:moveTo>
+                  <a:cubicBezTo>
+                    <a:pt x="5" y="15"/>
+                    <a:pt x="2" y="8"/>
+                    <a:pt x="0" y="0"/>
+                  </a:cubicBezTo>
+                  <a:cubicBezTo>
+                    <a:pt x="0" y="10"/>
+                    <a:pt x="0" y="19"/>
+                    <a:pt x="0" y="29"/>
+                  </a:cubicBezTo>
+                  <a:cubicBezTo>
+                    <a:pt x="21" y="85"/>
+                    <a:pt x="44" y="140"/>
+                    <a:pt x="68" y="194"/>
+                  </a:cubicBezTo>
+                  <a:cubicBezTo>
+                    <a:pt x="85" y="232"/>
+                    <a:pt x="104" y="270"/>
+                    <a:pt x="123" y="308"/>
+                  </a:cubicBezTo>
+                  <a:cubicBezTo>
+                    <a:pt x="132" y="308"/>
+                    <a:pt x="132" y="308"/>
+                    <a:pt x="132" y="308"/>
+                  </a:cubicBezTo>
+                  <a:cubicBezTo>
+                    <a:pt x="113" y="269"/>
+                    <a:pt x="94" y="230"/>
+                    <a:pt x="77" y="190"/>
+                  </a:cubicBezTo>
+                  <a:cubicBezTo>
+                    <a:pt x="52" y="135"/>
+                    <a:pt x="29" y="79"/>
+                    <a:pt x="8" y="22"/>
+                  </a:cubicBezTo>
+                  <a:close/>
+                </a:path>
+              </a:pathLst>
+            </a:custGeom>
+            <a:solidFill>
+              <a:schemeClr val="tx2">
+                <a:alpha val="20000"/>
+              </a:schemeClr>
+            </a:solidFill>
+            <a:ln>
+              <a:noFill/>
+            </a:ln>
+          </p:spPr>
+        </p:sp>
+        <p:sp>
+          <p:nvSpPr>
+            <p:cNvPr id="27" name="Freeform 14"/>
+            <p:cNvSpPr/>
+            <p:nvPr/>
+          </p:nvSpPr>
+          <p:spPr bwMode="auto">
+            <a:xfrm>
+              <a:off x="3305176" y="5630863"/>
+              <a:ext cx="146050" cy="309563"/>
+            </a:xfrm>
+            <a:custGeom>
+              <a:avLst/>
+              <a:gdLst/>
+              <a:ahLst/>
+              <a:cxnLst/>
+              <a:rect l="0" t="0" r="r" b="b"/>
+              <a:pathLst>
+                <a:path w="37" h="79">
+                  <a:moveTo>
+                    <a:pt x="28" y="79"/>
+                  </a:moveTo>
+                  <a:cubicBezTo>
+                    <a:pt x="37" y="79"/>
+                    <a:pt x="37" y="79"/>
+                    <a:pt x="37" y="79"/>
+                  </a:cubicBezTo>
+                  <a:cubicBezTo>
+                    <a:pt x="24" y="53"/>
+                    <a:pt x="12" y="27"/>
+                    <a:pt x="0" y="0"/>
+                  </a:cubicBezTo>
+                  <a:cubicBezTo>
+                    <a:pt x="8" y="27"/>
+                    <a:pt x="17" y="53"/>
+                    <a:pt x="28" y="79"/>
+                  </a:cubicBezTo>
+                  <a:close/>
+                </a:path>
+              </a:pathLst>
+            </a:custGeom>
+            <a:solidFill>
+              <a:schemeClr val="tx2">
+                <a:alpha val="20000"/>
+              </a:schemeClr>
+            </a:solidFill>
+            <a:ln>
+              <a:noFill/>
+            </a:ln>
+          </p:spPr>
+        </p:sp>
+        <p:sp>
+          <p:nvSpPr>
+            <p:cNvPr id="28" name="Freeform 15"/>
+            <p:cNvSpPr/>
+            <p:nvPr/>
+          </p:nvSpPr>
+          <p:spPr bwMode="auto">
+            <a:xfrm>
+              <a:off x="2573338" y="2817813"/>
+              <a:ext cx="700088" cy="2835275"/>
+            </a:xfrm>
+            <a:custGeom>
+              <a:avLst/>
+              <a:gdLst/>
+              <a:ahLst/>
+              <a:cxnLst/>
+              <a:rect l="0" t="0" r="r" b="b"/>
+              <a:pathLst>
+                <a:path w="178" h="722">
+                  <a:moveTo>
+                    <a:pt x="162" y="660"/>
+                  </a:moveTo>
+                  <a:cubicBezTo>
+                    <a:pt x="145" y="618"/>
+                    <a:pt x="130" y="576"/>
+                    <a:pt x="116" y="534"/>
+                  </a:cubicBezTo>
+                  <a:cubicBezTo>
+                    <a:pt x="84" y="437"/>
+                    <a:pt x="59" y="337"/>
+                    <a:pt x="40" y="236"/>
+                  </a:cubicBezTo>
+                  <a:cubicBezTo>
+                    <a:pt x="29" y="175"/>
+                    <a:pt x="20" y="113"/>
+                    <a:pt x="12" y="51"/>
+                  </a:cubicBezTo>
+                  <a:cubicBezTo>
+                    <a:pt x="8" y="34"/>
+                    <a:pt x="4" y="17"/>
+                    <a:pt x="0" y="0"/>
+                  </a:cubicBezTo>
+                  <a:cubicBezTo>
+                    <a:pt x="8" y="79"/>
+                    <a:pt x="19" y="159"/>
+                    <a:pt x="33" y="237"/>
+                  </a:cubicBezTo>
+                  <a:cubicBezTo>
+                    <a:pt x="51" y="339"/>
+                    <a:pt x="76" y="439"/>
+                    <a:pt x="107" y="537"/>
+                  </a:cubicBezTo>
+                  <a:cubicBezTo>
+                    <a:pt x="123" y="586"/>
+                    <a:pt x="141" y="634"/>
+                    <a:pt x="160" y="681"/>
+                  </a:cubicBezTo>
+                  <a:cubicBezTo>
+                    <a:pt x="166" y="695"/>
+                    <a:pt x="172" y="708"/>
+                    <a:pt x="178" y="722"/>
+                  </a:cubicBezTo>
+                  <a:cubicBezTo>
+                    <a:pt x="176" y="717"/>
+                    <a:pt x="175" y="713"/>
+                    <a:pt x="174" y="708"/>
+                  </a:cubicBezTo>
+                  <a:cubicBezTo>
+                    <a:pt x="169" y="692"/>
+                    <a:pt x="165" y="676"/>
+                    <a:pt x="162" y="660"/>
+                  </a:cubicBezTo>
+                  <a:close/>
+                </a:path>
+              </a:pathLst>
+            </a:custGeom>
+            <a:solidFill>
+              <a:schemeClr val="tx2">
+                <a:alpha val="20000"/>
+              </a:schemeClr>
+            </a:solidFill>
+            <a:ln>
+              <a:noFill/>
+            </a:ln>
+          </p:spPr>
+        </p:sp>
+        <p:sp>
+          <p:nvSpPr>
+            <p:cNvPr id="29" name="Freeform 16"/>
+            <p:cNvSpPr/>
+            <p:nvPr/>
+          </p:nvSpPr>
+          <p:spPr bwMode="auto">
+            <a:xfrm>
+              <a:off x="2506663" y="285750"/>
+              <a:ext cx="90488" cy="2493963"/>
+            </a:xfrm>
+            <a:custGeom>
+              <a:avLst/>
+              <a:gdLst/>
+              <a:ahLst/>
+              <a:cxnLst/>
+              <a:rect l="0" t="0" r="r" b="b"/>
+              <a:pathLst>
+                <a:path w="23" h="635">
+                  <a:moveTo>
+                    <a:pt x="11" y="577"/>
+                  </a:moveTo>
+                  <a:cubicBezTo>
+                    <a:pt x="12" y="581"/>
+                    <a:pt x="12" y="585"/>
+                    <a:pt x="12" y="589"/>
+                  </a:cubicBezTo>
+                  <a:cubicBezTo>
+                    <a:pt x="15" y="603"/>
+                    <a:pt x="19" y="617"/>
+                    <a:pt x="22" y="632"/>
+                  </a:cubicBezTo>
+                  <a:cubicBezTo>
+                    <a:pt x="22" y="633"/>
+                    <a:pt x="22" y="634"/>
+                    <a:pt x="23" y="635"/>
+                  </a:cubicBezTo>
+                  <a:cubicBezTo>
+                    <a:pt x="21" y="615"/>
+                    <a:pt x="19" y="596"/>
+                    <a:pt x="17" y="576"/>
+                  </a:cubicBezTo>
+                  <a:cubicBezTo>
+                    <a:pt x="9" y="474"/>
+                    <a:pt x="5" y="372"/>
+                    <a:pt x="5" y="269"/>
+                  </a:cubicBezTo>
+                  <a:cubicBezTo>
+                    <a:pt x="6" y="179"/>
+                    <a:pt x="9" y="90"/>
+                    <a:pt x="15" y="0"/>
+                  </a:cubicBezTo>
+                  <a:cubicBezTo>
+                    <a:pt x="12" y="0"/>
+                    <a:pt x="12" y="0"/>
+                    <a:pt x="12" y="0"/>
+                  </a:cubicBezTo>
+                  <a:cubicBezTo>
+                    <a:pt x="5" y="89"/>
+                    <a:pt x="2" y="179"/>
+                    <a:pt x="1" y="269"/>
+                  </a:cubicBezTo>
+                  <a:cubicBezTo>
+                    <a:pt x="0" y="372"/>
+                    <a:pt x="3" y="474"/>
+                    <a:pt x="11" y="577"/>
+                  </a:cubicBezTo>
+                  <a:close/>
+                </a:path>
+              </a:pathLst>
+            </a:custGeom>
+            <a:solidFill>
+              <a:schemeClr val="tx2">
+                <a:alpha val="20000"/>
+              </a:schemeClr>
+            </a:solidFill>
+            <a:ln>
+              <a:noFill/>
+            </a:ln>
+          </p:spPr>
+        </p:sp>
+        <p:sp>
+          <p:nvSpPr>
+            <p:cNvPr id="30" name="Freeform 17"/>
+            <p:cNvSpPr/>
+            <p:nvPr/>
+          </p:nvSpPr>
+          <p:spPr bwMode="auto">
+            <a:xfrm>
+              <a:off x="2554288" y="2598738"/>
+              <a:ext cx="66675" cy="420688"/>
+            </a:xfrm>
+            <a:custGeom>
+              <a:avLst/>
+              <a:gdLst/>
+              <a:ahLst/>
+              <a:cxnLst/>
+              <a:rect l="0" t="0" r="r" b="b"/>
+              <a:pathLst>
+                <a:path w="17" h="107">
+                  <a:moveTo>
+                    <a:pt x="0" y="0"/>
+                  </a:moveTo>
+                  <a:cubicBezTo>
+                    <a:pt x="2" y="19"/>
+                    <a:pt x="3" y="37"/>
+                    <a:pt x="5" y="56"/>
+                  </a:cubicBezTo>
+                  <a:cubicBezTo>
+                    <a:pt x="9" y="73"/>
+                    <a:pt x="13" y="90"/>
+                    <a:pt x="17" y="107"/>
+                  </a:cubicBezTo>
+                  <a:cubicBezTo>
+                    <a:pt x="15" y="87"/>
+                    <a:pt x="13" y="66"/>
+                    <a:pt x="11" y="46"/>
+                  </a:cubicBezTo>
+                  <a:cubicBezTo>
+                    <a:pt x="10" y="45"/>
+                    <a:pt x="10" y="44"/>
+                    <a:pt x="10" y="43"/>
+                  </a:cubicBezTo>
+                  <a:cubicBezTo>
+                    <a:pt x="7" y="28"/>
+                    <a:pt x="3" y="14"/>
+                    <a:pt x="0" y="0"/>
+                  </a:cubicBezTo>
+                  <a:close/>
+                </a:path>
+              </a:pathLst>
+            </a:custGeom>
+            <a:solidFill>
+              <a:schemeClr val="tx2">
+                <a:alpha val="20000"/>
+              </a:schemeClr>
+            </a:solidFill>
+            <a:ln>
+              <a:noFill/>
+            </a:ln>
+          </p:spPr>
+        </p:sp>
+        <p:sp>
+          <p:nvSpPr>
+            <p:cNvPr id="31" name="Freeform 18"/>
+            <p:cNvSpPr/>
+            <p:nvPr/>
+          </p:nvSpPr>
+          <p:spPr bwMode="auto">
+            <a:xfrm>
+              <a:off x="3143251" y="4757738"/>
+              <a:ext cx="161925" cy="873125"/>
+            </a:xfrm>
+            <a:custGeom>
+              <a:avLst/>
+              <a:gdLst/>
+              <a:ahLst/>
+              <a:cxnLst/>
+              <a:rect l="0" t="0" r="r" b="b"/>
+              <a:pathLst>
+                <a:path w="41" h="222">
+                  <a:moveTo>
+                    <a:pt x="0" y="0"/>
+                  </a:moveTo>
+                  <a:cubicBezTo>
+                    <a:pt x="0" y="31"/>
+                    <a:pt x="2" y="62"/>
+                    <a:pt x="5" y="93"/>
+                  </a:cubicBezTo>
+                  <a:cubicBezTo>
+                    <a:pt x="8" y="117"/>
+                    <a:pt x="12" y="142"/>
+                    <a:pt x="17" y="166"/>
+                  </a:cubicBezTo>
+                  <a:cubicBezTo>
+                    <a:pt x="19" y="172"/>
+                    <a:pt x="22" y="178"/>
+                    <a:pt x="24" y="184"/>
+                  </a:cubicBezTo>
+                  <a:cubicBezTo>
+                    <a:pt x="30" y="197"/>
+                    <a:pt x="35" y="209"/>
+                    <a:pt x="41" y="222"/>
+                  </a:cubicBezTo>
+                  <a:cubicBezTo>
+                    <a:pt x="40" y="219"/>
+                    <a:pt x="39" y="215"/>
+                    <a:pt x="38" y="212"/>
+                  </a:cubicBezTo>
+                  <a:cubicBezTo>
+                    <a:pt x="26" y="172"/>
+                    <a:pt x="18" y="132"/>
+                    <a:pt x="13" y="92"/>
+                  </a:cubicBezTo>
+                  <a:cubicBezTo>
+                    <a:pt x="11" y="68"/>
+                    <a:pt x="9" y="45"/>
+                    <a:pt x="8" y="22"/>
+                  </a:cubicBezTo>
+                  <a:cubicBezTo>
+                    <a:pt x="8" y="21"/>
+                    <a:pt x="7" y="20"/>
+                    <a:pt x="7" y="18"/>
+                  </a:cubicBezTo>
+                  <a:cubicBezTo>
+                    <a:pt x="5" y="12"/>
+                    <a:pt x="2" y="6"/>
+                    <a:pt x="0" y="0"/>
+                  </a:cubicBezTo>
+                  <a:close/>
+                </a:path>
+              </a:pathLst>
+            </a:custGeom>
+            <a:solidFill>
+              <a:schemeClr val="tx2">
+                <a:alpha val="20000"/>
+              </a:schemeClr>
+            </a:solidFill>
+            <a:ln>
+              <a:noFill/>
+            </a:ln>
+          </p:spPr>
+        </p:sp>
+        <p:sp>
+          <p:nvSpPr>
+            <p:cNvPr id="32" name="Freeform 19"/>
+            <p:cNvSpPr/>
+            <p:nvPr/>
+          </p:nvSpPr>
+          <p:spPr bwMode="auto">
+            <a:xfrm>
+              <a:off x="3148013" y="1282700"/>
+              <a:ext cx="1768475" cy="3448050"/>
+            </a:xfrm>
+            <a:custGeom>
+              <a:avLst/>
+              <a:gdLst/>
+              <a:ahLst/>
+              <a:cxnLst/>
+              <a:rect l="0" t="0" r="r" b="b"/>
+              <a:pathLst>
+                <a:path w="450" h="878">
+                  <a:moveTo>
+                    <a:pt x="7" y="854"/>
+                  </a:moveTo>
+                  <a:cubicBezTo>
+                    <a:pt x="10" y="772"/>
+                    <a:pt x="26" y="691"/>
+                    <a:pt x="50" y="613"/>
+                  </a:cubicBezTo>
+                  <a:cubicBezTo>
+                    <a:pt x="75" y="535"/>
+                    <a:pt x="109" y="460"/>
+                    <a:pt x="149" y="388"/>
+                  </a:cubicBezTo>
+                  <a:cubicBezTo>
+                    <a:pt x="189" y="316"/>
+                    <a:pt x="235" y="248"/>
+                    <a:pt x="285" y="183"/>
+                  </a:cubicBezTo>
+                  <a:cubicBezTo>
+                    <a:pt x="310" y="151"/>
+                    <a:pt x="337" y="119"/>
+                    <a:pt x="364" y="89"/>
+                  </a:cubicBezTo>
+                  <a:cubicBezTo>
+                    <a:pt x="378" y="74"/>
+                    <a:pt x="392" y="58"/>
+                    <a:pt x="406" y="44"/>
+                  </a:cubicBezTo>
+                  <a:cubicBezTo>
+                    <a:pt x="421" y="29"/>
+                    <a:pt x="435" y="15"/>
+                    <a:pt x="450" y="1"/>
+                  </a:cubicBezTo>
+                  <a:cubicBezTo>
+                    <a:pt x="450" y="0"/>
+                    <a:pt x="450" y="0"/>
+                    <a:pt x="450" y="0"/>
+                  </a:cubicBezTo>
+                  <a:cubicBezTo>
+                    <a:pt x="434" y="14"/>
+                    <a:pt x="420" y="28"/>
+                    <a:pt x="405" y="43"/>
+                  </a:cubicBezTo>
+                  <a:cubicBezTo>
+                    <a:pt x="391" y="57"/>
+                    <a:pt x="377" y="72"/>
+                    <a:pt x="363" y="88"/>
+                  </a:cubicBezTo>
+                  <a:cubicBezTo>
+                    <a:pt x="335" y="118"/>
+                    <a:pt x="308" y="149"/>
+                    <a:pt x="283" y="181"/>
+                  </a:cubicBezTo>
+                  <a:cubicBezTo>
+                    <a:pt x="232" y="246"/>
+                    <a:pt x="185" y="314"/>
+                    <a:pt x="145" y="386"/>
+                  </a:cubicBezTo>
+                  <a:cubicBezTo>
+                    <a:pt x="104" y="457"/>
+                    <a:pt x="70" y="533"/>
+                    <a:pt x="45" y="611"/>
+                  </a:cubicBezTo>
+                  <a:cubicBezTo>
+                    <a:pt x="19" y="690"/>
+                    <a:pt x="3" y="771"/>
+                    <a:pt x="0" y="854"/>
+                  </a:cubicBezTo>
+                  <a:cubicBezTo>
+                    <a:pt x="0" y="856"/>
+                    <a:pt x="0" y="857"/>
+                    <a:pt x="0" y="859"/>
+                  </a:cubicBezTo>
+                  <a:cubicBezTo>
+                    <a:pt x="2" y="865"/>
+                    <a:pt x="4" y="872"/>
+                    <a:pt x="7" y="878"/>
+                  </a:cubicBezTo>
+                  <a:cubicBezTo>
+                    <a:pt x="7" y="870"/>
+                    <a:pt x="7" y="862"/>
+                    <a:pt x="7" y="854"/>
+                  </a:cubicBezTo>
+                  <a:close/>
+                </a:path>
+              </a:pathLst>
+            </a:custGeom>
+            <a:solidFill>
+              <a:schemeClr val="tx2">
+                <a:alpha val="20000"/>
+              </a:schemeClr>
+            </a:solidFill>
+            <a:ln>
+              <a:noFill/>
+            </a:ln>
+          </p:spPr>
+        </p:sp>
+        <p:sp>
+          <p:nvSpPr>
+            <p:cNvPr id="33" name="Freeform 20"/>
+            <p:cNvSpPr/>
+            <p:nvPr/>
+          </p:nvSpPr>
+          <p:spPr bwMode="auto">
+            <a:xfrm>
+              <a:off x="3273426" y="5653088"/>
+              <a:ext cx="138113" cy="287338"/>
+            </a:xfrm>
+            <a:custGeom>
+              <a:avLst/>
+              <a:gdLst/>
+              <a:ahLst/>
+              <a:cxnLst/>
+              <a:rect l="0" t="0" r="r" b="b"/>
+              <a:pathLst>
+                <a:path w="35" h="73">
+                  <a:moveTo>
+                    <a:pt x="0" y="0"/>
+                  </a:moveTo>
+                  <a:cubicBezTo>
+                    <a:pt x="7" y="24"/>
+                    <a:pt x="16" y="49"/>
+                    <a:pt x="26" y="73"/>
+                  </a:cubicBezTo>
+                  <a:cubicBezTo>
+                    <a:pt x="35" y="73"/>
+                    <a:pt x="35" y="73"/>
+                    <a:pt x="35" y="73"/>
+                  </a:cubicBezTo>
+                  <a:cubicBezTo>
+                    <a:pt x="23" y="49"/>
+                    <a:pt x="11" y="24"/>
+                    <a:pt x="0" y="0"/>
+                  </a:cubicBezTo>
+                  <a:close/>
+                </a:path>
+              </a:pathLst>
+            </a:custGeom>
+            <a:solidFill>
+              <a:schemeClr val="tx2">
+                <a:alpha val="20000"/>
+              </a:schemeClr>
+            </a:solidFill>
+            <a:ln>
+              <a:noFill/>
+            </a:ln>
+          </p:spPr>
+        </p:sp>
+        <p:sp>
+          <p:nvSpPr>
+            <p:cNvPr id="34" name="Freeform 21"/>
+            <p:cNvSpPr/>
+            <p:nvPr/>
+          </p:nvSpPr>
+          <p:spPr bwMode="auto">
+            <a:xfrm>
+              <a:off x="3143251" y="4656138"/>
+              <a:ext cx="31750" cy="188913"/>
+            </a:xfrm>
+            <a:custGeom>
+              <a:avLst/>
+              <a:gdLst/>
+              <a:ahLst/>
+              <a:cxnLst/>
+              <a:rect l="0" t="0" r="r" b="b"/>
+              <a:pathLst>
+                <a:path w="8" h="48">
+                  <a:moveTo>
+                    <a:pt x="7" y="44"/>
+                  </a:moveTo>
+                  <a:cubicBezTo>
+                    <a:pt x="7" y="46"/>
+                    <a:pt x="8" y="47"/>
+                    <a:pt x="8" y="48"/>
+                  </a:cubicBezTo>
+                  <a:cubicBezTo>
+                    <a:pt x="8" y="38"/>
+                    <a:pt x="8" y="29"/>
+                    <a:pt x="8" y="19"/>
+                  </a:cubicBezTo>
+                  <a:cubicBezTo>
+                    <a:pt x="5" y="13"/>
+                    <a:pt x="3" y="6"/>
+                    <a:pt x="1" y="0"/>
+                  </a:cubicBezTo>
+                  <a:cubicBezTo>
+                    <a:pt x="0" y="9"/>
+                    <a:pt x="0" y="17"/>
+                    <a:pt x="0" y="26"/>
+                  </a:cubicBezTo>
+                  <a:cubicBezTo>
+                    <a:pt x="2" y="32"/>
+                    <a:pt x="5" y="38"/>
+                    <a:pt x="7" y="44"/>
+                  </a:cubicBezTo>
+                  <a:close/>
+                </a:path>
+              </a:pathLst>
+            </a:custGeom>
+            <a:solidFill>
+              <a:schemeClr val="tx2">
+                <a:alpha val="20000"/>
+              </a:schemeClr>
+            </a:solidFill>
+            <a:ln>
+              <a:noFill/>
+            </a:ln>
+          </p:spPr>
+        </p:sp>
+        <p:sp>
+          <p:nvSpPr>
+            <p:cNvPr id="35" name="Freeform 22"/>
+            <p:cNvSpPr/>
+            <p:nvPr/>
+          </p:nvSpPr>
+          <p:spPr bwMode="auto">
+            <a:xfrm>
+              <a:off x="3211513" y="5410200"/>
+              <a:ext cx="203200" cy="530225"/>
+            </a:xfrm>
+            <a:custGeom>
+              <a:avLst/>
+              <a:gdLst/>
+              <a:ahLst/>
+              <a:cxnLst/>
+              <a:rect l="0" t="0" r="r" b="b"/>
+              <a:pathLst>
+                <a:path w="52" h="135">
+                  <a:moveTo>
+                    <a:pt x="7" y="18"/>
+                  </a:moveTo>
+                  <a:cubicBezTo>
+                    <a:pt x="5" y="12"/>
+                    <a:pt x="2" y="6"/>
+                    <a:pt x="0" y="0"/>
+                  </a:cubicBezTo>
+                  <a:cubicBezTo>
+                    <a:pt x="3" y="16"/>
+                    <a:pt x="7" y="32"/>
+                    <a:pt x="12" y="48"/>
+                  </a:cubicBezTo>
+                  <a:cubicBezTo>
+                    <a:pt x="13" y="53"/>
+                    <a:pt x="14" y="57"/>
+                    <a:pt x="16" y="62"/>
+                  </a:cubicBezTo>
+                  <a:cubicBezTo>
+                    <a:pt x="27" y="86"/>
+                    <a:pt x="39" y="111"/>
+                    <a:pt x="51" y="135"/>
+                  </a:cubicBezTo>
+                  <a:cubicBezTo>
+                    <a:pt x="52" y="135"/>
+                    <a:pt x="52" y="135"/>
+                    <a:pt x="52" y="135"/>
+                  </a:cubicBezTo>
+                  <a:cubicBezTo>
+                    <a:pt x="41" y="109"/>
+                    <a:pt x="32" y="83"/>
+                    <a:pt x="24" y="56"/>
+                  </a:cubicBezTo>
+                  <a:cubicBezTo>
+                    <a:pt x="18" y="43"/>
+                    <a:pt x="13" y="31"/>
+                    <a:pt x="7" y="18"/>
+                  </a:cubicBezTo>
+                  <a:close/>
+                </a:path>
+              </a:pathLst>
+            </a:custGeom>
+            <a:solidFill>
+              <a:schemeClr val="tx2">
+                <a:alpha val="20000"/>
+              </a:schemeClr>
+            </a:solidFill>
+            <a:ln>
+              <a:noFill/>
+            </a:ln>
+          </p:spPr>
+        </p:sp>
+      </p:grpSp>
+      <p:grpSp>
+        <p:nvGrpSpPr>
+          <p:cNvPr id="10" name="Group 9"/>
+          <p:cNvGrpSpPr/>
+          <p:nvPr/>
+        </p:nvGrpSpPr>
+        <p:grpSpPr>
+          <a:xfrm>
+            <a:off x="27221" y="-786"/>
+            <a:ext cx="2356674" cy="6854039"/>
+            <a:chOff x="6627813" y="194833"/>
+            <a:chExt cx="1952625" cy="5678918"/>
+          </a:xfrm>
+        </p:grpSpPr>
+        <p:sp>
+          <p:nvSpPr>
+            <p:cNvPr id="11" name="Freeform 27"/>
+            <p:cNvSpPr/>
+            <p:nvPr/>
+          </p:nvSpPr>
+          <p:spPr bwMode="auto">
+            <a:xfrm>
+              <a:off x="6627813" y="194833"/>
+              <a:ext cx="409575" cy="3646488"/>
+            </a:xfrm>
+            <a:custGeom>
+              <a:avLst/>
+              <a:gdLst/>
+              <a:ahLst/>
+              <a:cxnLst/>
+              <a:rect l="0" t="0" r="r" b="b"/>
+              <a:pathLst>
+                <a:path w="103" h="920">
+                  <a:moveTo>
+                    <a:pt x="7" y="210"/>
+                  </a:moveTo>
+                  <a:cubicBezTo>
+                    <a:pt x="11" y="288"/>
+                    <a:pt x="17" y="367"/>
+                    <a:pt x="26" y="445"/>
+                  </a:cubicBezTo>
+                  <a:cubicBezTo>
+                    <a:pt x="34" y="523"/>
+                    <a:pt x="44" y="601"/>
+                    <a:pt x="57" y="679"/>
+                  </a:cubicBezTo>
+                  <a:cubicBezTo>
+                    <a:pt x="69" y="757"/>
+                    <a:pt x="84" y="834"/>
+                    <a:pt x="101" y="911"/>
+                  </a:cubicBezTo>
+                  <a:cubicBezTo>
+                    <a:pt x="102" y="914"/>
+                    <a:pt x="103" y="917"/>
+                    <a:pt x="103" y="920"/>
+                  </a:cubicBezTo>
+                  <a:cubicBezTo>
+                    <a:pt x="102" y="905"/>
+                    <a:pt x="100" y="889"/>
+                    <a:pt x="99" y="874"/>
+                  </a:cubicBezTo>
+                  <a:cubicBezTo>
+                    <a:pt x="99" y="871"/>
+                    <a:pt x="99" y="868"/>
+                    <a:pt x="99" y="866"/>
+                  </a:cubicBezTo>
+                  <a:cubicBezTo>
+                    <a:pt x="85" y="803"/>
+                    <a:pt x="73" y="741"/>
+                    <a:pt x="63" y="678"/>
+                  </a:cubicBezTo>
+                  <a:cubicBezTo>
+                    <a:pt x="50" y="600"/>
+                    <a:pt x="39" y="523"/>
+                    <a:pt x="30" y="444"/>
+                  </a:cubicBezTo>
+                  <a:cubicBezTo>
+                    <a:pt x="21" y="366"/>
+                    <a:pt x="14" y="288"/>
+                    <a:pt x="9" y="209"/>
+                  </a:cubicBezTo>
+                  <a:cubicBezTo>
+                    <a:pt x="7" y="170"/>
+                    <a:pt x="5" y="131"/>
+                    <a:pt x="3" y="92"/>
+                  </a:cubicBezTo>
+                  <a:cubicBezTo>
+                    <a:pt x="2" y="61"/>
+                    <a:pt x="1" y="31"/>
+                    <a:pt x="1" y="0"/>
+                  </a:cubicBezTo>
+                  <a:cubicBezTo>
+                    <a:pt x="0" y="0"/>
+                    <a:pt x="0" y="0"/>
+                    <a:pt x="0" y="0"/>
+                  </a:cubicBezTo>
+                  <a:cubicBezTo>
+                    <a:pt x="0" y="31"/>
+                    <a:pt x="1" y="61"/>
+                    <a:pt x="1" y="92"/>
+                  </a:cubicBezTo>
+                  <a:cubicBezTo>
+                    <a:pt x="3" y="131"/>
+                    <a:pt x="4" y="170"/>
+                    <a:pt x="7" y="210"/>
+                  </a:cubicBezTo>
+                  <a:close/>
+                </a:path>
+              </a:pathLst>
+            </a:custGeom>
+            <a:solidFill>
+              <a:schemeClr val="tx2"/>
+            </a:solidFill>
+            <a:ln>
+              <a:noFill/>
+            </a:ln>
+          </p:spPr>
+        </p:sp>
+        <p:sp>
+          <p:nvSpPr>
+            <p:cNvPr id="12" name="Freeform 28"/>
+            <p:cNvSpPr/>
+            <p:nvPr/>
+          </p:nvSpPr>
+          <p:spPr bwMode="auto">
+            <a:xfrm>
+              <a:off x="7061201" y="3771900"/>
+              <a:ext cx="350838" cy="1309688"/>
+            </a:xfrm>
+            <a:custGeom>
+              <a:avLst/>
+              <a:gdLst/>
+              <a:ahLst/>
+              <a:cxnLst/>
+              <a:rect l="0" t="0" r="r" b="b"/>
+              <a:pathLst>
+                <a:path w="88" h="330">
+                  <a:moveTo>
+                    <a:pt x="53" y="229"/>
+                  </a:moveTo>
+                  <a:cubicBezTo>
+                    <a:pt x="64" y="263"/>
+                    <a:pt x="75" y="297"/>
+                    <a:pt x="88" y="330"/>
+                  </a:cubicBezTo>
+                  <a:cubicBezTo>
+                    <a:pt x="88" y="323"/>
+                    <a:pt x="88" y="315"/>
+                    <a:pt x="88" y="308"/>
+                  </a:cubicBezTo>
+                  <a:cubicBezTo>
+                    <a:pt x="88" y="307"/>
+                    <a:pt x="88" y="305"/>
+                    <a:pt x="88" y="304"/>
+                  </a:cubicBezTo>
+                  <a:cubicBezTo>
+                    <a:pt x="79" y="278"/>
+                    <a:pt x="70" y="252"/>
+                    <a:pt x="62" y="226"/>
+                  </a:cubicBezTo>
+                  <a:cubicBezTo>
+                    <a:pt x="38" y="152"/>
+                    <a:pt x="17" y="76"/>
+                    <a:pt x="0" y="0"/>
+                  </a:cubicBezTo>
+                  <a:cubicBezTo>
+                    <a:pt x="2" y="21"/>
+                    <a:pt x="4" y="42"/>
+                    <a:pt x="7" y="63"/>
+                  </a:cubicBezTo>
+                  <a:cubicBezTo>
+                    <a:pt x="21" y="119"/>
+                    <a:pt x="36" y="174"/>
+                    <a:pt x="53" y="229"/>
+                  </a:cubicBezTo>
+                  <a:close/>
+                </a:path>
+              </a:pathLst>
+            </a:custGeom>
+            <a:solidFill>
+              <a:schemeClr val="tx2"/>
+            </a:solidFill>
+            <a:ln>
+              <a:noFill/>
+            </a:ln>
+          </p:spPr>
+        </p:sp>
+        <p:sp>
+          <p:nvSpPr>
+            <p:cNvPr id="13" name="Freeform 29"/>
+            <p:cNvSpPr/>
+            <p:nvPr/>
+          </p:nvSpPr>
+          <p:spPr bwMode="auto">
+            <a:xfrm>
+              <a:off x="7439026" y="5053013"/>
+              <a:ext cx="357188" cy="820738"/>
+            </a:xfrm>
+            <a:custGeom>
+              <a:avLst/>
+              <a:gdLst/>
+              <a:ahLst/>
+              <a:cxnLst/>
+              <a:rect l="0" t="0" r="r" b="b"/>
+              <a:pathLst>
+                <a:path w="90" h="207">
+                  <a:moveTo>
+                    <a:pt x="6" y="15"/>
+                  </a:moveTo>
+                  <a:cubicBezTo>
+                    <a:pt x="4" y="10"/>
+                    <a:pt x="2" y="5"/>
+                    <a:pt x="0" y="0"/>
+                  </a:cubicBezTo>
+                  <a:cubicBezTo>
+                    <a:pt x="0" y="9"/>
+                    <a:pt x="0" y="19"/>
+                    <a:pt x="1" y="29"/>
+                  </a:cubicBezTo>
+                  <a:cubicBezTo>
+                    <a:pt x="14" y="62"/>
+                    <a:pt x="27" y="95"/>
+                    <a:pt x="42" y="127"/>
+                  </a:cubicBezTo>
+                  <a:cubicBezTo>
+                    <a:pt x="54" y="154"/>
+                    <a:pt x="67" y="181"/>
+                    <a:pt x="80" y="207"/>
+                  </a:cubicBezTo>
+                  <a:cubicBezTo>
+                    <a:pt x="90" y="207"/>
+                    <a:pt x="90" y="207"/>
+                    <a:pt x="90" y="207"/>
+                  </a:cubicBezTo>
+                  <a:cubicBezTo>
+                    <a:pt x="76" y="180"/>
+                    <a:pt x="63" y="152"/>
+                    <a:pt x="50" y="123"/>
+                  </a:cubicBezTo>
+                  <a:cubicBezTo>
+                    <a:pt x="34" y="88"/>
+                    <a:pt x="20" y="51"/>
+                    <a:pt x="6" y="15"/>
+                  </a:cubicBezTo>
+                  <a:close/>
+                </a:path>
+              </a:pathLst>
+            </a:custGeom>
+            <a:solidFill>
+              <a:schemeClr val="tx2"/>
+            </a:solidFill>
+            <a:ln>
+              <a:noFill/>
+            </a:ln>
+          </p:spPr>
+        </p:sp>
+        <p:sp>
+          <p:nvSpPr>
+            <p:cNvPr id="14" name="Freeform 30"/>
+            <p:cNvSpPr/>
+            <p:nvPr/>
+          </p:nvSpPr>
+          <p:spPr bwMode="auto">
+            <a:xfrm>
+              <a:off x="7037388" y="3811588"/>
+              <a:ext cx="457200" cy="1852613"/>
+            </a:xfrm>
+            <a:custGeom>
+              <a:avLst/>
+              <a:gdLst/>
+              <a:ahLst/>
+              <a:cxnLst/>
+              <a:rect l="0" t="0" r="r" b="b"/>
+              <a:pathLst>
+                <a:path w="115" h="467">
+                  <a:moveTo>
+                    <a:pt x="101" y="409"/>
+                  </a:moveTo>
+                  <a:cubicBezTo>
+                    <a:pt x="93" y="388"/>
+                    <a:pt x="85" y="366"/>
+                    <a:pt x="78" y="344"/>
+                  </a:cubicBezTo>
+                  <a:cubicBezTo>
+                    <a:pt x="57" y="281"/>
+                    <a:pt x="41" y="216"/>
+                    <a:pt x="29" y="151"/>
+                  </a:cubicBezTo>
+                  <a:cubicBezTo>
+                    <a:pt x="22" y="119"/>
+                    <a:pt x="17" y="86"/>
+                    <a:pt x="13" y="53"/>
+                  </a:cubicBezTo>
+                  <a:cubicBezTo>
+                    <a:pt x="9" y="35"/>
+                    <a:pt x="4" y="18"/>
+                    <a:pt x="0" y="0"/>
+                  </a:cubicBezTo>
+                  <a:cubicBezTo>
+                    <a:pt x="5" y="51"/>
+                    <a:pt x="12" y="102"/>
+                    <a:pt x="21" y="152"/>
+                  </a:cubicBezTo>
+                  <a:cubicBezTo>
+                    <a:pt x="33" y="218"/>
+                    <a:pt x="49" y="283"/>
+                    <a:pt x="69" y="347"/>
+                  </a:cubicBezTo>
+                  <a:cubicBezTo>
+                    <a:pt x="79" y="378"/>
+                    <a:pt x="90" y="410"/>
+                    <a:pt x="103" y="441"/>
+                  </a:cubicBezTo>
+                  <a:cubicBezTo>
+                    <a:pt x="107" y="449"/>
+                    <a:pt x="111" y="458"/>
+                    <a:pt x="115" y="467"/>
+                  </a:cubicBezTo>
+                  <a:cubicBezTo>
+                    <a:pt x="114" y="464"/>
+                    <a:pt x="113" y="461"/>
+                    <a:pt x="112" y="458"/>
+                  </a:cubicBezTo>
+                  <a:cubicBezTo>
+                    <a:pt x="108" y="442"/>
+                    <a:pt x="104" y="425"/>
+                    <a:pt x="101" y="409"/>
+                  </a:cubicBezTo>
+                  <a:close/>
+                </a:path>
+              </a:pathLst>
+            </a:custGeom>
+            <a:solidFill>
+              <a:schemeClr val="tx2"/>
+            </a:solidFill>
+            <a:ln>
+              <a:noFill/>
+            </a:ln>
+          </p:spPr>
+        </p:sp>
+        <p:sp>
+          <p:nvSpPr>
+            <p:cNvPr id="15" name="Freeform 31"/>
+            <p:cNvSpPr/>
+            <p:nvPr/>
+          </p:nvSpPr>
+          <p:spPr bwMode="auto">
+            <a:xfrm>
+              <a:off x="6992938" y="1263650"/>
+              <a:ext cx="144463" cy="2508250"/>
+            </a:xfrm>
+            <a:custGeom>
+              <a:avLst/>
+              <a:gdLst/>
+              <a:ahLst/>
+              <a:cxnLst/>
+              <a:rect l="0" t="0" r="r" b="b"/>
+              <a:pathLst>
+                <a:path w="36" h="633">
+                  <a:moveTo>
+                    <a:pt x="17" y="633"/>
+                  </a:moveTo>
+                  <a:cubicBezTo>
+                    <a:pt x="15" y="621"/>
+                    <a:pt x="14" y="609"/>
+                    <a:pt x="13" y="597"/>
+                  </a:cubicBezTo>
+                  <a:cubicBezTo>
+                    <a:pt x="8" y="530"/>
+                    <a:pt x="5" y="464"/>
+                    <a:pt x="5" y="398"/>
+                  </a:cubicBezTo>
+                  <a:cubicBezTo>
+                    <a:pt x="5" y="331"/>
+                    <a:pt x="8" y="265"/>
+                    <a:pt x="13" y="198"/>
+                  </a:cubicBezTo>
+                  <a:cubicBezTo>
+                    <a:pt x="15" y="165"/>
+                    <a:pt x="18" y="132"/>
+                    <a:pt x="22" y="99"/>
+                  </a:cubicBezTo>
+                  <a:cubicBezTo>
+                    <a:pt x="26" y="66"/>
+                    <a:pt x="30" y="33"/>
+                    <a:pt x="36" y="0"/>
+                  </a:cubicBezTo>
+                  <a:cubicBezTo>
+                    <a:pt x="35" y="0"/>
+                    <a:pt x="35" y="0"/>
+                    <a:pt x="35" y="0"/>
+                  </a:cubicBezTo>
+                  <a:cubicBezTo>
+                    <a:pt x="29" y="33"/>
+                    <a:pt x="24" y="66"/>
+                    <a:pt x="20" y="99"/>
+                  </a:cubicBezTo>
+                  <a:cubicBezTo>
+                    <a:pt x="16" y="132"/>
+                    <a:pt x="13" y="165"/>
+                    <a:pt x="10" y="198"/>
+                  </a:cubicBezTo>
+                  <a:cubicBezTo>
+                    <a:pt x="4" y="264"/>
+                    <a:pt x="1" y="331"/>
+                    <a:pt x="1" y="398"/>
+                  </a:cubicBezTo>
+                  <a:cubicBezTo>
+                    <a:pt x="0" y="461"/>
+                    <a:pt x="2" y="525"/>
+                    <a:pt x="7" y="589"/>
+                  </a:cubicBezTo>
+                  <a:cubicBezTo>
+                    <a:pt x="10" y="603"/>
+                    <a:pt x="13" y="618"/>
+                    <a:pt x="16" y="632"/>
+                  </a:cubicBezTo>
+                  <a:cubicBezTo>
+                    <a:pt x="16" y="632"/>
+                    <a:pt x="17" y="633"/>
+                    <a:pt x="17" y="633"/>
+                  </a:cubicBezTo>
+                  <a:close/>
+                </a:path>
+              </a:pathLst>
+            </a:custGeom>
+            <a:solidFill>
+              <a:schemeClr val="tx2"/>
+            </a:solidFill>
+            <a:ln>
+              <a:noFill/>
+            </a:ln>
+          </p:spPr>
+        </p:sp>
+        <p:sp>
+          <p:nvSpPr>
+            <p:cNvPr id="16" name="Freeform 32"/>
+            <p:cNvSpPr/>
+            <p:nvPr/>
+          </p:nvSpPr>
+          <p:spPr bwMode="auto">
+            <a:xfrm>
+              <a:off x="7526338" y="5640388"/>
+              <a:ext cx="111125" cy="233363"/>
+            </a:xfrm>
+            <a:custGeom>
+              <a:avLst/>
+              <a:gdLst/>
+              <a:ahLst/>
+              <a:cxnLst/>
+              <a:rect l="0" t="0" r="r" b="b"/>
+              <a:pathLst>
+                <a:path w="28" h="59">
+                  <a:moveTo>
+                    <a:pt x="22" y="59"/>
+                  </a:moveTo>
+                  <a:cubicBezTo>
+                    <a:pt x="28" y="59"/>
+                    <a:pt x="28" y="59"/>
+                    <a:pt x="28" y="59"/>
+                  </a:cubicBezTo>
+                  <a:cubicBezTo>
+                    <a:pt x="18" y="40"/>
+                    <a:pt x="9" y="20"/>
+                    <a:pt x="0" y="0"/>
+                  </a:cubicBezTo>
+                  <a:cubicBezTo>
+                    <a:pt x="6" y="20"/>
+                    <a:pt x="13" y="40"/>
+                    <a:pt x="22" y="59"/>
+                  </a:cubicBezTo>
+                  <a:close/>
+                </a:path>
+              </a:pathLst>
+            </a:custGeom>
+            <a:solidFill>
+              <a:schemeClr val="tx2"/>
+            </a:solidFill>
+            <a:ln>
+              <a:noFill/>
+            </a:ln>
+          </p:spPr>
+        </p:sp>
+        <p:sp>
+          <p:nvSpPr>
+            <p:cNvPr id="17" name="Freeform 33"/>
+            <p:cNvSpPr/>
+            <p:nvPr/>
+          </p:nvSpPr>
+          <p:spPr bwMode="auto">
+            <a:xfrm>
+              <a:off x="7021513" y="3598863"/>
+              <a:ext cx="68263" cy="423863"/>
+            </a:xfrm>
+            <a:custGeom>
+              <a:avLst/>
+              <a:gdLst/>
+              <a:ahLst/>
+              <a:cxnLst/>
+              <a:rect l="0" t="0" r="r" b="b"/>
+              <a:pathLst>
+                <a:path w="17" h="107">
+                  <a:moveTo>
+                    <a:pt x="4" y="54"/>
+                  </a:moveTo>
+                  <a:cubicBezTo>
+                    <a:pt x="8" y="72"/>
+                    <a:pt x="13" y="89"/>
+                    <a:pt x="17" y="107"/>
+                  </a:cubicBezTo>
+                  <a:cubicBezTo>
+                    <a:pt x="14" y="86"/>
+                    <a:pt x="12" y="65"/>
+                    <a:pt x="10" y="44"/>
+                  </a:cubicBezTo>
+                  <a:cubicBezTo>
+                    <a:pt x="10" y="44"/>
+                    <a:pt x="9" y="43"/>
+                    <a:pt x="9" y="43"/>
+                  </a:cubicBezTo>
+                  <a:cubicBezTo>
+                    <a:pt x="6" y="29"/>
+                    <a:pt x="3" y="14"/>
+                    <a:pt x="0" y="0"/>
+                  </a:cubicBezTo>
+                  <a:cubicBezTo>
+                    <a:pt x="0" y="2"/>
+                    <a:pt x="0" y="5"/>
+                    <a:pt x="0" y="8"/>
+                  </a:cubicBezTo>
+                  <a:cubicBezTo>
+                    <a:pt x="1" y="23"/>
+                    <a:pt x="3" y="39"/>
+                    <a:pt x="4" y="54"/>
+                  </a:cubicBezTo>
+                  <a:close/>
+                </a:path>
+              </a:pathLst>
+            </a:custGeom>
+            <a:solidFill>
+              <a:schemeClr val="tx2"/>
+            </a:solidFill>
+            <a:ln>
+              <a:noFill/>
+            </a:ln>
+          </p:spPr>
+        </p:sp>
+        <p:sp>
+          <p:nvSpPr>
+            <p:cNvPr id="18" name="Freeform 34"/>
+            <p:cNvSpPr/>
+            <p:nvPr/>
+          </p:nvSpPr>
+          <p:spPr bwMode="auto">
+            <a:xfrm>
+              <a:off x="7412038" y="2801938"/>
+              <a:ext cx="1168400" cy="2251075"/>
+            </a:xfrm>
+            <a:custGeom>
+              <a:avLst/>
+              <a:gdLst/>
+              <a:ahLst/>
+              <a:cxnLst/>
+              <a:rect l="0" t="0" r="r" b="b"/>
+              <a:pathLst>
+                <a:path w="294" h="568">
+                  <a:moveTo>
+                    <a:pt x="8" y="553"/>
+                  </a:moveTo>
+                  <a:cubicBezTo>
+                    <a:pt x="9" y="501"/>
+                    <a:pt x="19" y="448"/>
+                    <a:pt x="35" y="397"/>
+                  </a:cubicBezTo>
+                  <a:cubicBezTo>
+                    <a:pt x="51" y="347"/>
+                    <a:pt x="73" y="298"/>
+                    <a:pt x="99" y="252"/>
+                  </a:cubicBezTo>
+                  <a:cubicBezTo>
+                    <a:pt x="124" y="205"/>
+                    <a:pt x="154" y="161"/>
+                    <a:pt x="187" y="119"/>
+                  </a:cubicBezTo>
+                  <a:cubicBezTo>
+                    <a:pt x="203" y="98"/>
+                    <a:pt x="220" y="77"/>
+                    <a:pt x="238" y="58"/>
+                  </a:cubicBezTo>
+                  <a:cubicBezTo>
+                    <a:pt x="247" y="48"/>
+                    <a:pt x="256" y="38"/>
+                    <a:pt x="265" y="28"/>
+                  </a:cubicBezTo>
+                  <a:cubicBezTo>
+                    <a:pt x="274" y="19"/>
+                    <a:pt x="284" y="9"/>
+                    <a:pt x="294" y="0"/>
+                  </a:cubicBezTo>
+                  <a:cubicBezTo>
+                    <a:pt x="293" y="0"/>
+                    <a:pt x="293" y="0"/>
+                    <a:pt x="293" y="0"/>
+                  </a:cubicBezTo>
+                  <a:cubicBezTo>
+                    <a:pt x="283" y="9"/>
+                    <a:pt x="273" y="18"/>
+                    <a:pt x="264" y="27"/>
+                  </a:cubicBezTo>
+                  <a:cubicBezTo>
+                    <a:pt x="255" y="37"/>
+                    <a:pt x="246" y="47"/>
+                    <a:pt x="237" y="56"/>
+                  </a:cubicBezTo>
+                  <a:cubicBezTo>
+                    <a:pt x="218" y="76"/>
+                    <a:pt x="201" y="96"/>
+                    <a:pt x="185" y="117"/>
+                  </a:cubicBezTo>
+                  <a:cubicBezTo>
+                    <a:pt x="151" y="159"/>
+                    <a:pt x="121" y="203"/>
+                    <a:pt x="95" y="249"/>
+                  </a:cubicBezTo>
+                  <a:cubicBezTo>
+                    <a:pt x="68" y="296"/>
+                    <a:pt x="46" y="345"/>
+                    <a:pt x="30" y="396"/>
+                  </a:cubicBezTo>
+                  <a:cubicBezTo>
+                    <a:pt x="13" y="445"/>
+                    <a:pt x="3" y="497"/>
+                    <a:pt x="0" y="549"/>
+                  </a:cubicBezTo>
+                  <a:cubicBezTo>
+                    <a:pt x="3" y="555"/>
+                    <a:pt x="5" y="561"/>
+                    <a:pt x="7" y="568"/>
+                  </a:cubicBezTo>
+                  <a:cubicBezTo>
+                    <a:pt x="7" y="563"/>
+                    <a:pt x="7" y="558"/>
+                    <a:pt x="8" y="553"/>
+                  </a:cubicBezTo>
+                  <a:close/>
+                </a:path>
+              </a:pathLst>
+            </a:custGeom>
+            <a:solidFill>
+              <a:schemeClr val="tx2"/>
+            </a:solidFill>
+            <a:ln>
+              <a:noFill/>
+            </a:ln>
+          </p:spPr>
+        </p:sp>
+        <p:sp>
+          <p:nvSpPr>
+            <p:cNvPr id="19" name="Freeform 35"/>
+            <p:cNvSpPr/>
+            <p:nvPr/>
+          </p:nvSpPr>
+          <p:spPr bwMode="auto">
+            <a:xfrm>
+              <a:off x="7494588" y="5664200"/>
+              <a:ext cx="100013" cy="209550"/>
+            </a:xfrm>
+            <a:custGeom>
+              <a:avLst/>
+              <a:gdLst/>
+              <a:ahLst/>
+              <a:cxnLst/>
+              <a:rect l="0" t="0" r="r" b="b"/>
+              <a:pathLst>
+                <a:path w="25" h="53">
+                  <a:moveTo>
+                    <a:pt x="0" y="0"/>
+                  </a:moveTo>
+                  <a:cubicBezTo>
+                    <a:pt x="5" y="18"/>
+                    <a:pt x="12" y="36"/>
+                    <a:pt x="19" y="53"/>
+                  </a:cubicBezTo>
+                  <a:cubicBezTo>
+                    <a:pt x="25" y="53"/>
+                    <a:pt x="25" y="53"/>
+                    <a:pt x="25" y="53"/>
+                  </a:cubicBezTo>
+                  <a:cubicBezTo>
+                    <a:pt x="16" y="36"/>
+                    <a:pt x="8" y="18"/>
+                    <a:pt x="0" y="0"/>
+                  </a:cubicBezTo>
+                  <a:close/>
+                </a:path>
+              </a:pathLst>
+            </a:custGeom>
+            <a:solidFill>
+              <a:schemeClr val="tx2"/>
+            </a:solidFill>
+            <a:ln>
+              <a:noFill/>
+            </a:ln>
+          </p:spPr>
+        </p:sp>
+        <p:sp>
+          <p:nvSpPr>
+            <p:cNvPr id="20" name="Freeform 36"/>
+            <p:cNvSpPr/>
+            <p:nvPr/>
+          </p:nvSpPr>
+          <p:spPr bwMode="auto">
+            <a:xfrm>
+              <a:off x="7412038" y="5081588"/>
+              <a:ext cx="114300" cy="558800"/>
+            </a:xfrm>
+            <a:custGeom>
+              <a:avLst/>
+              <a:gdLst/>
+              <a:ahLst/>
+              <a:cxnLst/>
+              <a:rect l="0" t="0" r="r" b="b"/>
+              <a:pathLst>
+                <a:path w="29" h="141">
+                  <a:moveTo>
+                    <a:pt x="0" y="0"/>
+                  </a:moveTo>
+                  <a:cubicBezTo>
+                    <a:pt x="0" y="30"/>
+                    <a:pt x="2" y="60"/>
+                    <a:pt x="7" y="89"/>
+                  </a:cubicBezTo>
+                  <a:cubicBezTo>
+                    <a:pt x="11" y="98"/>
+                    <a:pt x="14" y="108"/>
+                    <a:pt x="18" y="117"/>
+                  </a:cubicBezTo>
+                  <a:cubicBezTo>
+                    <a:pt x="22" y="125"/>
+                    <a:pt x="25" y="133"/>
+                    <a:pt x="29" y="141"/>
+                  </a:cubicBezTo>
+                  <a:cubicBezTo>
+                    <a:pt x="28" y="139"/>
+                    <a:pt x="28" y="137"/>
+                    <a:pt x="27" y="135"/>
+                  </a:cubicBezTo>
+                  <a:cubicBezTo>
+                    <a:pt x="16" y="98"/>
+                    <a:pt x="10" y="60"/>
+                    <a:pt x="8" y="22"/>
+                  </a:cubicBezTo>
+                  <a:cubicBezTo>
+                    <a:pt x="7" y="18"/>
+                    <a:pt x="5" y="15"/>
+                    <a:pt x="4" y="11"/>
+                  </a:cubicBezTo>
+                  <a:cubicBezTo>
+                    <a:pt x="2" y="7"/>
+                    <a:pt x="1" y="3"/>
+                    <a:pt x="0" y="0"/>
+                  </a:cubicBezTo>
+                  <a:close/>
+                </a:path>
+              </a:pathLst>
+            </a:custGeom>
+            <a:solidFill>
+              <a:schemeClr val="tx2"/>
+            </a:solidFill>
+            <a:ln>
+              <a:noFill/>
+            </a:ln>
+          </p:spPr>
+        </p:sp>
+        <p:sp>
+          <p:nvSpPr>
+            <p:cNvPr id="21" name="Freeform 37"/>
+            <p:cNvSpPr/>
+            <p:nvPr/>
+          </p:nvSpPr>
+          <p:spPr bwMode="auto">
+            <a:xfrm>
+              <a:off x="7412038" y="4978400"/>
+              <a:ext cx="31750" cy="188913"/>
+            </a:xfrm>
+            <a:custGeom>
+              <a:avLst/>
+              <a:gdLst/>
+              <a:ahLst/>
+              <a:cxnLst/>
+              <a:rect l="0" t="0" r="r" b="b"/>
+              <a:pathLst>
+                <a:path w="8" h="48">
+                  <a:moveTo>
+                    <a:pt x="0" y="26"/>
+                  </a:moveTo>
+                  <a:cubicBezTo>
+                    <a:pt x="1" y="29"/>
+                    <a:pt x="2" y="33"/>
+                    <a:pt x="4" y="37"/>
+                  </a:cubicBezTo>
+                  <a:cubicBezTo>
+                    <a:pt x="5" y="41"/>
+                    <a:pt x="7" y="44"/>
+                    <a:pt x="8" y="48"/>
+                  </a:cubicBezTo>
+                  <a:cubicBezTo>
+                    <a:pt x="7" y="38"/>
+                    <a:pt x="7" y="28"/>
+                    <a:pt x="7" y="19"/>
+                  </a:cubicBezTo>
+                  <a:cubicBezTo>
+                    <a:pt x="5" y="12"/>
+                    <a:pt x="3" y="6"/>
+                    <a:pt x="0" y="0"/>
+                  </a:cubicBezTo>
+                  <a:cubicBezTo>
+                    <a:pt x="0" y="1"/>
+                    <a:pt x="0" y="3"/>
+                    <a:pt x="0" y="4"/>
+                  </a:cubicBezTo>
+                  <a:cubicBezTo>
+                    <a:pt x="0" y="11"/>
+                    <a:pt x="0" y="19"/>
+                    <a:pt x="0" y="26"/>
+                  </a:cubicBezTo>
+                  <a:close/>
+                </a:path>
+              </a:pathLst>
+            </a:custGeom>
+            <a:solidFill>
+              <a:schemeClr val="tx2"/>
+            </a:solidFill>
+            <a:ln>
+              <a:noFill/>
+            </a:ln>
+          </p:spPr>
+        </p:sp>
+        <p:sp>
+          <p:nvSpPr>
+            <p:cNvPr id="22" name="Freeform 38"/>
+            <p:cNvSpPr/>
+            <p:nvPr/>
+          </p:nvSpPr>
+          <p:spPr bwMode="auto">
+            <a:xfrm>
+              <a:off x="7439026" y="5434013"/>
+              <a:ext cx="174625" cy="439738"/>
+            </a:xfrm>
+            <a:custGeom>
+              <a:avLst/>
+              <a:gdLst/>
+              <a:ahLst/>
+              <a:cxnLst/>
+              <a:rect l="0" t="0" r="r" b="b"/>
+              <a:pathLst>
+                <a:path w="44" h="111">
+                  <a:moveTo>
+                    <a:pt x="11" y="28"/>
+                  </a:moveTo>
+                  <a:cubicBezTo>
+                    <a:pt x="7" y="19"/>
+                    <a:pt x="4" y="9"/>
+                    <a:pt x="0" y="0"/>
+                  </a:cubicBezTo>
+                  <a:cubicBezTo>
+                    <a:pt x="3" y="16"/>
+                    <a:pt x="7" y="33"/>
+                    <a:pt x="11" y="49"/>
+                  </a:cubicBezTo>
+                  <a:cubicBezTo>
+                    <a:pt x="12" y="52"/>
+                    <a:pt x="13" y="55"/>
+                    <a:pt x="14" y="58"/>
+                  </a:cubicBezTo>
+                  <a:cubicBezTo>
+                    <a:pt x="22" y="76"/>
+                    <a:pt x="30" y="94"/>
+                    <a:pt x="39" y="111"/>
+                  </a:cubicBezTo>
+                  <a:cubicBezTo>
+                    <a:pt x="44" y="111"/>
+                    <a:pt x="44" y="111"/>
+                    <a:pt x="44" y="111"/>
+                  </a:cubicBezTo>
+                  <a:cubicBezTo>
+                    <a:pt x="35" y="92"/>
+                    <a:pt x="28" y="72"/>
+                    <a:pt x="22" y="52"/>
+                  </a:cubicBezTo>
+                  <a:cubicBezTo>
+                    <a:pt x="18" y="44"/>
+                    <a:pt x="15" y="36"/>
+                    <a:pt x="11" y="28"/>
+                  </a:cubicBezTo>
+                  <a:close/>
+                </a:path>
+              </a:pathLst>
+            </a:custGeom>
+            <a:solidFill>
+              <a:schemeClr val="tx2"/>
+            </a:solidFill>
+            <a:ln>
+              <a:noFill/>
+            </a:ln>
+          </p:spPr>
+        </p:sp>
+      </p:grpSp>
       <p:sp>
         <p:nvSpPr>
           <p:cNvPr id="7" name="Rectangle 6"/>
@@ -2750,29 +7014,28 @@
         </p:nvSpPr>
         <p:spPr>
           <a:xfrm>
-            <a:off x="483" y="176109"/>
-            <a:ext cx="12188952" cy="1645919"/>
+            <a:off x="0" y="0"/>
+            <a:ext cx="182880" cy="6858000"/>
           </a:xfrm>
           <a:prstGeom prst="rect">
             <a:avLst/>
           </a:prstGeom>
           <a:solidFill>
-            <a:schemeClr val="tx1"/>
+            <a:schemeClr val="tx2"/>
           </a:solidFill>
           <a:ln>
             <a:noFill/>
           </a:ln>
+          <a:effectLst/>
         </p:spPr>
         <p:style>
-          <a:lnRef idx="2">
-            <a:schemeClr val="accent1">
-              <a:shade val="50000"/>
-            </a:schemeClr>
+          <a:lnRef idx="1">
+            <a:schemeClr val="accent1"/>
           </a:lnRef>
-          <a:fillRef idx="1">
+          <a:fillRef idx="3">
             <a:schemeClr val="accent1"/>
           </a:fillRef>
-          <a:effectRef idx="0">
+          <a:effectRef idx="2">
             <a:schemeClr val="accent1"/>
           </a:effectRef>
           <a:fontRef idx="minor">
@@ -2792,15 +7055,15 @@
         </p:nvSpPr>
         <p:spPr>
           <a:xfrm>
-            <a:off x="1202919" y="284176"/>
-            <a:ext cx="9784080" cy="1508760"/>
+            <a:off x="2592924" y="624110"/>
+            <a:ext cx="8911687" cy="1280890"/>
           </a:xfrm>
           <a:prstGeom prst="rect">
             <a:avLst/>
           </a:prstGeom>
         </p:spPr>
         <p:txBody>
-          <a:bodyPr vert="horz" lIns="91440" tIns="45720" rIns="91440" bIns="45720" rtlCol="0" anchor="ctr">
+          <a:bodyPr vert="horz" lIns="91440" tIns="45720" rIns="91440" bIns="45720" rtlCol="0" anchor="t">
             <a:normAutofit/>
           </a:bodyPr>
           <a:lstStyle/>
@@ -2825,8 +7088,8 @@
         </p:nvSpPr>
         <p:spPr>
           <a:xfrm>
-            <a:off x="1202919" y="2011680"/>
-            <a:ext cx="9784080" cy="4206240"/>
+            <a:off x="2589212" y="2133600"/>
+            <a:ext cx="8915400" cy="3886200"/>
           </a:xfrm>
           <a:prstGeom prst="rect">
             <a:avLst/>
@@ -2887,20 +7150,22 @@
         </p:nvSpPr>
         <p:spPr>
           <a:xfrm>
-            <a:off x="1202266" y="6422854"/>
-            <a:ext cx="3000894" cy="365125"/>
+            <a:off x="10361612" y="6130437"/>
+            <a:ext cx="1146283" cy="370396"/>
           </a:xfrm>
           <a:prstGeom prst="rect">
             <a:avLst/>
           </a:prstGeom>
         </p:spPr>
         <p:txBody>
-          <a:bodyPr vert="horz" lIns="91440" tIns="45720" rIns="45720" bIns="45720" rtlCol="0" anchor="ctr"/>
+          <a:bodyPr vert="horz" lIns="91440" tIns="45720" rIns="91440" bIns="45720" rtlCol="0" anchor="ctr"/>
           <a:lstStyle>
-            <a:lvl1pPr algn="l">
-              <a:defRPr sz="1050">
+            <a:lvl1pPr algn="r">
+              <a:defRPr sz="900">
                 <a:solidFill>
-                  <a:schemeClr val="tx1"/>
+                  <a:schemeClr val="tx1">
+                    <a:tint val="75000"/>
+                  </a:schemeClr>
                 </a:solidFill>
               </a:defRPr>
             </a:lvl1pPr>
@@ -2908,7 +7173,7 @@
           <a:p>
             <a:fld id="{E8889CCE-19B0-40A4-98A2-DDC4046C21DE}" type="datetimeFigureOut">
               <a:rPr lang="en-US" smtClean="0"/>
-              <a:t>8/2/2019</a:t>
+              <a:t>8/3/2019</a:t>
             </a:fld>
             <a:endParaRPr lang="en-US"/>
           </a:p>
@@ -2926,8 +7191,8 @@
         </p:nvSpPr>
         <p:spPr>
           <a:xfrm>
-            <a:off x="5596471" y="6422854"/>
-            <a:ext cx="5044440" cy="365125"/>
+            <a:off x="2589212" y="6135808"/>
+            <a:ext cx="7619999" cy="365125"/>
           </a:xfrm>
           <a:prstGeom prst="rect">
             <a:avLst/>
@@ -2936,10 +7201,12 @@
         <p:txBody>
           <a:bodyPr vert="horz" lIns="91440" tIns="45720" rIns="91440" bIns="45720" rtlCol="0" anchor="ctr"/>
           <a:lstStyle>
-            <a:lvl1pPr algn="r">
-              <a:defRPr sz="1050">
+            <a:lvl1pPr algn="l">
+              <a:defRPr sz="900">
                 <a:solidFill>
-                  <a:schemeClr val="tx1"/>
+                  <a:schemeClr val="tx1">
+                    <a:tint val="75000"/>
+                  </a:schemeClr>
                 </a:solidFill>
               </a:defRPr>
             </a:lvl1pPr>
@@ -2959,22 +7226,22 @@
             <p:ph type="sldNum" sz="quarter" idx="4"/>
           </p:nvPr>
         </p:nvSpPr>
-        <p:spPr>
+        <p:spPr bwMode="gray">
           <a:xfrm>
-            <a:off x="10658927" y="6422854"/>
-            <a:ext cx="946264" cy="365125"/>
+            <a:off x="531812" y="787782"/>
+            <a:ext cx="779767" cy="365125"/>
           </a:xfrm>
           <a:prstGeom prst="rect">
             <a:avLst/>
           </a:prstGeom>
         </p:spPr>
         <p:txBody>
-          <a:bodyPr vert="horz" lIns="45720" tIns="45720" rIns="91440" bIns="45720" rtlCol="0" anchor="ctr"/>
+          <a:bodyPr vert="horz" lIns="91440" tIns="45720" rIns="91440" bIns="45720" rtlCol="0" anchor="ctr"/>
           <a:lstStyle>
-            <a:lvl1pPr algn="l">
-              <a:defRPr sz="1200" b="0">
+            <a:lvl1pPr algn="r">
+              <a:defRPr sz="2000">
                 <a:solidFill>
-                  <a:schemeClr val="tx1"/>
+                  <a:srgbClr val="FEFFFF"/>
                 </a:solidFill>
               </a:defRPr>
             </a:lvl1pPr>
@@ -2991,255 +7258,316 @@
     </p:spTree>
     <p:extLst>
       <p:ext uri="{BB962C8B-B14F-4D97-AF65-F5344CB8AC3E}">
-        <p14:creationId xmlns:p14="http://schemas.microsoft.com/office/powerpoint/2010/main" val="206908147"/>
+        <p14:creationId xmlns:p14="http://schemas.microsoft.com/office/powerpoint/2010/main" val="2722236237"/>
       </p:ext>
     </p:extLst>
   </p:cSld>
-  <p:clrMap bg1="dk1" tx1="lt1" bg2="dk2" tx2="lt2" accent1="accent1" accent2="accent2" accent3="accent3" accent4="accent4" accent5="accent5" accent6="accent6" hlink="hlink" folHlink="folHlink"/>
+  <p:clrMap bg1="lt1" tx1="dk1" bg2="lt2" tx2="dk2" accent1="accent1" accent2="accent2" accent3="accent3" accent4="accent4" accent5="accent5" accent6="accent6" hlink="hlink" folHlink="folHlink"/>
   <p:sldLayoutIdLst>
-    <p:sldLayoutId id="2147483679" r:id="rId1"/>
-    <p:sldLayoutId id="2147483680" r:id="rId2"/>
-    <p:sldLayoutId id="2147483681" r:id="rId3"/>
-    <p:sldLayoutId id="2147483682" r:id="rId4"/>
-    <p:sldLayoutId id="2147483683" r:id="rId5"/>
-    <p:sldLayoutId id="2147483684" r:id="rId6"/>
-    <p:sldLayoutId id="2147483685" r:id="rId7"/>
-    <p:sldLayoutId id="2147483686" r:id="rId8"/>
-    <p:sldLayoutId id="2147483687" r:id="rId9"/>
-    <p:sldLayoutId id="2147483688" r:id="rId10"/>
-    <p:sldLayoutId id="2147483689" r:id="rId11"/>
+    <p:sldLayoutId id="2147483691" r:id="rId1"/>
+    <p:sldLayoutId id="2147483692" r:id="rId2"/>
+    <p:sldLayoutId id="2147483693" r:id="rId3"/>
+    <p:sldLayoutId id="2147483694" r:id="rId4"/>
+    <p:sldLayoutId id="2147483695" r:id="rId5"/>
+    <p:sldLayoutId id="2147483696" r:id="rId6"/>
+    <p:sldLayoutId id="2147483697" r:id="rId7"/>
+    <p:sldLayoutId id="2147483698" r:id="rId8"/>
+    <p:sldLayoutId id="2147483699" r:id="rId9"/>
+    <p:sldLayoutId id="2147483700" r:id="rId10"/>
+    <p:sldLayoutId id="2147483701" r:id="rId11"/>
+    <p:sldLayoutId id="2147483702" r:id="rId12"/>
+    <p:sldLayoutId id="2147483703" r:id="rId13"/>
+    <p:sldLayoutId id="2147483704" r:id="rId14"/>
+    <p:sldLayoutId id="2147483705" r:id="rId15"/>
+    <p:sldLayoutId id="2147483706" r:id="rId16"/>
   </p:sldLayoutIdLst>
   <p:txStyles>
     <p:titleStyle>
-      <a:lvl1pPr algn="l" defTabSz="914400" rtl="0" eaLnBrk="1" latinLnBrk="0" hangingPunct="1">
-        <a:lnSpc>
-          <a:spcPct val="85000"/>
-        </a:lnSpc>
+      <a:lvl1pPr algn="l" defTabSz="457200" rtl="0" eaLnBrk="1" latinLnBrk="0" hangingPunct="1">
         <a:spcBef>
           <a:spcPct val="0"/>
         </a:spcBef>
         <a:buNone/>
-        <a:defRPr sz="4000" kern="1200" cap="all" baseline="0">
+        <a:defRPr sz="3600" kern="1200">
           <a:solidFill>
-            <a:schemeClr val="bg2"/>
+            <a:schemeClr val="tx1">
+              <a:lumMod val="85000"/>
+              <a:lumOff val="15000"/>
+            </a:schemeClr>
           </a:solidFill>
           <a:latin typeface="+mj-lt"/>
           <a:ea typeface="+mj-ea"/>
           <a:cs typeface="+mj-cs"/>
         </a:defRPr>
       </a:lvl1pPr>
+      <a:lvl2pPr eaLnBrk="1" hangingPunct="1">
+        <a:defRPr>
+          <a:solidFill>
+            <a:schemeClr val="tx2"/>
+          </a:solidFill>
+        </a:defRPr>
+      </a:lvl2pPr>
+      <a:lvl3pPr eaLnBrk="1" hangingPunct="1">
+        <a:defRPr>
+          <a:solidFill>
+            <a:schemeClr val="tx2"/>
+          </a:solidFill>
+        </a:defRPr>
+      </a:lvl3pPr>
+      <a:lvl4pPr eaLnBrk="1" hangingPunct="1">
+        <a:defRPr>
+          <a:solidFill>
+            <a:schemeClr val="tx2"/>
+          </a:solidFill>
+        </a:defRPr>
+      </a:lvl4pPr>
+      <a:lvl5pPr eaLnBrk="1" hangingPunct="1">
+        <a:defRPr>
+          <a:solidFill>
+            <a:schemeClr val="tx2"/>
+          </a:solidFill>
+        </a:defRPr>
+      </a:lvl5pPr>
+      <a:lvl6pPr eaLnBrk="1" hangingPunct="1">
+        <a:defRPr>
+          <a:solidFill>
+            <a:schemeClr val="tx2"/>
+          </a:solidFill>
+        </a:defRPr>
+      </a:lvl6pPr>
+      <a:lvl7pPr eaLnBrk="1" hangingPunct="1">
+        <a:defRPr>
+          <a:solidFill>
+            <a:schemeClr val="tx2"/>
+          </a:solidFill>
+        </a:defRPr>
+      </a:lvl7pPr>
+      <a:lvl8pPr eaLnBrk="1" hangingPunct="1">
+        <a:defRPr>
+          <a:solidFill>
+            <a:schemeClr val="tx2"/>
+          </a:solidFill>
+        </a:defRPr>
+      </a:lvl8pPr>
+      <a:lvl9pPr eaLnBrk="1" hangingPunct="1">
+        <a:defRPr>
+          <a:solidFill>
+            <a:schemeClr val="tx2"/>
+          </a:solidFill>
+        </a:defRPr>
+      </a:lvl9pPr>
     </p:titleStyle>
     <p:bodyStyle>
-      <a:lvl1pPr marL="182880" indent="-182880" algn="l" defTabSz="914400" rtl="0" eaLnBrk="1" latinLnBrk="0" hangingPunct="1">
-        <a:lnSpc>
-          <a:spcPct val="90000"/>
-        </a:lnSpc>
+      <a:lvl1pPr marL="342900" indent="-342900" algn="l" defTabSz="457200" rtl="0" eaLnBrk="1" latinLnBrk="0" hangingPunct="1">
         <a:spcBef>
-          <a:spcPts val="1200"/>
+          <a:spcPts val="1000"/>
         </a:spcBef>
         <a:spcAft>
-          <a:spcPts val="200"/>
+          <a:spcPts val="0"/>
         </a:spcAft>
         <a:buClr>
-          <a:schemeClr val="tx1"/>
+          <a:schemeClr val="accent1"/>
         </a:buClr>
-        <a:buFont typeface="Wingdings" pitchFamily="2" charset="2"/>
-        <a:buChar char=""/>
-        <a:defRPr sz="2200" kern="1200">
+        <a:buFont typeface="Wingdings 3" charset="2"/>
+        <a:buChar char=""/>
+        <a:defRPr sz="1800" kern="1200">
           <a:solidFill>
-            <a:schemeClr val="tx1"/>
+            <a:schemeClr val="tx1">
+              <a:lumMod val="75000"/>
+              <a:lumOff val="25000"/>
+            </a:schemeClr>
           </a:solidFill>
           <a:latin typeface="+mn-lt"/>
           <a:ea typeface="+mn-ea"/>
           <a:cs typeface="+mn-cs"/>
         </a:defRPr>
       </a:lvl1pPr>
-      <a:lvl2pPr marL="411480" indent="-182880" algn="l" defTabSz="914400" rtl="0" eaLnBrk="1" latinLnBrk="0" hangingPunct="1">
-        <a:lnSpc>
-          <a:spcPct val="90000"/>
-        </a:lnSpc>
+      <a:lvl2pPr marL="742950" indent="-285750" algn="l" defTabSz="457200" rtl="0" eaLnBrk="1" latinLnBrk="0" hangingPunct="1">
         <a:spcBef>
-          <a:spcPts val="200"/>
+          <a:spcPts val="1000"/>
         </a:spcBef>
         <a:spcAft>
-          <a:spcPts val="400"/>
+          <a:spcPts val="0"/>
         </a:spcAft>
         <a:buClr>
-          <a:schemeClr val="tx1"/>
+          <a:schemeClr val="accent1"/>
         </a:buClr>
-        <a:buFont typeface="Wingdings" pitchFamily="2" charset="2"/>
-        <a:buChar char=""/>
-        <a:defRPr sz="2000" kern="1200">
+        <a:buFont typeface="Wingdings 3" charset="2"/>
+        <a:buChar char=""/>
+        <a:defRPr sz="1600" kern="1200">
           <a:solidFill>
-            <a:schemeClr val="tx1"/>
+            <a:schemeClr val="tx1">
+              <a:lumMod val="75000"/>
+              <a:lumOff val="25000"/>
+            </a:schemeClr>
           </a:solidFill>
           <a:latin typeface="+mn-lt"/>
           <a:ea typeface="+mn-ea"/>
           <a:cs typeface="+mn-cs"/>
         </a:defRPr>
       </a:lvl2pPr>
-      <a:lvl3pPr marL="640080" indent="-182880" algn="l" defTabSz="914400" rtl="0" eaLnBrk="1" latinLnBrk="0" hangingPunct="1">
-        <a:lnSpc>
-          <a:spcPct val="90000"/>
-        </a:lnSpc>
+      <a:lvl3pPr marL="1143000" indent="-228600" algn="l" defTabSz="457200" rtl="0" eaLnBrk="1" latinLnBrk="0" hangingPunct="1">
         <a:spcBef>
-          <a:spcPts val="200"/>
+          <a:spcPts val="1000"/>
         </a:spcBef>
         <a:spcAft>
-          <a:spcPts val="400"/>
+          <a:spcPts val="0"/>
         </a:spcAft>
         <a:buClr>
-          <a:schemeClr val="tx1"/>
+          <a:schemeClr val="accent1"/>
         </a:buClr>
-        <a:buFont typeface="Wingdings" pitchFamily="2" charset="2"/>
-        <a:buChar char=""/>
-        <a:defRPr sz="1800" kern="1200">
+        <a:buFont typeface="Wingdings 3" charset="2"/>
+        <a:buChar char=""/>
+        <a:defRPr sz="1400" kern="1200">
           <a:solidFill>
-            <a:schemeClr val="tx1"/>
+            <a:schemeClr val="tx1">
+              <a:lumMod val="75000"/>
+              <a:lumOff val="25000"/>
+            </a:schemeClr>
           </a:solidFill>
           <a:latin typeface="+mn-lt"/>
           <a:ea typeface="+mn-ea"/>
           <a:cs typeface="+mn-cs"/>
         </a:defRPr>
       </a:lvl3pPr>
-      <a:lvl4pPr marL="868680" indent="-182880" algn="l" defTabSz="914400" rtl="0" eaLnBrk="1" latinLnBrk="0" hangingPunct="1">
-        <a:lnSpc>
-          <a:spcPct val="90000"/>
-        </a:lnSpc>
+      <a:lvl4pPr marL="1600200" indent="-228600" algn="l" defTabSz="457200" rtl="0" eaLnBrk="1" latinLnBrk="0" hangingPunct="1">
         <a:spcBef>
-          <a:spcPts val="200"/>
+          <a:spcPts val="1000"/>
         </a:spcBef>
         <a:spcAft>
-          <a:spcPts val="400"/>
+          <a:spcPts val="0"/>
         </a:spcAft>
         <a:buClr>
-          <a:schemeClr val="tx1"/>
+          <a:schemeClr val="accent1"/>
         </a:buClr>
-        <a:buFont typeface="Wingdings" pitchFamily="2" charset="2"/>
-        <a:buChar char=""/>
-        <a:defRPr sz="1600" kern="1200">
+        <a:buFont typeface="Wingdings 3" charset="2"/>
+        <a:buChar char=""/>
+        <a:defRPr sz="1200" kern="1200">
           <a:solidFill>
-            <a:schemeClr val="tx1"/>
+            <a:schemeClr val="tx1">
+              <a:lumMod val="75000"/>
+              <a:lumOff val="25000"/>
+            </a:schemeClr>
           </a:solidFill>
           <a:latin typeface="+mn-lt"/>
           <a:ea typeface="+mn-ea"/>
           <a:cs typeface="+mn-cs"/>
         </a:defRPr>
       </a:lvl4pPr>
-      <a:lvl5pPr marL="1097280" indent="-182880" algn="l" defTabSz="914400" rtl="0" eaLnBrk="1" latinLnBrk="0" hangingPunct="1">
-        <a:lnSpc>
-          <a:spcPct val="90000"/>
-        </a:lnSpc>
+      <a:lvl5pPr marL="2057400" indent="-228600" algn="l" defTabSz="457200" rtl="0" eaLnBrk="1" latinLnBrk="0" hangingPunct="1">
         <a:spcBef>
-          <a:spcPts val="200"/>
+          <a:spcPts val="1000"/>
         </a:spcBef>
         <a:spcAft>
-          <a:spcPts val="400"/>
+          <a:spcPts val="0"/>
         </a:spcAft>
         <a:buClr>
-          <a:schemeClr val="tx1"/>
+          <a:schemeClr val="accent1"/>
         </a:buClr>
-        <a:buFont typeface="Wingdings" pitchFamily="2" charset="2"/>
-        <a:buChar char=""/>
-        <a:defRPr sz="1600" kern="1200">
+        <a:buFont typeface="Wingdings 3" charset="2"/>
+        <a:buChar char=""/>
+        <a:defRPr sz="1200" kern="1200">
           <a:solidFill>
-            <a:schemeClr val="tx1"/>
+            <a:schemeClr val="tx1">
+              <a:lumMod val="75000"/>
+              <a:lumOff val="25000"/>
+            </a:schemeClr>
           </a:solidFill>
           <a:latin typeface="+mn-lt"/>
           <a:ea typeface="+mn-ea"/>
           <a:cs typeface="+mn-cs"/>
         </a:defRPr>
       </a:lvl5pPr>
-      <a:lvl6pPr marL="1284600" indent="-228600" algn="l" defTabSz="914400" rtl="0" eaLnBrk="1" latinLnBrk="0" hangingPunct="1">
-        <a:lnSpc>
-          <a:spcPct val="90000"/>
-        </a:lnSpc>
+      <a:lvl6pPr marL="2514600" indent="-228600" algn="l" defTabSz="457200" rtl="0" eaLnBrk="1" latinLnBrk="0" hangingPunct="1">
         <a:spcBef>
-          <a:spcPts val="200"/>
+          <a:spcPts val="1000"/>
         </a:spcBef>
         <a:spcAft>
-          <a:spcPts val="400"/>
+          <a:spcPts val="0"/>
         </a:spcAft>
         <a:buClr>
-          <a:schemeClr val="tx1"/>
+          <a:schemeClr val="accent1"/>
         </a:buClr>
-        <a:buFont typeface="Wingdings" pitchFamily="2" charset="2"/>
-        <a:buChar char=""/>
-        <a:defRPr sz="1600" kern="1200">
+        <a:buFont typeface="Wingdings 3" charset="2"/>
+        <a:buChar char=""/>
+        <a:defRPr sz="1200" kern="1200">
           <a:solidFill>
-            <a:schemeClr val="tx1"/>
+            <a:schemeClr val="tx1">
+              <a:lumMod val="75000"/>
+              <a:lumOff val="25000"/>
+            </a:schemeClr>
           </a:solidFill>
           <a:latin typeface="+mn-lt"/>
           <a:ea typeface="+mn-ea"/>
           <a:cs typeface="+mn-cs"/>
         </a:defRPr>
       </a:lvl6pPr>
-      <a:lvl7pPr marL="1471800" indent="-228600" algn="l" defTabSz="914400" rtl="0" eaLnBrk="1" latinLnBrk="0" hangingPunct="1">
-        <a:lnSpc>
-          <a:spcPct val="90000"/>
-        </a:lnSpc>
+      <a:lvl7pPr marL="2971800" indent="-228600" algn="l" defTabSz="457200" rtl="0" eaLnBrk="1" latinLnBrk="0" hangingPunct="1">
         <a:spcBef>
-          <a:spcPts val="200"/>
+          <a:spcPts val="1000"/>
         </a:spcBef>
         <a:spcAft>
-          <a:spcPts val="400"/>
+          <a:spcPts val="0"/>
         </a:spcAft>
         <a:buClr>
-          <a:schemeClr val="tx1"/>
+          <a:schemeClr val="accent1"/>
         </a:buClr>
-        <a:buFont typeface="Wingdings" pitchFamily="2" charset="2"/>
-        <a:buChar char=""/>
-        <a:defRPr sz="1600" kern="1200">
+        <a:buFont typeface="Wingdings 3" charset="2"/>
+        <a:buChar char=""/>
+        <a:defRPr sz="1200" kern="1200">
           <a:solidFill>
-            <a:schemeClr val="tx1"/>
+            <a:schemeClr val="tx1">
+              <a:lumMod val="75000"/>
+              <a:lumOff val="25000"/>
+            </a:schemeClr>
           </a:solidFill>
           <a:latin typeface="+mn-lt"/>
           <a:ea typeface="+mn-ea"/>
           <a:cs typeface="+mn-cs"/>
         </a:defRPr>
       </a:lvl7pPr>
-      <a:lvl8pPr marL="1629000" indent="-228600" algn="l" defTabSz="914400" rtl="0" eaLnBrk="1" latinLnBrk="0" hangingPunct="1">
-        <a:lnSpc>
-          <a:spcPct val="90000"/>
-        </a:lnSpc>
+      <a:lvl8pPr marL="3429000" indent="-228600" algn="l" defTabSz="457200" rtl="0" eaLnBrk="1" latinLnBrk="0" hangingPunct="1">
         <a:spcBef>
-          <a:spcPts val="200"/>
+          <a:spcPts val="1000"/>
         </a:spcBef>
         <a:spcAft>
-          <a:spcPts val="400"/>
+          <a:spcPts val="0"/>
         </a:spcAft>
         <a:buClr>
-          <a:schemeClr val="tx1"/>
+          <a:schemeClr val="accent1"/>
         </a:buClr>
-        <a:buFont typeface="Wingdings" pitchFamily="2" charset="2"/>
-        <a:buChar char=""/>
-        <a:defRPr sz="1600" kern="1200">
+        <a:buFont typeface="Wingdings 3" charset="2"/>
+        <a:buChar char=""/>
+        <a:defRPr sz="1200" kern="1200">
           <a:solidFill>
-            <a:schemeClr val="tx1"/>
+            <a:schemeClr val="tx1">
+              <a:lumMod val="75000"/>
+              <a:lumOff val="25000"/>
+            </a:schemeClr>
           </a:solidFill>
           <a:latin typeface="+mn-lt"/>
           <a:ea typeface="+mn-ea"/>
           <a:cs typeface="+mn-cs"/>
         </a:defRPr>
       </a:lvl8pPr>
-      <a:lvl9pPr marL="1806200" indent="-228600" algn="l" defTabSz="914400" rtl="0" eaLnBrk="1" latinLnBrk="0" hangingPunct="1">
-        <a:lnSpc>
-          <a:spcPct val="90000"/>
-        </a:lnSpc>
+      <a:lvl9pPr marL="3886200" indent="-228600" algn="l" defTabSz="457200" rtl="0" eaLnBrk="1" latinLnBrk="0" hangingPunct="1">
         <a:spcBef>
-          <a:spcPts val="200"/>
+          <a:spcPts val="1000"/>
         </a:spcBef>
         <a:spcAft>
-          <a:spcPts val="400"/>
+          <a:spcPts val="0"/>
         </a:spcAft>
         <a:buClr>
-          <a:schemeClr val="tx1"/>
+          <a:schemeClr val="accent1"/>
         </a:buClr>
-        <a:buFont typeface="Wingdings" pitchFamily="2" charset="2"/>
-        <a:buChar char=""/>
-        <a:defRPr sz="1600" kern="1200">
+        <a:buFont typeface="Wingdings 3" charset="2"/>
+        <a:buChar char=""/>
+        <a:defRPr sz="1200" kern="1200">
           <a:solidFill>
-            <a:schemeClr val="tx1"/>
+            <a:schemeClr val="tx1">
+              <a:lumMod val="75000"/>
+              <a:lumOff val="25000"/>
+            </a:schemeClr>
           </a:solidFill>
           <a:latin typeface="+mn-lt"/>
           <a:ea typeface="+mn-ea"/>
@@ -3251,7 +7579,7 @@
       <a:defPPr>
         <a:defRPr lang="en-US"/>
       </a:defPPr>
-      <a:lvl1pPr marL="0" algn="l" defTabSz="914400" rtl="0" eaLnBrk="1" latinLnBrk="0" hangingPunct="1">
+      <a:lvl1pPr marL="0" algn="l" defTabSz="457200" rtl="0" eaLnBrk="1" latinLnBrk="0" hangingPunct="1">
         <a:defRPr sz="1800" kern="1200">
           <a:solidFill>
             <a:schemeClr val="tx1"/>
@@ -3261,7 +7589,7 @@
           <a:cs typeface="+mn-cs"/>
         </a:defRPr>
       </a:lvl1pPr>
-      <a:lvl2pPr marL="457200" algn="l" defTabSz="914400" rtl="0" eaLnBrk="1" latinLnBrk="0" hangingPunct="1">
+      <a:lvl2pPr marL="457200" algn="l" defTabSz="457200" rtl="0" eaLnBrk="1" latinLnBrk="0" hangingPunct="1">
         <a:defRPr sz="1800" kern="1200">
           <a:solidFill>
             <a:schemeClr val="tx1"/>
@@ -3271,7 +7599,7 @@
           <a:cs typeface="+mn-cs"/>
         </a:defRPr>
       </a:lvl2pPr>
-      <a:lvl3pPr marL="914400" algn="l" defTabSz="914400" rtl="0" eaLnBrk="1" latinLnBrk="0" hangingPunct="1">
+      <a:lvl3pPr marL="914400" algn="l" defTabSz="457200" rtl="0" eaLnBrk="1" latinLnBrk="0" hangingPunct="1">
         <a:defRPr sz="1800" kern="1200">
           <a:solidFill>
             <a:schemeClr val="tx1"/>
@@ -3281,7 +7609,7 @@
           <a:cs typeface="+mn-cs"/>
         </a:defRPr>
       </a:lvl3pPr>
-      <a:lvl4pPr marL="1371600" algn="l" defTabSz="914400" rtl="0" eaLnBrk="1" latinLnBrk="0" hangingPunct="1">
+      <a:lvl4pPr marL="1371600" algn="l" defTabSz="457200" rtl="0" eaLnBrk="1" latinLnBrk="0" hangingPunct="1">
         <a:defRPr sz="1800" kern="1200">
           <a:solidFill>
             <a:schemeClr val="tx1"/>
@@ -3291,7 +7619,7 @@
           <a:cs typeface="+mn-cs"/>
         </a:defRPr>
       </a:lvl4pPr>
-      <a:lvl5pPr marL="1828800" algn="l" defTabSz="914400" rtl="0" eaLnBrk="1" latinLnBrk="0" hangingPunct="1">
+      <a:lvl5pPr marL="1828800" algn="l" defTabSz="457200" rtl="0" eaLnBrk="1" latinLnBrk="0" hangingPunct="1">
         <a:defRPr sz="1800" kern="1200">
           <a:solidFill>
             <a:schemeClr val="tx1"/>
@@ -3301,7 +7629,7 @@
           <a:cs typeface="+mn-cs"/>
         </a:defRPr>
       </a:lvl5pPr>
-      <a:lvl6pPr marL="2286000" algn="l" defTabSz="914400" rtl="0" eaLnBrk="1" latinLnBrk="0" hangingPunct="1">
+      <a:lvl6pPr marL="2286000" algn="l" defTabSz="457200" rtl="0" eaLnBrk="1" latinLnBrk="0" hangingPunct="1">
         <a:defRPr sz="1800" kern="1200">
           <a:solidFill>
             <a:schemeClr val="tx1"/>
@@ -3311,7 +7639,7 @@
           <a:cs typeface="+mn-cs"/>
         </a:defRPr>
       </a:lvl6pPr>
-      <a:lvl7pPr marL="2743200" algn="l" defTabSz="914400" rtl="0" eaLnBrk="1" latinLnBrk="0" hangingPunct="1">
+      <a:lvl7pPr marL="2743200" algn="l" defTabSz="457200" rtl="0" eaLnBrk="1" latinLnBrk="0" hangingPunct="1">
         <a:defRPr sz="1800" kern="1200">
           <a:solidFill>
             <a:schemeClr val="tx1"/>
@@ -3321,7 +7649,7 @@
           <a:cs typeface="+mn-cs"/>
         </a:defRPr>
       </a:lvl7pPr>
-      <a:lvl8pPr marL="3200400" algn="l" defTabSz="914400" rtl="0" eaLnBrk="1" latinLnBrk="0" hangingPunct="1">
+      <a:lvl8pPr marL="3200400" algn="l" defTabSz="457200" rtl="0" eaLnBrk="1" latinLnBrk="0" hangingPunct="1">
         <a:defRPr sz="1800" kern="1200">
           <a:solidFill>
             <a:schemeClr val="tx1"/>
@@ -3331,7 +7659,7 @@
           <a:cs typeface="+mn-cs"/>
         </a:defRPr>
       </a:lvl8pPr>
-      <a:lvl9pPr marL="3657600" algn="l" defTabSz="914400" rtl="0" eaLnBrk="1" latinLnBrk="0" hangingPunct="1">
+      <a:lvl9pPr marL="3657600" algn="l" defTabSz="457200" rtl="0" eaLnBrk="1" latinLnBrk="0" hangingPunct="1">
         <a:defRPr sz="1800" kern="1200">
           <a:solidFill>
             <a:schemeClr val="tx1"/>
@@ -3409,7 +7737,9 @@
         </p:nvSpPr>
         <p:spPr/>
         <p:txBody>
-          <a:bodyPr/>
+          <a:bodyPr>
+            <a:normAutofit lnSpcReduction="10000"/>
+          </a:bodyPr>
           <a:lstStyle/>
           <a:p>
             <a:r>
@@ -3477,127 +7807,6 @@
           <a:chExt cx="0" cy="0"/>
         </a:xfrm>
       </p:grpSpPr>
-      <p:sp>
-        <p:nvSpPr>
-          <p:cNvPr id="12" name="Rectangle 11">
-            <a:extLst>
-              <a:ext uri="{FF2B5EF4-FFF2-40B4-BE49-F238E27FC236}">
-                <a16:creationId xmlns:a16="http://schemas.microsoft.com/office/drawing/2014/main" id="{918D53E2-5279-4AF5-A32F-3615A67D2C2E}"/>
-              </a:ext>
-              <a:ext uri="{C183D7F6-B498-43B3-948B-1728B52AA6E4}">
-                <adec:decorative xmlns:adec="http://schemas.microsoft.com/office/drawing/2017/decorative" val="1"/>
-              </a:ext>
-            </a:extLst>
-          </p:cNvPr>
-          <p:cNvSpPr>
-            <a:spLocks noGrp="1" noRot="1" noChangeAspect="1" noMove="1" noResize="1" noEditPoints="1" noAdjustHandles="1" noChangeArrowheads="1" noChangeShapeType="1" noTextEdit="1"/>
-          </p:cNvSpPr>
-          <p:nvPr>
-            <p:extLst>
-              <p:ext uri="{386F3935-93C4-4BCD-93E2-E3B085C9AB24}">
-                <p16:designElem xmlns:p16="http://schemas.microsoft.com/office/powerpoint/2015/main" val="1"/>
-              </p:ext>
-            </p:extLst>
-          </p:nvPr>
-        </p:nvSpPr>
-        <p:spPr>
-          <a:xfrm>
-            <a:off x="3048" y="0"/>
-            <a:ext cx="12188952" cy="6858000"/>
-          </a:xfrm>
-          <a:prstGeom prst="rect">
-            <a:avLst/>
-          </a:prstGeom>
-          <a:solidFill>
-            <a:schemeClr val="bg2"/>
-          </a:solidFill>
-          <a:ln>
-            <a:noFill/>
-          </a:ln>
-        </p:spPr>
-        <p:style>
-          <a:lnRef idx="0">
-            <a:scrgbClr r="0" g="0" b="0"/>
-          </a:lnRef>
-          <a:fillRef idx="1001">
-            <a:schemeClr val="dk2"/>
-          </a:fillRef>
-          <a:effectRef idx="0">
-            <a:scrgbClr r="0" g="0" b="0"/>
-          </a:effectRef>
-          <a:fontRef idx="minor">
-            <a:schemeClr val="lt1"/>
-          </a:fontRef>
-        </p:style>
-        <p:txBody>
-          <a:bodyPr rtlCol="0" anchor="ctr"/>
-          <a:lstStyle/>
-          <a:p>
-            <a:pPr algn="ctr"/>
-            <a:endParaRPr lang="en-US" dirty="0"/>
-          </a:p>
-        </p:txBody>
-      </p:sp>
-      <p:sp>
-        <p:nvSpPr>
-          <p:cNvPr id="14" name="Rectangle 13">
-            <a:extLst>
-              <a:ext uri="{FF2B5EF4-FFF2-40B4-BE49-F238E27FC236}">
-                <a16:creationId xmlns:a16="http://schemas.microsoft.com/office/drawing/2014/main" id="{22432818-1B2C-408D-93F1-667C5008A24D}"/>
-              </a:ext>
-              <a:ext uri="{C183D7F6-B498-43B3-948B-1728B52AA6E4}">
-                <adec:decorative xmlns:adec="http://schemas.microsoft.com/office/drawing/2017/decorative" val="1"/>
-              </a:ext>
-            </a:extLst>
-          </p:cNvPr>
-          <p:cNvSpPr>
-            <a:spLocks noGrp="1" noRot="1" noChangeAspect="1" noMove="1" noResize="1" noEditPoints="1" noAdjustHandles="1" noChangeArrowheads="1" noChangeShapeType="1" noTextEdit="1"/>
-          </p:cNvSpPr>
-          <p:nvPr>
-            <p:extLst>
-              <p:ext uri="{386F3935-93C4-4BCD-93E2-E3B085C9AB24}">
-                <p16:designElem xmlns:p16="http://schemas.microsoft.com/office/powerpoint/2015/main" val="1"/>
-              </p:ext>
-            </p:extLst>
-          </p:nvPr>
-        </p:nvSpPr>
-        <p:spPr>
-          <a:xfrm>
-            <a:off x="640080" y="639097"/>
-            <a:ext cx="3410810" cy="5578823"/>
-          </a:xfrm>
-          <a:prstGeom prst="rect">
-            <a:avLst/>
-          </a:prstGeom>
-          <a:ln>
-            <a:noFill/>
-          </a:ln>
-        </p:spPr>
-        <p:style>
-          <a:lnRef idx="2">
-            <a:schemeClr val="accent1">
-              <a:shade val="50000"/>
-            </a:schemeClr>
-          </a:lnRef>
-          <a:fillRef idx="1001">
-            <a:schemeClr val="lt1"/>
-          </a:fillRef>
-          <a:effectRef idx="0">
-            <a:schemeClr val="accent1"/>
-          </a:effectRef>
-          <a:fontRef idx="minor">
-            <a:schemeClr val="lt1"/>
-          </a:fontRef>
-        </p:style>
-        <p:txBody>
-          <a:bodyPr rtlCol="0" anchor="ctr"/>
-          <a:lstStyle/>
-          <a:p>
-            <a:pPr algn="ctr"/>
-            <a:endParaRPr lang="en-US" dirty="0"/>
-          </a:p>
-        </p:txBody>
-      </p:sp>
       <p:sp>
         <p:nvSpPr>
           <p:cNvPr id="2" name="Title 1">
@@ -3760,184 +7969,6 @@
       </p:grpSpPr>
       <p:sp>
         <p:nvSpPr>
-          <p:cNvPr id="7" name="Rectangle 6">
-            <a:extLst>
-              <a:ext uri="{FF2B5EF4-FFF2-40B4-BE49-F238E27FC236}">
-                <a16:creationId xmlns:a16="http://schemas.microsoft.com/office/drawing/2014/main" id="{13E75778-8865-451E-A418-58B337FE5B33}"/>
-              </a:ext>
-              <a:ext uri="{C183D7F6-B498-43B3-948B-1728B52AA6E4}">
-                <adec:decorative xmlns:adec="http://schemas.microsoft.com/office/drawing/2017/decorative" val="1"/>
-              </a:ext>
-            </a:extLst>
-          </p:cNvPr>
-          <p:cNvSpPr>
-            <a:spLocks noGrp="1" noRot="1" noChangeAspect="1" noMove="1" noResize="1" noEditPoints="1" noAdjustHandles="1" noChangeArrowheads="1" noChangeShapeType="1" noTextEdit="1"/>
-          </p:cNvSpPr>
-          <p:nvPr>
-            <p:extLst>
-              <p:ext uri="{386F3935-93C4-4BCD-93E2-E3B085C9AB24}">
-                <p16:designElem xmlns:p16="http://schemas.microsoft.com/office/powerpoint/2015/main" val="1"/>
-              </p:ext>
-            </p:extLst>
-          </p:nvPr>
-        </p:nvSpPr>
-        <p:spPr>
-          <a:xfrm>
-            <a:off x="-6843" y="2059012"/>
-            <a:ext cx="12195668" cy="1828800"/>
-          </a:xfrm>
-          <a:prstGeom prst="rect">
-            <a:avLst/>
-          </a:prstGeom>
-          <a:solidFill>
-            <a:schemeClr val="tx1"/>
-          </a:solidFill>
-          <a:ln>
-            <a:noFill/>
-          </a:ln>
-        </p:spPr>
-        <p:style>
-          <a:lnRef idx="2">
-            <a:schemeClr val="accent1">
-              <a:shade val="50000"/>
-            </a:schemeClr>
-          </a:lnRef>
-          <a:fillRef idx="1">
-            <a:schemeClr val="accent1"/>
-          </a:fillRef>
-          <a:effectRef idx="0">
-            <a:schemeClr val="accent1"/>
-          </a:effectRef>
-          <a:fontRef idx="minor">
-            <a:schemeClr val="lt1"/>
-          </a:fontRef>
-        </p:style>
-      </p:sp>
-      <p:sp useBgFill="1">
-        <p:nvSpPr>
-          <p:cNvPr id="9" name="Rectangle 8">
-            <a:extLst>
-              <a:ext uri="{FF2B5EF4-FFF2-40B4-BE49-F238E27FC236}">
-                <a16:creationId xmlns:a16="http://schemas.microsoft.com/office/drawing/2014/main" id="{C6D1D399-BF36-47E7-B5BF-5362EEE20A5B}"/>
-              </a:ext>
-              <a:ext uri="{C183D7F6-B498-43B3-948B-1728B52AA6E4}">
-                <adec:decorative xmlns:adec="http://schemas.microsoft.com/office/drawing/2017/decorative" val="1"/>
-              </a:ext>
-            </a:extLst>
-          </p:cNvPr>
-          <p:cNvSpPr>
-            <a:spLocks noGrp="1" noRot="1" noChangeAspect="1" noMove="1" noResize="1" noEditPoints="1" noAdjustHandles="1" noChangeArrowheads="1" noChangeShapeType="1" noTextEdit="1"/>
-          </p:cNvSpPr>
-          <p:nvPr>
-            <p:extLst>
-              <p:ext uri="{386F3935-93C4-4BCD-93E2-E3B085C9AB24}">
-                <p16:designElem xmlns:p16="http://schemas.microsoft.com/office/powerpoint/2015/main" val="1"/>
-              </p:ext>
-            </p:extLst>
-          </p:nvPr>
-        </p:nvSpPr>
-        <p:spPr>
-          <a:xfrm>
-            <a:off x="0" y="0"/>
-            <a:ext cx="12192000" cy="6858000"/>
-          </a:xfrm>
-          <a:prstGeom prst="rect">
-            <a:avLst/>
-          </a:prstGeom>
-          <a:ln>
-            <a:noFill/>
-          </a:ln>
-        </p:spPr>
-        <p:style>
-          <a:lnRef idx="2">
-            <a:schemeClr val="accent1">
-              <a:shade val="50000"/>
-            </a:schemeClr>
-          </a:lnRef>
-          <a:fillRef idx="1">
-            <a:schemeClr val="accent1"/>
-          </a:fillRef>
-          <a:effectRef idx="0">
-            <a:schemeClr val="accent1"/>
-          </a:effectRef>
-          <a:fontRef idx="minor">
-            <a:schemeClr val="lt1"/>
-          </a:fontRef>
-        </p:style>
-        <p:txBody>
-          <a:bodyPr rtlCol="0" anchor="ctr"/>
-          <a:lstStyle/>
-          <a:p>
-            <a:pPr algn="ctr"/>
-            <a:endParaRPr lang="en-US"/>
-          </a:p>
-        </p:txBody>
-      </p:sp>
-      <p:sp>
-        <p:nvSpPr>
-          <p:cNvPr id="11" name="Rectangle 10">
-            <a:extLst>
-              <a:ext uri="{FF2B5EF4-FFF2-40B4-BE49-F238E27FC236}">
-                <a16:creationId xmlns:a16="http://schemas.microsoft.com/office/drawing/2014/main" id="{5531F876-DD64-45F5-9D2F-5B0329068DA7}"/>
-              </a:ext>
-              <a:ext uri="{C183D7F6-B498-43B3-948B-1728B52AA6E4}">
-                <adec:decorative xmlns:adec="http://schemas.microsoft.com/office/drawing/2017/decorative" val="1"/>
-              </a:ext>
-            </a:extLst>
-          </p:cNvPr>
-          <p:cNvSpPr>
-            <a:spLocks noGrp="1" noRot="1" noChangeAspect="1" noMove="1" noResize="1" noEditPoints="1" noAdjustHandles="1" noChangeArrowheads="1" noChangeShapeType="1" noTextEdit="1"/>
-          </p:cNvSpPr>
-          <p:nvPr>
-            <p:extLst>
-              <p:ext uri="{386F3935-93C4-4BCD-93E2-E3B085C9AB24}">
-                <p16:designElem xmlns:p16="http://schemas.microsoft.com/office/powerpoint/2015/main" val="1"/>
-              </p:ext>
-            </p:extLst>
-          </p:nvPr>
-        </p:nvSpPr>
-        <p:spPr>
-          <a:xfrm>
-            <a:off x="0" y="3021879"/>
-            <a:ext cx="12192000" cy="814243"/>
-          </a:xfrm>
-          <a:prstGeom prst="rect">
-            <a:avLst/>
-          </a:prstGeom>
-          <a:solidFill>
-            <a:schemeClr val="tx1"/>
-          </a:solidFill>
-          <a:ln>
-            <a:noFill/>
-          </a:ln>
-        </p:spPr>
-        <p:style>
-          <a:lnRef idx="2">
-            <a:schemeClr val="accent1">
-              <a:shade val="50000"/>
-            </a:schemeClr>
-          </a:lnRef>
-          <a:fillRef idx="1">
-            <a:schemeClr val="accent1"/>
-          </a:fillRef>
-          <a:effectRef idx="0">
-            <a:schemeClr val="accent1"/>
-          </a:effectRef>
-          <a:fontRef idx="minor">
-            <a:schemeClr val="lt1"/>
-          </a:fontRef>
-        </p:style>
-        <p:txBody>
-          <a:bodyPr rtlCol="0" anchor="ctr"/>
-          <a:lstStyle/>
-          <a:p>
-            <a:pPr algn="ctr"/>
-            <a:endParaRPr lang="en-US"/>
-          </a:p>
-        </p:txBody>
-      </p:sp>
-      <p:sp>
-        <p:nvSpPr>
           <p:cNvPr id="2" name="Title 1">
             <a:extLst>
               <a:ext uri="{FF2B5EF4-FFF2-40B4-BE49-F238E27FC236}">
@@ -4287,184 +8318,6 @@
       </p:grpSpPr>
       <p:sp>
         <p:nvSpPr>
-          <p:cNvPr id="7" name="Rectangle 6">
-            <a:extLst>
-              <a:ext uri="{FF2B5EF4-FFF2-40B4-BE49-F238E27FC236}">
-                <a16:creationId xmlns:a16="http://schemas.microsoft.com/office/drawing/2014/main" id="{13E75778-8865-451E-A418-58B337FE5B33}"/>
-              </a:ext>
-              <a:ext uri="{C183D7F6-B498-43B3-948B-1728B52AA6E4}">
-                <adec:decorative xmlns:adec="http://schemas.microsoft.com/office/drawing/2017/decorative" val="1"/>
-              </a:ext>
-            </a:extLst>
-          </p:cNvPr>
-          <p:cNvSpPr>
-            <a:spLocks noGrp="1" noRot="1" noChangeAspect="1" noMove="1" noResize="1" noEditPoints="1" noAdjustHandles="1" noChangeArrowheads="1" noChangeShapeType="1" noTextEdit="1"/>
-          </p:cNvSpPr>
-          <p:nvPr>
-            <p:extLst>
-              <p:ext uri="{386F3935-93C4-4BCD-93E2-E3B085C9AB24}">
-                <p16:designElem xmlns:p16="http://schemas.microsoft.com/office/powerpoint/2015/main" val="1"/>
-              </p:ext>
-            </p:extLst>
-          </p:nvPr>
-        </p:nvSpPr>
-        <p:spPr>
-          <a:xfrm>
-            <a:off x="-6843" y="2059012"/>
-            <a:ext cx="12195668" cy="1828800"/>
-          </a:xfrm>
-          <a:prstGeom prst="rect">
-            <a:avLst/>
-          </a:prstGeom>
-          <a:solidFill>
-            <a:schemeClr val="tx1"/>
-          </a:solidFill>
-          <a:ln>
-            <a:noFill/>
-          </a:ln>
-        </p:spPr>
-        <p:style>
-          <a:lnRef idx="2">
-            <a:schemeClr val="accent1">
-              <a:shade val="50000"/>
-            </a:schemeClr>
-          </a:lnRef>
-          <a:fillRef idx="1">
-            <a:schemeClr val="accent1"/>
-          </a:fillRef>
-          <a:effectRef idx="0">
-            <a:schemeClr val="accent1"/>
-          </a:effectRef>
-          <a:fontRef idx="minor">
-            <a:schemeClr val="lt1"/>
-          </a:fontRef>
-        </p:style>
-      </p:sp>
-      <p:sp useBgFill="1">
-        <p:nvSpPr>
-          <p:cNvPr id="9" name="Rectangle 8">
-            <a:extLst>
-              <a:ext uri="{FF2B5EF4-FFF2-40B4-BE49-F238E27FC236}">
-                <a16:creationId xmlns:a16="http://schemas.microsoft.com/office/drawing/2014/main" id="{C6D1D399-BF36-47E7-B5BF-5362EEE20A5B}"/>
-              </a:ext>
-              <a:ext uri="{C183D7F6-B498-43B3-948B-1728B52AA6E4}">
-                <adec:decorative xmlns:adec="http://schemas.microsoft.com/office/drawing/2017/decorative" val="1"/>
-              </a:ext>
-            </a:extLst>
-          </p:cNvPr>
-          <p:cNvSpPr>
-            <a:spLocks noGrp="1" noRot="1" noChangeAspect="1" noMove="1" noResize="1" noEditPoints="1" noAdjustHandles="1" noChangeArrowheads="1" noChangeShapeType="1" noTextEdit="1"/>
-          </p:cNvSpPr>
-          <p:nvPr>
-            <p:extLst>
-              <p:ext uri="{386F3935-93C4-4BCD-93E2-E3B085C9AB24}">
-                <p16:designElem xmlns:p16="http://schemas.microsoft.com/office/powerpoint/2015/main" val="1"/>
-              </p:ext>
-            </p:extLst>
-          </p:nvPr>
-        </p:nvSpPr>
-        <p:spPr>
-          <a:xfrm>
-            <a:off x="0" y="0"/>
-            <a:ext cx="12192000" cy="6858000"/>
-          </a:xfrm>
-          <a:prstGeom prst="rect">
-            <a:avLst/>
-          </a:prstGeom>
-          <a:ln>
-            <a:noFill/>
-          </a:ln>
-        </p:spPr>
-        <p:style>
-          <a:lnRef idx="2">
-            <a:schemeClr val="accent1">
-              <a:shade val="50000"/>
-            </a:schemeClr>
-          </a:lnRef>
-          <a:fillRef idx="1">
-            <a:schemeClr val="accent1"/>
-          </a:fillRef>
-          <a:effectRef idx="0">
-            <a:schemeClr val="accent1"/>
-          </a:effectRef>
-          <a:fontRef idx="minor">
-            <a:schemeClr val="lt1"/>
-          </a:fontRef>
-        </p:style>
-        <p:txBody>
-          <a:bodyPr rtlCol="0" anchor="ctr"/>
-          <a:lstStyle/>
-          <a:p>
-            <a:pPr algn="ctr"/>
-            <a:endParaRPr lang="en-US"/>
-          </a:p>
-        </p:txBody>
-      </p:sp>
-      <p:sp>
-        <p:nvSpPr>
-          <p:cNvPr id="11" name="Rectangle 10">
-            <a:extLst>
-              <a:ext uri="{FF2B5EF4-FFF2-40B4-BE49-F238E27FC236}">
-                <a16:creationId xmlns:a16="http://schemas.microsoft.com/office/drawing/2014/main" id="{5531F876-DD64-45F5-9D2F-5B0329068DA7}"/>
-              </a:ext>
-              <a:ext uri="{C183D7F6-B498-43B3-948B-1728B52AA6E4}">
-                <adec:decorative xmlns:adec="http://schemas.microsoft.com/office/drawing/2017/decorative" val="1"/>
-              </a:ext>
-            </a:extLst>
-          </p:cNvPr>
-          <p:cNvSpPr>
-            <a:spLocks noGrp="1" noRot="1" noChangeAspect="1" noMove="1" noResize="1" noEditPoints="1" noAdjustHandles="1" noChangeArrowheads="1" noChangeShapeType="1" noTextEdit="1"/>
-          </p:cNvSpPr>
-          <p:nvPr>
-            <p:extLst>
-              <p:ext uri="{386F3935-93C4-4BCD-93E2-E3B085C9AB24}">
-                <p16:designElem xmlns:p16="http://schemas.microsoft.com/office/powerpoint/2015/main" val="1"/>
-              </p:ext>
-            </p:extLst>
-          </p:nvPr>
-        </p:nvSpPr>
-        <p:spPr>
-          <a:xfrm>
-            <a:off x="0" y="3021879"/>
-            <a:ext cx="12192000" cy="814243"/>
-          </a:xfrm>
-          <a:prstGeom prst="rect">
-            <a:avLst/>
-          </a:prstGeom>
-          <a:solidFill>
-            <a:schemeClr val="tx1"/>
-          </a:solidFill>
-          <a:ln>
-            <a:noFill/>
-          </a:ln>
-        </p:spPr>
-        <p:style>
-          <a:lnRef idx="2">
-            <a:schemeClr val="accent1">
-              <a:shade val="50000"/>
-            </a:schemeClr>
-          </a:lnRef>
-          <a:fillRef idx="1">
-            <a:schemeClr val="accent1"/>
-          </a:fillRef>
-          <a:effectRef idx="0">
-            <a:schemeClr val="accent1"/>
-          </a:effectRef>
-          <a:fontRef idx="minor">
-            <a:schemeClr val="lt1"/>
-          </a:fontRef>
-        </p:style>
-        <p:txBody>
-          <a:bodyPr rtlCol="0" anchor="ctr"/>
-          <a:lstStyle/>
-          <a:p>
-            <a:pPr algn="ctr"/>
-            <a:endParaRPr lang="en-US"/>
-          </a:p>
-        </p:txBody>
-      </p:sp>
-      <p:sp>
-        <p:nvSpPr>
           <p:cNvPr id="2" name="Title 1">
             <a:extLst>
               <a:ext uri="{FF2B5EF4-FFF2-40B4-BE49-F238E27FC236}">
@@ -5082,12 +8935,7 @@
             <p:ph type="title"/>
           </p:nvPr>
         </p:nvSpPr>
-        <p:spPr>
-          <a:xfrm>
-            <a:off x="1202919" y="284176"/>
-            <a:ext cx="9784080" cy="1508760"/>
-          </a:xfrm>
-        </p:spPr>
+        <p:spPr/>
         <p:txBody>
           <a:bodyPr>
             <a:normAutofit/>
@@ -5097,6 +8945,47 @@
             <a:r>
               <a:rPr lang="en-US" dirty="0"/>
               <a:t>Removing data with no importance	</a:t>
+            </a:r>
+          </a:p>
+        </p:txBody>
+      </p:sp>
+      <p:sp>
+        <p:nvSpPr>
+          <p:cNvPr id="10" name="Content Placeholder 9">
+            <a:extLst>
+              <a:ext uri="{FF2B5EF4-FFF2-40B4-BE49-F238E27FC236}">
+                <a16:creationId xmlns:a16="http://schemas.microsoft.com/office/drawing/2014/main" id="{246F2DAC-5472-4ECC-B505-F7E580445579}"/>
+              </a:ext>
+            </a:extLst>
+          </p:cNvPr>
+          <p:cNvSpPr>
+            <a:spLocks noGrp="1"/>
+          </p:cNvSpPr>
+          <p:nvPr>
+            <p:ph idx="1"/>
+          </p:nvPr>
+        </p:nvSpPr>
+        <p:spPr>
+          <a:xfrm>
+            <a:off x="7619999" y="2045110"/>
+            <a:ext cx="3366999" cy="4172810"/>
+          </a:xfrm>
+        </p:spPr>
+        <p:txBody>
+          <a:bodyPr>
+            <a:normAutofit/>
+          </a:bodyPr>
+          <a:lstStyle/>
+          <a:p>
+            <a:r>
+              <a:rPr lang="en-US" sz="1800" dirty="0"/>
+              <a:t>There are several rows in the dataset which contains no street, no district, no location etc. </a:t>
+            </a:r>
+          </a:p>
+          <a:p>
+            <a:r>
+              <a:rPr lang="en-US" sz="1800" dirty="0"/>
+              <a:t>This step is taken to take care of that. </a:t>
             </a:r>
           </a:p>
         </p:txBody>
@@ -5131,47 +9020,6 @@
           </a:prstGeom>
         </p:spPr>
       </p:pic>
-      <p:sp>
-        <p:nvSpPr>
-          <p:cNvPr id="10" name="Content Placeholder 9">
-            <a:extLst>
-              <a:ext uri="{FF2B5EF4-FFF2-40B4-BE49-F238E27FC236}">
-                <a16:creationId xmlns:a16="http://schemas.microsoft.com/office/drawing/2014/main" id="{246F2DAC-5472-4ECC-B505-F7E580445579}"/>
-              </a:ext>
-            </a:extLst>
-          </p:cNvPr>
-          <p:cNvSpPr>
-            <a:spLocks noGrp="1"/>
-          </p:cNvSpPr>
-          <p:nvPr>
-            <p:ph idx="1"/>
-          </p:nvPr>
-        </p:nvSpPr>
-        <p:spPr>
-          <a:xfrm>
-            <a:off x="7619999" y="2045110"/>
-            <a:ext cx="3366999" cy="4172810"/>
-          </a:xfrm>
-        </p:spPr>
-        <p:txBody>
-          <a:bodyPr>
-            <a:normAutofit/>
-          </a:bodyPr>
-          <a:lstStyle/>
-          <a:p>
-            <a:r>
-              <a:rPr lang="en-US" sz="1800" dirty="0"/>
-              <a:t>There are several rows in the dataset which contains no street, no district, no location etc. </a:t>
-            </a:r>
-          </a:p>
-          <a:p>
-            <a:r>
-              <a:rPr lang="en-US" sz="1800" dirty="0"/>
-              <a:t>This step is taken to take care of that. </a:t>
-            </a:r>
-          </a:p>
-        </p:txBody>
-      </p:sp>
     </p:spTree>
     <p:extLst>
       <p:ext uri="{BB962C8B-B14F-4D97-AF65-F5344CB8AC3E}">
@@ -5226,12 +9074,7 @@
             <p:ph type="title"/>
           </p:nvPr>
         </p:nvSpPr>
-        <p:spPr>
-          <a:xfrm>
-            <a:off x="1202919" y="284176"/>
-            <a:ext cx="9784080" cy="1508760"/>
-          </a:xfrm>
-        </p:spPr>
+        <p:spPr/>
         <p:txBody>
           <a:bodyPr>
             <a:normAutofit/>
@@ -5398,8 +9241,8 @@
         </p:blipFill>
         <p:spPr>
           <a:xfrm>
-            <a:off x="1421425" y="2011363"/>
-            <a:ext cx="9347563" cy="4206875"/>
+            <a:off x="2849328" y="2133600"/>
+            <a:ext cx="8395169" cy="3778250"/>
           </a:xfrm>
           <a:prstGeom prst="rect">
             <a:avLst/>
@@ -5420,55 +9263,55 @@
 </file>
 
 <file path=ppt/theme/theme1.xml><?xml version="1.0" encoding="utf-8"?>
-<a:theme xmlns:a="http://schemas.openxmlformats.org/drawingml/2006/main" name="Banded">
+<a:theme xmlns:a="http://schemas.openxmlformats.org/drawingml/2006/main" name="Wisp">
   <a:themeElements>
-    <a:clrScheme name="Banded">
+    <a:clrScheme name="Wisp">
       <a:dk1>
-        <a:srgbClr val="2C2C2C"/>
+        <a:sysClr val="windowText" lastClr="000000"/>
       </a:dk1>
       <a:lt1>
-        <a:srgbClr val="FFFFFF"/>
+        <a:sysClr val="window" lastClr="FFFFFF"/>
       </a:lt1>
       <a:dk2>
-        <a:srgbClr val="099BDD"/>
+        <a:srgbClr val="766F54"/>
       </a:dk2>
       <a:lt2>
-        <a:srgbClr val="F2F2F2"/>
+        <a:srgbClr val="E3EACF"/>
       </a:lt2>
       <a:accent1>
-        <a:srgbClr val="FFC000"/>
+        <a:srgbClr val="A53010"/>
       </a:accent1>
       <a:accent2>
-        <a:srgbClr val="A5D028"/>
+        <a:srgbClr val="DE7E18"/>
       </a:accent2>
       <a:accent3>
-        <a:srgbClr val="08CC78"/>
+        <a:srgbClr val="9F8351"/>
       </a:accent3>
       <a:accent4>
-        <a:srgbClr val="F24099"/>
+        <a:srgbClr val="728653"/>
       </a:accent4>
       <a:accent5>
-        <a:srgbClr val="828288"/>
+        <a:srgbClr val="92AA4C"/>
       </a:accent5>
       <a:accent6>
-        <a:srgbClr val="F56617"/>
+        <a:srgbClr val="6AAC91"/>
       </a:accent6>
       <a:hlink>
-        <a:srgbClr val="005DBA"/>
+        <a:srgbClr val="FB4A18"/>
       </a:hlink>
       <a:folHlink>
-        <a:srgbClr val="6C606A"/>
+        <a:srgbClr val="FB9318"/>
       </a:folHlink>
     </a:clrScheme>
-    <a:fontScheme name="Banded">
+    <a:fontScheme name="Wisp">
       <a:majorFont>
-        <a:latin typeface="Corbel" panose="020B0503020204020204"/>
+        <a:latin typeface="Century Gothic" panose="020B0502020202020204"/>
         <a:ea typeface=""/>
         <a:cs typeface=""/>
-        <a:font script="Jpan" typeface="ＭＳ ゴシック"/>
-        <a:font script="Hang" typeface="맑은 고딕"/>
-        <a:font script="Hans" typeface="宋体"/>
-        <a:font script="Hant" typeface="新細明體"/>
+        <a:font script="Jpan" typeface="メイリオ"/>
+        <a:font script="Hang" typeface="HY중고딕"/>
+        <a:font script="Hans" typeface="幼圆"/>
+        <a:font script="Hant" typeface="微軟正黑體"/>
         <a:font script="Arab" typeface="Tahoma"/>
         <a:font script="Hebr" typeface="Gisha"/>
         <a:font script="Thai" typeface="DilleniaUPC"/>
@@ -5497,13 +9340,13 @@
         <a:font script="Geor" typeface="Sylfaen"/>
       </a:majorFont>
       <a:minorFont>
-        <a:latin typeface="Corbel" panose="020B0503020204020204"/>
+        <a:latin typeface="Century Gothic" panose="020B0502020202020204"/>
         <a:ea typeface=""/>
         <a:cs typeface=""/>
-        <a:font script="Jpan" typeface="ＭＳ ゴシック"/>
-        <a:font script="Hang" typeface="맑은 고딕"/>
-        <a:font script="Hans" typeface="宋体"/>
-        <a:font script="Hant" typeface="新細明體"/>
+        <a:font script="Jpan" typeface="メイリオ"/>
+        <a:font script="Hang" typeface="HY중고딕"/>
+        <a:font script="Hans" typeface="幼圆"/>
+        <a:font script="Hant" typeface="微軟正黑體"/>
         <a:font script="Arab" typeface="Tahoma"/>
         <a:font script="Hebr" typeface="Gisha"/>
         <a:font script="Thai" typeface="DilleniaUPC"/>
@@ -5527,64 +9370,34 @@
         <a:font script="Laoo" typeface="DokChampa"/>
         <a:font script="Sinh" typeface="Iskoola Pota"/>
         <a:font script="Mong" typeface="Mongolian Baiti"/>
-        <a:font script="Viet" typeface="Verdana"/>
+        <a:font script="Viet" typeface="Tahoma"/>
         <a:font script="Uigh" typeface="Microsoft Uighur"/>
         <a:font script="Geor" typeface="Sylfaen"/>
       </a:minorFont>
     </a:fontScheme>
-    <a:fmtScheme name="Banded">
+    <a:fmtScheme name="Wisp">
       <a:fillStyleLst>
         <a:solidFill>
           <a:schemeClr val="phClr"/>
+        </a:solidFill>
+        <a:solidFill>
+          <a:schemeClr val="phClr">
+            <a:tint val="70000"/>
+            <a:lumMod val="104000"/>
+          </a:schemeClr>
         </a:solidFill>
         <a:gradFill rotWithShape="1">
           <a:gsLst>
             <a:gs pos="0">
               <a:schemeClr val="phClr">
-                <a:tint val="65000"/>
-                <a:satMod val="120000"/>
-                <a:lumMod val="107000"/>
-              </a:schemeClr>
-            </a:gs>
-            <a:gs pos="50000">
-              <a:schemeClr val="phClr">
-                <a:tint val="70000"/>
-                <a:satMod val="124000"/>
-                <a:lumMod val="103000"/>
+                <a:tint val="96000"/>
+                <a:lumMod val="104000"/>
               </a:schemeClr>
             </a:gs>
             <a:gs pos="100000">
               <a:schemeClr val="phClr">
-                <a:tint val="85000"/>
-                <a:satMod val="120000"/>
-                <a:lumMod val="100000"/>
-              </a:schemeClr>
-            </a:gs>
-          </a:gsLst>
-          <a:lin ang="5400000" scaled="0"/>
-        </a:gradFill>
-        <a:gradFill rotWithShape="1">
-          <a:gsLst>
-            <a:gs pos="0">
-              <a:schemeClr val="phClr">
-                <a:tint val="85000"/>
                 <a:shade val="98000"/>
-                <a:satMod val="110000"/>
-                <a:lumMod val="103000"/>
-              </a:schemeClr>
-            </a:gs>
-            <a:gs pos="50000">
-              <a:schemeClr val="phClr">
-                <a:shade val="85000"/>
-                <a:satMod val="105000"/>
-                <a:lumMod val="100000"/>
-              </a:schemeClr>
-            </a:gs>
-            <a:gs pos="100000">
-              <a:schemeClr val="phClr">
-                <a:shade val="60000"/>
-                <a:satMod val="120000"/>
-                <a:lumMod val="100000"/>
+                <a:lumMod val="94000"/>
               </a:schemeClr>
             </a:gs>
           </a:gsLst>
@@ -5592,19 +9405,21 @@
         </a:gradFill>
       </a:fillStyleLst>
       <a:lnStyleLst>
-        <a:ln w="9525" cap="flat" cmpd="sng" algn="ctr">
+        <a:ln w="9525" cap="rnd" cmpd="sng" algn="ctr">
+          <a:solidFill>
+            <a:schemeClr val="phClr">
+              <a:shade val="90000"/>
+            </a:schemeClr>
+          </a:solidFill>
+          <a:prstDash val="solid"/>
+        </a:ln>
+        <a:ln w="15875" cap="rnd" cmpd="sng" algn="ctr">
           <a:solidFill>
             <a:schemeClr val="phClr"/>
           </a:solidFill>
           <a:prstDash val="solid"/>
         </a:ln>
-        <a:ln w="12700" cap="flat" cmpd="sng" algn="ctr">
-          <a:solidFill>
-            <a:schemeClr val="phClr"/>
-          </a:solidFill>
-          <a:prstDash val="solid"/>
-        </a:ln>
-        <a:ln w="25400" cap="flat" cmpd="sng" algn="ctr">
+        <a:ln w="22225" cap="rnd" cmpd="sng" algn="ctr">
           <a:solidFill>
             <a:schemeClr val="phClr"/>
           </a:solidFill>
@@ -5617,18 +9432,18 @@
         </a:effectStyle>
         <a:effectStyle>
           <a:effectLst>
-            <a:outerShdw blurRad="50800" dist="15875" dir="5400000" algn="ctr" rotWithShape="0">
+            <a:outerShdw blurRad="38100" dist="25400" dir="5400000" rotWithShape="0">
               <a:srgbClr val="000000">
-                <a:alpha val="68000"/>
+                <a:alpha val="25000"/>
               </a:srgbClr>
             </a:outerShdw>
           </a:effectLst>
         </a:effectStyle>
         <a:effectStyle>
           <a:effectLst>
-            <a:outerShdw blurRad="88900" dist="27940" dir="5400000" algn="ctr" rotWithShape="0">
+            <a:outerShdw blurRad="50800" dist="38100" dir="5400000" rotWithShape="0">
               <a:srgbClr val="000000">
-                <a:alpha val="63000"/>
+                <a:alpha val="60000"/>
               </a:srgbClr>
             </a:outerShdw>
           </a:effectLst>
@@ -5638,35 +9453,44 @@
         <a:solidFill>
           <a:schemeClr val="phClr"/>
         </a:solidFill>
-        <a:blipFill rotWithShape="1">
-          <a:blip xmlns:r="http://schemas.openxmlformats.org/officeDocument/2006/relationships" r:embed="rId1">
-            <a:duotone>
-              <a:schemeClr val="phClr"/>
-              <a:schemeClr val="phClr">
-                <a:shade val="91000"/>
-                <a:satMod val="105000"/>
-              </a:schemeClr>
-            </a:duotone>
-          </a:blip>
-          <a:tile tx="0" ty="0" sx="100000" sy="100000" flip="none" algn="tl"/>
-        </a:blipFill>
         <a:gradFill rotWithShape="1">
           <a:gsLst>
             <a:gs pos="0">
               <a:schemeClr val="phClr">
-                <a:tint val="100000"/>
-                <a:shade val="0"/>
-                <a:satMod val="100000"/>
+                <a:tint val="90000"/>
+                <a:lumMod val="120000"/>
               </a:schemeClr>
             </a:gs>
             <a:gs pos="100000">
               <a:schemeClr val="phClr">
-                <a:shade val="100000"/>
-                <a:satMod val="100000"/>
+                <a:shade val="98000"/>
+                <a:satMod val="120000"/>
+                <a:lumMod val="98000"/>
               </a:schemeClr>
             </a:gs>
           </a:gsLst>
           <a:lin ang="5400000" scaled="0"/>
+        </a:gradFill>
+        <a:gradFill rotWithShape="1">
+          <a:gsLst>
+            <a:gs pos="0">
+              <a:schemeClr val="phClr">
+                <a:tint val="90000"/>
+                <a:satMod val="92000"/>
+                <a:lumMod val="120000"/>
+              </a:schemeClr>
+            </a:gs>
+            <a:gs pos="100000">
+              <a:schemeClr val="phClr">
+                <a:shade val="98000"/>
+                <a:satMod val="120000"/>
+                <a:lumMod val="98000"/>
+              </a:schemeClr>
+            </a:gs>
+          </a:gsLst>
+          <a:path path="circle">
+            <a:fillToRect l="50000" t="50000" r="100000" b="100000"/>
+          </a:path>
         </a:gradFill>
       </a:bgFillStyleLst>
     </a:fmtScheme>
@@ -5675,7 +9499,7 @@
   <a:extraClrSchemeLst/>
   <a:extLst>
     <a:ext uri="{05A4C25C-085E-4340-85A3-A5531E510DB2}">
-      <thm15:themeFamily xmlns:thm15="http://schemas.microsoft.com/office/thememl/2012/main" name="Banded" id="{98DFF888-2449-4D28-977C-6306C017633E}" vid="{9792607F-9579-4224-82FF-9C88C3E1E53D}"/>
+      <thm15:themeFamily xmlns:thm15="http://schemas.microsoft.com/office/thememl/2012/main" name="Wisp" id="{7CB32D59-10C0-40DD-B7BD-2E94284A981C}" vid="{24B1A44C-C006-48B2-A4D7-E5549B3D8CD4}"/>
     </a:ext>
   </a:extLst>
 </a:theme>

--- a/Presentation.pptx
+++ b/Presentation.pptx
@@ -21,6 +21,17 @@
     <p:sldId id="269" r:id="rId15"/>
     <p:sldId id="270" r:id="rId16"/>
     <p:sldId id="271" r:id="rId17"/>
+    <p:sldId id="272" r:id="rId18"/>
+    <p:sldId id="273" r:id="rId19"/>
+    <p:sldId id="274" r:id="rId20"/>
+    <p:sldId id="275" r:id="rId21"/>
+    <p:sldId id="276" r:id="rId22"/>
+    <p:sldId id="277" r:id="rId23"/>
+    <p:sldId id="279" r:id="rId24"/>
+    <p:sldId id="281" r:id="rId25"/>
+    <p:sldId id="282" r:id="rId26"/>
+    <p:sldId id="283" r:id="rId27"/>
+    <p:sldId id="284" r:id="rId28"/>
   </p:sldIdLst>
   <p:sldSz cx="12192000" cy="6858000"/>
   <p:notesSz cx="6858000" cy="9144000"/>
@@ -8372,6 +8383,32 @@
 <file path=ppt/slides/slide16.xml><?xml version="1.0" encoding="utf-8"?>
 <p:sld xmlns:a="http://schemas.openxmlformats.org/drawingml/2006/main" xmlns:r="http://schemas.openxmlformats.org/officeDocument/2006/relationships" xmlns:p="http://schemas.openxmlformats.org/presentationml/2006/main">
   <p:cSld>
+    <p:bg>
+      <p:bgPr>
+        <a:gradFill rotWithShape="1">
+          <a:gsLst>
+            <a:gs pos="0">
+              <a:schemeClr val="bg2">
+                <a:tint val="90000"/>
+                <a:satMod val="92000"/>
+                <a:lumMod val="120000"/>
+              </a:schemeClr>
+            </a:gs>
+            <a:gs pos="100000">
+              <a:schemeClr val="bg2">
+                <a:shade val="98000"/>
+                <a:satMod val="120000"/>
+                <a:lumMod val="98000"/>
+              </a:schemeClr>
+            </a:gs>
+          </a:gsLst>
+          <a:path path="circle">
+            <a:fillToRect l="50000" t="50000" r="100000" b="100000"/>
+          </a:path>
+        </a:gradFill>
+        <a:effectLst/>
+      </p:bgPr>
+    </p:bg>
     <p:spTree>
       <p:nvGrpSpPr>
         <p:cNvPr id="1" name=""/>
@@ -8386,6 +8423,66 @@
           <a:chExt cx="0" cy="0"/>
         </a:xfrm>
       </p:grpSpPr>
+      <p:sp useBgFill="1">
+        <p:nvSpPr>
+          <p:cNvPr id="12" name="Rectangle 11">
+            <a:extLst>
+              <a:ext uri="{FF2B5EF4-FFF2-40B4-BE49-F238E27FC236}">
+                <a16:creationId xmlns:a16="http://schemas.microsoft.com/office/drawing/2014/main" id="{3F4C104D-5F30-4811-9376-566B26E4719A}"/>
+              </a:ext>
+              <a:ext uri="{C183D7F6-B498-43B3-948B-1728B52AA6E4}">
+                <adec:decorative xmlns:adec="http://schemas.microsoft.com/office/drawing/2017/decorative" val="1"/>
+              </a:ext>
+            </a:extLst>
+          </p:cNvPr>
+          <p:cNvSpPr>
+            <a:spLocks noGrp="1" noRot="1" noChangeAspect="1" noMove="1" noResize="1" noEditPoints="1" noAdjustHandles="1" noChangeArrowheads="1" noChangeShapeType="1" noTextEdit="1"/>
+          </p:cNvSpPr>
+          <p:nvPr>
+            <p:extLst>
+              <p:ext uri="{386F3935-93C4-4BCD-93E2-E3B085C9AB24}">
+                <p16:designElem xmlns:p16="http://schemas.microsoft.com/office/powerpoint/2015/main" val="1"/>
+              </p:ext>
+            </p:extLst>
+          </p:nvPr>
+        </p:nvSpPr>
+        <p:spPr>
+          <a:xfrm>
+            <a:off x="0" y="-786"/>
+            <a:ext cx="12192000" cy="6854038"/>
+          </a:xfrm>
+          <a:prstGeom prst="rect">
+            <a:avLst/>
+          </a:prstGeom>
+          <a:ln>
+            <a:noFill/>
+          </a:ln>
+        </p:spPr>
+        <p:style>
+          <a:lnRef idx="2">
+            <a:schemeClr val="accent1">
+              <a:shade val="50000"/>
+            </a:schemeClr>
+          </a:lnRef>
+          <a:fillRef idx="1">
+            <a:schemeClr val="accent1"/>
+          </a:fillRef>
+          <a:effectRef idx="0">
+            <a:schemeClr val="accent1"/>
+          </a:effectRef>
+          <a:fontRef idx="minor">
+            <a:schemeClr val="lt1"/>
+          </a:fontRef>
+        </p:style>
+        <p:txBody>
+          <a:bodyPr rtlCol="0" anchor="ctr"/>
+          <a:lstStyle/>
+          <a:p>
+            <a:pPr algn="ctr"/>
+            <a:endParaRPr lang="en-US"/>
+          </a:p>
+        </p:txBody>
+      </p:sp>
       <p:sp>
         <p:nvSpPr>
           <p:cNvPr id="2" name="Title 1">
@@ -8402,13 +8499,25 @@
             <p:ph type="title"/>
           </p:nvPr>
         </p:nvSpPr>
-        <p:spPr/>
-        <p:txBody>
-          <a:bodyPr/>
-          <a:lstStyle/>
-          <a:p>
-            <a:r>
-              <a:rPr lang="en-US" dirty="0"/>
+        <p:spPr>
+          <a:xfrm>
+            <a:off x="649224" y="645106"/>
+            <a:ext cx="3650279" cy="1259894"/>
+          </a:xfrm>
+        </p:spPr>
+        <p:txBody>
+          <a:bodyPr>
+            <a:normAutofit/>
+          </a:bodyPr>
+          <a:lstStyle/>
+          <a:p>
+            <a:pPr>
+              <a:lnSpc>
+                <a:spcPct val="90000"/>
+              </a:lnSpc>
+            </a:pPr>
+            <a:r>
+              <a:rPr lang="en-US" sz="2800"/>
               <a:t>Interesting statistics of crime data</a:t>
             </a:r>
           </a:p>
@@ -8416,26 +8525,337 @@
       </p:sp>
       <p:sp>
         <p:nvSpPr>
-          <p:cNvPr id="3" name="Content Placeholder 2">
+          <p:cNvPr id="14" name="Rectangle 13">
             <a:extLst>
               <a:ext uri="{FF2B5EF4-FFF2-40B4-BE49-F238E27FC236}">
-                <a16:creationId xmlns:a16="http://schemas.microsoft.com/office/drawing/2014/main" id="{4C9164DE-884A-4CD0-B45B-5DBCC0BBA993}"/>
+                <a16:creationId xmlns:a16="http://schemas.microsoft.com/office/drawing/2014/main" id="{0815E34B-5D02-4E01-A936-E8E1C0AB6F12}"/>
+              </a:ext>
+              <a:ext uri="{C183D7F6-B498-43B3-948B-1728B52AA6E4}">
+                <adec:decorative xmlns:adec="http://schemas.microsoft.com/office/drawing/2017/decorative" val="1"/>
               </a:ext>
             </a:extLst>
           </p:cNvPr>
           <p:cNvSpPr>
+            <a:spLocks noGrp="1" noRot="1" noChangeAspect="1" noMove="1" noResize="1" noEditPoints="1" noAdjustHandles="1" noChangeArrowheads="1" noChangeShapeType="1" noTextEdit="1"/>
+          </p:cNvSpPr>
+          <p:nvPr>
+            <p:extLst>
+              <p:ext uri="{386F3935-93C4-4BCD-93E2-E3B085C9AB24}">
+                <p16:designElem xmlns:p16="http://schemas.microsoft.com/office/powerpoint/2015/main" val="1"/>
+              </p:ext>
+            </p:extLst>
+          </p:nvPr>
+        </p:nvSpPr>
+        <p:spPr>
+          <a:xfrm>
+            <a:off x="0" y="0"/>
+            <a:ext cx="182880" cy="6858000"/>
+          </a:xfrm>
+          <a:prstGeom prst="rect">
+            <a:avLst/>
+          </a:prstGeom>
+          <a:solidFill>
+            <a:schemeClr val="tx2"/>
+          </a:solidFill>
+          <a:ln>
+            <a:noFill/>
+          </a:ln>
+          <a:effectLst/>
+        </p:spPr>
+        <p:style>
+          <a:lnRef idx="1">
+            <a:schemeClr val="accent1"/>
+          </a:lnRef>
+          <a:fillRef idx="3">
+            <a:schemeClr val="accent1"/>
+          </a:fillRef>
+          <a:effectRef idx="2">
+            <a:schemeClr val="accent1"/>
+          </a:effectRef>
+          <a:fontRef idx="minor">
+            <a:schemeClr val="lt1"/>
+          </a:fontRef>
+        </p:style>
+      </p:sp>
+      <p:sp>
+        <p:nvSpPr>
+          <p:cNvPr id="9" name="Content Placeholder 8">
+            <a:extLst>
+              <a:ext uri="{FF2B5EF4-FFF2-40B4-BE49-F238E27FC236}">
+                <a16:creationId xmlns:a16="http://schemas.microsoft.com/office/drawing/2014/main" id="{943C468A-B2D2-42C8-AFFC-B30DC0FCD539}"/>
+              </a:ext>
+            </a:extLst>
+          </p:cNvPr>
+          <p:cNvSpPr>
             <a:spLocks noGrp="1"/>
           </p:cNvSpPr>
           <p:nvPr>
             <p:ph idx="1"/>
           </p:nvPr>
         </p:nvSpPr>
-        <p:spPr/>
-        <p:txBody>
-          <a:bodyPr/>
-          <a:lstStyle/>
-          <a:p>
-            <a:endParaRPr lang="en-US" dirty="0"/>
+        <p:spPr>
+          <a:xfrm>
+            <a:off x="649225" y="2133600"/>
+            <a:ext cx="3650278" cy="3759253"/>
+          </a:xfrm>
+        </p:spPr>
+        <p:txBody>
+          <a:bodyPr>
+            <a:normAutofit/>
+          </a:bodyPr>
+          <a:lstStyle/>
+          <a:p>
+            <a:r>
+              <a:rPr lang="en-US" dirty="0"/>
+              <a:t>Part one crime statistics. </a:t>
+            </a:r>
+          </a:p>
+        </p:txBody>
+      </p:sp>
+      <p:pic>
+        <p:nvPicPr>
+          <p:cNvPr id="7" name="Content Placeholder 3">
+            <a:extLst>
+              <a:ext uri="{FF2B5EF4-FFF2-40B4-BE49-F238E27FC236}">
+                <a16:creationId xmlns:a16="http://schemas.microsoft.com/office/drawing/2014/main" id="{934D4000-3A73-472A-9A6C-5D6F3436A7E2}"/>
+              </a:ext>
+            </a:extLst>
+          </p:cNvPr>
+          <p:cNvPicPr>
+            <a:picLocks noChangeAspect="1"/>
+          </p:cNvPicPr>
+          <p:nvPr/>
+        </p:nvPicPr>
+        <p:blipFill>
+          <a:blip r:embed="rId2"/>
+          <a:stretch>
+            <a:fillRect/>
+          </a:stretch>
+        </p:blipFill>
+        <p:spPr>
+          <a:xfrm>
+            <a:off x="4619543" y="1206470"/>
+            <a:ext cx="6953577" cy="4119993"/>
+          </a:xfrm>
+          <a:prstGeom prst="rect">
+            <a:avLst/>
+          </a:prstGeom>
+        </p:spPr>
+      </p:pic>
+      <p:sp>
+        <p:nvSpPr>
+          <p:cNvPr id="16" name="Freeform 11">
+            <a:extLst>
+              <a:ext uri="{FF2B5EF4-FFF2-40B4-BE49-F238E27FC236}">
+                <a16:creationId xmlns:a16="http://schemas.microsoft.com/office/drawing/2014/main" id="{7DE3414B-B032-4710-A468-D3285E38C5FF}"/>
+              </a:ext>
+              <a:ext uri="{C183D7F6-B498-43B3-948B-1728B52AA6E4}">
+                <adec:decorative xmlns:adec="http://schemas.microsoft.com/office/drawing/2017/decorative" val="1"/>
+              </a:ext>
+            </a:extLst>
+          </p:cNvPr>
+          <p:cNvSpPr>
+            <a:spLocks noGrp="1" noRot="1" noChangeAspect="1" noMove="1" noResize="1" noEditPoints="1" noAdjustHandles="1" noChangeArrowheads="1" noChangeShapeType="1" noTextEdit="1"/>
+          </p:cNvSpPr>
+          <p:nvPr>
+            <p:extLst>
+              <p:ext uri="{386F3935-93C4-4BCD-93E2-E3B085C9AB24}">
+                <p16:designElem xmlns:p16="http://schemas.microsoft.com/office/powerpoint/2015/main" val="1"/>
+              </p:ext>
+            </p:extLst>
+          </p:nvPr>
+        </p:nvSpPr>
+        <p:spPr>
+          <a:xfrm>
+            <a:off x="-1" y="6061223"/>
+            <a:ext cx="1038036" cy="506277"/>
+          </a:xfrm>
+          <a:custGeom>
+            <a:avLst/>
+            <a:gdLst>
+              <a:gd name="connsiteX0" fmla="*/ 0 w 1038036"/>
+              <a:gd name="connsiteY0" fmla="*/ 0 h 506277"/>
+              <a:gd name="connsiteX1" fmla="*/ 182880 w 1038036"/>
+              <a:gd name="connsiteY1" fmla="*/ 0 h 506277"/>
+              <a:gd name="connsiteX2" fmla="*/ 291705 w 1038036"/>
+              <a:gd name="connsiteY2" fmla="*/ 0 h 506277"/>
+              <a:gd name="connsiteX3" fmla="*/ 291705 w 1038036"/>
+              <a:gd name="connsiteY3" fmla="*/ 151 h 506277"/>
+              <a:gd name="connsiteX4" fmla="*/ 692049 w 1038036"/>
+              <a:gd name="connsiteY4" fmla="*/ 705 h 506277"/>
+              <a:gd name="connsiteX5" fmla="*/ 782744 w 1038036"/>
+              <a:gd name="connsiteY5" fmla="*/ 705 h 506277"/>
+              <a:gd name="connsiteX6" fmla="*/ 797001 w 1038036"/>
+              <a:gd name="connsiteY6" fmla="*/ 5473 h 506277"/>
+              <a:gd name="connsiteX7" fmla="*/ 801982 w 1038036"/>
+              <a:gd name="connsiteY7" fmla="*/ 10242 h 506277"/>
+              <a:gd name="connsiteX8" fmla="*/ 1030951 w 1038036"/>
+              <a:gd name="connsiteY8" fmla="*/ 239185 h 506277"/>
+              <a:gd name="connsiteX9" fmla="*/ 1030951 w 1038036"/>
+              <a:gd name="connsiteY9" fmla="*/ 267797 h 506277"/>
+              <a:gd name="connsiteX10" fmla="*/ 801982 w 1038036"/>
+              <a:gd name="connsiteY10" fmla="*/ 496740 h 506277"/>
+              <a:gd name="connsiteX11" fmla="*/ 797001 w 1038036"/>
+              <a:gd name="connsiteY11" fmla="*/ 501508 h 506277"/>
+              <a:gd name="connsiteX12" fmla="*/ 782744 w 1038036"/>
+              <a:gd name="connsiteY12" fmla="*/ 506277 h 506277"/>
+              <a:gd name="connsiteX13" fmla="*/ 692049 w 1038036"/>
+              <a:gd name="connsiteY13" fmla="*/ 506277 h 506277"/>
+              <a:gd name="connsiteX14" fmla="*/ 291705 w 1038036"/>
+              <a:gd name="connsiteY14" fmla="*/ 505140 h 506277"/>
+              <a:gd name="connsiteX15" fmla="*/ 291705 w 1038036"/>
+              <a:gd name="connsiteY15" fmla="*/ 506277 h 506277"/>
+              <a:gd name="connsiteX16" fmla="*/ 0 w 1038036"/>
+              <a:gd name="connsiteY16" fmla="*/ 506277 h 506277"/>
+            </a:gdLst>
+            <a:ahLst/>
+            <a:cxnLst>
+              <a:cxn ang="0">
+                <a:pos x="connsiteX0" y="connsiteY0"/>
+              </a:cxn>
+              <a:cxn ang="0">
+                <a:pos x="connsiteX1" y="connsiteY1"/>
+              </a:cxn>
+              <a:cxn ang="0">
+                <a:pos x="connsiteX2" y="connsiteY2"/>
+              </a:cxn>
+              <a:cxn ang="0">
+                <a:pos x="connsiteX3" y="connsiteY3"/>
+              </a:cxn>
+              <a:cxn ang="0">
+                <a:pos x="connsiteX4" y="connsiteY4"/>
+              </a:cxn>
+              <a:cxn ang="0">
+                <a:pos x="connsiteX5" y="connsiteY5"/>
+              </a:cxn>
+              <a:cxn ang="0">
+                <a:pos x="connsiteX6" y="connsiteY6"/>
+              </a:cxn>
+              <a:cxn ang="0">
+                <a:pos x="connsiteX7" y="connsiteY7"/>
+              </a:cxn>
+              <a:cxn ang="0">
+                <a:pos x="connsiteX8" y="connsiteY8"/>
+              </a:cxn>
+              <a:cxn ang="0">
+                <a:pos x="connsiteX9" y="connsiteY9"/>
+              </a:cxn>
+              <a:cxn ang="0">
+                <a:pos x="connsiteX10" y="connsiteY10"/>
+              </a:cxn>
+              <a:cxn ang="0">
+                <a:pos x="connsiteX11" y="connsiteY11"/>
+              </a:cxn>
+              <a:cxn ang="0">
+                <a:pos x="connsiteX12" y="connsiteY12"/>
+              </a:cxn>
+              <a:cxn ang="0">
+                <a:pos x="connsiteX13" y="connsiteY13"/>
+              </a:cxn>
+              <a:cxn ang="0">
+                <a:pos x="connsiteX14" y="connsiteY14"/>
+              </a:cxn>
+              <a:cxn ang="0">
+                <a:pos x="connsiteX15" y="connsiteY15"/>
+              </a:cxn>
+              <a:cxn ang="0">
+                <a:pos x="connsiteX16" y="connsiteY16"/>
+              </a:cxn>
+            </a:cxnLst>
+            <a:rect l="l" t="t" r="r" b="b"/>
+            <a:pathLst>
+              <a:path w="1038036" h="506277">
+                <a:moveTo>
+                  <a:pt x="0" y="0"/>
+                </a:moveTo>
+                <a:lnTo>
+                  <a:pt x="182880" y="0"/>
+                </a:lnTo>
+                <a:lnTo>
+                  <a:pt x="291705" y="0"/>
+                </a:lnTo>
+                <a:lnTo>
+                  <a:pt x="291705" y="151"/>
+                </a:lnTo>
+                <a:lnTo>
+                  <a:pt x="692049" y="705"/>
+                </a:lnTo>
+                <a:lnTo>
+                  <a:pt x="782744" y="705"/>
+                </a:lnTo>
+                <a:cubicBezTo>
+                  <a:pt x="787553" y="705"/>
+                  <a:pt x="792363" y="5473"/>
+                  <a:pt x="797001" y="5473"/>
+                </a:cubicBezTo>
+                <a:cubicBezTo>
+                  <a:pt x="797001" y="10242"/>
+                  <a:pt x="801982" y="10242"/>
+                  <a:pt x="801982" y="10242"/>
+                </a:cubicBezTo>
+                <a:lnTo>
+                  <a:pt x="1030951" y="239185"/>
+                </a:lnTo>
+                <a:cubicBezTo>
+                  <a:pt x="1040398" y="248722"/>
+                  <a:pt x="1040398" y="258259"/>
+                  <a:pt x="1030951" y="267797"/>
+                </a:cubicBezTo>
+                <a:lnTo>
+                  <a:pt x="801982" y="496740"/>
+                </a:lnTo>
+                <a:cubicBezTo>
+                  <a:pt x="800436" y="498363"/>
+                  <a:pt x="798547" y="499885"/>
+                  <a:pt x="797001" y="501508"/>
+                </a:cubicBezTo>
+                <a:cubicBezTo>
+                  <a:pt x="792363" y="506277"/>
+                  <a:pt x="787553" y="506277"/>
+                  <a:pt x="782744" y="506277"/>
+                </a:cubicBezTo>
+                <a:lnTo>
+                  <a:pt x="692049" y="506277"/>
+                </a:lnTo>
+                <a:lnTo>
+                  <a:pt x="291705" y="505140"/>
+                </a:lnTo>
+                <a:lnTo>
+                  <a:pt x="291705" y="506277"/>
+                </a:lnTo>
+                <a:lnTo>
+                  <a:pt x="0" y="506277"/>
+                </a:lnTo>
+                <a:close/>
+              </a:path>
+            </a:pathLst>
+          </a:custGeom>
+          <a:ln>
+            <a:noFill/>
+          </a:ln>
+        </p:spPr>
+        <p:style>
+          <a:lnRef idx="2">
+            <a:schemeClr val="accent1">
+              <a:shade val="50000"/>
+            </a:schemeClr>
+          </a:lnRef>
+          <a:fillRef idx="1">
+            <a:schemeClr val="accent1"/>
+          </a:fillRef>
+          <a:effectRef idx="0">
+            <a:schemeClr val="accent1"/>
+          </a:effectRef>
+          <a:fontRef idx="minor">
+            <a:schemeClr val="lt1"/>
+          </a:fontRef>
+        </p:style>
+        <p:txBody>
+          <a:bodyPr rtlCol="0" anchor="ctr"/>
+          <a:lstStyle/>
+          <a:p>
+            <a:pPr algn="ctr"/>
+            <a:endParaRPr lang="en-US"/>
           </a:p>
         </p:txBody>
       </p:sp>
@@ -8443,6 +8863,670 @@
     <p:extLst>
       <p:ext uri="{BB962C8B-B14F-4D97-AF65-F5344CB8AC3E}">
         <p14:creationId xmlns:p14="http://schemas.microsoft.com/office/powerpoint/2010/main" val="2035697183"/>
+      </p:ext>
+    </p:extLst>
+  </p:cSld>
+  <p:clrMapOvr>
+    <a:masterClrMapping/>
+  </p:clrMapOvr>
+</p:sld>
+</file>
+
+<file path=ppt/slides/slide17.xml><?xml version="1.0" encoding="utf-8"?>
+<p:sld xmlns:a="http://schemas.openxmlformats.org/drawingml/2006/main" xmlns:r="http://schemas.openxmlformats.org/officeDocument/2006/relationships" xmlns:p="http://schemas.openxmlformats.org/presentationml/2006/main">
+  <p:cSld>
+    <p:bg>
+      <p:bgPr>
+        <a:gradFill rotWithShape="1">
+          <a:gsLst>
+            <a:gs pos="0">
+              <a:schemeClr val="bg2">
+                <a:tint val="90000"/>
+                <a:satMod val="92000"/>
+                <a:lumMod val="120000"/>
+              </a:schemeClr>
+            </a:gs>
+            <a:gs pos="100000">
+              <a:schemeClr val="bg2">
+                <a:shade val="98000"/>
+                <a:satMod val="120000"/>
+                <a:lumMod val="98000"/>
+              </a:schemeClr>
+            </a:gs>
+          </a:gsLst>
+          <a:path path="circle">
+            <a:fillToRect l="50000" t="50000" r="100000" b="100000"/>
+          </a:path>
+        </a:gradFill>
+        <a:effectLst/>
+      </p:bgPr>
+    </p:bg>
+    <p:spTree>
+      <p:nvGrpSpPr>
+        <p:cNvPr id="1" name=""/>
+        <p:cNvGrpSpPr/>
+        <p:nvPr/>
+      </p:nvGrpSpPr>
+      <p:grpSpPr>
+        <a:xfrm>
+          <a:off x="0" y="0"/>
+          <a:ext cx="0" cy="0"/>
+          <a:chOff x="0" y="0"/>
+          <a:chExt cx="0" cy="0"/>
+        </a:xfrm>
+      </p:grpSpPr>
+      <p:sp useBgFill="1">
+        <p:nvSpPr>
+          <p:cNvPr id="18" name="Rectangle 11">
+            <a:extLst>
+              <a:ext uri="{FF2B5EF4-FFF2-40B4-BE49-F238E27FC236}">
+                <a16:creationId xmlns:a16="http://schemas.microsoft.com/office/drawing/2014/main" id="{3F4C104D-5F30-4811-9376-566B26E4719A}"/>
+              </a:ext>
+              <a:ext uri="{C183D7F6-B498-43B3-948B-1728B52AA6E4}">
+                <adec:decorative xmlns:adec="http://schemas.microsoft.com/office/drawing/2017/decorative" val="1"/>
+              </a:ext>
+            </a:extLst>
+          </p:cNvPr>
+          <p:cNvSpPr>
+            <a:spLocks noGrp="1" noRot="1" noChangeAspect="1" noMove="1" noResize="1" noEditPoints="1" noAdjustHandles="1" noChangeArrowheads="1" noChangeShapeType="1" noTextEdit="1"/>
+          </p:cNvSpPr>
+          <p:nvPr>
+            <p:extLst>
+              <p:ext uri="{386F3935-93C4-4BCD-93E2-E3B085C9AB24}">
+                <p16:designElem xmlns:p16="http://schemas.microsoft.com/office/powerpoint/2015/main" val="1"/>
+              </p:ext>
+            </p:extLst>
+          </p:nvPr>
+        </p:nvSpPr>
+        <p:spPr>
+          <a:xfrm>
+            <a:off x="0" y="-786"/>
+            <a:ext cx="12192000" cy="6854038"/>
+          </a:xfrm>
+          <a:prstGeom prst="rect">
+            <a:avLst/>
+          </a:prstGeom>
+          <a:ln>
+            <a:noFill/>
+          </a:ln>
+        </p:spPr>
+        <p:style>
+          <a:lnRef idx="2">
+            <a:schemeClr val="accent1">
+              <a:shade val="50000"/>
+            </a:schemeClr>
+          </a:lnRef>
+          <a:fillRef idx="1">
+            <a:schemeClr val="accent1"/>
+          </a:fillRef>
+          <a:effectRef idx="0">
+            <a:schemeClr val="accent1"/>
+          </a:effectRef>
+          <a:fontRef idx="minor">
+            <a:schemeClr val="lt1"/>
+          </a:fontRef>
+        </p:style>
+        <p:txBody>
+          <a:bodyPr rtlCol="0" anchor="ctr"/>
+          <a:lstStyle/>
+          <a:p>
+            <a:pPr algn="ctr"/>
+            <a:endParaRPr lang="en-US"/>
+          </a:p>
+        </p:txBody>
+      </p:sp>
+      <p:sp>
+        <p:nvSpPr>
+          <p:cNvPr id="2" name="Title 1">
+            <a:extLst>
+              <a:ext uri="{FF2B5EF4-FFF2-40B4-BE49-F238E27FC236}">
+                <a16:creationId xmlns:a16="http://schemas.microsoft.com/office/drawing/2014/main" id="{F576F2BB-2C0B-4ABA-96C6-CF299A7D2B58}"/>
+              </a:ext>
+            </a:extLst>
+          </p:cNvPr>
+          <p:cNvSpPr>
+            <a:spLocks noGrp="1"/>
+          </p:cNvSpPr>
+          <p:nvPr>
+            <p:ph type="title"/>
+          </p:nvPr>
+        </p:nvSpPr>
+        <p:spPr>
+          <a:xfrm>
+            <a:off x="649224" y="645106"/>
+            <a:ext cx="3650279" cy="1259894"/>
+          </a:xfrm>
+        </p:spPr>
+        <p:txBody>
+          <a:bodyPr>
+            <a:normAutofit fontScale="90000"/>
+          </a:bodyPr>
+          <a:lstStyle/>
+          <a:p>
+            <a:r>
+              <a:rPr lang="en-US" dirty="0"/>
+              <a:t>Data according to districts.</a:t>
+            </a:r>
+          </a:p>
+        </p:txBody>
+      </p:sp>
+      <p:sp>
+        <p:nvSpPr>
+          <p:cNvPr id="19" name="Rectangle 13">
+            <a:extLst>
+              <a:ext uri="{FF2B5EF4-FFF2-40B4-BE49-F238E27FC236}">
+                <a16:creationId xmlns:a16="http://schemas.microsoft.com/office/drawing/2014/main" id="{0815E34B-5D02-4E01-A936-E8E1C0AB6F12}"/>
+              </a:ext>
+              <a:ext uri="{C183D7F6-B498-43B3-948B-1728B52AA6E4}">
+                <adec:decorative xmlns:adec="http://schemas.microsoft.com/office/drawing/2017/decorative" val="1"/>
+              </a:ext>
+            </a:extLst>
+          </p:cNvPr>
+          <p:cNvSpPr>
+            <a:spLocks noGrp="1" noRot="1" noChangeAspect="1" noMove="1" noResize="1" noEditPoints="1" noAdjustHandles="1" noChangeArrowheads="1" noChangeShapeType="1" noTextEdit="1"/>
+          </p:cNvSpPr>
+          <p:nvPr>
+            <p:extLst>
+              <p:ext uri="{386F3935-93C4-4BCD-93E2-E3B085C9AB24}">
+                <p16:designElem xmlns:p16="http://schemas.microsoft.com/office/powerpoint/2015/main" val="1"/>
+              </p:ext>
+            </p:extLst>
+          </p:nvPr>
+        </p:nvSpPr>
+        <p:spPr>
+          <a:xfrm>
+            <a:off x="0" y="0"/>
+            <a:ext cx="182880" cy="6858000"/>
+          </a:xfrm>
+          <a:prstGeom prst="rect">
+            <a:avLst/>
+          </a:prstGeom>
+          <a:solidFill>
+            <a:schemeClr val="tx2"/>
+          </a:solidFill>
+          <a:ln>
+            <a:noFill/>
+          </a:ln>
+          <a:effectLst/>
+        </p:spPr>
+        <p:style>
+          <a:lnRef idx="1">
+            <a:schemeClr val="accent1"/>
+          </a:lnRef>
+          <a:fillRef idx="3">
+            <a:schemeClr val="accent1"/>
+          </a:fillRef>
+          <a:effectRef idx="2">
+            <a:schemeClr val="accent1"/>
+          </a:effectRef>
+          <a:fontRef idx="minor">
+            <a:schemeClr val="lt1"/>
+          </a:fontRef>
+        </p:style>
+      </p:sp>
+      <p:pic>
+        <p:nvPicPr>
+          <p:cNvPr id="5" name="Content Placeholder 4">
+            <a:extLst>
+              <a:ext uri="{FF2B5EF4-FFF2-40B4-BE49-F238E27FC236}">
+                <a16:creationId xmlns:a16="http://schemas.microsoft.com/office/drawing/2014/main" id="{28FC3B61-1D71-4FED-9559-840DFC79455E}"/>
+              </a:ext>
+            </a:extLst>
+          </p:cNvPr>
+          <p:cNvPicPr>
+            <a:picLocks noGrp="1" noChangeAspect="1"/>
+          </p:cNvPicPr>
+          <p:nvPr>
+            <p:ph idx="1"/>
+          </p:nvPr>
+        </p:nvPicPr>
+        <p:blipFill>
+          <a:blip r:embed="rId2"/>
+          <a:stretch>
+            <a:fillRect/>
+          </a:stretch>
+        </p:blipFill>
+        <p:spPr>
+          <a:xfrm>
+            <a:off x="878377" y="2133600"/>
+            <a:ext cx="3191484" cy="3759200"/>
+          </a:xfrm>
+          <a:prstGeom prst="rect">
+            <a:avLst/>
+          </a:prstGeom>
+        </p:spPr>
+      </p:pic>
+      <p:pic>
+        <p:nvPicPr>
+          <p:cNvPr id="21" name="Content Placeholder 3">
+            <a:extLst>
+              <a:ext uri="{FF2B5EF4-FFF2-40B4-BE49-F238E27FC236}">
+                <a16:creationId xmlns:a16="http://schemas.microsoft.com/office/drawing/2014/main" id="{9AD146FB-39DD-461F-9BA7-914F5C3A20FD}"/>
+              </a:ext>
+            </a:extLst>
+          </p:cNvPr>
+          <p:cNvPicPr>
+            <a:picLocks noChangeAspect="1"/>
+          </p:cNvPicPr>
+          <p:nvPr/>
+        </p:nvPicPr>
+        <p:blipFill>
+          <a:blip r:embed="rId3"/>
+          <a:stretch>
+            <a:fillRect/>
+          </a:stretch>
+        </p:blipFill>
+        <p:spPr>
+          <a:xfrm>
+            <a:off x="4619543" y="1519381"/>
+            <a:ext cx="6953577" cy="3494171"/>
+          </a:xfrm>
+          <a:prstGeom prst="rect">
+            <a:avLst/>
+          </a:prstGeom>
+        </p:spPr>
+      </p:pic>
+      <p:sp>
+        <p:nvSpPr>
+          <p:cNvPr id="22" name="Freeform 11">
+            <a:extLst>
+              <a:ext uri="{FF2B5EF4-FFF2-40B4-BE49-F238E27FC236}">
+                <a16:creationId xmlns:a16="http://schemas.microsoft.com/office/drawing/2014/main" id="{7DE3414B-B032-4710-A468-D3285E38C5FF}"/>
+              </a:ext>
+              <a:ext uri="{C183D7F6-B498-43B3-948B-1728B52AA6E4}">
+                <adec:decorative xmlns:adec="http://schemas.microsoft.com/office/drawing/2017/decorative" val="1"/>
+              </a:ext>
+            </a:extLst>
+          </p:cNvPr>
+          <p:cNvSpPr>
+            <a:spLocks noGrp="1" noRot="1" noChangeAspect="1" noMove="1" noResize="1" noEditPoints="1" noAdjustHandles="1" noChangeArrowheads="1" noChangeShapeType="1" noTextEdit="1"/>
+          </p:cNvSpPr>
+          <p:nvPr>
+            <p:extLst>
+              <p:ext uri="{386F3935-93C4-4BCD-93E2-E3B085C9AB24}">
+                <p16:designElem xmlns:p16="http://schemas.microsoft.com/office/powerpoint/2015/main" val="1"/>
+              </p:ext>
+            </p:extLst>
+          </p:nvPr>
+        </p:nvSpPr>
+        <p:spPr>
+          <a:xfrm>
+            <a:off x="-1" y="6061223"/>
+            <a:ext cx="1038036" cy="506277"/>
+          </a:xfrm>
+          <a:custGeom>
+            <a:avLst/>
+            <a:gdLst>
+              <a:gd name="connsiteX0" fmla="*/ 0 w 1038036"/>
+              <a:gd name="connsiteY0" fmla="*/ 0 h 506277"/>
+              <a:gd name="connsiteX1" fmla="*/ 182880 w 1038036"/>
+              <a:gd name="connsiteY1" fmla="*/ 0 h 506277"/>
+              <a:gd name="connsiteX2" fmla="*/ 291705 w 1038036"/>
+              <a:gd name="connsiteY2" fmla="*/ 0 h 506277"/>
+              <a:gd name="connsiteX3" fmla="*/ 291705 w 1038036"/>
+              <a:gd name="connsiteY3" fmla="*/ 151 h 506277"/>
+              <a:gd name="connsiteX4" fmla="*/ 692049 w 1038036"/>
+              <a:gd name="connsiteY4" fmla="*/ 705 h 506277"/>
+              <a:gd name="connsiteX5" fmla="*/ 782744 w 1038036"/>
+              <a:gd name="connsiteY5" fmla="*/ 705 h 506277"/>
+              <a:gd name="connsiteX6" fmla="*/ 797001 w 1038036"/>
+              <a:gd name="connsiteY6" fmla="*/ 5473 h 506277"/>
+              <a:gd name="connsiteX7" fmla="*/ 801982 w 1038036"/>
+              <a:gd name="connsiteY7" fmla="*/ 10242 h 506277"/>
+              <a:gd name="connsiteX8" fmla="*/ 1030951 w 1038036"/>
+              <a:gd name="connsiteY8" fmla="*/ 239185 h 506277"/>
+              <a:gd name="connsiteX9" fmla="*/ 1030951 w 1038036"/>
+              <a:gd name="connsiteY9" fmla="*/ 267797 h 506277"/>
+              <a:gd name="connsiteX10" fmla="*/ 801982 w 1038036"/>
+              <a:gd name="connsiteY10" fmla="*/ 496740 h 506277"/>
+              <a:gd name="connsiteX11" fmla="*/ 797001 w 1038036"/>
+              <a:gd name="connsiteY11" fmla="*/ 501508 h 506277"/>
+              <a:gd name="connsiteX12" fmla="*/ 782744 w 1038036"/>
+              <a:gd name="connsiteY12" fmla="*/ 506277 h 506277"/>
+              <a:gd name="connsiteX13" fmla="*/ 692049 w 1038036"/>
+              <a:gd name="connsiteY13" fmla="*/ 506277 h 506277"/>
+              <a:gd name="connsiteX14" fmla="*/ 291705 w 1038036"/>
+              <a:gd name="connsiteY14" fmla="*/ 505140 h 506277"/>
+              <a:gd name="connsiteX15" fmla="*/ 291705 w 1038036"/>
+              <a:gd name="connsiteY15" fmla="*/ 506277 h 506277"/>
+              <a:gd name="connsiteX16" fmla="*/ 0 w 1038036"/>
+              <a:gd name="connsiteY16" fmla="*/ 506277 h 506277"/>
+            </a:gdLst>
+            <a:ahLst/>
+            <a:cxnLst>
+              <a:cxn ang="0">
+                <a:pos x="connsiteX0" y="connsiteY0"/>
+              </a:cxn>
+              <a:cxn ang="0">
+                <a:pos x="connsiteX1" y="connsiteY1"/>
+              </a:cxn>
+              <a:cxn ang="0">
+                <a:pos x="connsiteX2" y="connsiteY2"/>
+              </a:cxn>
+              <a:cxn ang="0">
+                <a:pos x="connsiteX3" y="connsiteY3"/>
+              </a:cxn>
+              <a:cxn ang="0">
+                <a:pos x="connsiteX4" y="connsiteY4"/>
+              </a:cxn>
+              <a:cxn ang="0">
+                <a:pos x="connsiteX5" y="connsiteY5"/>
+              </a:cxn>
+              <a:cxn ang="0">
+                <a:pos x="connsiteX6" y="connsiteY6"/>
+              </a:cxn>
+              <a:cxn ang="0">
+                <a:pos x="connsiteX7" y="connsiteY7"/>
+              </a:cxn>
+              <a:cxn ang="0">
+                <a:pos x="connsiteX8" y="connsiteY8"/>
+              </a:cxn>
+              <a:cxn ang="0">
+                <a:pos x="connsiteX9" y="connsiteY9"/>
+              </a:cxn>
+              <a:cxn ang="0">
+                <a:pos x="connsiteX10" y="connsiteY10"/>
+              </a:cxn>
+              <a:cxn ang="0">
+                <a:pos x="connsiteX11" y="connsiteY11"/>
+              </a:cxn>
+              <a:cxn ang="0">
+                <a:pos x="connsiteX12" y="connsiteY12"/>
+              </a:cxn>
+              <a:cxn ang="0">
+                <a:pos x="connsiteX13" y="connsiteY13"/>
+              </a:cxn>
+              <a:cxn ang="0">
+                <a:pos x="connsiteX14" y="connsiteY14"/>
+              </a:cxn>
+              <a:cxn ang="0">
+                <a:pos x="connsiteX15" y="connsiteY15"/>
+              </a:cxn>
+              <a:cxn ang="0">
+                <a:pos x="connsiteX16" y="connsiteY16"/>
+              </a:cxn>
+            </a:cxnLst>
+            <a:rect l="l" t="t" r="r" b="b"/>
+            <a:pathLst>
+              <a:path w="1038036" h="506277">
+                <a:moveTo>
+                  <a:pt x="0" y="0"/>
+                </a:moveTo>
+                <a:lnTo>
+                  <a:pt x="182880" y="0"/>
+                </a:lnTo>
+                <a:lnTo>
+                  <a:pt x="291705" y="0"/>
+                </a:lnTo>
+                <a:lnTo>
+                  <a:pt x="291705" y="151"/>
+                </a:lnTo>
+                <a:lnTo>
+                  <a:pt x="692049" y="705"/>
+                </a:lnTo>
+                <a:lnTo>
+                  <a:pt x="782744" y="705"/>
+                </a:lnTo>
+                <a:cubicBezTo>
+                  <a:pt x="787553" y="705"/>
+                  <a:pt x="792363" y="5473"/>
+                  <a:pt x="797001" y="5473"/>
+                </a:cubicBezTo>
+                <a:cubicBezTo>
+                  <a:pt x="797001" y="10242"/>
+                  <a:pt x="801982" y="10242"/>
+                  <a:pt x="801982" y="10242"/>
+                </a:cubicBezTo>
+                <a:lnTo>
+                  <a:pt x="1030951" y="239185"/>
+                </a:lnTo>
+                <a:cubicBezTo>
+                  <a:pt x="1040398" y="248722"/>
+                  <a:pt x="1040398" y="258259"/>
+                  <a:pt x="1030951" y="267797"/>
+                </a:cubicBezTo>
+                <a:lnTo>
+                  <a:pt x="801982" y="496740"/>
+                </a:lnTo>
+                <a:cubicBezTo>
+                  <a:pt x="800436" y="498363"/>
+                  <a:pt x="798547" y="499885"/>
+                  <a:pt x="797001" y="501508"/>
+                </a:cubicBezTo>
+                <a:cubicBezTo>
+                  <a:pt x="792363" y="506277"/>
+                  <a:pt x="787553" y="506277"/>
+                  <a:pt x="782744" y="506277"/>
+                </a:cubicBezTo>
+                <a:lnTo>
+                  <a:pt x="692049" y="506277"/>
+                </a:lnTo>
+                <a:lnTo>
+                  <a:pt x="291705" y="505140"/>
+                </a:lnTo>
+                <a:lnTo>
+                  <a:pt x="291705" y="506277"/>
+                </a:lnTo>
+                <a:lnTo>
+                  <a:pt x="0" y="506277"/>
+                </a:lnTo>
+                <a:close/>
+              </a:path>
+            </a:pathLst>
+          </a:custGeom>
+          <a:ln>
+            <a:noFill/>
+          </a:ln>
+        </p:spPr>
+        <p:style>
+          <a:lnRef idx="2">
+            <a:schemeClr val="accent1">
+              <a:shade val="50000"/>
+            </a:schemeClr>
+          </a:lnRef>
+          <a:fillRef idx="1">
+            <a:schemeClr val="accent1"/>
+          </a:fillRef>
+          <a:effectRef idx="0">
+            <a:schemeClr val="accent1"/>
+          </a:effectRef>
+          <a:fontRef idx="minor">
+            <a:schemeClr val="lt1"/>
+          </a:fontRef>
+        </p:style>
+        <p:txBody>
+          <a:bodyPr rtlCol="0" anchor="ctr"/>
+          <a:lstStyle/>
+          <a:p>
+            <a:pPr algn="ctr"/>
+            <a:endParaRPr lang="en-US"/>
+          </a:p>
+        </p:txBody>
+      </p:sp>
+    </p:spTree>
+    <p:extLst>
+      <p:ext uri="{BB962C8B-B14F-4D97-AF65-F5344CB8AC3E}">
+        <p14:creationId xmlns:p14="http://schemas.microsoft.com/office/powerpoint/2010/main" val="570062741"/>
+      </p:ext>
+    </p:extLst>
+  </p:cSld>
+  <p:clrMapOvr>
+    <a:masterClrMapping/>
+  </p:clrMapOvr>
+</p:sld>
+</file>
+
+<file path=ppt/slides/slide18.xml><?xml version="1.0" encoding="utf-8"?>
+<p:sld xmlns:a="http://schemas.openxmlformats.org/drawingml/2006/main" xmlns:r="http://schemas.openxmlformats.org/officeDocument/2006/relationships" xmlns:p="http://schemas.openxmlformats.org/presentationml/2006/main">
+  <p:cSld>
+    <p:spTree>
+      <p:nvGrpSpPr>
+        <p:cNvPr id="1" name=""/>
+        <p:cNvGrpSpPr/>
+        <p:nvPr/>
+      </p:nvGrpSpPr>
+      <p:grpSpPr>
+        <a:xfrm>
+          <a:off x="0" y="0"/>
+          <a:ext cx="0" cy="0"/>
+          <a:chOff x="0" y="0"/>
+          <a:chExt cx="0" cy="0"/>
+        </a:xfrm>
+      </p:grpSpPr>
+      <p:sp>
+        <p:nvSpPr>
+          <p:cNvPr id="2" name="Title 1">
+            <a:extLst>
+              <a:ext uri="{FF2B5EF4-FFF2-40B4-BE49-F238E27FC236}">
+                <a16:creationId xmlns:a16="http://schemas.microsoft.com/office/drawing/2014/main" id="{FBBD9B10-34E1-4676-89D2-08EC5571B4C4}"/>
+              </a:ext>
+            </a:extLst>
+          </p:cNvPr>
+          <p:cNvSpPr>
+            <a:spLocks noGrp="1"/>
+          </p:cNvSpPr>
+          <p:nvPr>
+            <p:ph type="title"/>
+          </p:nvPr>
+        </p:nvSpPr>
+        <p:spPr/>
+        <p:txBody>
+          <a:bodyPr/>
+          <a:lstStyle/>
+          <a:p>
+            <a:r>
+              <a:rPr lang="en-US" dirty="0"/>
+              <a:t>Top 10 unsafe streets.</a:t>
+            </a:r>
+          </a:p>
+        </p:txBody>
+      </p:sp>
+      <p:pic>
+        <p:nvPicPr>
+          <p:cNvPr id="4" name="Content Placeholder 3">
+            <a:extLst>
+              <a:ext uri="{FF2B5EF4-FFF2-40B4-BE49-F238E27FC236}">
+                <a16:creationId xmlns:a16="http://schemas.microsoft.com/office/drawing/2014/main" id="{4F339F43-4E6A-4652-ADC3-4B6BCEF733E0}"/>
+              </a:ext>
+            </a:extLst>
+          </p:cNvPr>
+          <p:cNvPicPr>
+            <a:picLocks noGrp="1" noChangeAspect="1"/>
+          </p:cNvPicPr>
+          <p:nvPr>
+            <p:ph idx="1"/>
+          </p:nvPr>
+        </p:nvPicPr>
+        <p:blipFill>
+          <a:blip r:embed="rId2"/>
+          <a:stretch>
+            <a:fillRect/>
+          </a:stretch>
+        </p:blipFill>
+        <p:spPr>
+          <a:xfrm>
+            <a:off x="2592925" y="2133600"/>
+            <a:ext cx="7838670" cy="3778250"/>
+          </a:xfrm>
+          <a:prstGeom prst="rect">
+            <a:avLst/>
+          </a:prstGeom>
+        </p:spPr>
+      </p:pic>
+    </p:spTree>
+    <p:extLst>
+      <p:ext uri="{BB962C8B-B14F-4D97-AF65-F5344CB8AC3E}">
+        <p14:creationId xmlns:p14="http://schemas.microsoft.com/office/powerpoint/2010/main" val="4259622861"/>
+      </p:ext>
+    </p:extLst>
+  </p:cSld>
+  <p:clrMapOvr>
+    <a:masterClrMapping/>
+  </p:clrMapOvr>
+</p:sld>
+</file>
+
+<file path=ppt/slides/slide19.xml><?xml version="1.0" encoding="utf-8"?>
+<p:sld xmlns:a="http://schemas.openxmlformats.org/drawingml/2006/main" xmlns:r="http://schemas.openxmlformats.org/officeDocument/2006/relationships" xmlns:p="http://schemas.openxmlformats.org/presentationml/2006/main">
+  <p:cSld>
+    <p:spTree>
+      <p:nvGrpSpPr>
+        <p:cNvPr id="1" name=""/>
+        <p:cNvGrpSpPr/>
+        <p:nvPr/>
+      </p:nvGrpSpPr>
+      <p:grpSpPr>
+        <a:xfrm>
+          <a:off x="0" y="0"/>
+          <a:ext cx="0" cy="0"/>
+          <a:chOff x="0" y="0"/>
+          <a:chExt cx="0" cy="0"/>
+        </a:xfrm>
+      </p:grpSpPr>
+      <p:sp>
+        <p:nvSpPr>
+          <p:cNvPr id="2" name="Title 1">
+            <a:extLst>
+              <a:ext uri="{FF2B5EF4-FFF2-40B4-BE49-F238E27FC236}">
+                <a16:creationId xmlns:a16="http://schemas.microsoft.com/office/drawing/2014/main" id="{2A066406-30BE-457E-AABB-1E650EC5BCF5}"/>
+              </a:ext>
+            </a:extLst>
+          </p:cNvPr>
+          <p:cNvSpPr>
+            <a:spLocks noGrp="1"/>
+          </p:cNvSpPr>
+          <p:nvPr>
+            <p:ph type="title"/>
+          </p:nvPr>
+        </p:nvSpPr>
+        <p:spPr/>
+        <p:txBody>
+          <a:bodyPr/>
+          <a:lstStyle/>
+          <a:p>
+            <a:r>
+              <a:rPr lang="en-US" dirty="0"/>
+              <a:t>Trend of crime over the years.</a:t>
+            </a:r>
+          </a:p>
+        </p:txBody>
+      </p:sp>
+      <p:pic>
+        <p:nvPicPr>
+          <p:cNvPr id="4" name="Content Placeholder 3">
+            <a:extLst>
+              <a:ext uri="{FF2B5EF4-FFF2-40B4-BE49-F238E27FC236}">
+                <a16:creationId xmlns:a16="http://schemas.microsoft.com/office/drawing/2014/main" id="{E1B18182-0BA0-4610-A960-380B26B05D7D}"/>
+              </a:ext>
+            </a:extLst>
+          </p:cNvPr>
+          <p:cNvPicPr>
+            <a:picLocks noGrp="1" noChangeAspect="1"/>
+          </p:cNvPicPr>
+          <p:nvPr>
+            <p:ph idx="1"/>
+          </p:nvPr>
+        </p:nvPicPr>
+        <p:blipFill>
+          <a:blip r:embed="rId2"/>
+          <a:stretch>
+            <a:fillRect/>
+          </a:stretch>
+        </p:blipFill>
+        <p:spPr>
+          <a:xfrm>
+            <a:off x="2592925" y="1905000"/>
+            <a:ext cx="8911687" cy="4006850"/>
+          </a:xfrm>
+          <a:prstGeom prst="rect">
+            <a:avLst/>
+          </a:prstGeom>
+        </p:spPr>
+      </p:pic>
+    </p:spTree>
+    <p:extLst>
+      <p:ext uri="{BB962C8B-B14F-4D97-AF65-F5344CB8AC3E}">
+        <p14:creationId xmlns:p14="http://schemas.microsoft.com/office/powerpoint/2010/main" val="1085450392"/>
       </p:ext>
     </p:extLst>
   </p:cSld>
@@ -8547,6 +9631,1249 @@
     <p:extLst>
       <p:ext uri="{BB962C8B-B14F-4D97-AF65-F5344CB8AC3E}">
         <p14:creationId xmlns:p14="http://schemas.microsoft.com/office/powerpoint/2010/main" val="2431192776"/>
+      </p:ext>
+    </p:extLst>
+  </p:cSld>
+  <p:clrMapOvr>
+    <a:masterClrMapping/>
+  </p:clrMapOvr>
+</p:sld>
+</file>
+
+<file path=ppt/slides/slide20.xml><?xml version="1.0" encoding="utf-8"?>
+<p:sld xmlns:a="http://schemas.openxmlformats.org/drawingml/2006/main" xmlns:r="http://schemas.openxmlformats.org/officeDocument/2006/relationships" xmlns:p="http://schemas.openxmlformats.org/presentationml/2006/main">
+  <p:cSld>
+    <p:spTree>
+      <p:nvGrpSpPr>
+        <p:cNvPr id="1" name=""/>
+        <p:cNvGrpSpPr/>
+        <p:nvPr/>
+      </p:nvGrpSpPr>
+      <p:grpSpPr>
+        <a:xfrm>
+          <a:off x="0" y="0"/>
+          <a:ext cx="0" cy="0"/>
+          <a:chOff x="0" y="0"/>
+          <a:chExt cx="0" cy="0"/>
+        </a:xfrm>
+      </p:grpSpPr>
+      <p:sp>
+        <p:nvSpPr>
+          <p:cNvPr id="2" name="Title 1">
+            <a:extLst>
+              <a:ext uri="{FF2B5EF4-FFF2-40B4-BE49-F238E27FC236}">
+                <a16:creationId xmlns:a16="http://schemas.microsoft.com/office/drawing/2014/main" id="{B77B6557-E4C3-4B5D-ACEE-ACCB2AD897E4}"/>
+              </a:ext>
+            </a:extLst>
+          </p:cNvPr>
+          <p:cNvSpPr>
+            <a:spLocks noGrp="1"/>
+          </p:cNvSpPr>
+          <p:nvPr>
+            <p:ph type="title"/>
+          </p:nvPr>
+        </p:nvSpPr>
+        <p:spPr/>
+        <p:txBody>
+          <a:bodyPr/>
+          <a:lstStyle/>
+          <a:p>
+            <a:r>
+              <a:rPr lang="en-US" dirty="0"/>
+              <a:t>Part one crime distribution among itself. </a:t>
+            </a:r>
+          </a:p>
+        </p:txBody>
+      </p:sp>
+      <p:pic>
+        <p:nvPicPr>
+          <p:cNvPr id="6" name="Content Placeholder 5">
+            <a:extLst>
+              <a:ext uri="{FF2B5EF4-FFF2-40B4-BE49-F238E27FC236}">
+                <a16:creationId xmlns:a16="http://schemas.microsoft.com/office/drawing/2014/main" id="{526CF55E-9A84-4CE4-912C-4E4E473A3AA5}"/>
+              </a:ext>
+            </a:extLst>
+          </p:cNvPr>
+          <p:cNvPicPr>
+            <a:picLocks noGrp="1" noChangeAspect="1"/>
+          </p:cNvPicPr>
+          <p:nvPr>
+            <p:ph idx="1"/>
+          </p:nvPr>
+        </p:nvPicPr>
+        <p:blipFill>
+          <a:blip r:embed="rId2"/>
+          <a:stretch>
+            <a:fillRect/>
+          </a:stretch>
+        </p:blipFill>
+        <p:spPr>
+          <a:xfrm>
+            <a:off x="4077478" y="2133600"/>
+            <a:ext cx="5364575" cy="3778250"/>
+          </a:xfrm>
+          <a:prstGeom prst="rect">
+            <a:avLst/>
+          </a:prstGeom>
+        </p:spPr>
+      </p:pic>
+    </p:spTree>
+    <p:extLst>
+      <p:ext uri="{BB962C8B-B14F-4D97-AF65-F5344CB8AC3E}">
+        <p14:creationId xmlns:p14="http://schemas.microsoft.com/office/powerpoint/2010/main" val="1167745890"/>
+      </p:ext>
+    </p:extLst>
+  </p:cSld>
+  <p:clrMapOvr>
+    <a:masterClrMapping/>
+  </p:clrMapOvr>
+</p:sld>
+</file>
+
+<file path=ppt/slides/slide21.xml><?xml version="1.0" encoding="utf-8"?>
+<p:sld xmlns:a="http://schemas.openxmlformats.org/drawingml/2006/main" xmlns:r="http://schemas.openxmlformats.org/officeDocument/2006/relationships" xmlns:p="http://schemas.openxmlformats.org/presentationml/2006/main">
+  <p:cSld>
+    <p:spTree>
+      <p:nvGrpSpPr>
+        <p:cNvPr id="1" name=""/>
+        <p:cNvGrpSpPr/>
+        <p:nvPr/>
+      </p:nvGrpSpPr>
+      <p:grpSpPr>
+        <a:xfrm>
+          <a:off x="0" y="0"/>
+          <a:ext cx="0" cy="0"/>
+          <a:chOff x="0" y="0"/>
+          <a:chExt cx="0" cy="0"/>
+        </a:xfrm>
+      </p:grpSpPr>
+      <p:sp>
+        <p:nvSpPr>
+          <p:cNvPr id="2" name="Title 1">
+            <a:extLst>
+              <a:ext uri="{FF2B5EF4-FFF2-40B4-BE49-F238E27FC236}">
+                <a16:creationId xmlns:a16="http://schemas.microsoft.com/office/drawing/2014/main" id="{D4DB1664-676A-40DE-B775-5BDE91024AFD}"/>
+              </a:ext>
+            </a:extLst>
+          </p:cNvPr>
+          <p:cNvSpPr>
+            <a:spLocks noGrp="1"/>
+          </p:cNvSpPr>
+          <p:nvPr>
+            <p:ph type="title"/>
+          </p:nvPr>
+        </p:nvSpPr>
+        <p:spPr/>
+        <p:txBody>
+          <a:bodyPr/>
+          <a:lstStyle/>
+          <a:p>
+            <a:r>
+              <a:rPr lang="en-US" dirty="0"/>
+              <a:t>Crimes on which day of the week?</a:t>
+            </a:r>
+          </a:p>
+        </p:txBody>
+      </p:sp>
+      <p:pic>
+        <p:nvPicPr>
+          <p:cNvPr id="4" name="Content Placeholder 3">
+            <a:extLst>
+              <a:ext uri="{FF2B5EF4-FFF2-40B4-BE49-F238E27FC236}">
+                <a16:creationId xmlns:a16="http://schemas.microsoft.com/office/drawing/2014/main" id="{4D0BB58B-F79E-46FC-ABBF-6F474DCD01D5}"/>
+              </a:ext>
+            </a:extLst>
+          </p:cNvPr>
+          <p:cNvPicPr>
+            <a:picLocks noGrp="1" noChangeAspect="1"/>
+          </p:cNvPicPr>
+          <p:nvPr>
+            <p:ph idx="1"/>
+          </p:nvPr>
+        </p:nvPicPr>
+        <p:blipFill>
+          <a:blip r:embed="rId2"/>
+          <a:stretch>
+            <a:fillRect/>
+          </a:stretch>
+        </p:blipFill>
+        <p:spPr>
+          <a:xfrm>
+            <a:off x="3594130" y="2133600"/>
+            <a:ext cx="6905565" cy="3778250"/>
+          </a:xfrm>
+          <a:prstGeom prst="rect">
+            <a:avLst/>
+          </a:prstGeom>
+        </p:spPr>
+      </p:pic>
+    </p:spTree>
+    <p:extLst>
+      <p:ext uri="{BB962C8B-B14F-4D97-AF65-F5344CB8AC3E}">
+        <p14:creationId xmlns:p14="http://schemas.microsoft.com/office/powerpoint/2010/main" val="3632274095"/>
+      </p:ext>
+    </p:extLst>
+  </p:cSld>
+  <p:clrMapOvr>
+    <a:masterClrMapping/>
+  </p:clrMapOvr>
+</p:sld>
+</file>
+
+<file path=ppt/slides/slide22.xml><?xml version="1.0" encoding="utf-8"?>
+<p:sld xmlns:a="http://schemas.openxmlformats.org/drawingml/2006/main" xmlns:r="http://schemas.openxmlformats.org/officeDocument/2006/relationships" xmlns:p="http://schemas.openxmlformats.org/presentationml/2006/main">
+  <p:cSld>
+    <p:bg>
+      <p:bgPr>
+        <a:solidFill>
+          <a:schemeClr val="bg1"/>
+        </a:solidFill>
+        <a:effectLst/>
+      </p:bgPr>
+    </p:bg>
+    <p:spTree>
+      <p:nvGrpSpPr>
+        <p:cNvPr id="1" name=""/>
+        <p:cNvGrpSpPr/>
+        <p:nvPr/>
+      </p:nvGrpSpPr>
+      <p:grpSpPr>
+        <a:xfrm>
+          <a:off x="0" y="0"/>
+          <a:ext cx="0" cy="0"/>
+          <a:chOff x="0" y="0"/>
+          <a:chExt cx="0" cy="0"/>
+        </a:xfrm>
+      </p:grpSpPr>
+      <p:sp useBgFill="1">
+        <p:nvSpPr>
+          <p:cNvPr id="12" name="Rectangle 11">
+            <a:extLst>
+              <a:ext uri="{FF2B5EF4-FFF2-40B4-BE49-F238E27FC236}">
+                <a16:creationId xmlns:a16="http://schemas.microsoft.com/office/drawing/2014/main" id="{35879851-1A1D-4246-AAA1-C484E858337D}"/>
+              </a:ext>
+              <a:ext uri="{C183D7F6-B498-43B3-948B-1728B52AA6E4}">
+                <adec:decorative xmlns:adec="http://schemas.microsoft.com/office/drawing/2017/decorative" val="1"/>
+              </a:ext>
+            </a:extLst>
+          </p:cNvPr>
+          <p:cNvSpPr>
+            <a:spLocks noGrp="1" noRot="1" noChangeAspect="1" noMove="1" noResize="1" noEditPoints="1" noAdjustHandles="1" noChangeArrowheads="1" noChangeShapeType="1" noTextEdit="1"/>
+          </p:cNvSpPr>
+          <p:nvPr>
+            <p:extLst>
+              <p:ext uri="{386F3935-93C4-4BCD-93E2-E3B085C9AB24}">
+                <p16:designElem xmlns:p16="http://schemas.microsoft.com/office/powerpoint/2015/main" val="1"/>
+              </p:ext>
+            </p:extLst>
+          </p:nvPr>
+        </p:nvSpPr>
+        <p:spPr>
+          <a:xfrm>
+            <a:off x="-4189" y="0"/>
+            <a:ext cx="12188952" cy="6858000"/>
+          </a:xfrm>
+          <a:prstGeom prst="rect">
+            <a:avLst/>
+          </a:prstGeom>
+          <a:ln>
+            <a:noFill/>
+          </a:ln>
+        </p:spPr>
+        <p:style>
+          <a:lnRef idx="2">
+            <a:schemeClr val="accent1">
+              <a:shade val="50000"/>
+            </a:schemeClr>
+          </a:lnRef>
+          <a:fillRef idx="1">
+            <a:schemeClr val="accent1"/>
+          </a:fillRef>
+          <a:effectRef idx="0">
+            <a:schemeClr val="accent1"/>
+          </a:effectRef>
+          <a:fontRef idx="minor">
+            <a:schemeClr val="lt1"/>
+          </a:fontRef>
+        </p:style>
+        <p:txBody>
+          <a:bodyPr rtlCol="0" anchor="ctr"/>
+          <a:lstStyle/>
+          <a:p>
+            <a:pPr algn="ctr"/>
+            <a:endParaRPr lang="en-US"/>
+          </a:p>
+        </p:txBody>
+      </p:sp>
+      <p:pic>
+        <p:nvPicPr>
+          <p:cNvPr id="7" name="Content Placeholder 3">
+            <a:extLst>
+              <a:ext uri="{FF2B5EF4-FFF2-40B4-BE49-F238E27FC236}">
+                <a16:creationId xmlns:a16="http://schemas.microsoft.com/office/drawing/2014/main" id="{1C73722A-5FBE-46DA-B318-7BFC32FC7034}"/>
+              </a:ext>
+            </a:extLst>
+          </p:cNvPr>
+          <p:cNvPicPr>
+            <a:picLocks noChangeAspect="1"/>
+          </p:cNvPicPr>
+          <p:nvPr/>
+        </p:nvPicPr>
+        <p:blipFill rotWithShape="1">
+          <a:blip r:embed="rId2">
+            <a:alphaModFix amt="35000"/>
+          </a:blip>
+          <a:srcRect t="3907" b="10215"/>
+          <a:stretch/>
+        </p:blipFill>
+        <p:spPr>
+          <a:xfrm>
+            <a:off x="-8825" y="-5610"/>
+            <a:ext cx="12192000" cy="6858000"/>
+          </a:xfrm>
+          <a:prstGeom prst="rect">
+            <a:avLst/>
+          </a:prstGeom>
+        </p:spPr>
+      </p:pic>
+      <p:sp>
+        <p:nvSpPr>
+          <p:cNvPr id="2" name="Title 1">
+            <a:extLst>
+              <a:ext uri="{FF2B5EF4-FFF2-40B4-BE49-F238E27FC236}">
+                <a16:creationId xmlns:a16="http://schemas.microsoft.com/office/drawing/2014/main" id="{D1D0A241-4470-409E-B0D6-AD4B4A3CABDA}"/>
+              </a:ext>
+            </a:extLst>
+          </p:cNvPr>
+          <p:cNvSpPr>
+            <a:spLocks noGrp="1"/>
+          </p:cNvSpPr>
+          <p:nvPr>
+            <p:ph type="title"/>
+          </p:nvPr>
+        </p:nvSpPr>
+        <p:spPr>
+          <a:xfrm>
+            <a:off x="2592925" y="624110"/>
+            <a:ext cx="8911687" cy="1280890"/>
+          </a:xfrm>
+        </p:spPr>
+        <p:txBody>
+          <a:bodyPr>
+            <a:normAutofit/>
+          </a:bodyPr>
+          <a:lstStyle/>
+          <a:p>
+            <a:r>
+              <a:rPr lang="en-US">
+                <a:solidFill>
+                  <a:srgbClr val="FFFFFF"/>
+                </a:solidFill>
+              </a:rPr>
+              <a:t>Shooting involved?</a:t>
+            </a:r>
+            <a:endParaRPr lang="en-US" dirty="0">
+              <a:solidFill>
+                <a:srgbClr val="FFFFFF"/>
+              </a:solidFill>
+            </a:endParaRPr>
+          </a:p>
+        </p:txBody>
+      </p:sp>
+    </p:spTree>
+    <p:extLst>
+      <p:ext uri="{BB962C8B-B14F-4D97-AF65-F5344CB8AC3E}">
+        <p14:creationId xmlns:p14="http://schemas.microsoft.com/office/powerpoint/2010/main" val="2259571022"/>
+      </p:ext>
+    </p:extLst>
+  </p:cSld>
+  <p:clrMapOvr>
+    <a:overrideClrMapping bg1="dk1" tx1="lt1" bg2="dk2" tx2="lt2" accent1="accent1" accent2="accent2" accent3="accent3" accent4="accent4" accent5="accent5" accent6="accent6" hlink="hlink" folHlink="folHlink"/>
+  </p:clrMapOvr>
+</p:sld>
+</file>
+
+<file path=ppt/slides/slide23.xml><?xml version="1.0" encoding="utf-8"?>
+<p:sld xmlns:a="http://schemas.openxmlformats.org/drawingml/2006/main" xmlns:r="http://schemas.openxmlformats.org/officeDocument/2006/relationships" xmlns:p="http://schemas.openxmlformats.org/presentationml/2006/main">
+  <p:cSld>
+    <p:spTree>
+      <p:nvGrpSpPr>
+        <p:cNvPr id="1" name=""/>
+        <p:cNvGrpSpPr/>
+        <p:nvPr/>
+      </p:nvGrpSpPr>
+      <p:grpSpPr>
+        <a:xfrm>
+          <a:off x="0" y="0"/>
+          <a:ext cx="0" cy="0"/>
+          <a:chOff x="0" y="0"/>
+          <a:chExt cx="0" cy="0"/>
+        </a:xfrm>
+      </p:grpSpPr>
+      <p:sp>
+        <p:nvSpPr>
+          <p:cNvPr id="2" name="Title 1">
+            <a:extLst>
+              <a:ext uri="{FF2B5EF4-FFF2-40B4-BE49-F238E27FC236}">
+                <a16:creationId xmlns:a16="http://schemas.microsoft.com/office/drawing/2014/main" id="{AA7BCB18-7071-4DCD-A568-70D53D346D1F}"/>
+              </a:ext>
+            </a:extLst>
+          </p:cNvPr>
+          <p:cNvSpPr>
+            <a:spLocks noGrp="1"/>
+          </p:cNvSpPr>
+          <p:nvPr>
+            <p:ph type="title"/>
+          </p:nvPr>
+        </p:nvSpPr>
+        <p:spPr/>
+        <p:txBody>
+          <a:bodyPr/>
+          <a:lstStyle/>
+          <a:p>
+            <a:r>
+              <a:rPr lang="en-US" dirty="0"/>
+              <a:t>Overall crime vs Part one crime in a year 2015</a:t>
+            </a:r>
+          </a:p>
+        </p:txBody>
+      </p:sp>
+      <p:sp>
+        <p:nvSpPr>
+          <p:cNvPr id="3" name="Text Placeholder 2">
+            <a:extLst>
+              <a:ext uri="{FF2B5EF4-FFF2-40B4-BE49-F238E27FC236}">
+                <a16:creationId xmlns:a16="http://schemas.microsoft.com/office/drawing/2014/main" id="{C71CB7A5-F5C6-49D9-9CEE-FB3D7E754C18}"/>
+              </a:ext>
+            </a:extLst>
+          </p:cNvPr>
+          <p:cNvSpPr>
+            <a:spLocks noGrp="1"/>
+          </p:cNvSpPr>
+          <p:nvPr>
+            <p:ph type="body" idx="1"/>
+          </p:nvPr>
+        </p:nvSpPr>
+        <p:spPr/>
+        <p:txBody>
+          <a:bodyPr/>
+          <a:lstStyle/>
+          <a:p>
+            <a:r>
+              <a:rPr lang="en-US" dirty="0"/>
+              <a:t>Overall crime	</a:t>
+            </a:r>
+          </a:p>
+        </p:txBody>
+      </p:sp>
+      <p:pic>
+        <p:nvPicPr>
+          <p:cNvPr id="7" name="Content Placeholder 6">
+            <a:extLst>
+              <a:ext uri="{FF2B5EF4-FFF2-40B4-BE49-F238E27FC236}">
+                <a16:creationId xmlns:a16="http://schemas.microsoft.com/office/drawing/2014/main" id="{843AE8FF-1CCA-4A05-88B5-5EDF09C14D10}"/>
+              </a:ext>
+            </a:extLst>
+          </p:cNvPr>
+          <p:cNvPicPr>
+            <a:picLocks noGrp="1" noChangeAspect="1"/>
+          </p:cNvPicPr>
+          <p:nvPr>
+            <p:ph sz="half" idx="2"/>
+          </p:nvPr>
+        </p:nvPicPr>
+        <p:blipFill>
+          <a:blip r:embed="rId2"/>
+          <a:stretch>
+            <a:fillRect/>
+          </a:stretch>
+        </p:blipFill>
+        <p:spPr>
+          <a:xfrm>
+            <a:off x="2589213" y="3111149"/>
+            <a:ext cx="4343400" cy="2229552"/>
+          </a:xfrm>
+          <a:prstGeom prst="rect">
+            <a:avLst/>
+          </a:prstGeom>
+        </p:spPr>
+      </p:pic>
+      <p:sp>
+        <p:nvSpPr>
+          <p:cNvPr id="5" name="Text Placeholder 4">
+            <a:extLst>
+              <a:ext uri="{FF2B5EF4-FFF2-40B4-BE49-F238E27FC236}">
+                <a16:creationId xmlns:a16="http://schemas.microsoft.com/office/drawing/2014/main" id="{BC9D432B-33DA-4719-807A-7AC2026953DE}"/>
+              </a:ext>
+            </a:extLst>
+          </p:cNvPr>
+          <p:cNvSpPr>
+            <a:spLocks noGrp="1"/>
+          </p:cNvSpPr>
+          <p:nvPr>
+            <p:ph type="body" sz="quarter" idx="3"/>
+          </p:nvPr>
+        </p:nvSpPr>
+        <p:spPr/>
+        <p:txBody>
+          <a:bodyPr/>
+          <a:lstStyle/>
+          <a:p>
+            <a:r>
+              <a:rPr lang="en-US" dirty="0"/>
+              <a:t>Part one crime</a:t>
+            </a:r>
+          </a:p>
+        </p:txBody>
+      </p:sp>
+      <p:pic>
+        <p:nvPicPr>
+          <p:cNvPr id="8" name="Content Placeholder 7">
+            <a:extLst>
+              <a:ext uri="{FF2B5EF4-FFF2-40B4-BE49-F238E27FC236}">
+                <a16:creationId xmlns:a16="http://schemas.microsoft.com/office/drawing/2014/main" id="{B3772503-EF46-4617-B28A-71BCD2EDDAFB}"/>
+              </a:ext>
+            </a:extLst>
+          </p:cNvPr>
+          <p:cNvPicPr>
+            <a:picLocks noGrp="1" noChangeAspect="1"/>
+          </p:cNvPicPr>
+          <p:nvPr>
+            <p:ph sz="quarter" idx="4"/>
+          </p:nvPr>
+        </p:nvPicPr>
+        <p:blipFill>
+          <a:blip r:embed="rId3"/>
+          <a:stretch>
+            <a:fillRect/>
+          </a:stretch>
+        </p:blipFill>
+        <p:spPr>
+          <a:xfrm>
+            <a:off x="7167563" y="3133691"/>
+            <a:ext cx="4338637" cy="2178118"/>
+          </a:xfrm>
+          <a:prstGeom prst="rect">
+            <a:avLst/>
+          </a:prstGeom>
+        </p:spPr>
+      </p:pic>
+    </p:spTree>
+    <p:extLst>
+      <p:ext uri="{BB962C8B-B14F-4D97-AF65-F5344CB8AC3E}">
+        <p14:creationId xmlns:p14="http://schemas.microsoft.com/office/powerpoint/2010/main" val="2763760589"/>
+      </p:ext>
+    </p:extLst>
+  </p:cSld>
+  <p:clrMapOvr>
+    <a:masterClrMapping/>
+  </p:clrMapOvr>
+</p:sld>
+</file>
+
+<file path=ppt/slides/slide24.xml><?xml version="1.0" encoding="utf-8"?>
+<p:sld xmlns:a="http://schemas.openxmlformats.org/drawingml/2006/main" xmlns:r="http://schemas.openxmlformats.org/officeDocument/2006/relationships" xmlns:p="http://schemas.openxmlformats.org/presentationml/2006/main">
+  <p:cSld>
+    <p:spTree>
+      <p:nvGrpSpPr>
+        <p:cNvPr id="1" name=""/>
+        <p:cNvGrpSpPr/>
+        <p:nvPr/>
+      </p:nvGrpSpPr>
+      <p:grpSpPr>
+        <a:xfrm>
+          <a:off x="0" y="0"/>
+          <a:ext cx="0" cy="0"/>
+          <a:chOff x="0" y="0"/>
+          <a:chExt cx="0" cy="0"/>
+        </a:xfrm>
+      </p:grpSpPr>
+      <p:sp>
+        <p:nvSpPr>
+          <p:cNvPr id="2" name="Title 1">
+            <a:extLst>
+              <a:ext uri="{FF2B5EF4-FFF2-40B4-BE49-F238E27FC236}">
+                <a16:creationId xmlns:a16="http://schemas.microsoft.com/office/drawing/2014/main" id="{AA7BCB18-7071-4DCD-A568-70D53D346D1F}"/>
+              </a:ext>
+            </a:extLst>
+          </p:cNvPr>
+          <p:cNvSpPr>
+            <a:spLocks noGrp="1"/>
+          </p:cNvSpPr>
+          <p:nvPr>
+            <p:ph type="title"/>
+          </p:nvPr>
+        </p:nvSpPr>
+        <p:spPr/>
+        <p:txBody>
+          <a:bodyPr/>
+          <a:lstStyle/>
+          <a:p>
+            <a:r>
+              <a:rPr lang="en-US" dirty="0"/>
+              <a:t>Overall crime vs Part one crime in a year 2016</a:t>
+            </a:r>
+          </a:p>
+        </p:txBody>
+      </p:sp>
+      <p:sp>
+        <p:nvSpPr>
+          <p:cNvPr id="3" name="Text Placeholder 2">
+            <a:extLst>
+              <a:ext uri="{FF2B5EF4-FFF2-40B4-BE49-F238E27FC236}">
+                <a16:creationId xmlns:a16="http://schemas.microsoft.com/office/drawing/2014/main" id="{C71CB7A5-F5C6-49D9-9CEE-FB3D7E754C18}"/>
+              </a:ext>
+            </a:extLst>
+          </p:cNvPr>
+          <p:cNvSpPr>
+            <a:spLocks noGrp="1"/>
+          </p:cNvSpPr>
+          <p:nvPr>
+            <p:ph type="body" idx="1"/>
+          </p:nvPr>
+        </p:nvSpPr>
+        <p:spPr/>
+        <p:txBody>
+          <a:bodyPr/>
+          <a:lstStyle/>
+          <a:p>
+            <a:r>
+              <a:rPr lang="en-US" dirty="0"/>
+              <a:t>Overall crime	</a:t>
+            </a:r>
+          </a:p>
+        </p:txBody>
+      </p:sp>
+      <p:sp>
+        <p:nvSpPr>
+          <p:cNvPr id="5" name="Text Placeholder 4">
+            <a:extLst>
+              <a:ext uri="{FF2B5EF4-FFF2-40B4-BE49-F238E27FC236}">
+                <a16:creationId xmlns:a16="http://schemas.microsoft.com/office/drawing/2014/main" id="{BC9D432B-33DA-4719-807A-7AC2026953DE}"/>
+              </a:ext>
+            </a:extLst>
+          </p:cNvPr>
+          <p:cNvSpPr>
+            <a:spLocks noGrp="1"/>
+          </p:cNvSpPr>
+          <p:nvPr>
+            <p:ph type="body" sz="quarter" idx="3"/>
+          </p:nvPr>
+        </p:nvSpPr>
+        <p:spPr/>
+        <p:txBody>
+          <a:bodyPr/>
+          <a:lstStyle/>
+          <a:p>
+            <a:r>
+              <a:rPr lang="en-US" dirty="0"/>
+              <a:t>Part one crime</a:t>
+            </a:r>
+          </a:p>
+        </p:txBody>
+      </p:sp>
+      <p:pic>
+        <p:nvPicPr>
+          <p:cNvPr id="10" name="Content Placeholder 9">
+            <a:extLst>
+              <a:ext uri="{FF2B5EF4-FFF2-40B4-BE49-F238E27FC236}">
+                <a16:creationId xmlns:a16="http://schemas.microsoft.com/office/drawing/2014/main" id="{C6064463-1AC7-41F9-B81A-5EBA52B60C92}"/>
+              </a:ext>
+            </a:extLst>
+          </p:cNvPr>
+          <p:cNvPicPr>
+            <a:picLocks noGrp="1" noChangeAspect="1"/>
+          </p:cNvPicPr>
+          <p:nvPr>
+            <p:ph sz="half" idx="2"/>
+          </p:nvPr>
+        </p:nvPicPr>
+        <p:blipFill>
+          <a:blip r:embed="rId2"/>
+          <a:stretch>
+            <a:fillRect/>
+          </a:stretch>
+        </p:blipFill>
+        <p:spPr>
+          <a:xfrm>
+            <a:off x="2589213" y="3179244"/>
+            <a:ext cx="4343400" cy="2093362"/>
+          </a:xfrm>
+          <a:prstGeom prst="rect">
+            <a:avLst/>
+          </a:prstGeom>
+        </p:spPr>
+      </p:pic>
+      <p:pic>
+        <p:nvPicPr>
+          <p:cNvPr id="13" name="Content Placeholder 12">
+            <a:extLst>
+              <a:ext uri="{FF2B5EF4-FFF2-40B4-BE49-F238E27FC236}">
+                <a16:creationId xmlns:a16="http://schemas.microsoft.com/office/drawing/2014/main" id="{535CFF04-0B6B-4542-8CD5-7959CE7763BB}"/>
+              </a:ext>
+            </a:extLst>
+          </p:cNvPr>
+          <p:cNvPicPr>
+            <a:picLocks noGrp="1" noChangeAspect="1"/>
+          </p:cNvPicPr>
+          <p:nvPr>
+            <p:ph sz="quarter" idx="4"/>
+          </p:nvPr>
+        </p:nvPicPr>
+        <p:blipFill>
+          <a:blip r:embed="rId3"/>
+          <a:stretch>
+            <a:fillRect/>
+          </a:stretch>
+        </p:blipFill>
+        <p:spPr>
+          <a:xfrm>
+            <a:off x="7167563" y="3112077"/>
+            <a:ext cx="4338637" cy="2221345"/>
+          </a:xfrm>
+          <a:prstGeom prst="rect">
+            <a:avLst/>
+          </a:prstGeom>
+        </p:spPr>
+      </p:pic>
+    </p:spTree>
+    <p:extLst>
+      <p:ext uri="{BB962C8B-B14F-4D97-AF65-F5344CB8AC3E}">
+        <p14:creationId xmlns:p14="http://schemas.microsoft.com/office/powerpoint/2010/main" val="3058530456"/>
+      </p:ext>
+    </p:extLst>
+  </p:cSld>
+  <p:clrMapOvr>
+    <a:masterClrMapping/>
+  </p:clrMapOvr>
+</p:sld>
+</file>
+
+<file path=ppt/slides/slide25.xml><?xml version="1.0" encoding="utf-8"?>
+<p:sld xmlns:a="http://schemas.openxmlformats.org/drawingml/2006/main" xmlns:r="http://schemas.openxmlformats.org/officeDocument/2006/relationships" xmlns:p="http://schemas.openxmlformats.org/presentationml/2006/main">
+  <p:cSld>
+    <p:spTree>
+      <p:nvGrpSpPr>
+        <p:cNvPr id="1" name=""/>
+        <p:cNvGrpSpPr/>
+        <p:nvPr/>
+      </p:nvGrpSpPr>
+      <p:grpSpPr>
+        <a:xfrm>
+          <a:off x="0" y="0"/>
+          <a:ext cx="0" cy="0"/>
+          <a:chOff x="0" y="0"/>
+          <a:chExt cx="0" cy="0"/>
+        </a:xfrm>
+      </p:grpSpPr>
+      <p:sp>
+        <p:nvSpPr>
+          <p:cNvPr id="2" name="Title 1">
+            <a:extLst>
+              <a:ext uri="{FF2B5EF4-FFF2-40B4-BE49-F238E27FC236}">
+                <a16:creationId xmlns:a16="http://schemas.microsoft.com/office/drawing/2014/main" id="{AA7BCB18-7071-4DCD-A568-70D53D346D1F}"/>
+              </a:ext>
+            </a:extLst>
+          </p:cNvPr>
+          <p:cNvSpPr>
+            <a:spLocks noGrp="1"/>
+          </p:cNvSpPr>
+          <p:nvPr>
+            <p:ph type="title"/>
+          </p:nvPr>
+        </p:nvSpPr>
+        <p:spPr/>
+        <p:txBody>
+          <a:bodyPr/>
+          <a:lstStyle/>
+          <a:p>
+            <a:r>
+              <a:rPr lang="en-US" dirty="0"/>
+              <a:t>Overall crime vs Part one crime in a year 2017	</a:t>
+            </a:r>
+          </a:p>
+        </p:txBody>
+      </p:sp>
+      <p:sp>
+        <p:nvSpPr>
+          <p:cNvPr id="3" name="Text Placeholder 2">
+            <a:extLst>
+              <a:ext uri="{FF2B5EF4-FFF2-40B4-BE49-F238E27FC236}">
+                <a16:creationId xmlns:a16="http://schemas.microsoft.com/office/drawing/2014/main" id="{C71CB7A5-F5C6-49D9-9CEE-FB3D7E754C18}"/>
+              </a:ext>
+            </a:extLst>
+          </p:cNvPr>
+          <p:cNvSpPr>
+            <a:spLocks noGrp="1"/>
+          </p:cNvSpPr>
+          <p:nvPr>
+            <p:ph type="body" idx="1"/>
+          </p:nvPr>
+        </p:nvSpPr>
+        <p:spPr/>
+        <p:txBody>
+          <a:bodyPr/>
+          <a:lstStyle/>
+          <a:p>
+            <a:r>
+              <a:rPr lang="en-US" dirty="0"/>
+              <a:t>Overall crime	</a:t>
+            </a:r>
+          </a:p>
+        </p:txBody>
+      </p:sp>
+      <p:sp>
+        <p:nvSpPr>
+          <p:cNvPr id="5" name="Text Placeholder 4">
+            <a:extLst>
+              <a:ext uri="{FF2B5EF4-FFF2-40B4-BE49-F238E27FC236}">
+                <a16:creationId xmlns:a16="http://schemas.microsoft.com/office/drawing/2014/main" id="{BC9D432B-33DA-4719-807A-7AC2026953DE}"/>
+              </a:ext>
+            </a:extLst>
+          </p:cNvPr>
+          <p:cNvSpPr>
+            <a:spLocks noGrp="1"/>
+          </p:cNvSpPr>
+          <p:nvPr>
+            <p:ph type="body" sz="quarter" idx="3"/>
+          </p:nvPr>
+        </p:nvSpPr>
+        <p:spPr/>
+        <p:txBody>
+          <a:bodyPr/>
+          <a:lstStyle/>
+          <a:p>
+            <a:r>
+              <a:rPr lang="en-US" dirty="0"/>
+              <a:t>Part one crime</a:t>
+            </a:r>
+          </a:p>
+        </p:txBody>
+      </p:sp>
+      <p:pic>
+        <p:nvPicPr>
+          <p:cNvPr id="9" name="Content Placeholder 8">
+            <a:extLst>
+              <a:ext uri="{FF2B5EF4-FFF2-40B4-BE49-F238E27FC236}">
+                <a16:creationId xmlns:a16="http://schemas.microsoft.com/office/drawing/2014/main" id="{16F0D181-921D-4ACE-9CED-9C3C1DCB66CD}"/>
+              </a:ext>
+            </a:extLst>
+          </p:cNvPr>
+          <p:cNvPicPr>
+            <a:picLocks noGrp="1" noChangeAspect="1"/>
+          </p:cNvPicPr>
+          <p:nvPr>
+            <p:ph sz="half" idx="2"/>
+          </p:nvPr>
+        </p:nvPicPr>
+        <p:blipFill>
+          <a:blip r:embed="rId2"/>
+          <a:stretch>
+            <a:fillRect/>
+          </a:stretch>
+        </p:blipFill>
+        <p:spPr>
+          <a:xfrm>
+            <a:off x="2589213" y="3119587"/>
+            <a:ext cx="4343400" cy="2212675"/>
+          </a:xfrm>
+          <a:prstGeom prst="rect">
+            <a:avLst/>
+          </a:prstGeom>
+        </p:spPr>
+      </p:pic>
+      <p:pic>
+        <p:nvPicPr>
+          <p:cNvPr id="11" name="Content Placeholder 10">
+            <a:extLst>
+              <a:ext uri="{FF2B5EF4-FFF2-40B4-BE49-F238E27FC236}">
+                <a16:creationId xmlns:a16="http://schemas.microsoft.com/office/drawing/2014/main" id="{C710294C-2F67-4207-B17F-A3BA100BEBCD}"/>
+              </a:ext>
+            </a:extLst>
+          </p:cNvPr>
+          <p:cNvPicPr>
+            <a:picLocks noGrp="1" noChangeAspect="1"/>
+          </p:cNvPicPr>
+          <p:nvPr>
+            <p:ph sz="quarter" idx="4"/>
+          </p:nvPr>
+        </p:nvPicPr>
+        <p:blipFill>
+          <a:blip r:embed="rId3"/>
+          <a:stretch>
+            <a:fillRect/>
+          </a:stretch>
+        </p:blipFill>
+        <p:spPr>
+          <a:xfrm>
+            <a:off x="7167563" y="3096067"/>
+            <a:ext cx="4338637" cy="2253365"/>
+          </a:xfrm>
+          <a:prstGeom prst="rect">
+            <a:avLst/>
+          </a:prstGeom>
+        </p:spPr>
+      </p:pic>
+    </p:spTree>
+    <p:extLst>
+      <p:ext uri="{BB962C8B-B14F-4D97-AF65-F5344CB8AC3E}">
+        <p14:creationId xmlns:p14="http://schemas.microsoft.com/office/powerpoint/2010/main" val="917885478"/>
+      </p:ext>
+    </p:extLst>
+  </p:cSld>
+  <p:clrMapOvr>
+    <a:masterClrMapping/>
+  </p:clrMapOvr>
+</p:sld>
+</file>
+
+<file path=ppt/slides/slide26.xml><?xml version="1.0" encoding="utf-8"?>
+<p:sld xmlns:a="http://schemas.openxmlformats.org/drawingml/2006/main" xmlns:r="http://schemas.openxmlformats.org/officeDocument/2006/relationships" xmlns:p="http://schemas.openxmlformats.org/presentationml/2006/main">
+  <p:cSld>
+    <p:spTree>
+      <p:nvGrpSpPr>
+        <p:cNvPr id="1" name=""/>
+        <p:cNvGrpSpPr/>
+        <p:nvPr/>
+      </p:nvGrpSpPr>
+      <p:grpSpPr>
+        <a:xfrm>
+          <a:off x="0" y="0"/>
+          <a:ext cx="0" cy="0"/>
+          <a:chOff x="0" y="0"/>
+          <a:chExt cx="0" cy="0"/>
+        </a:xfrm>
+      </p:grpSpPr>
+      <p:sp>
+        <p:nvSpPr>
+          <p:cNvPr id="2" name="Title 1">
+            <a:extLst>
+              <a:ext uri="{FF2B5EF4-FFF2-40B4-BE49-F238E27FC236}">
+                <a16:creationId xmlns:a16="http://schemas.microsoft.com/office/drawing/2014/main" id="{AA7BCB18-7071-4DCD-A568-70D53D346D1F}"/>
+              </a:ext>
+            </a:extLst>
+          </p:cNvPr>
+          <p:cNvSpPr>
+            <a:spLocks noGrp="1"/>
+          </p:cNvSpPr>
+          <p:nvPr>
+            <p:ph type="title"/>
+          </p:nvPr>
+        </p:nvSpPr>
+        <p:spPr/>
+        <p:txBody>
+          <a:bodyPr/>
+          <a:lstStyle/>
+          <a:p>
+            <a:r>
+              <a:rPr lang="en-US" dirty="0"/>
+              <a:t>Overall crime vs Part one crime in a year 2018</a:t>
+            </a:r>
+          </a:p>
+        </p:txBody>
+      </p:sp>
+      <p:sp>
+        <p:nvSpPr>
+          <p:cNvPr id="3" name="Text Placeholder 2">
+            <a:extLst>
+              <a:ext uri="{FF2B5EF4-FFF2-40B4-BE49-F238E27FC236}">
+                <a16:creationId xmlns:a16="http://schemas.microsoft.com/office/drawing/2014/main" id="{C71CB7A5-F5C6-49D9-9CEE-FB3D7E754C18}"/>
+              </a:ext>
+            </a:extLst>
+          </p:cNvPr>
+          <p:cNvSpPr>
+            <a:spLocks noGrp="1"/>
+          </p:cNvSpPr>
+          <p:nvPr>
+            <p:ph type="body" idx="1"/>
+          </p:nvPr>
+        </p:nvSpPr>
+        <p:spPr/>
+        <p:txBody>
+          <a:bodyPr/>
+          <a:lstStyle/>
+          <a:p>
+            <a:r>
+              <a:rPr lang="en-US" dirty="0"/>
+              <a:t>Overall crime	</a:t>
+            </a:r>
+          </a:p>
+        </p:txBody>
+      </p:sp>
+      <p:sp>
+        <p:nvSpPr>
+          <p:cNvPr id="5" name="Text Placeholder 4">
+            <a:extLst>
+              <a:ext uri="{FF2B5EF4-FFF2-40B4-BE49-F238E27FC236}">
+                <a16:creationId xmlns:a16="http://schemas.microsoft.com/office/drawing/2014/main" id="{BC9D432B-33DA-4719-807A-7AC2026953DE}"/>
+              </a:ext>
+            </a:extLst>
+          </p:cNvPr>
+          <p:cNvSpPr>
+            <a:spLocks noGrp="1"/>
+          </p:cNvSpPr>
+          <p:nvPr>
+            <p:ph type="body" sz="quarter" idx="3"/>
+          </p:nvPr>
+        </p:nvSpPr>
+        <p:spPr/>
+        <p:txBody>
+          <a:bodyPr/>
+          <a:lstStyle/>
+          <a:p>
+            <a:r>
+              <a:rPr lang="en-US" dirty="0"/>
+              <a:t>Part one crime</a:t>
+            </a:r>
+          </a:p>
+        </p:txBody>
+      </p:sp>
+      <p:pic>
+        <p:nvPicPr>
+          <p:cNvPr id="10" name="Content Placeholder 9">
+            <a:extLst>
+              <a:ext uri="{FF2B5EF4-FFF2-40B4-BE49-F238E27FC236}">
+                <a16:creationId xmlns:a16="http://schemas.microsoft.com/office/drawing/2014/main" id="{DE9A2A22-DB3C-4E07-8A68-256BA4BE85A1}"/>
+              </a:ext>
+            </a:extLst>
+          </p:cNvPr>
+          <p:cNvPicPr>
+            <a:picLocks noGrp="1" noChangeAspect="1"/>
+          </p:cNvPicPr>
+          <p:nvPr>
+            <p:ph sz="half" idx="2"/>
+          </p:nvPr>
+        </p:nvPicPr>
+        <p:blipFill>
+          <a:blip r:embed="rId2"/>
+          <a:stretch>
+            <a:fillRect/>
+          </a:stretch>
+        </p:blipFill>
+        <p:spPr>
+          <a:xfrm>
+            <a:off x="2589213" y="3143444"/>
+            <a:ext cx="4343400" cy="2164962"/>
+          </a:xfrm>
+          <a:prstGeom prst="rect">
+            <a:avLst/>
+          </a:prstGeom>
+        </p:spPr>
+      </p:pic>
+      <p:pic>
+        <p:nvPicPr>
+          <p:cNvPr id="12" name="Content Placeholder 11">
+            <a:extLst>
+              <a:ext uri="{FF2B5EF4-FFF2-40B4-BE49-F238E27FC236}">
+                <a16:creationId xmlns:a16="http://schemas.microsoft.com/office/drawing/2014/main" id="{748D01DE-702F-430C-9953-DED2709B9CD6}"/>
+              </a:ext>
+            </a:extLst>
+          </p:cNvPr>
+          <p:cNvPicPr>
+            <a:picLocks noGrp="1" noChangeAspect="1"/>
+          </p:cNvPicPr>
+          <p:nvPr>
+            <p:ph sz="quarter" idx="4"/>
+          </p:nvPr>
+        </p:nvPicPr>
+        <p:blipFill>
+          <a:blip r:embed="rId3"/>
+          <a:stretch>
+            <a:fillRect/>
+          </a:stretch>
+        </p:blipFill>
+        <p:spPr>
+          <a:xfrm>
+            <a:off x="7167563" y="3141477"/>
+            <a:ext cx="4338637" cy="2162546"/>
+          </a:xfrm>
+          <a:prstGeom prst="rect">
+            <a:avLst/>
+          </a:prstGeom>
+        </p:spPr>
+      </p:pic>
+    </p:spTree>
+    <p:extLst>
+      <p:ext uri="{BB962C8B-B14F-4D97-AF65-F5344CB8AC3E}">
+        <p14:creationId xmlns:p14="http://schemas.microsoft.com/office/powerpoint/2010/main" val="1305817182"/>
+      </p:ext>
+    </p:extLst>
+  </p:cSld>
+  <p:clrMapOvr>
+    <a:masterClrMapping/>
+  </p:clrMapOvr>
+</p:sld>
+</file>
+
+<file path=ppt/slides/slide27.xml><?xml version="1.0" encoding="utf-8"?>
+<p:sld xmlns:a="http://schemas.openxmlformats.org/drawingml/2006/main" xmlns:r="http://schemas.openxmlformats.org/officeDocument/2006/relationships" xmlns:p="http://schemas.openxmlformats.org/presentationml/2006/main">
+  <p:cSld>
+    <p:spTree>
+      <p:nvGrpSpPr>
+        <p:cNvPr id="1" name=""/>
+        <p:cNvGrpSpPr/>
+        <p:nvPr/>
+      </p:nvGrpSpPr>
+      <p:grpSpPr>
+        <a:xfrm>
+          <a:off x="0" y="0"/>
+          <a:ext cx="0" cy="0"/>
+          <a:chOff x="0" y="0"/>
+          <a:chExt cx="0" cy="0"/>
+        </a:xfrm>
+      </p:grpSpPr>
+      <p:sp>
+        <p:nvSpPr>
+          <p:cNvPr id="2" name="Title 1">
+            <a:extLst>
+              <a:ext uri="{FF2B5EF4-FFF2-40B4-BE49-F238E27FC236}">
+                <a16:creationId xmlns:a16="http://schemas.microsoft.com/office/drawing/2014/main" id="{AA7BCB18-7071-4DCD-A568-70D53D346D1F}"/>
+              </a:ext>
+            </a:extLst>
+          </p:cNvPr>
+          <p:cNvSpPr>
+            <a:spLocks noGrp="1"/>
+          </p:cNvSpPr>
+          <p:nvPr>
+            <p:ph type="title"/>
+          </p:nvPr>
+        </p:nvSpPr>
+        <p:spPr/>
+        <p:txBody>
+          <a:bodyPr/>
+          <a:lstStyle/>
+          <a:p>
+            <a:r>
+              <a:rPr lang="en-US" dirty="0"/>
+              <a:t>Overall crime vs Part one crime in a year 2019</a:t>
+            </a:r>
+          </a:p>
+        </p:txBody>
+      </p:sp>
+      <p:sp>
+        <p:nvSpPr>
+          <p:cNvPr id="3" name="Text Placeholder 2">
+            <a:extLst>
+              <a:ext uri="{FF2B5EF4-FFF2-40B4-BE49-F238E27FC236}">
+                <a16:creationId xmlns:a16="http://schemas.microsoft.com/office/drawing/2014/main" id="{C71CB7A5-F5C6-49D9-9CEE-FB3D7E754C18}"/>
+              </a:ext>
+            </a:extLst>
+          </p:cNvPr>
+          <p:cNvSpPr>
+            <a:spLocks noGrp="1"/>
+          </p:cNvSpPr>
+          <p:nvPr>
+            <p:ph type="body" idx="1"/>
+          </p:nvPr>
+        </p:nvSpPr>
+        <p:spPr/>
+        <p:txBody>
+          <a:bodyPr/>
+          <a:lstStyle/>
+          <a:p>
+            <a:r>
+              <a:rPr lang="en-US" dirty="0"/>
+              <a:t>Overall crime	</a:t>
+            </a:r>
+          </a:p>
+        </p:txBody>
+      </p:sp>
+      <p:sp>
+        <p:nvSpPr>
+          <p:cNvPr id="5" name="Text Placeholder 4">
+            <a:extLst>
+              <a:ext uri="{FF2B5EF4-FFF2-40B4-BE49-F238E27FC236}">
+                <a16:creationId xmlns:a16="http://schemas.microsoft.com/office/drawing/2014/main" id="{BC9D432B-33DA-4719-807A-7AC2026953DE}"/>
+              </a:ext>
+            </a:extLst>
+          </p:cNvPr>
+          <p:cNvSpPr>
+            <a:spLocks noGrp="1"/>
+          </p:cNvSpPr>
+          <p:nvPr>
+            <p:ph type="body" sz="quarter" idx="3"/>
+          </p:nvPr>
+        </p:nvSpPr>
+        <p:spPr/>
+        <p:txBody>
+          <a:bodyPr/>
+          <a:lstStyle/>
+          <a:p>
+            <a:r>
+              <a:rPr lang="en-US" dirty="0"/>
+              <a:t>Part one crime</a:t>
+            </a:r>
+          </a:p>
+        </p:txBody>
+      </p:sp>
+      <p:pic>
+        <p:nvPicPr>
+          <p:cNvPr id="9" name="Content Placeholder 8">
+            <a:extLst>
+              <a:ext uri="{FF2B5EF4-FFF2-40B4-BE49-F238E27FC236}">
+                <a16:creationId xmlns:a16="http://schemas.microsoft.com/office/drawing/2014/main" id="{4F879258-02CB-498F-BA91-91B3A3A637BB}"/>
+              </a:ext>
+            </a:extLst>
+          </p:cNvPr>
+          <p:cNvPicPr>
+            <a:picLocks noGrp="1" noChangeAspect="1"/>
+          </p:cNvPicPr>
+          <p:nvPr>
+            <p:ph sz="half" idx="2"/>
+          </p:nvPr>
+        </p:nvPicPr>
+        <p:blipFill>
+          <a:blip r:embed="rId2"/>
+          <a:stretch>
+            <a:fillRect/>
+          </a:stretch>
+        </p:blipFill>
+        <p:spPr>
+          <a:xfrm>
+            <a:off x="2589213" y="3123091"/>
+            <a:ext cx="4343400" cy="2205668"/>
+          </a:xfrm>
+          <a:prstGeom prst="rect">
+            <a:avLst/>
+          </a:prstGeom>
+        </p:spPr>
+      </p:pic>
+      <p:pic>
+        <p:nvPicPr>
+          <p:cNvPr id="11" name="Content Placeholder 10">
+            <a:extLst>
+              <a:ext uri="{FF2B5EF4-FFF2-40B4-BE49-F238E27FC236}">
+                <a16:creationId xmlns:a16="http://schemas.microsoft.com/office/drawing/2014/main" id="{40933784-343F-45A6-BE60-8BADC91B873C}"/>
+              </a:ext>
+            </a:extLst>
+          </p:cNvPr>
+          <p:cNvPicPr>
+            <a:picLocks noGrp="1" noChangeAspect="1"/>
+          </p:cNvPicPr>
+          <p:nvPr>
+            <p:ph sz="quarter" idx="4"/>
+          </p:nvPr>
+        </p:nvPicPr>
+        <p:blipFill>
+          <a:blip r:embed="rId3"/>
+          <a:stretch>
+            <a:fillRect/>
+          </a:stretch>
+        </p:blipFill>
+        <p:spPr>
+          <a:xfrm>
+            <a:off x="7167563" y="3173364"/>
+            <a:ext cx="4338637" cy="2098771"/>
+          </a:xfrm>
+          <a:prstGeom prst="rect">
+            <a:avLst/>
+          </a:prstGeom>
+        </p:spPr>
+      </p:pic>
+    </p:spTree>
+    <p:extLst>
+      <p:ext uri="{BB962C8B-B14F-4D97-AF65-F5344CB8AC3E}">
+        <p14:creationId xmlns:p14="http://schemas.microsoft.com/office/powerpoint/2010/main" val="2315604558"/>
       </p:ext>
     </p:extLst>
   </p:cSld>

--- a/Presentation.pptx
+++ b/Presentation.pptx
@@ -9,29 +9,30 @@
     <p:sldId id="257" r:id="rId3"/>
     <p:sldId id="258" r:id="rId4"/>
     <p:sldId id="259" r:id="rId5"/>
-    <p:sldId id="260" r:id="rId6"/>
-    <p:sldId id="261" r:id="rId7"/>
-    <p:sldId id="262" r:id="rId8"/>
-    <p:sldId id="263" r:id="rId9"/>
-    <p:sldId id="264" r:id="rId10"/>
-    <p:sldId id="267" r:id="rId11"/>
-    <p:sldId id="268" r:id="rId12"/>
-    <p:sldId id="265" r:id="rId13"/>
-    <p:sldId id="266" r:id="rId14"/>
-    <p:sldId id="269" r:id="rId15"/>
-    <p:sldId id="270" r:id="rId16"/>
-    <p:sldId id="271" r:id="rId17"/>
-    <p:sldId id="272" r:id="rId18"/>
-    <p:sldId id="273" r:id="rId19"/>
-    <p:sldId id="274" r:id="rId20"/>
-    <p:sldId id="275" r:id="rId21"/>
-    <p:sldId id="276" r:id="rId22"/>
-    <p:sldId id="277" r:id="rId23"/>
-    <p:sldId id="279" r:id="rId24"/>
-    <p:sldId id="281" r:id="rId25"/>
-    <p:sldId id="282" r:id="rId26"/>
-    <p:sldId id="283" r:id="rId27"/>
-    <p:sldId id="284" r:id="rId28"/>
+    <p:sldId id="286" r:id="rId6"/>
+    <p:sldId id="260" r:id="rId7"/>
+    <p:sldId id="287" r:id="rId8"/>
+    <p:sldId id="262" r:id="rId9"/>
+    <p:sldId id="263" r:id="rId10"/>
+    <p:sldId id="264" r:id="rId11"/>
+    <p:sldId id="267" r:id="rId12"/>
+    <p:sldId id="268" r:id="rId13"/>
+    <p:sldId id="265" r:id="rId14"/>
+    <p:sldId id="266" r:id="rId15"/>
+    <p:sldId id="269" r:id="rId16"/>
+    <p:sldId id="270" r:id="rId17"/>
+    <p:sldId id="271" r:id="rId18"/>
+    <p:sldId id="272" r:id="rId19"/>
+    <p:sldId id="273" r:id="rId20"/>
+    <p:sldId id="274" r:id="rId21"/>
+    <p:sldId id="275" r:id="rId22"/>
+    <p:sldId id="276" r:id="rId23"/>
+    <p:sldId id="277" r:id="rId24"/>
+    <p:sldId id="279" r:id="rId25"/>
+    <p:sldId id="281" r:id="rId26"/>
+    <p:sldId id="282" r:id="rId27"/>
+    <p:sldId id="283" r:id="rId28"/>
+    <p:sldId id="284" r:id="rId29"/>
   </p:sldIdLst>
   <p:sldSz cx="12192000" cy="6858000"/>
   <p:notesSz cx="6858000" cy="9144000"/>
@@ -7796,6 +7797,96 @@
 <file path=ppt/slides/slide10.xml><?xml version="1.0" encoding="utf-8"?>
 <p:sld xmlns:a="http://schemas.openxmlformats.org/drawingml/2006/main" xmlns:r="http://schemas.openxmlformats.org/officeDocument/2006/relationships" xmlns:p="http://schemas.openxmlformats.org/presentationml/2006/main">
   <p:cSld>
+    <p:spTree>
+      <p:nvGrpSpPr>
+        <p:cNvPr id="1" name=""/>
+        <p:cNvGrpSpPr/>
+        <p:nvPr/>
+      </p:nvGrpSpPr>
+      <p:grpSpPr>
+        <a:xfrm>
+          <a:off x="0" y="0"/>
+          <a:ext cx="0" cy="0"/>
+          <a:chOff x="0" y="0"/>
+          <a:chExt cx="0" cy="0"/>
+        </a:xfrm>
+      </p:grpSpPr>
+      <p:sp>
+        <p:nvSpPr>
+          <p:cNvPr id="2" name="Title 1">
+            <a:extLst>
+              <a:ext uri="{FF2B5EF4-FFF2-40B4-BE49-F238E27FC236}">
+                <a16:creationId xmlns:a16="http://schemas.microsoft.com/office/drawing/2014/main" id="{58AA6C4E-E109-453E-9205-2B95B603B58B}"/>
+              </a:ext>
+            </a:extLst>
+          </p:cNvPr>
+          <p:cNvSpPr>
+            <a:spLocks noGrp="1"/>
+          </p:cNvSpPr>
+          <p:nvPr>
+            <p:ph type="title"/>
+          </p:nvPr>
+        </p:nvSpPr>
+        <p:spPr/>
+        <p:txBody>
+          <a:bodyPr/>
+          <a:lstStyle/>
+          <a:p>
+            <a:r>
+              <a:rPr lang="en-US" dirty="0"/>
+              <a:t>FIND THE zip codes</a:t>
+            </a:r>
+          </a:p>
+        </p:txBody>
+      </p:sp>
+      <p:pic>
+        <p:nvPicPr>
+          <p:cNvPr id="4" name="Content Placeholder 3">
+            <a:extLst>
+              <a:ext uri="{FF2B5EF4-FFF2-40B4-BE49-F238E27FC236}">
+                <a16:creationId xmlns:a16="http://schemas.microsoft.com/office/drawing/2014/main" id="{6DC4B1C3-3E89-47D8-975C-C005FB83341A}"/>
+              </a:ext>
+            </a:extLst>
+          </p:cNvPr>
+          <p:cNvPicPr>
+            <a:picLocks noGrp="1" noChangeAspect="1"/>
+          </p:cNvPicPr>
+          <p:nvPr>
+            <p:ph idx="1"/>
+          </p:nvPr>
+        </p:nvPicPr>
+        <p:blipFill>
+          <a:blip r:embed="rId2"/>
+          <a:stretch>
+            <a:fillRect/>
+          </a:stretch>
+        </p:blipFill>
+        <p:spPr>
+          <a:xfrm>
+            <a:off x="2849328" y="2133600"/>
+            <a:ext cx="8395169" cy="3778250"/>
+          </a:xfrm>
+          <a:prstGeom prst="rect">
+            <a:avLst/>
+          </a:prstGeom>
+        </p:spPr>
+      </p:pic>
+    </p:spTree>
+    <p:extLst>
+      <p:ext uri="{BB962C8B-B14F-4D97-AF65-F5344CB8AC3E}">
+        <p14:creationId xmlns:p14="http://schemas.microsoft.com/office/powerpoint/2010/main" val="547425640"/>
+      </p:ext>
+    </p:extLst>
+  </p:cSld>
+  <p:clrMapOvr>
+    <a:masterClrMapping/>
+  </p:clrMapOvr>
+</p:sld>
+</file>
+
+<file path=ppt/slides/slide11.xml><?xml version="1.0" encoding="utf-8"?>
+<p:sld xmlns:a="http://schemas.openxmlformats.org/drawingml/2006/main" xmlns:r="http://schemas.openxmlformats.org/officeDocument/2006/relationships" xmlns:p="http://schemas.openxmlformats.org/presentationml/2006/main">
+  <p:cSld>
     <p:bg>
       <p:bgPr>
         <a:solidFill>
@@ -7849,7 +7940,7 @@
             <a:r>
               <a:rPr lang="en-US" dirty="0">
                 <a:solidFill>
-                  <a:srgbClr val="099BDD"/>
+                  <a:schemeClr val="tx1"/>
                 </a:solidFill>
               </a:rPr>
               <a:t>Adding range column</a:t>
@@ -7953,7 +8044,7 @@
 </p:sld>
 </file>
 
-<file path=ppt/slides/slide11.xml><?xml version="1.0" encoding="utf-8"?>
+<file path=ppt/slides/slide12.xml><?xml version="1.0" encoding="utf-8"?>
 <p:sld xmlns:a="http://schemas.openxmlformats.org/drawingml/2006/main" xmlns:r="http://schemas.openxmlformats.org/officeDocument/2006/relationships" xmlns:p="http://schemas.openxmlformats.org/presentationml/2006/main">
   <p:cSld>
     <p:bg>
@@ -8022,96 +8113,6 @@
     <p:extLst>
       <p:ext uri="{BB962C8B-B14F-4D97-AF65-F5344CB8AC3E}">
         <p14:creationId xmlns:p14="http://schemas.microsoft.com/office/powerpoint/2010/main" val="200875162"/>
-      </p:ext>
-    </p:extLst>
-  </p:cSld>
-  <p:clrMapOvr>
-    <a:masterClrMapping/>
-  </p:clrMapOvr>
-</p:sld>
-</file>
-
-<file path=ppt/slides/slide12.xml><?xml version="1.0" encoding="utf-8"?>
-<p:sld xmlns:a="http://schemas.openxmlformats.org/drawingml/2006/main" xmlns:r="http://schemas.openxmlformats.org/officeDocument/2006/relationships" xmlns:p="http://schemas.openxmlformats.org/presentationml/2006/main">
-  <p:cSld>
-    <p:spTree>
-      <p:nvGrpSpPr>
-        <p:cNvPr id="1" name=""/>
-        <p:cNvGrpSpPr/>
-        <p:nvPr/>
-      </p:nvGrpSpPr>
-      <p:grpSpPr>
-        <a:xfrm>
-          <a:off x="0" y="0"/>
-          <a:ext cx="0" cy="0"/>
-          <a:chOff x="0" y="0"/>
-          <a:chExt cx="0" cy="0"/>
-        </a:xfrm>
-      </p:grpSpPr>
-      <p:sp>
-        <p:nvSpPr>
-          <p:cNvPr id="2" name="Title 1">
-            <a:extLst>
-              <a:ext uri="{FF2B5EF4-FFF2-40B4-BE49-F238E27FC236}">
-                <a16:creationId xmlns:a16="http://schemas.microsoft.com/office/drawing/2014/main" id="{F8F03A39-8F5A-4339-9651-0F7AE9CB893A}"/>
-              </a:ext>
-            </a:extLst>
-          </p:cNvPr>
-          <p:cNvSpPr>
-            <a:spLocks noGrp="1"/>
-          </p:cNvSpPr>
-          <p:nvPr>
-            <p:ph type="title"/>
-          </p:nvPr>
-        </p:nvSpPr>
-        <p:spPr/>
-        <p:txBody>
-          <a:bodyPr/>
-          <a:lstStyle/>
-          <a:p>
-            <a:r>
-              <a:rPr lang="en-US" dirty="0"/>
-              <a:t>Crimes we mainly focused on</a:t>
-            </a:r>
-          </a:p>
-        </p:txBody>
-      </p:sp>
-      <p:pic>
-        <p:nvPicPr>
-          <p:cNvPr id="12" name="Content Placeholder 11">
-            <a:extLst>
-              <a:ext uri="{FF2B5EF4-FFF2-40B4-BE49-F238E27FC236}">
-                <a16:creationId xmlns:a16="http://schemas.microsoft.com/office/drawing/2014/main" id="{70AFC34F-CDF2-4E73-9055-423F30B78E5D}"/>
-              </a:ext>
-            </a:extLst>
-          </p:cNvPr>
-          <p:cNvPicPr>
-            <a:picLocks noGrp="1" noChangeAspect="1"/>
-          </p:cNvPicPr>
-          <p:nvPr>
-            <p:ph idx="1"/>
-          </p:nvPr>
-        </p:nvPicPr>
-        <p:blipFill>
-          <a:blip r:embed="rId2"/>
-          <a:stretch>
-            <a:fillRect/>
-          </a:stretch>
-        </p:blipFill>
-        <p:spPr>
-          <a:xfrm>
-            <a:off x="1202918" y="1988971"/>
-            <a:ext cx="7315439" cy="1147261"/>
-          </a:xfrm>
-          <a:prstGeom prst="rect">
-            <a:avLst/>
-          </a:prstGeom>
-        </p:spPr>
-      </p:pic>
-    </p:spTree>
-    <p:extLst>
-      <p:ext uri="{BB962C8B-B14F-4D97-AF65-F5344CB8AC3E}">
-        <p14:creationId xmlns:p14="http://schemas.microsoft.com/office/powerpoint/2010/main" val="3578772080"/>
       </p:ext>
     </p:extLst>
   </p:cSld>
@@ -8143,7 +8144,7 @@
           <p:cNvPr id="2" name="Title 1">
             <a:extLst>
               <a:ext uri="{FF2B5EF4-FFF2-40B4-BE49-F238E27FC236}">
-                <a16:creationId xmlns:a16="http://schemas.microsoft.com/office/drawing/2014/main" id="{3F43C38F-B0C1-4B8A-A4B4-FAED3CFB95F5}"/>
+                <a16:creationId xmlns:a16="http://schemas.microsoft.com/office/drawing/2014/main" id="{F8F03A39-8F5A-4339-9651-0F7AE9CB893A}"/>
               </a:ext>
             </a:extLst>
           </p:cNvPr>
@@ -8161,55 +8162,47 @@
           <a:p>
             <a:r>
               <a:rPr lang="en-US" dirty="0"/>
-              <a:t>Why only part one?</a:t>
-            </a:r>
-          </a:p>
-        </p:txBody>
-      </p:sp>
-      <p:sp>
-        <p:nvSpPr>
-          <p:cNvPr id="3" name="Content Placeholder 2">
+              <a:t>Crimes we mainly focused on</a:t>
+            </a:r>
+          </a:p>
+        </p:txBody>
+      </p:sp>
+      <p:pic>
+        <p:nvPicPr>
+          <p:cNvPr id="12" name="Content Placeholder 11">
             <a:extLst>
               <a:ext uri="{FF2B5EF4-FFF2-40B4-BE49-F238E27FC236}">
-                <a16:creationId xmlns:a16="http://schemas.microsoft.com/office/drawing/2014/main" id="{4A610F23-E649-4CB7-B8D5-78E699161753}"/>
+                <a16:creationId xmlns:a16="http://schemas.microsoft.com/office/drawing/2014/main" id="{70AFC34F-CDF2-4E73-9055-423F30B78E5D}"/>
               </a:ext>
             </a:extLst>
           </p:cNvPr>
-          <p:cNvSpPr>
-            <a:spLocks noGrp="1"/>
-          </p:cNvSpPr>
+          <p:cNvPicPr>
+            <a:picLocks noGrp="1" noChangeAspect="1"/>
+          </p:cNvPicPr>
           <p:nvPr>
             <p:ph idx="1"/>
           </p:nvPr>
-        </p:nvSpPr>
-        <p:spPr/>
-        <p:txBody>
-          <a:bodyPr/>
-          <a:lstStyle/>
-          <a:p>
-            <a:r>
-              <a:rPr lang="en-US" dirty="0"/>
-              <a:t>What is part one anyways?</a:t>
-            </a:r>
-          </a:p>
-          <a:p>
-            <a:r>
-              <a:rPr lang="en-US" dirty="0"/>
-              <a:t>Why did we choose to focus only on part one type crimes?</a:t>
-            </a:r>
-          </a:p>
-          <a:p>
-            <a:r>
-              <a:rPr lang="en-US" dirty="0"/>
-              <a:t>What is the importance of that?</a:t>
-            </a:r>
-          </a:p>
-        </p:txBody>
-      </p:sp>
+        </p:nvPicPr>
+        <p:blipFill>
+          <a:blip r:embed="rId2"/>
+          <a:stretch>
+            <a:fillRect/>
+          </a:stretch>
+        </p:blipFill>
+        <p:spPr>
+          <a:xfrm>
+            <a:off x="2301889" y="2855369"/>
+            <a:ext cx="7588222" cy="1147261"/>
+          </a:xfrm>
+          <a:prstGeom prst="rect">
+            <a:avLst/>
+          </a:prstGeom>
+        </p:spPr>
+      </p:pic>
     </p:spTree>
     <p:extLst>
       <p:ext uri="{BB962C8B-B14F-4D97-AF65-F5344CB8AC3E}">
-        <p14:creationId xmlns:p14="http://schemas.microsoft.com/office/powerpoint/2010/main" val="3113861823"/>
+        <p14:creationId xmlns:p14="http://schemas.microsoft.com/office/powerpoint/2010/main" val="3578772080"/>
       </p:ext>
     </p:extLst>
   </p:cSld>
@@ -8241,6 +8234,104 @@
           <p:cNvPr id="2" name="Title 1">
             <a:extLst>
               <a:ext uri="{FF2B5EF4-FFF2-40B4-BE49-F238E27FC236}">
+                <a16:creationId xmlns:a16="http://schemas.microsoft.com/office/drawing/2014/main" id="{3F43C38F-B0C1-4B8A-A4B4-FAED3CFB95F5}"/>
+              </a:ext>
+            </a:extLst>
+          </p:cNvPr>
+          <p:cNvSpPr>
+            <a:spLocks noGrp="1"/>
+          </p:cNvSpPr>
+          <p:nvPr>
+            <p:ph type="title"/>
+          </p:nvPr>
+        </p:nvSpPr>
+        <p:spPr/>
+        <p:txBody>
+          <a:bodyPr/>
+          <a:lstStyle/>
+          <a:p>
+            <a:r>
+              <a:rPr lang="en-US" dirty="0"/>
+              <a:t>Why only part one?</a:t>
+            </a:r>
+          </a:p>
+        </p:txBody>
+      </p:sp>
+      <p:sp>
+        <p:nvSpPr>
+          <p:cNvPr id="3" name="Content Placeholder 2">
+            <a:extLst>
+              <a:ext uri="{FF2B5EF4-FFF2-40B4-BE49-F238E27FC236}">
+                <a16:creationId xmlns:a16="http://schemas.microsoft.com/office/drawing/2014/main" id="{4A610F23-E649-4CB7-B8D5-78E699161753}"/>
+              </a:ext>
+            </a:extLst>
+          </p:cNvPr>
+          <p:cNvSpPr>
+            <a:spLocks noGrp="1"/>
+          </p:cNvSpPr>
+          <p:nvPr>
+            <p:ph idx="1"/>
+          </p:nvPr>
+        </p:nvSpPr>
+        <p:spPr/>
+        <p:txBody>
+          <a:bodyPr/>
+          <a:lstStyle/>
+          <a:p>
+            <a:r>
+              <a:rPr lang="en-US" dirty="0"/>
+              <a:t>What is part one anyways?</a:t>
+            </a:r>
+          </a:p>
+          <a:p>
+            <a:r>
+              <a:rPr lang="en-US" dirty="0"/>
+              <a:t>Why did we choose to focus only on part one type crimes?</a:t>
+            </a:r>
+          </a:p>
+          <a:p>
+            <a:r>
+              <a:rPr lang="en-US" dirty="0"/>
+              <a:t>What is the importance of that?</a:t>
+            </a:r>
+          </a:p>
+        </p:txBody>
+      </p:sp>
+    </p:spTree>
+    <p:extLst>
+      <p:ext uri="{BB962C8B-B14F-4D97-AF65-F5344CB8AC3E}">
+        <p14:creationId xmlns:p14="http://schemas.microsoft.com/office/powerpoint/2010/main" val="3113861823"/>
+      </p:ext>
+    </p:extLst>
+  </p:cSld>
+  <p:clrMapOvr>
+    <a:masterClrMapping/>
+  </p:clrMapOvr>
+</p:sld>
+</file>
+
+<file path=ppt/slides/slide15.xml><?xml version="1.0" encoding="utf-8"?>
+<p:sld xmlns:a="http://schemas.openxmlformats.org/drawingml/2006/main" xmlns:r="http://schemas.openxmlformats.org/officeDocument/2006/relationships" xmlns:p="http://schemas.openxmlformats.org/presentationml/2006/main">
+  <p:cSld>
+    <p:spTree>
+      <p:nvGrpSpPr>
+        <p:cNvPr id="1" name=""/>
+        <p:cNvGrpSpPr/>
+        <p:nvPr/>
+      </p:nvGrpSpPr>
+      <p:grpSpPr>
+        <a:xfrm>
+          <a:off x="0" y="0"/>
+          <a:ext cx="0" cy="0"/>
+          <a:chOff x="0" y="0"/>
+          <a:chExt cx="0" cy="0"/>
+        </a:xfrm>
+      </p:grpSpPr>
+      <p:sp>
+        <p:nvSpPr>
+          <p:cNvPr id="2" name="Title 1">
+            <a:extLst>
+              <a:ext uri="{FF2B5EF4-FFF2-40B4-BE49-F238E27FC236}">
                 <a16:creationId xmlns:a16="http://schemas.microsoft.com/office/drawing/2014/main" id="{11588856-BD90-4412-8F41-673028F2914A}"/>
               </a:ext>
             </a:extLst>
@@ -8302,7 +8393,7 @@
 </p:sld>
 </file>
 
-<file path=ppt/slides/slide15.xml><?xml version="1.0" encoding="utf-8"?>
+<file path=ppt/slides/slide16.xml><?xml version="1.0" encoding="utf-8"?>
 <p:sld xmlns:a="http://schemas.openxmlformats.org/drawingml/2006/main" xmlns:r="http://schemas.openxmlformats.org/officeDocument/2006/relationships" xmlns:p="http://schemas.openxmlformats.org/presentationml/2006/main">
   <p:cSld>
     <p:bg>
@@ -8380,7 +8471,7 @@
 </p:sld>
 </file>
 
-<file path=ppt/slides/slide16.xml><?xml version="1.0" encoding="utf-8"?>
+<file path=ppt/slides/slide17.xml><?xml version="1.0" encoding="utf-8"?>
 <p:sld xmlns:a="http://schemas.openxmlformats.org/drawingml/2006/main" xmlns:r="http://schemas.openxmlformats.org/officeDocument/2006/relationships" xmlns:p="http://schemas.openxmlformats.org/presentationml/2006/main">
   <p:cSld>
     <p:bg>
@@ -8872,7 +8963,7 @@
 </p:sld>
 </file>
 
-<file path=ppt/slides/slide17.xml><?xml version="1.0" encoding="utf-8"?>
+<file path=ppt/slides/slide18.xml><?xml version="1.0" encoding="utf-8"?>
 <p:sld xmlns:a="http://schemas.openxmlformats.org/drawingml/2006/main" xmlns:r="http://schemas.openxmlformats.org/officeDocument/2006/relationships" xmlns:p="http://schemas.openxmlformats.org/presentationml/2006/main">
   <p:cSld>
     <p:bg>
@@ -9356,7 +9447,7 @@
 </p:sld>
 </file>
 
-<file path=ppt/slides/slide18.xml><?xml version="1.0" encoding="utf-8"?>
+<file path=ppt/slides/slide19.xml><?xml version="1.0" encoding="utf-8"?>
 <p:sld xmlns:a="http://schemas.openxmlformats.org/drawingml/2006/main" xmlns:r="http://schemas.openxmlformats.org/officeDocument/2006/relationships" xmlns:p="http://schemas.openxmlformats.org/presentationml/2006/main">
   <p:cSld>
     <p:spTree>
@@ -9446,7 +9537,111 @@
 </p:sld>
 </file>
 
-<file path=ppt/slides/slide19.xml><?xml version="1.0" encoding="utf-8"?>
+<file path=ppt/slides/slide2.xml><?xml version="1.0" encoding="utf-8"?>
+<p:sld xmlns:a="http://schemas.openxmlformats.org/drawingml/2006/main" xmlns:r="http://schemas.openxmlformats.org/officeDocument/2006/relationships" xmlns:p="http://schemas.openxmlformats.org/presentationml/2006/main">
+  <p:cSld>
+    <p:spTree>
+      <p:nvGrpSpPr>
+        <p:cNvPr id="1" name=""/>
+        <p:cNvGrpSpPr/>
+        <p:nvPr/>
+      </p:nvGrpSpPr>
+      <p:grpSpPr>
+        <a:xfrm>
+          <a:off x="0" y="0"/>
+          <a:ext cx="0" cy="0"/>
+          <a:chOff x="0" y="0"/>
+          <a:chExt cx="0" cy="0"/>
+        </a:xfrm>
+      </p:grpSpPr>
+      <p:sp>
+        <p:nvSpPr>
+          <p:cNvPr id="2" name="Title 1">
+            <a:extLst>
+              <a:ext uri="{FF2B5EF4-FFF2-40B4-BE49-F238E27FC236}">
+                <a16:creationId xmlns:a16="http://schemas.microsoft.com/office/drawing/2014/main" id="{B21D5A76-D235-4C84-A6F3-92274AF20A59}"/>
+              </a:ext>
+            </a:extLst>
+          </p:cNvPr>
+          <p:cNvSpPr>
+            <a:spLocks noGrp="1"/>
+          </p:cNvSpPr>
+          <p:nvPr>
+            <p:ph type="title"/>
+          </p:nvPr>
+        </p:nvSpPr>
+        <p:spPr/>
+        <p:txBody>
+          <a:bodyPr/>
+          <a:lstStyle/>
+          <a:p>
+            <a:r>
+              <a:rPr lang="en-US" dirty="0"/>
+              <a:t>Introduction	</a:t>
+            </a:r>
+          </a:p>
+        </p:txBody>
+      </p:sp>
+      <p:sp>
+        <p:nvSpPr>
+          <p:cNvPr id="3" name="Content Placeholder 2">
+            <a:extLst>
+              <a:ext uri="{FF2B5EF4-FFF2-40B4-BE49-F238E27FC236}">
+                <a16:creationId xmlns:a16="http://schemas.microsoft.com/office/drawing/2014/main" id="{28562DEA-1086-4F92-8CA6-D59E85EE2E14}"/>
+              </a:ext>
+            </a:extLst>
+          </p:cNvPr>
+          <p:cNvSpPr>
+            <a:spLocks noGrp="1"/>
+          </p:cNvSpPr>
+          <p:nvPr>
+            <p:ph idx="1"/>
+          </p:nvPr>
+        </p:nvSpPr>
+        <p:spPr/>
+        <p:txBody>
+          <a:bodyPr/>
+          <a:lstStyle/>
+          <a:p>
+            <a:r>
+              <a:rPr lang="en-US" dirty="0"/>
+              <a:t>Questions to address</a:t>
+            </a:r>
+          </a:p>
+          <a:p>
+            <a:r>
+              <a:rPr lang="en-US" dirty="0"/>
+              <a:t>Why we chose this?</a:t>
+            </a:r>
+          </a:p>
+          <a:p>
+            <a:r>
+              <a:rPr lang="en-US" dirty="0"/>
+              <a:t>What is the motivation behind it?</a:t>
+            </a:r>
+          </a:p>
+          <a:p>
+            <a:r>
+              <a:rPr lang="en-US" dirty="0"/>
+              <a:t>Why is this interesting?</a:t>
+            </a:r>
+          </a:p>
+        </p:txBody>
+      </p:sp>
+    </p:spTree>
+    <p:extLst>
+      <p:ext uri="{BB962C8B-B14F-4D97-AF65-F5344CB8AC3E}">
+        <p14:creationId xmlns:p14="http://schemas.microsoft.com/office/powerpoint/2010/main" val="2431192776"/>
+      </p:ext>
+    </p:extLst>
+  </p:cSld>
+  <p:clrMapOvr>
+    <a:masterClrMapping/>
+  </p:clrMapOvr>
+</p:sld>
+</file>
+
+<file path=ppt/slides/slide20.xml><?xml version="1.0" encoding="utf-8"?>
 <p:sld xmlns:a="http://schemas.openxmlformats.org/drawingml/2006/main" xmlns:r="http://schemas.openxmlformats.org/officeDocument/2006/relationships" xmlns:p="http://schemas.openxmlformats.org/presentationml/2006/main">
   <p:cSld>
     <p:spTree>
@@ -9536,111 +9731,7 @@
 </p:sld>
 </file>
 
-<file path=ppt/slides/slide2.xml><?xml version="1.0" encoding="utf-8"?>
-<p:sld xmlns:a="http://schemas.openxmlformats.org/drawingml/2006/main" xmlns:r="http://schemas.openxmlformats.org/officeDocument/2006/relationships" xmlns:p="http://schemas.openxmlformats.org/presentationml/2006/main">
-  <p:cSld>
-    <p:spTree>
-      <p:nvGrpSpPr>
-        <p:cNvPr id="1" name=""/>
-        <p:cNvGrpSpPr/>
-        <p:nvPr/>
-      </p:nvGrpSpPr>
-      <p:grpSpPr>
-        <a:xfrm>
-          <a:off x="0" y="0"/>
-          <a:ext cx="0" cy="0"/>
-          <a:chOff x="0" y="0"/>
-          <a:chExt cx="0" cy="0"/>
-        </a:xfrm>
-      </p:grpSpPr>
-      <p:sp>
-        <p:nvSpPr>
-          <p:cNvPr id="2" name="Title 1">
-            <a:extLst>
-              <a:ext uri="{FF2B5EF4-FFF2-40B4-BE49-F238E27FC236}">
-                <a16:creationId xmlns:a16="http://schemas.microsoft.com/office/drawing/2014/main" id="{B21D5A76-D235-4C84-A6F3-92274AF20A59}"/>
-              </a:ext>
-            </a:extLst>
-          </p:cNvPr>
-          <p:cNvSpPr>
-            <a:spLocks noGrp="1"/>
-          </p:cNvSpPr>
-          <p:nvPr>
-            <p:ph type="title"/>
-          </p:nvPr>
-        </p:nvSpPr>
-        <p:spPr/>
-        <p:txBody>
-          <a:bodyPr/>
-          <a:lstStyle/>
-          <a:p>
-            <a:r>
-              <a:rPr lang="en-US" dirty="0"/>
-              <a:t>Introduction	</a:t>
-            </a:r>
-          </a:p>
-        </p:txBody>
-      </p:sp>
-      <p:sp>
-        <p:nvSpPr>
-          <p:cNvPr id="3" name="Content Placeholder 2">
-            <a:extLst>
-              <a:ext uri="{FF2B5EF4-FFF2-40B4-BE49-F238E27FC236}">
-                <a16:creationId xmlns:a16="http://schemas.microsoft.com/office/drawing/2014/main" id="{28562DEA-1086-4F92-8CA6-D59E85EE2E14}"/>
-              </a:ext>
-            </a:extLst>
-          </p:cNvPr>
-          <p:cNvSpPr>
-            <a:spLocks noGrp="1"/>
-          </p:cNvSpPr>
-          <p:nvPr>
-            <p:ph idx="1"/>
-          </p:nvPr>
-        </p:nvSpPr>
-        <p:spPr/>
-        <p:txBody>
-          <a:bodyPr/>
-          <a:lstStyle/>
-          <a:p>
-            <a:r>
-              <a:rPr lang="en-US" dirty="0"/>
-              <a:t>Questions to address</a:t>
-            </a:r>
-          </a:p>
-          <a:p>
-            <a:r>
-              <a:rPr lang="en-US" dirty="0"/>
-              <a:t>Why we chose this?</a:t>
-            </a:r>
-          </a:p>
-          <a:p>
-            <a:r>
-              <a:rPr lang="en-US" dirty="0"/>
-              <a:t>What is the motivation behind it?</a:t>
-            </a:r>
-          </a:p>
-          <a:p>
-            <a:r>
-              <a:rPr lang="en-US" dirty="0"/>
-              <a:t>Why is this interesting?</a:t>
-            </a:r>
-          </a:p>
-        </p:txBody>
-      </p:sp>
-    </p:spTree>
-    <p:extLst>
-      <p:ext uri="{BB962C8B-B14F-4D97-AF65-F5344CB8AC3E}">
-        <p14:creationId xmlns:p14="http://schemas.microsoft.com/office/powerpoint/2010/main" val="2431192776"/>
-      </p:ext>
-    </p:extLst>
-  </p:cSld>
-  <p:clrMapOvr>
-    <a:masterClrMapping/>
-  </p:clrMapOvr>
-</p:sld>
-</file>
-
-<file path=ppt/slides/slide20.xml><?xml version="1.0" encoding="utf-8"?>
+<file path=ppt/slides/slide21.xml><?xml version="1.0" encoding="utf-8"?>
 <p:sld xmlns:a="http://schemas.openxmlformats.org/drawingml/2006/main" xmlns:r="http://schemas.openxmlformats.org/officeDocument/2006/relationships" xmlns:p="http://schemas.openxmlformats.org/presentationml/2006/main">
   <p:cSld>
     <p:spTree>
@@ -9730,7 +9821,7 @@
 </p:sld>
 </file>
 
-<file path=ppt/slides/slide21.xml><?xml version="1.0" encoding="utf-8"?>
+<file path=ppt/slides/slide22.xml><?xml version="1.0" encoding="utf-8"?>
 <p:sld xmlns:a="http://schemas.openxmlformats.org/drawingml/2006/main" xmlns:r="http://schemas.openxmlformats.org/officeDocument/2006/relationships" xmlns:p="http://schemas.openxmlformats.org/presentationml/2006/main">
   <p:cSld>
     <p:spTree>
@@ -9820,7 +9911,7 @@
 </p:sld>
 </file>
 
-<file path=ppt/slides/slide22.xml><?xml version="1.0" encoding="utf-8"?>
+<file path=ppt/slides/slide23.xml><?xml version="1.0" encoding="utf-8"?>
 <p:sld xmlns:a="http://schemas.openxmlformats.org/drawingml/2006/main" xmlns:r="http://schemas.openxmlformats.org/officeDocument/2006/relationships" xmlns:p="http://schemas.openxmlformats.org/presentationml/2006/main">
   <p:cSld>
     <p:bg>
@@ -9993,7 +10084,7 @@
 </p:sld>
 </file>
 
-<file path=ppt/slides/slide23.xml><?xml version="1.0" encoding="utf-8"?>
+<file path=ppt/slides/slide24.xml><?xml version="1.0" encoding="utf-8"?>
 <p:sld xmlns:a="http://schemas.openxmlformats.org/drawingml/2006/main" xmlns:r="http://schemas.openxmlformats.org/officeDocument/2006/relationships" xmlns:p="http://schemas.openxmlformats.org/presentationml/2006/main">
   <p:cSld>
     <p:spTree>
@@ -10171,7 +10262,7 @@
 </p:sld>
 </file>
 
-<file path=ppt/slides/slide24.xml><?xml version="1.0" encoding="utf-8"?>
+<file path=ppt/slides/slide25.xml><?xml version="1.0" encoding="utf-8"?>
 <p:sld xmlns:a="http://schemas.openxmlformats.org/drawingml/2006/main" xmlns:r="http://schemas.openxmlformats.org/officeDocument/2006/relationships" xmlns:p="http://schemas.openxmlformats.org/presentationml/2006/main">
   <p:cSld>
     <p:spTree>
@@ -10349,7 +10440,7 @@
 </p:sld>
 </file>
 
-<file path=ppt/slides/slide25.xml><?xml version="1.0" encoding="utf-8"?>
+<file path=ppt/slides/slide26.xml><?xml version="1.0" encoding="utf-8"?>
 <p:sld xmlns:a="http://schemas.openxmlformats.org/drawingml/2006/main" xmlns:r="http://schemas.openxmlformats.org/officeDocument/2006/relationships" xmlns:p="http://schemas.openxmlformats.org/presentationml/2006/main">
   <p:cSld>
     <p:spTree>
@@ -10527,7 +10618,7 @@
 </p:sld>
 </file>
 
-<file path=ppt/slides/slide26.xml><?xml version="1.0" encoding="utf-8"?>
+<file path=ppt/slides/slide27.xml><?xml version="1.0" encoding="utf-8"?>
 <p:sld xmlns:a="http://schemas.openxmlformats.org/drawingml/2006/main" xmlns:r="http://schemas.openxmlformats.org/officeDocument/2006/relationships" xmlns:p="http://schemas.openxmlformats.org/presentationml/2006/main">
   <p:cSld>
     <p:spTree>
@@ -10705,7 +10796,7 @@
 </p:sld>
 </file>
 
-<file path=ppt/slides/slide27.xml><?xml version="1.0" encoding="utf-8"?>
+<file path=ppt/slides/slide28.xml><?xml version="1.0" encoding="utf-8"?>
 <p:sld xmlns:a="http://schemas.openxmlformats.org/drawingml/2006/main" xmlns:r="http://schemas.openxmlformats.org/officeDocument/2006/relationships" xmlns:p="http://schemas.openxmlformats.org/presentationml/2006/main">
   <p:cSld>
     <p:spTree>
@@ -10962,6 +11053,16 @@
             <a:endParaRPr lang="en-US" dirty="0"/>
           </a:p>
           <a:p>
+            <a:r>
+              <a:rPr lang="en-US" dirty="0"/>
+              <a:t>Boston Housing Dataset that we extracted from the housing price evaluation dataset: </a:t>
+            </a:r>
+            <a:r>
+              <a:rPr lang="en-US" dirty="0">
+                <a:hlinkClick r:id="rId3"/>
+              </a:rPr>
+              <a:t>https://data.boston.gov/dataset/property-assessment</a:t>
+            </a:r>
             <a:endParaRPr lang="en-US" dirty="0"/>
           </a:p>
         </p:txBody>
@@ -11053,7 +11154,13 @@
           <a:p>
             <a:r>
               <a:rPr lang="en-US" dirty="0"/>
-              <a:t>Dataset description</a:t>
+              <a:t>For crime records we needed to get some authentic source for the dataset and so we chose to explore the government sites and this seems to be an authentic source with data getting updated everyday.</a:t>
+            </a:r>
+          </a:p>
+          <a:p>
+            <a:r>
+              <a:rPr lang="en-US" dirty="0"/>
+              <a:t>Although we are just taking the dataset from June 2015 to June 2019 for the purpose of this project.</a:t>
             </a:r>
           </a:p>
           <a:p>
@@ -11099,7 +11206,7 @@
           <p:cNvPr id="2" name="Title 1">
             <a:extLst>
               <a:ext uri="{FF2B5EF4-FFF2-40B4-BE49-F238E27FC236}">
-                <a16:creationId xmlns:a16="http://schemas.microsoft.com/office/drawing/2014/main" id="{04B3C669-23D8-454D-B095-27B45BA8EE8C}"/>
+                <a16:creationId xmlns:a16="http://schemas.microsoft.com/office/drawing/2014/main" id="{8040A226-69FB-4C94-A880-FB35F7D24B6A}"/>
               </a:ext>
             </a:extLst>
           </p:cNvPr>
@@ -11107,7 +11214,7 @@
             <a:spLocks noGrp="1"/>
           </p:cNvSpPr>
           <p:nvPr>
-            <p:ph type="ctrTitle"/>
+            <p:ph type="title"/>
           </p:nvPr>
         </p:nvSpPr>
         <p:spPr/>
@@ -11117,7 +11224,59 @@
           <a:p>
             <a:r>
               <a:rPr lang="en-US" dirty="0"/>
-              <a:t>Solution/Method</a:t>
+              <a:t>Housing Data</a:t>
+            </a:r>
+          </a:p>
+        </p:txBody>
+      </p:sp>
+      <p:sp>
+        <p:nvSpPr>
+          <p:cNvPr id="3" name="Content Placeholder 2">
+            <a:extLst>
+              <a:ext uri="{FF2B5EF4-FFF2-40B4-BE49-F238E27FC236}">
+                <a16:creationId xmlns:a16="http://schemas.microsoft.com/office/drawing/2014/main" id="{EFB6CDC7-4DF4-4EA5-A881-1C76C73A3C7C}"/>
+              </a:ext>
+            </a:extLst>
+          </p:cNvPr>
+          <p:cNvSpPr>
+            <a:spLocks noGrp="1"/>
+          </p:cNvSpPr>
+          <p:nvPr>
+            <p:ph idx="1"/>
+          </p:nvPr>
+        </p:nvSpPr>
+        <p:spPr/>
+        <p:txBody>
+          <a:bodyPr/>
+          <a:lstStyle/>
+          <a:p>
+            <a:r>
+              <a:rPr lang="en-US" dirty="0"/>
+              <a:t>Why we choose this dataset?</a:t>
+            </a:r>
+          </a:p>
+          <a:p>
+            <a:r>
+              <a:rPr lang="en-US" dirty="0"/>
+              <a:t>First we wanted an authentic dataset so that we can get actual and real-life example to work on.</a:t>
+            </a:r>
+          </a:p>
+          <a:p>
+            <a:r>
+              <a:rPr lang="en-US" dirty="0"/>
+              <a:t>We found many datasets but we wanted to establish a connection between the two datasets and so it was crucial to find a dataset that will have some common parameter.</a:t>
+            </a:r>
+          </a:p>
+          <a:p>
+            <a:r>
+              <a:rPr lang="en-US" dirty="0"/>
+              <a:t>There were two such variables we thought to connect: one was the district variable or to use zip code from the housing dataset.</a:t>
+            </a:r>
+          </a:p>
+          <a:p>
+            <a:r>
+              <a:rPr lang="en-US" dirty="0"/>
+              <a:t>So, the best parameter to connect seemed to be zip code as the districts were based on the police stations and it is possible that more than one zip codes fall under one district.</a:t>
             </a:r>
           </a:p>
         </p:txBody>
@@ -11125,7 +11284,7 @@
     </p:spTree>
     <p:extLst>
       <p:ext uri="{BB962C8B-B14F-4D97-AF65-F5344CB8AC3E}">
-        <p14:creationId xmlns:p14="http://schemas.microsoft.com/office/powerpoint/2010/main" val="4076487023"/>
+        <p14:creationId xmlns:p14="http://schemas.microsoft.com/office/powerpoint/2010/main" val="2743305441"/>
       </p:ext>
     </p:extLst>
   </p:cSld>
@@ -11157,7 +11316,7 @@
           <p:cNvPr id="2" name="Title 1">
             <a:extLst>
               <a:ext uri="{FF2B5EF4-FFF2-40B4-BE49-F238E27FC236}">
-                <a16:creationId xmlns:a16="http://schemas.microsoft.com/office/drawing/2014/main" id="{45A27EE0-4D5B-402B-A5A5-EB5A1D172413}"/>
+                <a16:creationId xmlns:a16="http://schemas.microsoft.com/office/drawing/2014/main" id="{04B3C669-23D8-454D-B095-27B45BA8EE8C}"/>
               </a:ext>
             </a:extLst>
           </p:cNvPr>
@@ -11165,7 +11324,7 @@
             <a:spLocks noGrp="1"/>
           </p:cNvSpPr>
           <p:nvPr>
-            <p:ph type="title"/>
+            <p:ph type="ctrTitle"/>
           </p:nvPr>
         </p:nvSpPr>
         <p:spPr/>
@@ -11175,35 +11334,7 @@
           <a:p>
             <a:r>
               <a:rPr lang="en-US" dirty="0"/>
-              <a:t>techniques applied to crime data</a:t>
-            </a:r>
-          </a:p>
-        </p:txBody>
-      </p:sp>
-      <p:sp>
-        <p:nvSpPr>
-          <p:cNvPr id="3" name="Content Placeholder 2">
-            <a:extLst>
-              <a:ext uri="{FF2B5EF4-FFF2-40B4-BE49-F238E27FC236}">
-                <a16:creationId xmlns:a16="http://schemas.microsoft.com/office/drawing/2014/main" id="{FC02422C-59B3-4D32-8DD2-E57ADF2118A0}"/>
-              </a:ext>
-            </a:extLst>
-          </p:cNvPr>
-          <p:cNvSpPr>
-            <a:spLocks noGrp="1"/>
-          </p:cNvSpPr>
-          <p:nvPr>
-            <p:ph idx="1"/>
-          </p:nvPr>
-        </p:nvSpPr>
-        <p:spPr/>
-        <p:txBody>
-          <a:bodyPr/>
-          <a:lstStyle/>
-          <a:p>
-            <a:r>
-              <a:rPr lang="en-US" dirty="0"/>
-              <a:t>There are various pre-processing techniques that we have applied to the crime dataset in order for us to make it usable according to our needs. </a:t>
+              <a:t>Solution/Method</a:t>
             </a:r>
           </a:p>
         </p:txBody>
@@ -11211,7 +11342,7 @@
     </p:spTree>
     <p:extLst>
       <p:ext uri="{BB962C8B-B14F-4D97-AF65-F5344CB8AC3E}">
-        <p14:creationId xmlns:p14="http://schemas.microsoft.com/office/powerpoint/2010/main" val="3890058217"/>
+        <p14:creationId xmlns:p14="http://schemas.microsoft.com/office/powerpoint/2010/main" val="4076487023"/>
       </p:ext>
     </p:extLst>
   </p:cSld>
@@ -11222,6 +11353,92 @@
 </file>
 
 <file path=ppt/slides/slide7.xml><?xml version="1.0" encoding="utf-8"?>
+<p:sld xmlns:a="http://schemas.openxmlformats.org/drawingml/2006/main" xmlns:r="http://schemas.openxmlformats.org/officeDocument/2006/relationships" xmlns:p="http://schemas.openxmlformats.org/presentationml/2006/main">
+  <p:cSld>
+    <p:spTree>
+      <p:nvGrpSpPr>
+        <p:cNvPr id="1" name=""/>
+        <p:cNvGrpSpPr/>
+        <p:nvPr/>
+      </p:nvGrpSpPr>
+      <p:grpSpPr>
+        <a:xfrm>
+          <a:off x="0" y="0"/>
+          <a:ext cx="0" cy="0"/>
+          <a:chOff x="0" y="0"/>
+          <a:chExt cx="0" cy="0"/>
+        </a:xfrm>
+      </p:grpSpPr>
+      <p:sp>
+        <p:nvSpPr>
+          <p:cNvPr id="2" name="Title 1">
+            <a:extLst>
+              <a:ext uri="{FF2B5EF4-FFF2-40B4-BE49-F238E27FC236}">
+                <a16:creationId xmlns:a16="http://schemas.microsoft.com/office/drawing/2014/main" id="{45A27EE0-4D5B-402B-A5A5-EB5A1D172413}"/>
+              </a:ext>
+            </a:extLst>
+          </p:cNvPr>
+          <p:cNvSpPr>
+            <a:spLocks noGrp="1"/>
+          </p:cNvSpPr>
+          <p:nvPr>
+            <p:ph type="title"/>
+          </p:nvPr>
+        </p:nvSpPr>
+        <p:spPr/>
+        <p:txBody>
+          <a:bodyPr/>
+          <a:lstStyle/>
+          <a:p>
+            <a:r>
+              <a:rPr lang="en-US" dirty="0"/>
+              <a:t>Data Preprocessing</a:t>
+            </a:r>
+          </a:p>
+        </p:txBody>
+      </p:sp>
+      <p:sp>
+        <p:nvSpPr>
+          <p:cNvPr id="3" name="Content Placeholder 2">
+            <a:extLst>
+              <a:ext uri="{FF2B5EF4-FFF2-40B4-BE49-F238E27FC236}">
+                <a16:creationId xmlns:a16="http://schemas.microsoft.com/office/drawing/2014/main" id="{FC02422C-59B3-4D32-8DD2-E57ADF2118A0}"/>
+              </a:ext>
+            </a:extLst>
+          </p:cNvPr>
+          <p:cNvSpPr>
+            <a:spLocks noGrp="1"/>
+          </p:cNvSpPr>
+          <p:nvPr>
+            <p:ph idx="1"/>
+          </p:nvPr>
+        </p:nvSpPr>
+        <p:spPr/>
+        <p:txBody>
+          <a:bodyPr/>
+          <a:lstStyle/>
+          <a:p>
+            <a:r>
+              <a:rPr lang="en-US" dirty="0"/>
+              <a:t>The crime dataset we got was mostly complete but it needed some pre processing </a:t>
+            </a:r>
+          </a:p>
+        </p:txBody>
+      </p:sp>
+    </p:spTree>
+    <p:extLst>
+      <p:ext uri="{BB962C8B-B14F-4D97-AF65-F5344CB8AC3E}">
+        <p14:creationId xmlns:p14="http://schemas.microsoft.com/office/powerpoint/2010/main" val="3698370249"/>
+      </p:ext>
+    </p:extLst>
+  </p:cSld>
+  <p:clrMapOvr>
+    <a:masterClrMapping/>
+  </p:clrMapOvr>
+</p:sld>
+</file>
+
+<file path=ppt/slides/slide8.xml><?xml version="1.0" encoding="utf-8"?>
 <p:sld xmlns:a="http://schemas.openxmlformats.org/drawingml/2006/main" xmlns:r="http://schemas.openxmlformats.org/officeDocument/2006/relationships" xmlns:p="http://schemas.openxmlformats.org/presentationml/2006/main">
   <p:cSld>
     <p:bg>
@@ -11360,7 +11577,7 @@
 </p:sld>
 </file>
 
-<file path=ppt/slides/slide8.xml><?xml version="1.0" encoding="utf-8"?>
+<file path=ppt/slides/slide9.xml><?xml version="1.0" encoding="utf-8"?>
 <p:sld xmlns:a="http://schemas.openxmlformats.org/drawingml/2006/main" xmlns:r="http://schemas.openxmlformats.org/officeDocument/2006/relationships" xmlns:p="http://schemas.openxmlformats.org/presentationml/2006/main">
   <p:cSld>
     <p:bg>
@@ -11478,8 +11695,8 @@
         </p:blipFill>
         <p:spPr>
           <a:xfrm>
-            <a:off x="0" y="2045110"/>
-            <a:ext cx="7572375" cy="733425"/>
+            <a:off x="800965" y="2810654"/>
+            <a:ext cx="6367373" cy="733425"/>
           </a:xfrm>
           <a:prstGeom prst="rect">
             <a:avLst/>
@@ -11490,96 +11707,6 @@
     <p:extLst>
       <p:ext uri="{BB962C8B-B14F-4D97-AF65-F5344CB8AC3E}">
         <p14:creationId xmlns:p14="http://schemas.microsoft.com/office/powerpoint/2010/main" val="3139787051"/>
-      </p:ext>
-    </p:extLst>
-  </p:cSld>
-  <p:clrMapOvr>
-    <a:masterClrMapping/>
-  </p:clrMapOvr>
-</p:sld>
-</file>
-
-<file path=ppt/slides/slide9.xml><?xml version="1.0" encoding="utf-8"?>
-<p:sld xmlns:a="http://schemas.openxmlformats.org/drawingml/2006/main" xmlns:r="http://schemas.openxmlformats.org/officeDocument/2006/relationships" xmlns:p="http://schemas.openxmlformats.org/presentationml/2006/main">
-  <p:cSld>
-    <p:spTree>
-      <p:nvGrpSpPr>
-        <p:cNvPr id="1" name=""/>
-        <p:cNvGrpSpPr/>
-        <p:nvPr/>
-      </p:nvGrpSpPr>
-      <p:grpSpPr>
-        <a:xfrm>
-          <a:off x="0" y="0"/>
-          <a:ext cx="0" cy="0"/>
-          <a:chOff x="0" y="0"/>
-          <a:chExt cx="0" cy="0"/>
-        </a:xfrm>
-      </p:grpSpPr>
-      <p:sp>
-        <p:nvSpPr>
-          <p:cNvPr id="2" name="Title 1">
-            <a:extLst>
-              <a:ext uri="{FF2B5EF4-FFF2-40B4-BE49-F238E27FC236}">
-                <a16:creationId xmlns:a16="http://schemas.microsoft.com/office/drawing/2014/main" id="{58AA6C4E-E109-453E-9205-2B95B603B58B}"/>
-              </a:ext>
-            </a:extLst>
-          </p:cNvPr>
-          <p:cNvSpPr>
-            <a:spLocks noGrp="1"/>
-          </p:cNvSpPr>
-          <p:nvPr>
-            <p:ph type="title"/>
-          </p:nvPr>
-        </p:nvSpPr>
-        <p:spPr/>
-        <p:txBody>
-          <a:bodyPr/>
-          <a:lstStyle/>
-          <a:p>
-            <a:r>
-              <a:rPr lang="en-US" dirty="0"/>
-              <a:t>FIND THE zip codes</a:t>
-            </a:r>
-          </a:p>
-        </p:txBody>
-      </p:sp>
-      <p:pic>
-        <p:nvPicPr>
-          <p:cNvPr id="4" name="Content Placeholder 3">
-            <a:extLst>
-              <a:ext uri="{FF2B5EF4-FFF2-40B4-BE49-F238E27FC236}">
-                <a16:creationId xmlns:a16="http://schemas.microsoft.com/office/drawing/2014/main" id="{6DC4B1C3-3E89-47D8-975C-C005FB83341A}"/>
-              </a:ext>
-            </a:extLst>
-          </p:cNvPr>
-          <p:cNvPicPr>
-            <a:picLocks noGrp="1" noChangeAspect="1"/>
-          </p:cNvPicPr>
-          <p:nvPr>
-            <p:ph idx="1"/>
-          </p:nvPr>
-        </p:nvPicPr>
-        <p:blipFill>
-          <a:blip r:embed="rId2"/>
-          <a:stretch>
-            <a:fillRect/>
-          </a:stretch>
-        </p:blipFill>
-        <p:spPr>
-          <a:xfrm>
-            <a:off x="2849328" y="2133600"/>
-            <a:ext cx="8395169" cy="3778250"/>
-          </a:xfrm>
-          <a:prstGeom prst="rect">
-            <a:avLst/>
-          </a:prstGeom>
-        </p:spPr>
-      </p:pic>
-    </p:spTree>
-    <p:extLst>
-      <p:ext uri="{BB962C8B-B14F-4D97-AF65-F5344CB8AC3E}">
-        <p14:creationId xmlns:p14="http://schemas.microsoft.com/office/powerpoint/2010/main" val="547425640"/>
       </p:ext>
     </p:extLst>
   </p:cSld>

--- a/Presentation.pptx
+++ b/Presentation.pptx
@@ -19,20 +19,20 @@
     <p:sldId id="268" r:id="rId13"/>
     <p:sldId id="265" r:id="rId14"/>
     <p:sldId id="266" r:id="rId15"/>
-    <p:sldId id="269" r:id="rId16"/>
-    <p:sldId id="270" r:id="rId17"/>
-    <p:sldId id="271" r:id="rId18"/>
-    <p:sldId id="272" r:id="rId19"/>
-    <p:sldId id="273" r:id="rId20"/>
-    <p:sldId id="274" r:id="rId21"/>
-    <p:sldId id="275" r:id="rId22"/>
-    <p:sldId id="276" r:id="rId23"/>
-    <p:sldId id="277" r:id="rId24"/>
-    <p:sldId id="279" r:id="rId25"/>
-    <p:sldId id="281" r:id="rId26"/>
-    <p:sldId id="282" r:id="rId27"/>
-    <p:sldId id="283" r:id="rId28"/>
-    <p:sldId id="284" r:id="rId29"/>
+    <p:sldId id="270" r:id="rId16"/>
+    <p:sldId id="271" r:id="rId17"/>
+    <p:sldId id="272" r:id="rId18"/>
+    <p:sldId id="273" r:id="rId19"/>
+    <p:sldId id="274" r:id="rId20"/>
+    <p:sldId id="275" r:id="rId21"/>
+    <p:sldId id="276" r:id="rId22"/>
+    <p:sldId id="277" r:id="rId23"/>
+    <p:sldId id="279" r:id="rId24"/>
+    <p:sldId id="281" r:id="rId25"/>
+    <p:sldId id="282" r:id="rId26"/>
+    <p:sldId id="283" r:id="rId27"/>
+    <p:sldId id="284" r:id="rId28"/>
+    <p:sldId id="269" r:id="rId29"/>
   </p:sldIdLst>
   <p:sldSz cx="12192000" cy="6858000"/>
   <p:notesSz cx="6858000" cy="9144000"/>
@@ -8313,89 +8313,6 @@
 <file path=ppt/slides/slide15.xml><?xml version="1.0" encoding="utf-8"?>
 <p:sld xmlns:a="http://schemas.openxmlformats.org/drawingml/2006/main" xmlns:r="http://schemas.openxmlformats.org/officeDocument/2006/relationships" xmlns:p="http://schemas.openxmlformats.org/presentationml/2006/main">
   <p:cSld>
-    <p:spTree>
-      <p:nvGrpSpPr>
-        <p:cNvPr id="1" name=""/>
-        <p:cNvGrpSpPr/>
-        <p:nvPr/>
-      </p:nvGrpSpPr>
-      <p:grpSpPr>
-        <a:xfrm>
-          <a:off x="0" y="0"/>
-          <a:ext cx="0" cy="0"/>
-          <a:chOff x="0" y="0"/>
-          <a:chExt cx="0" cy="0"/>
-        </a:xfrm>
-      </p:grpSpPr>
-      <p:sp>
-        <p:nvSpPr>
-          <p:cNvPr id="2" name="Title 1">
-            <a:extLst>
-              <a:ext uri="{FF2B5EF4-FFF2-40B4-BE49-F238E27FC236}">
-                <a16:creationId xmlns:a16="http://schemas.microsoft.com/office/drawing/2014/main" id="{11588856-BD90-4412-8F41-673028F2914A}"/>
-              </a:ext>
-            </a:extLst>
-          </p:cNvPr>
-          <p:cNvSpPr>
-            <a:spLocks noGrp="1"/>
-          </p:cNvSpPr>
-          <p:nvPr>
-            <p:ph type="title"/>
-          </p:nvPr>
-        </p:nvSpPr>
-        <p:spPr/>
-        <p:txBody>
-          <a:bodyPr/>
-          <a:lstStyle/>
-          <a:p>
-            <a:r>
-              <a:rPr lang="en-US" dirty="0"/>
-              <a:t>Arima model</a:t>
-            </a:r>
-          </a:p>
-        </p:txBody>
-      </p:sp>
-      <p:sp>
-        <p:nvSpPr>
-          <p:cNvPr id="3" name="Content Placeholder 2">
-            <a:extLst>
-              <a:ext uri="{FF2B5EF4-FFF2-40B4-BE49-F238E27FC236}">
-                <a16:creationId xmlns:a16="http://schemas.microsoft.com/office/drawing/2014/main" id="{877F13F2-87DE-48DC-BAF1-7589C6A98320}"/>
-              </a:ext>
-            </a:extLst>
-          </p:cNvPr>
-          <p:cNvSpPr>
-            <a:spLocks noGrp="1"/>
-          </p:cNvSpPr>
-          <p:nvPr>
-            <p:ph idx="1"/>
-          </p:nvPr>
-        </p:nvSpPr>
-        <p:spPr/>
-        <p:txBody>
-          <a:bodyPr/>
-          <a:lstStyle/>
-          <a:p>
-            <a:endParaRPr lang="en-US" dirty="0"/>
-          </a:p>
-        </p:txBody>
-      </p:sp>
-    </p:spTree>
-    <p:extLst>
-      <p:ext uri="{BB962C8B-B14F-4D97-AF65-F5344CB8AC3E}">
-        <p14:creationId xmlns:p14="http://schemas.microsoft.com/office/powerpoint/2010/main" val="1429009813"/>
-      </p:ext>
-    </p:extLst>
-  </p:cSld>
-  <p:clrMapOvr>
-    <a:masterClrMapping/>
-  </p:clrMapOvr>
-</p:sld>
-</file>
-
-<file path=ppt/slides/slide16.xml><?xml version="1.0" encoding="utf-8"?>
-<p:sld xmlns:a="http://schemas.openxmlformats.org/drawingml/2006/main" xmlns:r="http://schemas.openxmlformats.org/officeDocument/2006/relationships" xmlns:p="http://schemas.openxmlformats.org/presentationml/2006/main">
-  <p:cSld>
     <p:bg>
       <p:bgPr>
         <a:solidFill>
@@ -8471,7 +8388,7 @@
 </p:sld>
 </file>
 
-<file path=ppt/slides/slide17.xml><?xml version="1.0" encoding="utf-8"?>
+<file path=ppt/slides/slide16.xml><?xml version="1.0" encoding="utf-8"?>
 <p:sld xmlns:a="http://schemas.openxmlformats.org/drawingml/2006/main" xmlns:r="http://schemas.openxmlformats.org/officeDocument/2006/relationships" xmlns:p="http://schemas.openxmlformats.org/presentationml/2006/main">
   <p:cSld>
     <p:bg>
@@ -8963,7 +8880,7 @@
 </p:sld>
 </file>
 
-<file path=ppt/slides/slide18.xml><?xml version="1.0" encoding="utf-8"?>
+<file path=ppt/slides/slide17.xml><?xml version="1.0" encoding="utf-8"?>
 <p:sld xmlns:a="http://schemas.openxmlformats.org/drawingml/2006/main" xmlns:r="http://schemas.openxmlformats.org/officeDocument/2006/relationships" xmlns:p="http://schemas.openxmlformats.org/presentationml/2006/main">
   <p:cSld>
     <p:bg>
@@ -9447,7 +9364,7 @@
 </p:sld>
 </file>
 
-<file path=ppt/slides/slide19.xml><?xml version="1.0" encoding="utf-8"?>
+<file path=ppt/slides/slide18.xml><?xml version="1.0" encoding="utf-8"?>
 <p:sld xmlns:a="http://schemas.openxmlformats.org/drawingml/2006/main" xmlns:r="http://schemas.openxmlformats.org/officeDocument/2006/relationships" xmlns:p="http://schemas.openxmlformats.org/presentationml/2006/main">
   <p:cSld>
     <p:spTree>
@@ -9537,6 +9454,96 @@
 </p:sld>
 </file>
 
+<file path=ppt/slides/slide19.xml><?xml version="1.0" encoding="utf-8"?>
+<p:sld xmlns:a="http://schemas.openxmlformats.org/drawingml/2006/main" xmlns:r="http://schemas.openxmlformats.org/officeDocument/2006/relationships" xmlns:p="http://schemas.openxmlformats.org/presentationml/2006/main">
+  <p:cSld>
+    <p:spTree>
+      <p:nvGrpSpPr>
+        <p:cNvPr id="1" name=""/>
+        <p:cNvGrpSpPr/>
+        <p:nvPr/>
+      </p:nvGrpSpPr>
+      <p:grpSpPr>
+        <a:xfrm>
+          <a:off x="0" y="0"/>
+          <a:ext cx="0" cy="0"/>
+          <a:chOff x="0" y="0"/>
+          <a:chExt cx="0" cy="0"/>
+        </a:xfrm>
+      </p:grpSpPr>
+      <p:sp>
+        <p:nvSpPr>
+          <p:cNvPr id="2" name="Title 1">
+            <a:extLst>
+              <a:ext uri="{FF2B5EF4-FFF2-40B4-BE49-F238E27FC236}">
+                <a16:creationId xmlns:a16="http://schemas.microsoft.com/office/drawing/2014/main" id="{2A066406-30BE-457E-AABB-1E650EC5BCF5}"/>
+              </a:ext>
+            </a:extLst>
+          </p:cNvPr>
+          <p:cNvSpPr>
+            <a:spLocks noGrp="1"/>
+          </p:cNvSpPr>
+          <p:nvPr>
+            <p:ph type="title"/>
+          </p:nvPr>
+        </p:nvSpPr>
+        <p:spPr/>
+        <p:txBody>
+          <a:bodyPr/>
+          <a:lstStyle/>
+          <a:p>
+            <a:r>
+              <a:rPr lang="en-US" dirty="0"/>
+              <a:t>Trend of crime over the years.</a:t>
+            </a:r>
+          </a:p>
+        </p:txBody>
+      </p:sp>
+      <p:pic>
+        <p:nvPicPr>
+          <p:cNvPr id="4" name="Content Placeholder 3">
+            <a:extLst>
+              <a:ext uri="{FF2B5EF4-FFF2-40B4-BE49-F238E27FC236}">
+                <a16:creationId xmlns:a16="http://schemas.microsoft.com/office/drawing/2014/main" id="{E1B18182-0BA0-4610-A960-380B26B05D7D}"/>
+              </a:ext>
+            </a:extLst>
+          </p:cNvPr>
+          <p:cNvPicPr>
+            <a:picLocks noGrp="1" noChangeAspect="1"/>
+          </p:cNvPicPr>
+          <p:nvPr>
+            <p:ph idx="1"/>
+          </p:nvPr>
+        </p:nvPicPr>
+        <p:blipFill>
+          <a:blip r:embed="rId2"/>
+          <a:stretch>
+            <a:fillRect/>
+          </a:stretch>
+        </p:blipFill>
+        <p:spPr>
+          <a:xfrm>
+            <a:off x="2592925" y="1905000"/>
+            <a:ext cx="8911687" cy="4006850"/>
+          </a:xfrm>
+          <a:prstGeom prst="rect">
+            <a:avLst/>
+          </a:prstGeom>
+        </p:spPr>
+      </p:pic>
+    </p:spTree>
+    <p:extLst>
+      <p:ext uri="{BB962C8B-B14F-4D97-AF65-F5344CB8AC3E}">
+        <p14:creationId xmlns:p14="http://schemas.microsoft.com/office/powerpoint/2010/main" val="1085450392"/>
+      </p:ext>
+    </p:extLst>
+  </p:cSld>
+  <p:clrMapOvr>
+    <a:masterClrMapping/>
+  </p:clrMapOvr>
+</p:sld>
+</file>
+
 <file path=ppt/slides/slide2.xml><?xml version="1.0" encoding="utf-8"?>
 <p:sld xmlns:a="http://schemas.openxmlformats.org/drawingml/2006/main" xmlns:r="http://schemas.openxmlformats.org/officeDocument/2006/relationships" xmlns:p="http://schemas.openxmlformats.org/presentationml/2006/main">
   <p:cSld>
@@ -9663,96 +9670,6 @@
           <p:cNvPr id="2" name="Title 1">
             <a:extLst>
               <a:ext uri="{FF2B5EF4-FFF2-40B4-BE49-F238E27FC236}">
-                <a16:creationId xmlns:a16="http://schemas.microsoft.com/office/drawing/2014/main" id="{2A066406-30BE-457E-AABB-1E650EC5BCF5}"/>
-              </a:ext>
-            </a:extLst>
-          </p:cNvPr>
-          <p:cNvSpPr>
-            <a:spLocks noGrp="1"/>
-          </p:cNvSpPr>
-          <p:nvPr>
-            <p:ph type="title"/>
-          </p:nvPr>
-        </p:nvSpPr>
-        <p:spPr/>
-        <p:txBody>
-          <a:bodyPr/>
-          <a:lstStyle/>
-          <a:p>
-            <a:r>
-              <a:rPr lang="en-US" dirty="0"/>
-              <a:t>Trend of crime over the years.</a:t>
-            </a:r>
-          </a:p>
-        </p:txBody>
-      </p:sp>
-      <p:pic>
-        <p:nvPicPr>
-          <p:cNvPr id="4" name="Content Placeholder 3">
-            <a:extLst>
-              <a:ext uri="{FF2B5EF4-FFF2-40B4-BE49-F238E27FC236}">
-                <a16:creationId xmlns:a16="http://schemas.microsoft.com/office/drawing/2014/main" id="{E1B18182-0BA0-4610-A960-380B26B05D7D}"/>
-              </a:ext>
-            </a:extLst>
-          </p:cNvPr>
-          <p:cNvPicPr>
-            <a:picLocks noGrp="1" noChangeAspect="1"/>
-          </p:cNvPicPr>
-          <p:nvPr>
-            <p:ph idx="1"/>
-          </p:nvPr>
-        </p:nvPicPr>
-        <p:blipFill>
-          <a:blip r:embed="rId2"/>
-          <a:stretch>
-            <a:fillRect/>
-          </a:stretch>
-        </p:blipFill>
-        <p:spPr>
-          <a:xfrm>
-            <a:off x="2592925" y="1905000"/>
-            <a:ext cx="8911687" cy="4006850"/>
-          </a:xfrm>
-          <a:prstGeom prst="rect">
-            <a:avLst/>
-          </a:prstGeom>
-        </p:spPr>
-      </p:pic>
-    </p:spTree>
-    <p:extLst>
-      <p:ext uri="{BB962C8B-B14F-4D97-AF65-F5344CB8AC3E}">
-        <p14:creationId xmlns:p14="http://schemas.microsoft.com/office/powerpoint/2010/main" val="1085450392"/>
-      </p:ext>
-    </p:extLst>
-  </p:cSld>
-  <p:clrMapOvr>
-    <a:masterClrMapping/>
-  </p:clrMapOvr>
-</p:sld>
-</file>
-
-<file path=ppt/slides/slide21.xml><?xml version="1.0" encoding="utf-8"?>
-<p:sld xmlns:a="http://schemas.openxmlformats.org/drawingml/2006/main" xmlns:r="http://schemas.openxmlformats.org/officeDocument/2006/relationships" xmlns:p="http://schemas.openxmlformats.org/presentationml/2006/main">
-  <p:cSld>
-    <p:spTree>
-      <p:nvGrpSpPr>
-        <p:cNvPr id="1" name=""/>
-        <p:cNvGrpSpPr/>
-        <p:nvPr/>
-      </p:nvGrpSpPr>
-      <p:grpSpPr>
-        <a:xfrm>
-          <a:off x="0" y="0"/>
-          <a:ext cx="0" cy="0"/>
-          <a:chOff x="0" y="0"/>
-          <a:chExt cx="0" cy="0"/>
-        </a:xfrm>
-      </p:grpSpPr>
-      <p:sp>
-        <p:nvSpPr>
-          <p:cNvPr id="2" name="Title 1">
-            <a:extLst>
-              <a:ext uri="{FF2B5EF4-FFF2-40B4-BE49-F238E27FC236}">
                 <a16:creationId xmlns:a16="http://schemas.microsoft.com/office/drawing/2014/main" id="{B77B6557-E4C3-4B5D-ACEE-ACCB2AD897E4}"/>
               </a:ext>
             </a:extLst>
@@ -9821,7 +9738,7 @@
 </p:sld>
 </file>
 
-<file path=ppt/slides/slide22.xml><?xml version="1.0" encoding="utf-8"?>
+<file path=ppt/slides/slide21.xml><?xml version="1.0" encoding="utf-8"?>
 <p:sld xmlns:a="http://schemas.openxmlformats.org/drawingml/2006/main" xmlns:r="http://schemas.openxmlformats.org/officeDocument/2006/relationships" xmlns:p="http://schemas.openxmlformats.org/presentationml/2006/main">
   <p:cSld>
     <p:spTree>
@@ -9911,7 +9828,7 @@
 </p:sld>
 </file>
 
-<file path=ppt/slides/slide23.xml><?xml version="1.0" encoding="utf-8"?>
+<file path=ppt/slides/slide22.xml><?xml version="1.0" encoding="utf-8"?>
 <p:sld xmlns:a="http://schemas.openxmlformats.org/drawingml/2006/main" xmlns:r="http://schemas.openxmlformats.org/officeDocument/2006/relationships" xmlns:p="http://schemas.openxmlformats.org/presentationml/2006/main">
   <p:cSld>
     <p:bg>
@@ -10084,7 +10001,7 @@
 </p:sld>
 </file>
 
-<file path=ppt/slides/slide24.xml><?xml version="1.0" encoding="utf-8"?>
+<file path=ppt/slides/slide23.xml><?xml version="1.0" encoding="utf-8"?>
 <p:sld xmlns:a="http://schemas.openxmlformats.org/drawingml/2006/main" xmlns:r="http://schemas.openxmlformats.org/officeDocument/2006/relationships" xmlns:p="http://schemas.openxmlformats.org/presentationml/2006/main">
   <p:cSld>
     <p:spTree>
@@ -10262,7 +10179,7 @@
 </p:sld>
 </file>
 
-<file path=ppt/slides/slide25.xml><?xml version="1.0" encoding="utf-8"?>
+<file path=ppt/slides/slide24.xml><?xml version="1.0" encoding="utf-8"?>
 <p:sld xmlns:a="http://schemas.openxmlformats.org/drawingml/2006/main" xmlns:r="http://schemas.openxmlformats.org/officeDocument/2006/relationships" xmlns:p="http://schemas.openxmlformats.org/presentationml/2006/main">
   <p:cSld>
     <p:spTree>
@@ -10440,7 +10357,7 @@
 </p:sld>
 </file>
 
-<file path=ppt/slides/slide26.xml><?xml version="1.0" encoding="utf-8"?>
+<file path=ppt/slides/slide25.xml><?xml version="1.0" encoding="utf-8"?>
 <p:sld xmlns:a="http://schemas.openxmlformats.org/drawingml/2006/main" xmlns:r="http://schemas.openxmlformats.org/officeDocument/2006/relationships" xmlns:p="http://schemas.openxmlformats.org/presentationml/2006/main">
   <p:cSld>
     <p:spTree>
@@ -10618,7 +10535,7 @@
 </p:sld>
 </file>
 
-<file path=ppt/slides/slide27.xml><?xml version="1.0" encoding="utf-8"?>
+<file path=ppt/slides/slide26.xml><?xml version="1.0" encoding="utf-8"?>
 <p:sld xmlns:a="http://schemas.openxmlformats.org/drawingml/2006/main" xmlns:r="http://schemas.openxmlformats.org/officeDocument/2006/relationships" xmlns:p="http://schemas.openxmlformats.org/presentationml/2006/main">
   <p:cSld>
     <p:spTree>
@@ -10796,7 +10713,7 @@
 </p:sld>
 </file>
 
-<file path=ppt/slides/slide28.xml><?xml version="1.0" encoding="utf-8"?>
+<file path=ppt/slides/slide27.xml><?xml version="1.0" encoding="utf-8"?>
 <p:sld xmlns:a="http://schemas.openxmlformats.org/drawingml/2006/main" xmlns:r="http://schemas.openxmlformats.org/officeDocument/2006/relationships" xmlns:p="http://schemas.openxmlformats.org/presentationml/2006/main">
   <p:cSld>
     <p:spTree>
@@ -10965,6 +10882,89 @@
     <p:extLst>
       <p:ext uri="{BB962C8B-B14F-4D97-AF65-F5344CB8AC3E}">
         <p14:creationId xmlns:p14="http://schemas.microsoft.com/office/powerpoint/2010/main" val="2315604558"/>
+      </p:ext>
+    </p:extLst>
+  </p:cSld>
+  <p:clrMapOvr>
+    <a:masterClrMapping/>
+  </p:clrMapOvr>
+</p:sld>
+</file>
+
+<file path=ppt/slides/slide28.xml><?xml version="1.0" encoding="utf-8"?>
+<p:sld xmlns:a="http://schemas.openxmlformats.org/drawingml/2006/main" xmlns:r="http://schemas.openxmlformats.org/officeDocument/2006/relationships" xmlns:p="http://schemas.openxmlformats.org/presentationml/2006/main">
+  <p:cSld>
+    <p:spTree>
+      <p:nvGrpSpPr>
+        <p:cNvPr id="1" name=""/>
+        <p:cNvGrpSpPr/>
+        <p:nvPr/>
+      </p:nvGrpSpPr>
+      <p:grpSpPr>
+        <a:xfrm>
+          <a:off x="0" y="0"/>
+          <a:ext cx="0" cy="0"/>
+          <a:chOff x="0" y="0"/>
+          <a:chExt cx="0" cy="0"/>
+        </a:xfrm>
+      </p:grpSpPr>
+      <p:sp>
+        <p:nvSpPr>
+          <p:cNvPr id="2" name="Title 1">
+            <a:extLst>
+              <a:ext uri="{FF2B5EF4-FFF2-40B4-BE49-F238E27FC236}">
+                <a16:creationId xmlns:a16="http://schemas.microsoft.com/office/drawing/2014/main" id="{11588856-BD90-4412-8F41-673028F2914A}"/>
+              </a:ext>
+            </a:extLst>
+          </p:cNvPr>
+          <p:cNvSpPr>
+            <a:spLocks noGrp="1"/>
+          </p:cNvSpPr>
+          <p:nvPr>
+            <p:ph type="title"/>
+          </p:nvPr>
+        </p:nvSpPr>
+        <p:spPr/>
+        <p:txBody>
+          <a:bodyPr/>
+          <a:lstStyle/>
+          <a:p>
+            <a:r>
+              <a:rPr lang="en-US" dirty="0"/>
+              <a:t>Arima model</a:t>
+            </a:r>
+          </a:p>
+        </p:txBody>
+      </p:sp>
+      <p:sp>
+        <p:nvSpPr>
+          <p:cNvPr id="3" name="Content Placeholder 2">
+            <a:extLst>
+              <a:ext uri="{FF2B5EF4-FFF2-40B4-BE49-F238E27FC236}">
+                <a16:creationId xmlns:a16="http://schemas.microsoft.com/office/drawing/2014/main" id="{877F13F2-87DE-48DC-BAF1-7589C6A98320}"/>
+              </a:ext>
+            </a:extLst>
+          </p:cNvPr>
+          <p:cNvSpPr>
+            <a:spLocks noGrp="1"/>
+          </p:cNvSpPr>
+          <p:nvPr>
+            <p:ph idx="1"/>
+          </p:nvPr>
+        </p:nvSpPr>
+        <p:spPr/>
+        <p:txBody>
+          <a:bodyPr/>
+          <a:lstStyle/>
+          <a:p>
+            <a:endParaRPr lang="en-US" dirty="0"/>
+          </a:p>
+        </p:txBody>
+      </p:sp>
+    </p:spTree>
+    <p:extLst>
+      <p:ext uri="{BB962C8B-B14F-4D97-AF65-F5344CB8AC3E}">
+        <p14:creationId xmlns:p14="http://schemas.microsoft.com/office/powerpoint/2010/main" val="1429009813"/>
       </p:ext>
     </p:extLst>
   </p:cSld>

--- a/Presentation.pptx
+++ b/Presentation.pptx
@@ -32,7 +32,11 @@
     <p:sldId id="282" r:id="rId26"/>
     <p:sldId id="283" r:id="rId27"/>
     <p:sldId id="284" r:id="rId28"/>
-    <p:sldId id="269" r:id="rId29"/>
+    <p:sldId id="292" r:id="rId29"/>
+    <p:sldId id="288" r:id="rId30"/>
+    <p:sldId id="289" r:id="rId31"/>
+    <p:sldId id="269" r:id="rId32"/>
+    <p:sldId id="290" r:id="rId33"/>
   </p:sldIdLst>
   <p:sldSz cx="12192000" cy="6858000"/>
   <p:notesSz cx="6858000" cy="9144000"/>
@@ -10910,10 +10914,10 @@
       </p:grpSpPr>
       <p:sp>
         <p:nvSpPr>
-          <p:cNvPr id="2" name="Title 1">
+          <p:cNvPr id="7" name="Title 6">
             <a:extLst>
               <a:ext uri="{FF2B5EF4-FFF2-40B4-BE49-F238E27FC236}">
-                <a16:creationId xmlns:a16="http://schemas.microsoft.com/office/drawing/2014/main" id="{11588856-BD90-4412-8F41-673028F2914A}"/>
+                <a16:creationId xmlns:a16="http://schemas.microsoft.com/office/drawing/2014/main" id="{CD443A71-8481-4F97-B1AA-4487DB933212}"/>
               </a:ext>
             </a:extLst>
           </p:cNvPr>
@@ -10921,7 +10925,7 @@
             <a:spLocks noGrp="1"/>
           </p:cNvSpPr>
           <p:nvPr>
-            <p:ph type="title"/>
+            <p:ph type="ctrTitle"/>
           </p:nvPr>
         </p:nvSpPr>
         <p:spPr/>
@@ -10931,17 +10935,17 @@
           <a:p>
             <a:r>
               <a:rPr lang="en-US" dirty="0"/>
-              <a:t>Arima model</a:t>
-            </a:r>
-          </a:p>
-        </p:txBody>
-      </p:sp>
-      <p:sp>
-        <p:nvSpPr>
-          <p:cNvPr id="3" name="Content Placeholder 2">
+              <a:t>Time Series Analysis</a:t>
+            </a:r>
+          </a:p>
+        </p:txBody>
+      </p:sp>
+      <p:sp>
+        <p:nvSpPr>
+          <p:cNvPr id="8" name="Subtitle 7">
             <a:extLst>
               <a:ext uri="{FF2B5EF4-FFF2-40B4-BE49-F238E27FC236}">
-                <a16:creationId xmlns:a16="http://schemas.microsoft.com/office/drawing/2014/main" id="{877F13F2-87DE-48DC-BAF1-7589C6A98320}"/>
+                <a16:creationId xmlns:a16="http://schemas.microsoft.com/office/drawing/2014/main" id="{DAE79218-05BB-4AD5-95F6-61F8F4503A85}"/>
               </a:ext>
             </a:extLst>
           </p:cNvPr>
@@ -10949,7 +10953,7 @@
             <a:spLocks noGrp="1"/>
           </p:cNvSpPr>
           <p:nvPr>
-            <p:ph idx="1"/>
+            <p:ph type="subTitle" idx="1"/>
           </p:nvPr>
         </p:nvSpPr>
         <p:spPr/>
@@ -10957,14 +10961,112 @@
           <a:bodyPr/>
           <a:lstStyle/>
           <a:p>
-            <a:endParaRPr lang="en-US" dirty="0"/>
+            <a:endParaRPr lang="en-US"/>
           </a:p>
         </p:txBody>
       </p:sp>
     </p:spTree>
     <p:extLst>
       <p:ext uri="{BB962C8B-B14F-4D97-AF65-F5344CB8AC3E}">
-        <p14:creationId xmlns:p14="http://schemas.microsoft.com/office/powerpoint/2010/main" val="1429009813"/>
+        <p14:creationId xmlns:p14="http://schemas.microsoft.com/office/powerpoint/2010/main" val="980294042"/>
+      </p:ext>
+    </p:extLst>
+  </p:cSld>
+  <p:clrMapOvr>
+    <a:masterClrMapping/>
+  </p:clrMapOvr>
+</p:sld>
+</file>
+
+<file path=ppt/slides/slide29.xml><?xml version="1.0" encoding="utf-8"?>
+<p:sld xmlns:a="http://schemas.openxmlformats.org/drawingml/2006/main" xmlns:r="http://schemas.openxmlformats.org/officeDocument/2006/relationships" xmlns:p="http://schemas.openxmlformats.org/presentationml/2006/main">
+  <p:cSld>
+    <p:spTree>
+      <p:nvGrpSpPr>
+        <p:cNvPr id="1" name=""/>
+        <p:cNvGrpSpPr/>
+        <p:nvPr/>
+      </p:nvGrpSpPr>
+      <p:grpSpPr>
+        <a:xfrm>
+          <a:off x="0" y="0"/>
+          <a:ext cx="0" cy="0"/>
+          <a:chOff x="0" y="0"/>
+          <a:chExt cx="0" cy="0"/>
+        </a:xfrm>
+      </p:grpSpPr>
+      <p:sp>
+        <p:nvSpPr>
+          <p:cNvPr id="7" name="Title 6">
+            <a:extLst>
+              <a:ext uri="{FF2B5EF4-FFF2-40B4-BE49-F238E27FC236}">
+                <a16:creationId xmlns:a16="http://schemas.microsoft.com/office/drawing/2014/main" id="{2F994259-E371-42A2-8DA6-C749B6D83DFB}"/>
+              </a:ext>
+            </a:extLst>
+          </p:cNvPr>
+          <p:cNvSpPr>
+            <a:spLocks noGrp="1"/>
+          </p:cNvSpPr>
+          <p:nvPr>
+            <p:ph type="title"/>
+          </p:nvPr>
+        </p:nvSpPr>
+        <p:spPr/>
+        <p:txBody>
+          <a:bodyPr/>
+          <a:lstStyle/>
+          <a:p>
+            <a:r>
+              <a:rPr lang="en-US" dirty="0"/>
+              <a:t>Time Series Analysis</a:t>
+            </a:r>
+          </a:p>
+        </p:txBody>
+      </p:sp>
+      <p:sp>
+        <p:nvSpPr>
+          <p:cNvPr id="8" name="Content Placeholder 7">
+            <a:extLst>
+              <a:ext uri="{FF2B5EF4-FFF2-40B4-BE49-F238E27FC236}">
+                <a16:creationId xmlns:a16="http://schemas.microsoft.com/office/drawing/2014/main" id="{5ED2D673-461C-44C4-8A6F-E39A3198E152}"/>
+              </a:ext>
+            </a:extLst>
+          </p:cNvPr>
+          <p:cNvSpPr>
+            <a:spLocks noGrp="1"/>
+          </p:cNvSpPr>
+          <p:nvPr>
+            <p:ph idx="1"/>
+          </p:nvPr>
+        </p:nvSpPr>
+        <p:spPr/>
+        <p:txBody>
+          <a:bodyPr/>
+          <a:lstStyle/>
+          <a:p>
+            <a:r>
+              <a:rPr lang="en-US" dirty="0"/>
+              <a:t>It would be an interesting problem if we would be able to predict the trends of crime rates in regions.</a:t>
+            </a:r>
+          </a:p>
+          <a:p>
+            <a:r>
+              <a:rPr lang="en-US" dirty="0"/>
+              <a:t>Based on the predictions if we can observe probable decrease in crime in a region, we can say that there might be chances of increase in price.</a:t>
+            </a:r>
+          </a:p>
+          <a:p>
+            <a:r>
+              <a:rPr lang="en-US" dirty="0"/>
+              <a:t>Which might be a good investment opportunity.</a:t>
+            </a:r>
+          </a:p>
+        </p:txBody>
+      </p:sp>
+    </p:spTree>
+    <p:extLst>
+      <p:ext uri="{BB962C8B-B14F-4D97-AF65-F5344CB8AC3E}">
+        <p14:creationId xmlns:p14="http://schemas.microsoft.com/office/powerpoint/2010/main" val="2668986080"/>
       </p:ext>
     </p:extLst>
   </p:cSld>
@@ -11071,6 +11173,797 @@
     <p:extLst>
       <p:ext uri="{BB962C8B-B14F-4D97-AF65-F5344CB8AC3E}">
         <p14:creationId xmlns:p14="http://schemas.microsoft.com/office/powerpoint/2010/main" val="3821859980"/>
+      </p:ext>
+    </p:extLst>
+  </p:cSld>
+  <p:clrMapOvr>
+    <a:masterClrMapping/>
+  </p:clrMapOvr>
+</p:sld>
+</file>
+
+<file path=ppt/slides/slide30.xml><?xml version="1.0" encoding="utf-8"?>
+<p:sld xmlns:a="http://schemas.openxmlformats.org/drawingml/2006/main" xmlns:r="http://schemas.openxmlformats.org/officeDocument/2006/relationships" xmlns:p="http://schemas.openxmlformats.org/presentationml/2006/main">
+  <p:cSld>
+    <p:spTree>
+      <p:nvGrpSpPr>
+        <p:cNvPr id="1" name=""/>
+        <p:cNvGrpSpPr/>
+        <p:nvPr/>
+      </p:nvGrpSpPr>
+      <p:grpSpPr>
+        <a:xfrm>
+          <a:off x="0" y="0"/>
+          <a:ext cx="0" cy="0"/>
+          <a:chOff x="0" y="0"/>
+          <a:chExt cx="0" cy="0"/>
+        </a:xfrm>
+      </p:grpSpPr>
+      <p:sp>
+        <p:nvSpPr>
+          <p:cNvPr id="2" name="Title 1">
+            <a:extLst>
+              <a:ext uri="{FF2B5EF4-FFF2-40B4-BE49-F238E27FC236}">
+                <a16:creationId xmlns:a16="http://schemas.microsoft.com/office/drawing/2014/main" id="{53A5B177-00F7-45AF-A63C-6B7801516291}"/>
+              </a:ext>
+            </a:extLst>
+          </p:cNvPr>
+          <p:cNvSpPr>
+            <a:spLocks noGrp="1"/>
+          </p:cNvSpPr>
+          <p:nvPr>
+            <p:ph type="title"/>
+          </p:nvPr>
+        </p:nvSpPr>
+        <p:spPr/>
+        <p:txBody>
+          <a:bodyPr/>
+          <a:lstStyle/>
+          <a:p>
+            <a:r>
+              <a:rPr lang="en-US" dirty="0"/>
+              <a:t>Why time series prediction?</a:t>
+            </a:r>
+          </a:p>
+        </p:txBody>
+      </p:sp>
+      <p:sp>
+        <p:nvSpPr>
+          <p:cNvPr id="3" name="Content Placeholder 2">
+            <a:extLst>
+              <a:ext uri="{FF2B5EF4-FFF2-40B4-BE49-F238E27FC236}">
+                <a16:creationId xmlns:a16="http://schemas.microsoft.com/office/drawing/2014/main" id="{F72DE821-0498-4EEA-9777-A826FF6907C7}"/>
+              </a:ext>
+            </a:extLst>
+          </p:cNvPr>
+          <p:cNvSpPr>
+            <a:spLocks noGrp="1"/>
+          </p:cNvSpPr>
+          <p:nvPr>
+            <p:ph idx="1"/>
+          </p:nvPr>
+        </p:nvSpPr>
+        <p:spPr/>
+        <p:txBody>
+          <a:bodyPr/>
+          <a:lstStyle/>
+          <a:p>
+            <a:r>
+              <a:rPr lang="en-US" dirty="0"/>
+              <a:t>The Data as per most of the analysis seems to be a bit seasonal and might follow a sort of trend.</a:t>
+            </a:r>
+          </a:p>
+          <a:p>
+            <a:r>
+              <a:rPr lang="en-US" dirty="0"/>
+              <a:t>So we want to check how dependent the value of crime is on time.</a:t>
+            </a:r>
+          </a:p>
+          <a:p>
+            <a:r>
+              <a:rPr lang="en-US" dirty="0"/>
+              <a:t>Based on this assumption, we thought to implement a Time Series model for its prediction.</a:t>
+            </a:r>
+          </a:p>
+        </p:txBody>
+      </p:sp>
+    </p:spTree>
+    <p:extLst>
+      <p:ext uri="{BB962C8B-B14F-4D97-AF65-F5344CB8AC3E}">
+        <p14:creationId xmlns:p14="http://schemas.microsoft.com/office/powerpoint/2010/main" val="1868349135"/>
+      </p:ext>
+    </p:extLst>
+  </p:cSld>
+  <p:clrMapOvr>
+    <a:masterClrMapping/>
+  </p:clrMapOvr>
+</p:sld>
+</file>
+
+<file path=ppt/slides/slide31.xml><?xml version="1.0" encoding="utf-8"?>
+<p:sld xmlns:a="http://schemas.openxmlformats.org/drawingml/2006/main" xmlns:r="http://schemas.openxmlformats.org/officeDocument/2006/relationships" xmlns:p="http://schemas.openxmlformats.org/presentationml/2006/main">
+  <p:cSld>
+    <p:spTree>
+      <p:nvGrpSpPr>
+        <p:cNvPr id="1" name=""/>
+        <p:cNvGrpSpPr/>
+        <p:nvPr/>
+      </p:nvGrpSpPr>
+      <p:grpSpPr>
+        <a:xfrm>
+          <a:off x="0" y="0"/>
+          <a:ext cx="0" cy="0"/>
+          <a:chOff x="0" y="0"/>
+          <a:chExt cx="0" cy="0"/>
+        </a:xfrm>
+      </p:grpSpPr>
+      <p:sp>
+        <p:nvSpPr>
+          <p:cNvPr id="2" name="Title 1">
+            <a:extLst>
+              <a:ext uri="{FF2B5EF4-FFF2-40B4-BE49-F238E27FC236}">
+                <a16:creationId xmlns:a16="http://schemas.microsoft.com/office/drawing/2014/main" id="{11588856-BD90-4412-8F41-673028F2914A}"/>
+              </a:ext>
+            </a:extLst>
+          </p:cNvPr>
+          <p:cNvSpPr>
+            <a:spLocks noGrp="1"/>
+          </p:cNvSpPr>
+          <p:nvPr>
+            <p:ph type="title"/>
+          </p:nvPr>
+        </p:nvSpPr>
+        <p:spPr/>
+        <p:txBody>
+          <a:bodyPr/>
+          <a:lstStyle/>
+          <a:p>
+            <a:r>
+              <a:rPr lang="en-US" dirty="0"/>
+              <a:t>ARIMA model</a:t>
+            </a:r>
+          </a:p>
+        </p:txBody>
+      </p:sp>
+      <p:sp>
+        <p:nvSpPr>
+          <p:cNvPr id="3" name="Content Placeholder 2">
+            <a:extLst>
+              <a:ext uri="{FF2B5EF4-FFF2-40B4-BE49-F238E27FC236}">
+                <a16:creationId xmlns:a16="http://schemas.microsoft.com/office/drawing/2014/main" id="{877F13F2-87DE-48DC-BAF1-7589C6A98320}"/>
+              </a:ext>
+            </a:extLst>
+          </p:cNvPr>
+          <p:cNvSpPr>
+            <a:spLocks noGrp="1"/>
+          </p:cNvSpPr>
+          <p:nvPr>
+            <p:ph idx="1"/>
+          </p:nvPr>
+        </p:nvSpPr>
+        <p:spPr>
+          <a:xfrm>
+            <a:off x="2592925" y="1722140"/>
+            <a:ext cx="8915400" cy="4511750"/>
+          </a:xfrm>
+        </p:spPr>
+        <p:txBody>
+          <a:bodyPr>
+            <a:normAutofit lnSpcReduction="10000"/>
+          </a:bodyPr>
+          <a:lstStyle/>
+          <a:p>
+            <a:r>
+              <a:rPr lang="en-US" dirty="0"/>
+              <a:t>We used Auto Regressor Integrated Moving Average model for the task.</a:t>
+            </a:r>
+          </a:p>
+          <a:p>
+            <a:r>
+              <a:rPr lang="en-US" dirty="0"/>
+              <a:t>What is ARIMA model?</a:t>
+            </a:r>
+          </a:p>
+          <a:p>
+            <a:pPr lvl="1"/>
+            <a:r>
+              <a:rPr lang="en-US" dirty="0"/>
+              <a:t>AR:</a:t>
+            </a:r>
+          </a:p>
+          <a:p>
+            <a:pPr lvl="2"/>
+            <a:r>
+              <a:rPr lang="en-US" dirty="0"/>
+              <a:t>Lets imagine we have a function x such that:</a:t>
+            </a:r>
+          </a:p>
+          <a:p>
+            <a:pPr marL="1371600" lvl="3" indent="0">
+              <a:buNone/>
+            </a:pPr>
+            <a:r>
+              <a:rPr lang="en-US" b="1" dirty="0"/>
+              <a:t>x(t) = alpha *  x(t – 1) + error (t)</a:t>
+            </a:r>
+          </a:p>
+          <a:p>
+            <a:pPr lvl="2"/>
+            <a:r>
+              <a:rPr lang="en-US" dirty="0"/>
+              <a:t>This equation is AR(1), which means that the instance is solely dependent on the previous value, alpha is a co-efficient we use to minimize the error.</a:t>
+            </a:r>
+          </a:p>
+          <a:p>
+            <a:pPr lvl="1"/>
+            <a:r>
+              <a:rPr lang="en-US" dirty="0"/>
+              <a:t>MA:</a:t>
+            </a:r>
+          </a:p>
+          <a:p>
+            <a:pPr lvl="2"/>
+            <a:r>
+              <a:rPr lang="en-US" dirty="0"/>
+              <a:t>So if the function looks something like:</a:t>
+            </a:r>
+          </a:p>
+          <a:p>
+            <a:pPr marL="1371600" lvl="3" indent="0">
+              <a:buNone/>
+            </a:pPr>
+            <a:r>
+              <a:rPr lang="de-DE" b="1" dirty="0"/>
+              <a:t>x(t) = beta *  error(t-1) + error (t)</a:t>
+            </a:r>
+          </a:p>
+          <a:p>
+            <a:pPr lvl="2"/>
+            <a:r>
+              <a:rPr lang="de-DE" dirty="0"/>
+              <a:t>This is a Moving Average Model with beta coefficient and x as function of previous error and current error.</a:t>
+            </a:r>
+          </a:p>
+          <a:p>
+            <a:pPr lvl="1"/>
+            <a:r>
+              <a:rPr lang="de-DE" dirty="0"/>
+              <a:t>I:</a:t>
+            </a:r>
+          </a:p>
+          <a:p>
+            <a:pPr lvl="2"/>
+            <a:r>
+              <a:rPr lang="de-DE" dirty="0"/>
+              <a:t>Integrated here means a differencing term.</a:t>
+            </a:r>
+          </a:p>
+          <a:p>
+            <a:pPr marL="1371600" lvl="3" indent="0">
+              <a:buNone/>
+            </a:pPr>
+            <a:endParaRPr lang="en-US" dirty="0"/>
+          </a:p>
+          <a:p>
+            <a:endParaRPr lang="en-US" dirty="0"/>
+          </a:p>
+        </p:txBody>
+      </p:sp>
+    </p:spTree>
+    <p:extLst>
+      <p:ext uri="{BB962C8B-B14F-4D97-AF65-F5344CB8AC3E}">
+        <p14:creationId xmlns:p14="http://schemas.microsoft.com/office/powerpoint/2010/main" val="1429009813"/>
+      </p:ext>
+    </p:extLst>
+  </p:cSld>
+  <p:clrMapOvr>
+    <a:masterClrMapping/>
+  </p:clrMapOvr>
+</p:sld>
+</file>
+
+<file path=ppt/slides/slide32.xml><?xml version="1.0" encoding="utf-8"?>
+<p:sld xmlns:a="http://schemas.openxmlformats.org/drawingml/2006/main" xmlns:r="http://schemas.openxmlformats.org/officeDocument/2006/relationships" xmlns:p="http://schemas.openxmlformats.org/presentationml/2006/main">
+  <p:cSld>
+    <p:bg>
+      <p:bgPr>
+        <a:gradFill rotWithShape="1">
+          <a:gsLst>
+            <a:gs pos="0">
+              <a:schemeClr val="bg2">
+                <a:tint val="90000"/>
+                <a:satMod val="92000"/>
+                <a:lumMod val="120000"/>
+              </a:schemeClr>
+            </a:gs>
+            <a:gs pos="100000">
+              <a:schemeClr val="bg2">
+                <a:shade val="98000"/>
+                <a:satMod val="120000"/>
+                <a:lumMod val="98000"/>
+              </a:schemeClr>
+            </a:gs>
+          </a:gsLst>
+          <a:path path="circle">
+            <a:fillToRect l="50000" t="50000" r="100000" b="100000"/>
+          </a:path>
+        </a:gradFill>
+        <a:effectLst/>
+      </p:bgPr>
+    </p:bg>
+    <p:spTree>
+      <p:nvGrpSpPr>
+        <p:cNvPr id="1" name=""/>
+        <p:cNvGrpSpPr/>
+        <p:nvPr/>
+      </p:nvGrpSpPr>
+      <p:grpSpPr>
+        <a:xfrm>
+          <a:off x="0" y="0"/>
+          <a:ext cx="0" cy="0"/>
+          <a:chOff x="0" y="0"/>
+          <a:chExt cx="0" cy="0"/>
+        </a:xfrm>
+      </p:grpSpPr>
+      <p:sp useBgFill="1">
+        <p:nvSpPr>
+          <p:cNvPr id="9" name="Rectangle 8">
+            <a:extLst>
+              <a:ext uri="{FF2B5EF4-FFF2-40B4-BE49-F238E27FC236}">
+                <a16:creationId xmlns:a16="http://schemas.microsoft.com/office/drawing/2014/main" id="{3F4C104D-5F30-4811-9376-566B26E4719A}"/>
+              </a:ext>
+              <a:ext uri="{C183D7F6-B498-43B3-948B-1728B52AA6E4}">
+                <adec:decorative xmlns:adec="http://schemas.microsoft.com/office/drawing/2017/decorative" val="1"/>
+              </a:ext>
+            </a:extLst>
+          </p:cNvPr>
+          <p:cNvSpPr>
+            <a:spLocks noGrp="1" noRot="1" noChangeAspect="1" noMove="1" noResize="1" noEditPoints="1" noAdjustHandles="1" noChangeArrowheads="1" noChangeShapeType="1" noTextEdit="1"/>
+          </p:cNvSpPr>
+          <p:nvPr>
+            <p:extLst>
+              <p:ext uri="{386F3935-93C4-4BCD-93E2-E3B085C9AB24}">
+                <p16:designElem xmlns:p16="http://schemas.microsoft.com/office/powerpoint/2015/main" val="1"/>
+              </p:ext>
+            </p:extLst>
+          </p:nvPr>
+        </p:nvSpPr>
+        <p:spPr>
+          <a:xfrm>
+            <a:off x="0" y="-786"/>
+            <a:ext cx="12192000" cy="6854038"/>
+          </a:xfrm>
+          <a:prstGeom prst="rect">
+            <a:avLst/>
+          </a:prstGeom>
+          <a:ln>
+            <a:noFill/>
+          </a:ln>
+        </p:spPr>
+        <p:style>
+          <a:lnRef idx="2">
+            <a:schemeClr val="accent1">
+              <a:shade val="50000"/>
+            </a:schemeClr>
+          </a:lnRef>
+          <a:fillRef idx="1">
+            <a:schemeClr val="accent1"/>
+          </a:fillRef>
+          <a:effectRef idx="0">
+            <a:schemeClr val="accent1"/>
+          </a:effectRef>
+          <a:fontRef idx="minor">
+            <a:schemeClr val="lt1"/>
+          </a:fontRef>
+        </p:style>
+        <p:txBody>
+          <a:bodyPr rtlCol="0" anchor="ctr"/>
+          <a:lstStyle/>
+          <a:p>
+            <a:pPr algn="ctr"/>
+            <a:endParaRPr lang="en-US"/>
+          </a:p>
+        </p:txBody>
+      </p:sp>
+      <p:sp>
+        <p:nvSpPr>
+          <p:cNvPr id="2" name="Title 1">
+            <a:extLst>
+              <a:ext uri="{FF2B5EF4-FFF2-40B4-BE49-F238E27FC236}">
+                <a16:creationId xmlns:a16="http://schemas.microsoft.com/office/drawing/2014/main" id="{F9371613-F5E8-423E-B049-119BF2FF3A10}"/>
+              </a:ext>
+            </a:extLst>
+          </p:cNvPr>
+          <p:cNvSpPr>
+            <a:spLocks noGrp="1"/>
+          </p:cNvSpPr>
+          <p:nvPr>
+            <p:ph type="title"/>
+          </p:nvPr>
+        </p:nvSpPr>
+        <p:spPr>
+          <a:xfrm>
+            <a:off x="649224" y="645106"/>
+            <a:ext cx="3650279" cy="1259894"/>
+          </a:xfrm>
+        </p:spPr>
+        <p:txBody>
+          <a:bodyPr>
+            <a:normAutofit/>
+          </a:bodyPr>
+          <a:lstStyle/>
+          <a:p>
+            <a:r>
+              <a:rPr lang="en-US"/>
+              <a:t>Training and Testing</a:t>
+            </a:r>
+            <a:endParaRPr lang="en-US" dirty="0"/>
+          </a:p>
+        </p:txBody>
+      </p:sp>
+      <p:sp>
+        <p:nvSpPr>
+          <p:cNvPr id="11" name="Rectangle 10">
+            <a:extLst>
+              <a:ext uri="{FF2B5EF4-FFF2-40B4-BE49-F238E27FC236}">
+                <a16:creationId xmlns:a16="http://schemas.microsoft.com/office/drawing/2014/main" id="{0815E34B-5D02-4E01-A936-E8E1C0AB6F12}"/>
+              </a:ext>
+              <a:ext uri="{C183D7F6-B498-43B3-948B-1728B52AA6E4}">
+                <adec:decorative xmlns:adec="http://schemas.microsoft.com/office/drawing/2017/decorative" val="1"/>
+              </a:ext>
+            </a:extLst>
+          </p:cNvPr>
+          <p:cNvSpPr>
+            <a:spLocks noGrp="1" noRot="1" noChangeAspect="1" noMove="1" noResize="1" noEditPoints="1" noAdjustHandles="1" noChangeArrowheads="1" noChangeShapeType="1" noTextEdit="1"/>
+          </p:cNvSpPr>
+          <p:nvPr>
+            <p:extLst>
+              <p:ext uri="{386F3935-93C4-4BCD-93E2-E3B085C9AB24}">
+                <p16:designElem xmlns:p16="http://schemas.microsoft.com/office/powerpoint/2015/main" val="1"/>
+              </p:ext>
+            </p:extLst>
+          </p:nvPr>
+        </p:nvSpPr>
+        <p:spPr>
+          <a:xfrm>
+            <a:off x="0" y="0"/>
+            <a:ext cx="182880" cy="6858000"/>
+          </a:xfrm>
+          <a:prstGeom prst="rect">
+            <a:avLst/>
+          </a:prstGeom>
+          <a:solidFill>
+            <a:schemeClr val="tx2"/>
+          </a:solidFill>
+          <a:ln>
+            <a:noFill/>
+          </a:ln>
+          <a:effectLst/>
+        </p:spPr>
+        <p:style>
+          <a:lnRef idx="1">
+            <a:schemeClr val="accent1"/>
+          </a:lnRef>
+          <a:fillRef idx="3">
+            <a:schemeClr val="accent1"/>
+          </a:fillRef>
+          <a:effectRef idx="2">
+            <a:schemeClr val="accent1"/>
+          </a:effectRef>
+          <a:fontRef idx="minor">
+            <a:schemeClr val="lt1"/>
+          </a:fontRef>
+        </p:style>
+      </p:sp>
+      <p:sp>
+        <p:nvSpPr>
+          <p:cNvPr id="3" name="Content Placeholder 2">
+            <a:extLst>
+              <a:ext uri="{FF2B5EF4-FFF2-40B4-BE49-F238E27FC236}">
+                <a16:creationId xmlns:a16="http://schemas.microsoft.com/office/drawing/2014/main" id="{CEB3362A-4EA1-4510-A535-F45EE1B4A686}"/>
+              </a:ext>
+            </a:extLst>
+          </p:cNvPr>
+          <p:cNvSpPr>
+            <a:spLocks noGrp="1"/>
+          </p:cNvSpPr>
+          <p:nvPr>
+            <p:ph idx="1"/>
+          </p:nvPr>
+        </p:nvSpPr>
+        <p:spPr>
+          <a:xfrm>
+            <a:off x="649225" y="2133600"/>
+            <a:ext cx="3650278" cy="3922875"/>
+          </a:xfrm>
+        </p:spPr>
+        <p:txBody>
+          <a:bodyPr>
+            <a:normAutofit/>
+          </a:bodyPr>
+          <a:lstStyle/>
+          <a:p>
+            <a:r>
+              <a:rPr lang="en-US" dirty="0"/>
+              <a:t>Here we train the model with about three to four years of data and then we predict its performance.</a:t>
+            </a:r>
+          </a:p>
+          <a:p>
+            <a:r>
+              <a:rPr lang="en-US" dirty="0"/>
+              <a:t>The y-axis is crime rate and x-axis is the date.</a:t>
+            </a:r>
+          </a:p>
+          <a:p>
+            <a:r>
+              <a:rPr lang="en-US" dirty="0"/>
+              <a:t>The trend is seemed to be followed here, not overfitting the curve to an extent.</a:t>
+            </a:r>
+          </a:p>
+          <a:p>
+            <a:r>
+              <a:rPr lang="en-US" dirty="0"/>
+              <a:t>We used RMS error as measure for the task.</a:t>
+            </a:r>
+          </a:p>
+          <a:p>
+            <a:endParaRPr lang="en-US" dirty="0"/>
+          </a:p>
+          <a:p>
+            <a:endParaRPr lang="en-US" dirty="0"/>
+          </a:p>
+        </p:txBody>
+      </p:sp>
+      <p:pic>
+        <p:nvPicPr>
+          <p:cNvPr id="4" name="Picture 3">
+            <a:extLst>
+              <a:ext uri="{FF2B5EF4-FFF2-40B4-BE49-F238E27FC236}">
+                <a16:creationId xmlns:a16="http://schemas.microsoft.com/office/drawing/2014/main" id="{48985EB8-59B7-4446-ABFF-60858051F563}"/>
+              </a:ext>
+            </a:extLst>
+          </p:cNvPr>
+          <p:cNvPicPr>
+            <a:picLocks noChangeAspect="1"/>
+          </p:cNvPicPr>
+          <p:nvPr/>
+        </p:nvPicPr>
+        <p:blipFill rotWithShape="1">
+          <a:blip r:embed="rId2"/>
+          <a:srcRect l="508" t="-115" r="1215"/>
+          <a:stretch/>
+        </p:blipFill>
+        <p:spPr>
+          <a:xfrm>
+            <a:off x="5135527" y="1544445"/>
+            <a:ext cx="6833736" cy="3759253"/>
+          </a:xfrm>
+          <a:prstGeom prst="rect">
+            <a:avLst/>
+          </a:prstGeom>
+        </p:spPr>
+      </p:pic>
+      <p:sp>
+        <p:nvSpPr>
+          <p:cNvPr id="13" name="Freeform 11">
+            <a:extLst>
+              <a:ext uri="{FF2B5EF4-FFF2-40B4-BE49-F238E27FC236}">
+                <a16:creationId xmlns:a16="http://schemas.microsoft.com/office/drawing/2014/main" id="{7DE3414B-B032-4710-A468-D3285E38C5FF}"/>
+              </a:ext>
+              <a:ext uri="{C183D7F6-B498-43B3-948B-1728B52AA6E4}">
+                <adec:decorative xmlns:adec="http://schemas.microsoft.com/office/drawing/2017/decorative" val="1"/>
+              </a:ext>
+            </a:extLst>
+          </p:cNvPr>
+          <p:cNvSpPr>
+            <a:spLocks noGrp="1" noRot="1" noChangeAspect="1" noMove="1" noResize="1" noEditPoints="1" noAdjustHandles="1" noChangeArrowheads="1" noChangeShapeType="1" noTextEdit="1"/>
+          </p:cNvSpPr>
+          <p:nvPr>
+            <p:extLst>
+              <p:ext uri="{386F3935-93C4-4BCD-93E2-E3B085C9AB24}">
+                <p16:designElem xmlns:p16="http://schemas.microsoft.com/office/powerpoint/2015/main" val="1"/>
+              </p:ext>
+            </p:extLst>
+          </p:nvPr>
+        </p:nvSpPr>
+        <p:spPr>
+          <a:xfrm>
+            <a:off x="-1" y="6061223"/>
+            <a:ext cx="1038036" cy="506277"/>
+          </a:xfrm>
+          <a:custGeom>
+            <a:avLst/>
+            <a:gdLst>
+              <a:gd name="connsiteX0" fmla="*/ 0 w 1038036"/>
+              <a:gd name="connsiteY0" fmla="*/ 0 h 506277"/>
+              <a:gd name="connsiteX1" fmla="*/ 182880 w 1038036"/>
+              <a:gd name="connsiteY1" fmla="*/ 0 h 506277"/>
+              <a:gd name="connsiteX2" fmla="*/ 291705 w 1038036"/>
+              <a:gd name="connsiteY2" fmla="*/ 0 h 506277"/>
+              <a:gd name="connsiteX3" fmla="*/ 291705 w 1038036"/>
+              <a:gd name="connsiteY3" fmla="*/ 151 h 506277"/>
+              <a:gd name="connsiteX4" fmla="*/ 692049 w 1038036"/>
+              <a:gd name="connsiteY4" fmla="*/ 705 h 506277"/>
+              <a:gd name="connsiteX5" fmla="*/ 782744 w 1038036"/>
+              <a:gd name="connsiteY5" fmla="*/ 705 h 506277"/>
+              <a:gd name="connsiteX6" fmla="*/ 797001 w 1038036"/>
+              <a:gd name="connsiteY6" fmla="*/ 5473 h 506277"/>
+              <a:gd name="connsiteX7" fmla="*/ 801982 w 1038036"/>
+              <a:gd name="connsiteY7" fmla="*/ 10242 h 506277"/>
+              <a:gd name="connsiteX8" fmla="*/ 1030951 w 1038036"/>
+              <a:gd name="connsiteY8" fmla="*/ 239185 h 506277"/>
+              <a:gd name="connsiteX9" fmla="*/ 1030951 w 1038036"/>
+              <a:gd name="connsiteY9" fmla="*/ 267797 h 506277"/>
+              <a:gd name="connsiteX10" fmla="*/ 801982 w 1038036"/>
+              <a:gd name="connsiteY10" fmla="*/ 496740 h 506277"/>
+              <a:gd name="connsiteX11" fmla="*/ 797001 w 1038036"/>
+              <a:gd name="connsiteY11" fmla="*/ 501508 h 506277"/>
+              <a:gd name="connsiteX12" fmla="*/ 782744 w 1038036"/>
+              <a:gd name="connsiteY12" fmla="*/ 506277 h 506277"/>
+              <a:gd name="connsiteX13" fmla="*/ 692049 w 1038036"/>
+              <a:gd name="connsiteY13" fmla="*/ 506277 h 506277"/>
+              <a:gd name="connsiteX14" fmla="*/ 291705 w 1038036"/>
+              <a:gd name="connsiteY14" fmla="*/ 505140 h 506277"/>
+              <a:gd name="connsiteX15" fmla="*/ 291705 w 1038036"/>
+              <a:gd name="connsiteY15" fmla="*/ 506277 h 506277"/>
+              <a:gd name="connsiteX16" fmla="*/ 0 w 1038036"/>
+              <a:gd name="connsiteY16" fmla="*/ 506277 h 506277"/>
+            </a:gdLst>
+            <a:ahLst/>
+            <a:cxnLst>
+              <a:cxn ang="0">
+                <a:pos x="connsiteX0" y="connsiteY0"/>
+              </a:cxn>
+              <a:cxn ang="0">
+                <a:pos x="connsiteX1" y="connsiteY1"/>
+              </a:cxn>
+              <a:cxn ang="0">
+                <a:pos x="connsiteX2" y="connsiteY2"/>
+              </a:cxn>
+              <a:cxn ang="0">
+                <a:pos x="connsiteX3" y="connsiteY3"/>
+              </a:cxn>
+              <a:cxn ang="0">
+                <a:pos x="connsiteX4" y="connsiteY4"/>
+              </a:cxn>
+              <a:cxn ang="0">
+                <a:pos x="connsiteX5" y="connsiteY5"/>
+              </a:cxn>
+              <a:cxn ang="0">
+                <a:pos x="connsiteX6" y="connsiteY6"/>
+              </a:cxn>
+              <a:cxn ang="0">
+                <a:pos x="connsiteX7" y="connsiteY7"/>
+              </a:cxn>
+              <a:cxn ang="0">
+                <a:pos x="connsiteX8" y="connsiteY8"/>
+              </a:cxn>
+              <a:cxn ang="0">
+                <a:pos x="connsiteX9" y="connsiteY9"/>
+              </a:cxn>
+              <a:cxn ang="0">
+                <a:pos x="connsiteX10" y="connsiteY10"/>
+              </a:cxn>
+              <a:cxn ang="0">
+                <a:pos x="connsiteX11" y="connsiteY11"/>
+              </a:cxn>
+              <a:cxn ang="0">
+                <a:pos x="connsiteX12" y="connsiteY12"/>
+              </a:cxn>
+              <a:cxn ang="0">
+                <a:pos x="connsiteX13" y="connsiteY13"/>
+              </a:cxn>
+              <a:cxn ang="0">
+                <a:pos x="connsiteX14" y="connsiteY14"/>
+              </a:cxn>
+              <a:cxn ang="0">
+                <a:pos x="connsiteX15" y="connsiteY15"/>
+              </a:cxn>
+              <a:cxn ang="0">
+                <a:pos x="connsiteX16" y="connsiteY16"/>
+              </a:cxn>
+            </a:cxnLst>
+            <a:rect l="l" t="t" r="r" b="b"/>
+            <a:pathLst>
+              <a:path w="1038036" h="506277">
+                <a:moveTo>
+                  <a:pt x="0" y="0"/>
+                </a:moveTo>
+                <a:lnTo>
+                  <a:pt x="182880" y="0"/>
+                </a:lnTo>
+                <a:lnTo>
+                  <a:pt x="291705" y="0"/>
+                </a:lnTo>
+                <a:lnTo>
+                  <a:pt x="291705" y="151"/>
+                </a:lnTo>
+                <a:lnTo>
+                  <a:pt x="692049" y="705"/>
+                </a:lnTo>
+                <a:lnTo>
+                  <a:pt x="782744" y="705"/>
+                </a:lnTo>
+                <a:cubicBezTo>
+                  <a:pt x="787553" y="705"/>
+                  <a:pt x="792363" y="5473"/>
+                  <a:pt x="797001" y="5473"/>
+                </a:cubicBezTo>
+                <a:cubicBezTo>
+                  <a:pt x="797001" y="10242"/>
+                  <a:pt x="801982" y="10242"/>
+                  <a:pt x="801982" y="10242"/>
+                </a:cubicBezTo>
+                <a:lnTo>
+                  <a:pt x="1030951" y="239185"/>
+                </a:lnTo>
+                <a:cubicBezTo>
+                  <a:pt x="1040398" y="248722"/>
+                  <a:pt x="1040398" y="258259"/>
+                  <a:pt x="1030951" y="267797"/>
+                </a:cubicBezTo>
+                <a:lnTo>
+                  <a:pt x="801982" y="496740"/>
+                </a:lnTo>
+                <a:cubicBezTo>
+                  <a:pt x="800436" y="498363"/>
+                  <a:pt x="798547" y="499885"/>
+                  <a:pt x="797001" y="501508"/>
+                </a:cubicBezTo>
+                <a:cubicBezTo>
+                  <a:pt x="792363" y="506277"/>
+                  <a:pt x="787553" y="506277"/>
+                  <a:pt x="782744" y="506277"/>
+                </a:cubicBezTo>
+                <a:lnTo>
+                  <a:pt x="692049" y="506277"/>
+                </a:lnTo>
+                <a:lnTo>
+                  <a:pt x="291705" y="505140"/>
+                </a:lnTo>
+                <a:lnTo>
+                  <a:pt x="291705" y="506277"/>
+                </a:lnTo>
+                <a:lnTo>
+                  <a:pt x="0" y="506277"/>
+                </a:lnTo>
+                <a:close/>
+              </a:path>
+            </a:pathLst>
+          </a:custGeom>
+          <a:ln>
+            <a:noFill/>
+          </a:ln>
+        </p:spPr>
+        <p:style>
+          <a:lnRef idx="2">
+            <a:schemeClr val="accent1">
+              <a:shade val="50000"/>
+            </a:schemeClr>
+          </a:lnRef>
+          <a:fillRef idx="1">
+            <a:schemeClr val="accent1"/>
+          </a:fillRef>
+          <a:effectRef idx="0">
+            <a:schemeClr val="accent1"/>
+          </a:effectRef>
+          <a:fontRef idx="minor">
+            <a:schemeClr val="lt1"/>
+          </a:fontRef>
+        </p:style>
+        <p:txBody>
+          <a:bodyPr rtlCol="0" anchor="ctr"/>
+          <a:lstStyle/>
+          <a:p>
+            <a:pPr algn="ctr"/>
+            <a:endParaRPr lang="en-US"/>
+          </a:p>
+        </p:txBody>
+      </p:sp>
+    </p:spTree>
+    <p:extLst>
+      <p:ext uri="{BB962C8B-B14F-4D97-AF65-F5344CB8AC3E}">
+        <p14:creationId xmlns:p14="http://schemas.microsoft.com/office/powerpoint/2010/main" val="3161996204"/>
       </p:ext>
     </p:extLst>
   </p:cSld>
